--- a/docs/MNE_4D_data.pptx
+++ b/docs/MNE_4D_data.pptx
@@ -4,25 +4,26 @@
   <p:sldMasterIdLst>
     <p:sldMasterId id="2147483648" r:id="rId2"/>
     <p:sldMasterId id="2147483661" r:id="rId3"/>
+    <p:sldMasterId id="2147483674" r:id="rId4"/>
   </p:sldMasterIdLst>
   <p:notesMasterIdLst>
-    <p:notesMasterId r:id="rId4"/>
+    <p:notesMasterId r:id="rId5"/>
   </p:notesMasterIdLst>
   <p:sldIdLst>
-    <p:sldId id="256" r:id="rId5"/>
-    <p:sldId id="257" r:id="rId6"/>
-    <p:sldId id="258" r:id="rId7"/>
-    <p:sldId id="259" r:id="rId8"/>
-    <p:sldId id="260" r:id="rId9"/>
-    <p:sldId id="261" r:id="rId10"/>
-    <p:sldId id="262" r:id="rId11"/>
-    <p:sldId id="263" r:id="rId12"/>
-    <p:sldId id="264" r:id="rId13"/>
-    <p:sldId id="265" r:id="rId14"/>
-    <p:sldId id="266" r:id="rId15"/>
-    <p:sldId id="267" r:id="rId16"/>
-    <p:sldId id="268" r:id="rId17"/>
-    <p:sldId id="269" r:id="rId18"/>
+    <p:sldId id="256" r:id="rId6"/>
+    <p:sldId id="257" r:id="rId7"/>
+    <p:sldId id="258" r:id="rId8"/>
+    <p:sldId id="259" r:id="rId9"/>
+    <p:sldId id="260" r:id="rId10"/>
+    <p:sldId id="261" r:id="rId11"/>
+    <p:sldId id="262" r:id="rId12"/>
+    <p:sldId id="263" r:id="rId13"/>
+    <p:sldId id="264" r:id="rId14"/>
+    <p:sldId id="265" r:id="rId15"/>
+    <p:sldId id="266" r:id="rId16"/>
+    <p:sldId id="267" r:id="rId17"/>
+    <p:sldId id="268" r:id="rId18"/>
+    <p:sldId id="269" r:id="rId19"/>
   </p:sldIdLst>
   <p:sldSz cx="10080625" cy="7559675"/>
   <p:notesSz cx="7772400" cy="10058400"/>
@@ -48,7 +49,7 @@
       </p:grpSpPr>
       <p:sp>
         <p:nvSpPr>
-          <p:cNvPr id="72" name="PlaceHolder 1"/>
+          <p:cNvPr id="111" name="PlaceHolder 1"/>
           <p:cNvSpPr>
             <a:spLocks noGrp="1"/>
           </p:cNvSpPr>
@@ -80,7 +81,7 @@
       </p:sp>
       <p:sp>
         <p:nvSpPr>
-          <p:cNvPr id="73" name="PlaceHolder 2"/>
+          <p:cNvPr id="112" name="PlaceHolder 2"/>
           <p:cNvSpPr>
             <a:spLocks noGrp="1"/>
           </p:cNvSpPr>
@@ -112,7 +113,7 @@
       </p:sp>
       <p:sp>
         <p:nvSpPr>
-          <p:cNvPr id="74" name="PlaceHolder 3"/>
+          <p:cNvPr id="113" name="PlaceHolder 3"/>
           <p:cNvSpPr>
             <a:spLocks noGrp="1"/>
           </p:cNvSpPr>
@@ -145,7 +146,7 @@
       </p:sp>
       <p:sp>
         <p:nvSpPr>
-          <p:cNvPr id="75" name="PlaceHolder 4"/>
+          <p:cNvPr id="114" name="PlaceHolder 4"/>
           <p:cNvSpPr>
             <a:spLocks noGrp="1"/>
           </p:cNvSpPr>
@@ -177,7 +178,7 @@
       </p:sp>
       <p:sp>
         <p:nvSpPr>
-          <p:cNvPr id="76" name="PlaceHolder 5"/>
+          <p:cNvPr id="115" name="PlaceHolder 5"/>
           <p:cNvSpPr>
             <a:spLocks noGrp="1"/>
           </p:cNvSpPr>
@@ -198,7 +199,7 @@
           <a:bodyPr lIns="0" rIns="0" tIns="0" bIns="0" anchor="b"/>
           <a:p>
             <a:pPr algn="r"/>
-            <a:fld id="{030DF26D-7CEF-4C44-82D2-EAF56F79AD72}" type="slidenum">
+            <a:fld id="{DD876E0E-AA25-4A13-9F34-C995C6C18907}" type="slidenum">
               <a:rPr lang="en-GB" sz="1400">
                 <a:latin typeface="Times New Roman"/>
               </a:rPr>
@@ -233,14 +234,14 @@
       </p:grpSpPr>
       <p:sp>
         <p:nvSpPr>
-          <p:cNvPr id="123" name="CustomShape 1"/>
+          <p:cNvPr id="164" name="CustomShape 1"/>
           <p:cNvSpPr/>
           <p:nvPr/>
         </p:nvSpPr>
         <p:spPr>
           <a:xfrm>
             <a:off x="777600" y="4776840"/>
-            <a:ext cx="6217560" cy="4525200"/>
+            <a:ext cx="6217200" cy="4524840"/>
           </a:xfrm>
           <a:prstGeom prst="rect">
             <a:avLst/>
@@ -275,14 +276,14 @@
       </p:grpSpPr>
       <p:sp>
         <p:nvSpPr>
-          <p:cNvPr id="132" name="CustomShape 1"/>
+          <p:cNvPr id="173" name="CustomShape 1"/>
           <p:cNvSpPr/>
           <p:nvPr/>
         </p:nvSpPr>
         <p:spPr>
           <a:xfrm>
             <a:off x="777960" y="4776840"/>
-            <a:ext cx="6215760" cy="4525200"/>
+            <a:ext cx="6215400" cy="4524840"/>
           </a:xfrm>
           <a:prstGeom prst="rect">
             <a:avLst/>
@@ -317,14 +318,14 @@
       </p:grpSpPr>
       <p:sp>
         <p:nvSpPr>
-          <p:cNvPr id="133" name="CustomShape 1"/>
+          <p:cNvPr id="174" name="CustomShape 1"/>
           <p:cNvSpPr/>
           <p:nvPr/>
         </p:nvSpPr>
         <p:spPr>
           <a:xfrm>
             <a:off x="777960" y="4776840"/>
-            <a:ext cx="6215760" cy="4525200"/>
+            <a:ext cx="6215400" cy="4524840"/>
           </a:xfrm>
           <a:prstGeom prst="rect">
             <a:avLst/>
@@ -359,14 +360,14 @@
       </p:grpSpPr>
       <p:sp>
         <p:nvSpPr>
-          <p:cNvPr id="134" name="CustomShape 1"/>
+          <p:cNvPr id="175" name="CustomShape 1"/>
           <p:cNvSpPr/>
           <p:nvPr/>
         </p:nvSpPr>
         <p:spPr>
           <a:xfrm>
             <a:off x="777960" y="4776840"/>
-            <a:ext cx="6215760" cy="4525200"/>
+            <a:ext cx="6215400" cy="4524840"/>
           </a:xfrm>
           <a:prstGeom prst="rect">
             <a:avLst/>
@@ -401,14 +402,14 @@
       </p:grpSpPr>
       <p:sp>
         <p:nvSpPr>
-          <p:cNvPr id="135" name="CustomShape 1"/>
+          <p:cNvPr id="176" name="CustomShape 1"/>
           <p:cNvSpPr/>
           <p:nvPr/>
         </p:nvSpPr>
         <p:spPr>
           <a:xfrm>
             <a:off x="777960" y="4776840"/>
-            <a:ext cx="6215760" cy="4525200"/>
+            <a:ext cx="6215400" cy="4524840"/>
           </a:xfrm>
           <a:prstGeom prst="rect">
             <a:avLst/>
@@ -443,14 +444,14 @@
       </p:grpSpPr>
       <p:sp>
         <p:nvSpPr>
-          <p:cNvPr id="124" name="CustomShape 1"/>
+          <p:cNvPr id="165" name="CustomShape 1"/>
           <p:cNvSpPr/>
           <p:nvPr/>
         </p:nvSpPr>
         <p:spPr>
           <a:xfrm>
             <a:off x="777960" y="4776840"/>
-            <a:ext cx="6215760" cy="4525200"/>
+            <a:ext cx="6215400" cy="4524840"/>
           </a:xfrm>
           <a:prstGeom prst="rect">
             <a:avLst/>
@@ -485,14 +486,14 @@
       </p:grpSpPr>
       <p:sp>
         <p:nvSpPr>
-          <p:cNvPr id="125" name="CustomShape 1"/>
+          <p:cNvPr id="166" name="CustomShape 1"/>
           <p:cNvSpPr/>
           <p:nvPr/>
         </p:nvSpPr>
         <p:spPr>
           <a:xfrm>
             <a:off x="777960" y="4776840"/>
-            <a:ext cx="6215760" cy="4525200"/>
+            <a:ext cx="6215400" cy="4524840"/>
           </a:xfrm>
           <a:prstGeom prst="rect">
             <a:avLst/>
@@ -527,14 +528,14 @@
       </p:grpSpPr>
       <p:sp>
         <p:nvSpPr>
-          <p:cNvPr id="126" name="CustomShape 1"/>
+          <p:cNvPr id="167" name="CustomShape 1"/>
           <p:cNvSpPr/>
           <p:nvPr/>
         </p:nvSpPr>
         <p:spPr>
           <a:xfrm>
             <a:off x="777960" y="4776840"/>
-            <a:ext cx="6215760" cy="4525200"/>
+            <a:ext cx="6215400" cy="4524840"/>
           </a:xfrm>
           <a:prstGeom prst="rect">
             <a:avLst/>
@@ -569,14 +570,14 @@
       </p:grpSpPr>
       <p:sp>
         <p:nvSpPr>
-          <p:cNvPr id="127" name="CustomShape 1"/>
+          <p:cNvPr id="168" name="CustomShape 1"/>
           <p:cNvSpPr/>
           <p:nvPr/>
         </p:nvSpPr>
         <p:spPr>
           <a:xfrm>
             <a:off x="777960" y="4776840"/>
-            <a:ext cx="6215760" cy="4525200"/>
+            <a:ext cx="6215400" cy="4524840"/>
           </a:xfrm>
           <a:prstGeom prst="rect">
             <a:avLst/>
@@ -611,14 +612,14 @@
       </p:grpSpPr>
       <p:sp>
         <p:nvSpPr>
-          <p:cNvPr id="128" name="CustomShape 1"/>
+          <p:cNvPr id="169" name="CustomShape 1"/>
           <p:cNvSpPr/>
           <p:nvPr/>
         </p:nvSpPr>
         <p:spPr>
           <a:xfrm>
             <a:off x="777960" y="4776840"/>
-            <a:ext cx="6215760" cy="4525200"/>
+            <a:ext cx="6215400" cy="4524840"/>
           </a:xfrm>
           <a:prstGeom prst="rect">
             <a:avLst/>
@@ -653,14 +654,14 @@
       </p:grpSpPr>
       <p:sp>
         <p:nvSpPr>
-          <p:cNvPr id="129" name="CustomShape 1"/>
+          <p:cNvPr id="170" name="CustomShape 1"/>
           <p:cNvSpPr/>
           <p:nvPr/>
         </p:nvSpPr>
         <p:spPr>
           <a:xfrm>
             <a:off x="777960" y="4776840"/>
-            <a:ext cx="6215760" cy="4525200"/>
+            <a:ext cx="6215400" cy="4524840"/>
           </a:xfrm>
           <a:prstGeom prst="rect">
             <a:avLst/>
@@ -695,14 +696,14 @@
       </p:grpSpPr>
       <p:sp>
         <p:nvSpPr>
-          <p:cNvPr id="130" name="CustomShape 1"/>
+          <p:cNvPr id="171" name="CustomShape 1"/>
           <p:cNvSpPr/>
           <p:nvPr/>
         </p:nvSpPr>
         <p:spPr>
           <a:xfrm>
             <a:off x="777960" y="4776840"/>
-            <a:ext cx="6215760" cy="4525200"/>
+            <a:ext cx="6215400" cy="4524840"/>
           </a:xfrm>
           <a:prstGeom prst="rect">
             <a:avLst/>
@@ -737,14 +738,14 @@
       </p:grpSpPr>
       <p:sp>
         <p:nvSpPr>
-          <p:cNvPr id="131" name="CustomShape 1"/>
+          <p:cNvPr id="172" name="CustomShape 1"/>
           <p:cNvSpPr/>
           <p:nvPr/>
         </p:nvSpPr>
         <p:spPr>
           <a:xfrm>
             <a:off x="777960" y="4776840"/>
-            <a:ext cx="6215760" cy="4525200"/>
+            <a:ext cx="6215400" cy="4524840"/>
           </a:xfrm>
           <a:prstGeom prst="rect">
             <a:avLst/>
@@ -812,7 +813,7 @@
         <p:spPr>
           <a:xfrm>
             <a:off x="504000" y="301320"/>
-            <a:ext cx="9072000" cy="1262160"/>
+            <a:ext cx="9071640" cy="1262160"/>
           </a:xfrm>
           <a:prstGeom prst="rect">
             <a:avLst/>
@@ -839,7 +840,7 @@
         <p:spPr>
           <a:xfrm>
             <a:off x="504000" y="1768680"/>
-            <a:ext cx="9072000" cy="2090880"/>
+            <a:ext cx="9071640" cy="2090880"/>
           </a:xfrm>
           <a:prstGeom prst="rect">
             <a:avLst/>
@@ -865,7 +866,7 @@
         <p:spPr>
           <a:xfrm>
             <a:off x="504000" y="4058640"/>
-            <a:ext cx="9072000" cy="2090880"/>
+            <a:ext cx="9071640" cy="2090880"/>
           </a:xfrm>
           <a:prstGeom prst="rect">
             <a:avLst/>
@@ -913,7 +914,7 @@
         <p:spPr>
           <a:xfrm>
             <a:off x="504000" y="301320"/>
-            <a:ext cx="9072000" cy="1262160"/>
+            <a:ext cx="9071640" cy="1262160"/>
           </a:xfrm>
           <a:prstGeom prst="rect">
             <a:avLst/>
@@ -1066,7 +1067,7 @@
         <p:spPr>
           <a:xfrm>
             <a:off x="504000" y="301320"/>
-            <a:ext cx="9072000" cy="1262160"/>
+            <a:ext cx="9071640" cy="1262160"/>
           </a:xfrm>
           <a:prstGeom prst="rect">
             <a:avLst/>
@@ -1093,7 +1094,7 @@
         <p:spPr>
           <a:xfrm>
             <a:off x="504000" y="1768680"/>
-            <a:ext cx="9072000" cy="4384080"/>
+            <a:ext cx="9071640" cy="4383720"/>
           </a:xfrm>
           <a:prstGeom prst="rect">
             <a:avLst/>
@@ -1119,7 +1120,7 @@
         <p:spPr>
           <a:xfrm>
             <a:off x="504000" y="1768680"/>
-            <a:ext cx="9072000" cy="4384080"/>
+            <a:ext cx="9071640" cy="4383720"/>
           </a:xfrm>
           <a:prstGeom prst="rect">
             <a:avLst/>
@@ -1146,8 +1147,8 @@
         </p:blipFill>
         <p:spPr>
           <a:xfrm>
-            <a:off x="2292480" y="1768680"/>
-            <a:ext cx="5494680" cy="4384080"/>
+            <a:off x="2292480" y="1768320"/>
+            <a:ext cx="5494320" cy="4383720"/>
           </a:xfrm>
           <a:prstGeom prst="rect">
             <a:avLst/>
@@ -1171,8 +1172,8 @@
         </p:blipFill>
         <p:spPr>
           <a:xfrm>
-            <a:off x="2292480" y="1768680"/>
-            <a:ext cx="5494680" cy="4384080"/>
+            <a:off x="2292480" y="1768320"/>
+            <a:ext cx="5494320" cy="4383720"/>
           </a:xfrm>
           <a:prstGeom prst="rect">
             <a:avLst/>
@@ -1239,7 +1240,7 @@
         <p:spPr>
           <a:xfrm>
             <a:off x="504000" y="301320"/>
-            <a:ext cx="9072000" cy="1262160"/>
+            <a:ext cx="9071640" cy="1262160"/>
           </a:xfrm>
           <a:prstGeom prst="rect">
             <a:avLst/>
@@ -1266,7 +1267,7 @@
         <p:spPr>
           <a:xfrm>
             <a:off x="504000" y="1768680"/>
-            <a:ext cx="9072000" cy="4384440"/>
+            <a:ext cx="9071640" cy="4384080"/>
           </a:xfrm>
           <a:prstGeom prst="rect">
             <a:avLst/>
@@ -1315,7 +1316,7 @@
         <p:spPr>
           <a:xfrm>
             <a:off x="504000" y="301320"/>
-            <a:ext cx="9072000" cy="1262160"/>
+            <a:ext cx="9071640" cy="1262160"/>
           </a:xfrm>
           <a:prstGeom prst="rect">
             <a:avLst/>
@@ -1342,7 +1343,7 @@
         <p:spPr>
           <a:xfrm>
             <a:off x="504000" y="1768680"/>
-            <a:ext cx="9072000" cy="4384080"/>
+            <a:ext cx="9071640" cy="4383720"/>
           </a:xfrm>
           <a:prstGeom prst="rect">
             <a:avLst/>
@@ -1390,7 +1391,7 @@
         <p:spPr>
           <a:xfrm>
             <a:off x="504000" y="301320"/>
-            <a:ext cx="9072000" cy="1262160"/>
+            <a:ext cx="9071640" cy="1262160"/>
           </a:xfrm>
           <a:prstGeom prst="rect">
             <a:avLst/>
@@ -1417,7 +1418,7 @@
         <p:spPr>
           <a:xfrm>
             <a:off x="504000" y="1768680"/>
-            <a:ext cx="4426920" cy="4384080"/>
+            <a:ext cx="4426920" cy="4383720"/>
           </a:xfrm>
           <a:prstGeom prst="rect">
             <a:avLst/>
@@ -1443,7 +1444,7 @@
         <p:spPr>
           <a:xfrm>
             <a:off x="5152680" y="1768680"/>
-            <a:ext cx="4426920" cy="4384080"/>
+            <a:ext cx="4426920" cy="4383720"/>
           </a:xfrm>
           <a:prstGeom prst="rect">
             <a:avLst/>
@@ -1491,7 +1492,7 @@
         <p:spPr>
           <a:xfrm>
             <a:off x="504000" y="301320"/>
-            <a:ext cx="9072000" cy="1262160"/>
+            <a:ext cx="9071640" cy="1262160"/>
           </a:xfrm>
           <a:prstGeom prst="rect">
             <a:avLst/>
@@ -1540,7 +1541,7 @@
         <p:spPr>
           <a:xfrm>
             <a:off x="504000" y="301320"/>
-            <a:ext cx="9072000" cy="5850720"/>
+            <a:ext cx="9071640" cy="5850720"/>
           </a:xfrm>
           <a:prstGeom prst="rect">
             <a:avLst/>
@@ -1589,7 +1590,7 @@
         <p:spPr>
           <a:xfrm>
             <a:off x="504000" y="301320"/>
-            <a:ext cx="9072000" cy="1262160"/>
+            <a:ext cx="9071640" cy="1262160"/>
           </a:xfrm>
           <a:prstGeom prst="rect">
             <a:avLst/>
@@ -1668,7 +1669,7 @@
         <p:spPr>
           <a:xfrm>
             <a:off x="5152680" y="1768680"/>
-            <a:ext cx="4426920" cy="4384080"/>
+            <a:ext cx="4426920" cy="4383720"/>
           </a:xfrm>
           <a:prstGeom prst="rect">
             <a:avLst/>
@@ -1716,7 +1717,7 @@
         <p:spPr>
           <a:xfrm>
             <a:off x="504000" y="301320"/>
-            <a:ext cx="9072000" cy="1262160"/>
+            <a:ext cx="9071640" cy="1262160"/>
           </a:xfrm>
           <a:prstGeom prst="rect">
             <a:avLst/>
@@ -1743,7 +1744,7 @@
         <p:spPr>
           <a:xfrm>
             <a:off x="504000" y="1768680"/>
-            <a:ext cx="9072000" cy="4384440"/>
+            <a:ext cx="9071640" cy="4384080"/>
           </a:xfrm>
           <a:prstGeom prst="rect">
             <a:avLst/>
@@ -1792,7 +1793,7 @@
         <p:spPr>
           <a:xfrm>
             <a:off x="504000" y="301320"/>
-            <a:ext cx="9072000" cy="1262160"/>
+            <a:ext cx="9071640" cy="1262160"/>
           </a:xfrm>
           <a:prstGeom prst="rect">
             <a:avLst/>
@@ -1819,7 +1820,7 @@
         <p:spPr>
           <a:xfrm>
             <a:off x="504000" y="1768680"/>
-            <a:ext cx="4426920" cy="4384080"/>
+            <a:ext cx="4426920" cy="4383720"/>
           </a:xfrm>
           <a:prstGeom prst="rect">
             <a:avLst/>
@@ -1919,7 +1920,7 @@
         <p:spPr>
           <a:xfrm>
             <a:off x="504000" y="301320"/>
-            <a:ext cx="9072000" cy="1262160"/>
+            <a:ext cx="9071640" cy="1262160"/>
           </a:xfrm>
           <a:prstGeom prst="rect">
             <a:avLst/>
@@ -1998,7 +1999,7 @@
         <p:spPr>
           <a:xfrm>
             <a:off x="504000" y="4058640"/>
-            <a:ext cx="9072000" cy="2090880"/>
+            <a:ext cx="9071640" cy="2090880"/>
           </a:xfrm>
           <a:prstGeom prst="rect">
             <a:avLst/>
@@ -2046,7 +2047,7 @@
         <p:spPr>
           <a:xfrm>
             <a:off x="504000" y="301320"/>
-            <a:ext cx="9072000" cy="1262160"/>
+            <a:ext cx="9071640" cy="1262160"/>
           </a:xfrm>
           <a:prstGeom prst="rect">
             <a:avLst/>
@@ -2073,7 +2074,7 @@
         <p:spPr>
           <a:xfrm>
             <a:off x="504000" y="1768680"/>
-            <a:ext cx="9072000" cy="2090880"/>
+            <a:ext cx="9071640" cy="2090880"/>
           </a:xfrm>
           <a:prstGeom prst="rect">
             <a:avLst/>
@@ -2099,7 +2100,7 @@
         <p:spPr>
           <a:xfrm>
             <a:off x="504000" y="4058640"/>
-            <a:ext cx="9072000" cy="2090880"/>
+            <a:ext cx="9071640" cy="2090880"/>
           </a:xfrm>
           <a:prstGeom prst="rect">
             <a:avLst/>
@@ -2147,7 +2148,7 @@
         <p:spPr>
           <a:xfrm>
             <a:off x="504000" y="301320"/>
-            <a:ext cx="9072000" cy="1262160"/>
+            <a:ext cx="9071640" cy="1262160"/>
           </a:xfrm>
           <a:prstGeom prst="rect">
             <a:avLst/>
@@ -2300,7 +2301,7 @@
         <p:spPr>
           <a:xfrm>
             <a:off x="504000" y="301320"/>
-            <a:ext cx="9072000" cy="1262160"/>
+            <a:ext cx="9071640" cy="1262160"/>
           </a:xfrm>
           <a:prstGeom prst="rect">
             <a:avLst/>
@@ -2327,7 +2328,7 @@
         <p:spPr>
           <a:xfrm>
             <a:off x="504000" y="1768680"/>
-            <a:ext cx="9072000" cy="4384080"/>
+            <a:ext cx="9071640" cy="4383720"/>
           </a:xfrm>
           <a:prstGeom prst="rect">
             <a:avLst/>
@@ -2353,7 +2354,7 @@
         <p:spPr>
           <a:xfrm>
             <a:off x="504000" y="1768680"/>
-            <a:ext cx="9072000" cy="4384080"/>
+            <a:ext cx="9071640" cy="4383720"/>
           </a:xfrm>
           <a:prstGeom prst="rect">
             <a:avLst/>
@@ -2380,8 +2381,8 @@
         </p:blipFill>
         <p:spPr>
           <a:xfrm>
-            <a:off x="2292480" y="1768680"/>
-            <a:ext cx="5494680" cy="4384080"/>
+            <a:off x="2292480" y="1768320"/>
+            <a:ext cx="5494320" cy="4383720"/>
           </a:xfrm>
           <a:prstGeom prst="rect">
             <a:avLst/>
@@ -2405,8 +2406,8 @@
         </p:blipFill>
         <p:spPr>
           <a:xfrm>
-            <a:off x="2292480" y="1768680"/>
-            <a:ext cx="5494680" cy="4384080"/>
+            <a:off x="2292480" y="1768320"/>
+            <a:ext cx="5494320" cy="4383720"/>
           </a:xfrm>
           <a:prstGeom prst="rect">
             <a:avLst/>
@@ -2416,6 +2417,329 @@
           </a:ln>
         </p:spPr>
       </p:pic>
+    </p:spTree>
+  </p:cSld>
+</p:sldLayout>
+</file>
+
+<file path=ppt/slideLayouts/slideLayout25.xml><?xml version="1.0" encoding="utf-8"?>
+<p:sldLayout xmlns:a="http://schemas.openxmlformats.org/drawingml/2006/main" xmlns:p="http://schemas.openxmlformats.org/presentationml/2006/main" xmlns:r="http://schemas.openxmlformats.org/officeDocument/2006/relationships" type="blank" preserve="1">
+  <p:cSld name="Blank Slide">
+    <p:spTree>
+      <p:nvGrpSpPr>
+        <p:cNvPr id="1" name=""/>
+        <p:cNvGrpSpPr/>
+        <p:nvPr/>
+      </p:nvGrpSpPr>
+      <p:grpSpPr>
+        <a:xfrm>
+          <a:off x="0" y="0"/>
+          <a:ext cx="0" cy="0"/>
+          <a:chOff x="0" y="0"/>
+          <a:chExt cx="0" cy="0"/>
+        </a:xfrm>
+      </p:grpSpPr>
+    </p:spTree>
+  </p:cSld>
+</p:sldLayout>
+</file>
+
+<file path=ppt/slideLayouts/slideLayout26.xml><?xml version="1.0" encoding="utf-8"?>
+<p:sldLayout xmlns:a="http://schemas.openxmlformats.org/drawingml/2006/main" xmlns:p="http://schemas.openxmlformats.org/presentationml/2006/main" xmlns:r="http://schemas.openxmlformats.org/officeDocument/2006/relationships" type="tx" preserve="1">
+  <p:cSld name="Title Slide">
+    <p:spTree>
+      <p:nvGrpSpPr>
+        <p:cNvPr id="1" name=""/>
+        <p:cNvGrpSpPr/>
+        <p:nvPr/>
+      </p:nvGrpSpPr>
+      <p:grpSpPr>
+        <a:xfrm>
+          <a:off x="0" y="0"/>
+          <a:ext cx="0" cy="0"/>
+          <a:chOff x="0" y="0"/>
+          <a:chExt cx="0" cy="0"/>
+        </a:xfrm>
+      </p:grpSpPr>
+      <p:sp>
+        <p:nvSpPr>
+          <p:cNvPr id="77" name="PlaceHolder 1"/>
+          <p:cNvSpPr>
+            <a:spLocks noGrp="1"/>
+          </p:cNvSpPr>
+          <p:nvPr>
+            <p:ph type="title"/>
+          </p:nvPr>
+        </p:nvSpPr>
+        <p:spPr>
+          <a:xfrm>
+            <a:off x="504000" y="301320"/>
+            <a:ext cx="9071640" cy="1262160"/>
+          </a:xfrm>
+          <a:prstGeom prst="rect">
+            <a:avLst/>
+          </a:prstGeom>
+        </p:spPr>
+        <p:txBody>
+          <a:bodyPr lIns="0" rIns="0" tIns="0" bIns="0" anchor="ctr"/>
+          <a:p>
+            <a:pPr algn="ctr"/>
+            <a:endParaRPr/>
+          </a:p>
+        </p:txBody>
+      </p:sp>
+      <p:sp>
+        <p:nvSpPr>
+          <p:cNvPr id="78" name="PlaceHolder 2"/>
+          <p:cNvSpPr>
+            <a:spLocks noGrp="1"/>
+          </p:cNvSpPr>
+          <p:nvPr>
+            <p:ph type="subTitle"/>
+          </p:nvPr>
+        </p:nvSpPr>
+        <p:spPr>
+          <a:xfrm>
+            <a:off x="504000" y="1768680"/>
+            <a:ext cx="9071640" cy="4384080"/>
+          </a:xfrm>
+          <a:prstGeom prst="rect">
+            <a:avLst/>
+          </a:prstGeom>
+        </p:spPr>
+        <p:txBody>
+          <a:bodyPr lIns="0" rIns="0" tIns="0" bIns="0" anchor="ctr"/>
+          <a:p>
+            <a:pPr algn="ctr"/>
+            <a:endParaRPr/>
+          </a:p>
+        </p:txBody>
+      </p:sp>
+    </p:spTree>
+  </p:cSld>
+</p:sldLayout>
+</file>
+
+<file path=ppt/slideLayouts/slideLayout27.xml><?xml version="1.0" encoding="utf-8"?>
+<p:sldLayout xmlns:a="http://schemas.openxmlformats.org/drawingml/2006/main" xmlns:p="http://schemas.openxmlformats.org/presentationml/2006/main" xmlns:r="http://schemas.openxmlformats.org/officeDocument/2006/relationships" type="obj" preserve="1">
+  <p:cSld name="Title, Content">
+    <p:spTree>
+      <p:nvGrpSpPr>
+        <p:cNvPr id="1" name=""/>
+        <p:cNvGrpSpPr/>
+        <p:nvPr/>
+      </p:nvGrpSpPr>
+      <p:grpSpPr>
+        <a:xfrm>
+          <a:off x="0" y="0"/>
+          <a:ext cx="0" cy="0"/>
+          <a:chOff x="0" y="0"/>
+          <a:chExt cx="0" cy="0"/>
+        </a:xfrm>
+      </p:grpSpPr>
+      <p:sp>
+        <p:nvSpPr>
+          <p:cNvPr id="79" name="PlaceHolder 1"/>
+          <p:cNvSpPr>
+            <a:spLocks noGrp="1"/>
+          </p:cNvSpPr>
+          <p:nvPr>
+            <p:ph type="title"/>
+          </p:nvPr>
+        </p:nvSpPr>
+        <p:spPr>
+          <a:xfrm>
+            <a:off x="504000" y="301320"/>
+            <a:ext cx="9071640" cy="1262160"/>
+          </a:xfrm>
+          <a:prstGeom prst="rect">
+            <a:avLst/>
+          </a:prstGeom>
+        </p:spPr>
+        <p:txBody>
+          <a:bodyPr lIns="0" rIns="0" tIns="0" bIns="0" anchor="ctr"/>
+          <a:p>
+            <a:pPr algn="ctr"/>
+            <a:endParaRPr/>
+          </a:p>
+        </p:txBody>
+      </p:sp>
+      <p:sp>
+        <p:nvSpPr>
+          <p:cNvPr id="80" name="PlaceHolder 2"/>
+          <p:cNvSpPr>
+            <a:spLocks noGrp="1"/>
+          </p:cNvSpPr>
+          <p:nvPr>
+            <p:ph type="body"/>
+          </p:nvPr>
+        </p:nvSpPr>
+        <p:spPr>
+          <a:xfrm>
+            <a:off x="504000" y="1768680"/>
+            <a:ext cx="9071640" cy="4383720"/>
+          </a:xfrm>
+          <a:prstGeom prst="rect">
+            <a:avLst/>
+          </a:prstGeom>
+        </p:spPr>
+        <p:txBody>
+          <a:bodyPr lIns="0" rIns="0" tIns="0" bIns="0"/>
+          <a:p>
+            <a:endParaRPr/>
+          </a:p>
+        </p:txBody>
+      </p:sp>
+    </p:spTree>
+  </p:cSld>
+</p:sldLayout>
+</file>
+
+<file path=ppt/slideLayouts/slideLayout28.xml><?xml version="1.0" encoding="utf-8"?>
+<p:sldLayout xmlns:a="http://schemas.openxmlformats.org/drawingml/2006/main" xmlns:p="http://schemas.openxmlformats.org/presentationml/2006/main" xmlns:r="http://schemas.openxmlformats.org/officeDocument/2006/relationships" type="twoObj" preserve="1">
+  <p:cSld name="Title, 2 Content">
+    <p:spTree>
+      <p:nvGrpSpPr>
+        <p:cNvPr id="1" name=""/>
+        <p:cNvGrpSpPr/>
+        <p:nvPr/>
+      </p:nvGrpSpPr>
+      <p:grpSpPr>
+        <a:xfrm>
+          <a:off x="0" y="0"/>
+          <a:ext cx="0" cy="0"/>
+          <a:chOff x="0" y="0"/>
+          <a:chExt cx="0" cy="0"/>
+        </a:xfrm>
+      </p:grpSpPr>
+      <p:sp>
+        <p:nvSpPr>
+          <p:cNvPr id="81" name="PlaceHolder 1"/>
+          <p:cNvSpPr>
+            <a:spLocks noGrp="1"/>
+          </p:cNvSpPr>
+          <p:nvPr>
+            <p:ph type="title"/>
+          </p:nvPr>
+        </p:nvSpPr>
+        <p:spPr>
+          <a:xfrm>
+            <a:off x="504000" y="301320"/>
+            <a:ext cx="9071640" cy="1262160"/>
+          </a:xfrm>
+          <a:prstGeom prst="rect">
+            <a:avLst/>
+          </a:prstGeom>
+        </p:spPr>
+        <p:txBody>
+          <a:bodyPr lIns="0" rIns="0" tIns="0" bIns="0" anchor="ctr"/>
+          <a:p>
+            <a:pPr algn="ctr"/>
+            <a:endParaRPr/>
+          </a:p>
+        </p:txBody>
+      </p:sp>
+      <p:sp>
+        <p:nvSpPr>
+          <p:cNvPr id="82" name="PlaceHolder 2"/>
+          <p:cNvSpPr>
+            <a:spLocks noGrp="1"/>
+          </p:cNvSpPr>
+          <p:nvPr>
+            <p:ph type="body"/>
+          </p:nvPr>
+        </p:nvSpPr>
+        <p:spPr>
+          <a:xfrm>
+            <a:off x="504000" y="1768680"/>
+            <a:ext cx="4426920" cy="4383720"/>
+          </a:xfrm>
+          <a:prstGeom prst="rect">
+            <a:avLst/>
+          </a:prstGeom>
+        </p:spPr>
+        <p:txBody>
+          <a:bodyPr lIns="0" rIns="0" tIns="0" bIns="0"/>
+          <a:p>
+            <a:endParaRPr/>
+          </a:p>
+        </p:txBody>
+      </p:sp>
+      <p:sp>
+        <p:nvSpPr>
+          <p:cNvPr id="83" name="PlaceHolder 3"/>
+          <p:cNvSpPr>
+            <a:spLocks noGrp="1"/>
+          </p:cNvSpPr>
+          <p:nvPr>
+            <p:ph type="body"/>
+          </p:nvPr>
+        </p:nvSpPr>
+        <p:spPr>
+          <a:xfrm>
+            <a:off x="5152680" y="1768680"/>
+            <a:ext cx="4426920" cy="4383720"/>
+          </a:xfrm>
+          <a:prstGeom prst="rect">
+            <a:avLst/>
+          </a:prstGeom>
+        </p:spPr>
+        <p:txBody>
+          <a:bodyPr lIns="0" rIns="0" tIns="0" bIns="0"/>
+          <a:p>
+            <a:endParaRPr/>
+          </a:p>
+        </p:txBody>
+      </p:sp>
+    </p:spTree>
+  </p:cSld>
+</p:sldLayout>
+</file>
+
+<file path=ppt/slideLayouts/slideLayout29.xml><?xml version="1.0" encoding="utf-8"?>
+<p:sldLayout xmlns:a="http://schemas.openxmlformats.org/drawingml/2006/main" xmlns:p="http://schemas.openxmlformats.org/presentationml/2006/main" xmlns:r="http://schemas.openxmlformats.org/officeDocument/2006/relationships" type="titleOnly" preserve="1">
+  <p:cSld name="Title Only">
+    <p:spTree>
+      <p:nvGrpSpPr>
+        <p:cNvPr id="1" name=""/>
+        <p:cNvGrpSpPr/>
+        <p:nvPr/>
+      </p:nvGrpSpPr>
+      <p:grpSpPr>
+        <a:xfrm>
+          <a:off x="0" y="0"/>
+          <a:ext cx="0" cy="0"/>
+          <a:chOff x="0" y="0"/>
+          <a:chExt cx="0" cy="0"/>
+        </a:xfrm>
+      </p:grpSpPr>
+      <p:sp>
+        <p:nvSpPr>
+          <p:cNvPr id="84" name="PlaceHolder 1"/>
+          <p:cNvSpPr>
+            <a:spLocks noGrp="1"/>
+          </p:cNvSpPr>
+          <p:nvPr>
+            <p:ph type="title"/>
+          </p:nvPr>
+        </p:nvSpPr>
+        <p:spPr>
+          <a:xfrm>
+            <a:off x="504000" y="301320"/>
+            <a:ext cx="9071640" cy="1262160"/>
+          </a:xfrm>
+          <a:prstGeom prst="rect">
+            <a:avLst/>
+          </a:prstGeom>
+        </p:spPr>
+        <p:txBody>
+          <a:bodyPr lIns="0" rIns="0" tIns="0" bIns="0" anchor="ctr"/>
+          <a:p>
+            <a:pPr algn="ctr"/>
+            <a:endParaRPr/>
+          </a:p>
+        </p:txBody>
+      </p:sp>
     </p:spTree>
   </p:cSld>
 </p:sldLayout>
@@ -2451,7 +2775,7 @@
         <p:spPr>
           <a:xfrm>
             <a:off x="504000" y="301320"/>
-            <a:ext cx="9072000" cy="1262160"/>
+            <a:ext cx="9071640" cy="1262160"/>
           </a:xfrm>
           <a:prstGeom prst="rect">
             <a:avLst/>
@@ -2478,7 +2802,7 @@
         <p:spPr>
           <a:xfrm>
             <a:off x="504000" y="1768680"/>
-            <a:ext cx="9072000" cy="4384080"/>
+            <a:ext cx="9071640" cy="4383720"/>
           </a:xfrm>
           <a:prstGeom prst="rect">
             <a:avLst/>
@@ -2491,6 +2815,841 @@
           </a:p>
         </p:txBody>
       </p:sp>
+    </p:spTree>
+  </p:cSld>
+</p:sldLayout>
+</file>
+
+<file path=ppt/slideLayouts/slideLayout30.xml><?xml version="1.0" encoding="utf-8"?>
+<p:sldLayout xmlns:a="http://schemas.openxmlformats.org/drawingml/2006/main" xmlns:p="http://schemas.openxmlformats.org/presentationml/2006/main" xmlns:r="http://schemas.openxmlformats.org/officeDocument/2006/relationships" type="objOnly" preserve="1">
+  <p:cSld name="Centered Text">
+    <p:spTree>
+      <p:nvGrpSpPr>
+        <p:cNvPr id="1" name=""/>
+        <p:cNvGrpSpPr/>
+        <p:nvPr/>
+      </p:nvGrpSpPr>
+      <p:grpSpPr>
+        <a:xfrm>
+          <a:off x="0" y="0"/>
+          <a:ext cx="0" cy="0"/>
+          <a:chOff x="0" y="0"/>
+          <a:chExt cx="0" cy="0"/>
+        </a:xfrm>
+      </p:grpSpPr>
+      <p:sp>
+        <p:nvSpPr>
+          <p:cNvPr id="85" name="PlaceHolder 1"/>
+          <p:cNvSpPr>
+            <a:spLocks noGrp="1"/>
+          </p:cNvSpPr>
+          <p:nvPr>
+            <p:ph type="subTitle"/>
+          </p:nvPr>
+        </p:nvSpPr>
+        <p:spPr>
+          <a:xfrm>
+            <a:off x="504000" y="301320"/>
+            <a:ext cx="9071640" cy="5850720"/>
+          </a:xfrm>
+          <a:prstGeom prst="rect">
+            <a:avLst/>
+          </a:prstGeom>
+        </p:spPr>
+        <p:txBody>
+          <a:bodyPr lIns="0" rIns="0" tIns="0" bIns="0" anchor="ctr"/>
+          <a:p>
+            <a:pPr algn="ctr"/>
+            <a:endParaRPr/>
+          </a:p>
+        </p:txBody>
+      </p:sp>
+    </p:spTree>
+  </p:cSld>
+</p:sldLayout>
+</file>
+
+<file path=ppt/slideLayouts/slideLayout31.xml><?xml version="1.0" encoding="utf-8"?>
+<p:sldLayout xmlns:a="http://schemas.openxmlformats.org/drawingml/2006/main" xmlns:p="http://schemas.openxmlformats.org/presentationml/2006/main" xmlns:r="http://schemas.openxmlformats.org/officeDocument/2006/relationships" type="twoObjAndObj" preserve="1">
+  <p:cSld name="Title, 2 Content and Content">
+    <p:spTree>
+      <p:nvGrpSpPr>
+        <p:cNvPr id="1" name=""/>
+        <p:cNvGrpSpPr/>
+        <p:nvPr/>
+      </p:nvGrpSpPr>
+      <p:grpSpPr>
+        <a:xfrm>
+          <a:off x="0" y="0"/>
+          <a:ext cx="0" cy="0"/>
+          <a:chOff x="0" y="0"/>
+          <a:chExt cx="0" cy="0"/>
+        </a:xfrm>
+      </p:grpSpPr>
+      <p:sp>
+        <p:nvSpPr>
+          <p:cNvPr id="86" name="PlaceHolder 1"/>
+          <p:cNvSpPr>
+            <a:spLocks noGrp="1"/>
+          </p:cNvSpPr>
+          <p:nvPr>
+            <p:ph type="title"/>
+          </p:nvPr>
+        </p:nvSpPr>
+        <p:spPr>
+          <a:xfrm>
+            <a:off x="504000" y="301320"/>
+            <a:ext cx="9071640" cy="1262160"/>
+          </a:xfrm>
+          <a:prstGeom prst="rect">
+            <a:avLst/>
+          </a:prstGeom>
+        </p:spPr>
+        <p:txBody>
+          <a:bodyPr lIns="0" rIns="0" tIns="0" bIns="0" anchor="ctr"/>
+          <a:p>
+            <a:pPr algn="ctr"/>
+            <a:endParaRPr/>
+          </a:p>
+        </p:txBody>
+      </p:sp>
+      <p:sp>
+        <p:nvSpPr>
+          <p:cNvPr id="87" name="PlaceHolder 2"/>
+          <p:cNvSpPr>
+            <a:spLocks noGrp="1"/>
+          </p:cNvSpPr>
+          <p:nvPr>
+            <p:ph type="body"/>
+          </p:nvPr>
+        </p:nvSpPr>
+        <p:spPr>
+          <a:xfrm>
+            <a:off x="504000" y="1768680"/>
+            <a:ext cx="4426920" cy="2090880"/>
+          </a:xfrm>
+          <a:prstGeom prst="rect">
+            <a:avLst/>
+          </a:prstGeom>
+        </p:spPr>
+        <p:txBody>
+          <a:bodyPr lIns="0" rIns="0" tIns="0" bIns="0"/>
+          <a:p>
+            <a:endParaRPr/>
+          </a:p>
+        </p:txBody>
+      </p:sp>
+      <p:sp>
+        <p:nvSpPr>
+          <p:cNvPr id="88" name="PlaceHolder 3"/>
+          <p:cNvSpPr>
+            <a:spLocks noGrp="1"/>
+          </p:cNvSpPr>
+          <p:nvPr>
+            <p:ph type="body"/>
+          </p:nvPr>
+        </p:nvSpPr>
+        <p:spPr>
+          <a:xfrm>
+            <a:off x="504000" y="4058640"/>
+            <a:ext cx="4426920" cy="2090880"/>
+          </a:xfrm>
+          <a:prstGeom prst="rect">
+            <a:avLst/>
+          </a:prstGeom>
+        </p:spPr>
+        <p:txBody>
+          <a:bodyPr lIns="0" rIns="0" tIns="0" bIns="0"/>
+          <a:p>
+            <a:endParaRPr/>
+          </a:p>
+        </p:txBody>
+      </p:sp>
+      <p:sp>
+        <p:nvSpPr>
+          <p:cNvPr id="89" name="PlaceHolder 4"/>
+          <p:cNvSpPr>
+            <a:spLocks noGrp="1"/>
+          </p:cNvSpPr>
+          <p:nvPr>
+            <p:ph type="body"/>
+          </p:nvPr>
+        </p:nvSpPr>
+        <p:spPr>
+          <a:xfrm>
+            <a:off x="5152680" y="1768680"/>
+            <a:ext cx="4426920" cy="4383720"/>
+          </a:xfrm>
+          <a:prstGeom prst="rect">
+            <a:avLst/>
+          </a:prstGeom>
+        </p:spPr>
+        <p:txBody>
+          <a:bodyPr lIns="0" rIns="0" tIns="0" bIns="0"/>
+          <a:p>
+            <a:endParaRPr/>
+          </a:p>
+        </p:txBody>
+      </p:sp>
+    </p:spTree>
+  </p:cSld>
+</p:sldLayout>
+</file>
+
+<file path=ppt/slideLayouts/slideLayout32.xml><?xml version="1.0" encoding="utf-8"?>
+<p:sldLayout xmlns:a="http://schemas.openxmlformats.org/drawingml/2006/main" xmlns:p="http://schemas.openxmlformats.org/presentationml/2006/main" xmlns:r="http://schemas.openxmlformats.org/officeDocument/2006/relationships" type="objAndTwoObj" preserve="1">
+  <p:cSld name="Title Content and 2 Content">
+    <p:spTree>
+      <p:nvGrpSpPr>
+        <p:cNvPr id="1" name=""/>
+        <p:cNvGrpSpPr/>
+        <p:nvPr/>
+      </p:nvGrpSpPr>
+      <p:grpSpPr>
+        <a:xfrm>
+          <a:off x="0" y="0"/>
+          <a:ext cx="0" cy="0"/>
+          <a:chOff x="0" y="0"/>
+          <a:chExt cx="0" cy="0"/>
+        </a:xfrm>
+      </p:grpSpPr>
+      <p:sp>
+        <p:nvSpPr>
+          <p:cNvPr id="90" name="PlaceHolder 1"/>
+          <p:cNvSpPr>
+            <a:spLocks noGrp="1"/>
+          </p:cNvSpPr>
+          <p:nvPr>
+            <p:ph type="title"/>
+          </p:nvPr>
+        </p:nvSpPr>
+        <p:spPr>
+          <a:xfrm>
+            <a:off x="504000" y="301320"/>
+            <a:ext cx="9071640" cy="1262160"/>
+          </a:xfrm>
+          <a:prstGeom prst="rect">
+            <a:avLst/>
+          </a:prstGeom>
+        </p:spPr>
+        <p:txBody>
+          <a:bodyPr lIns="0" rIns="0" tIns="0" bIns="0" anchor="ctr"/>
+          <a:p>
+            <a:pPr algn="ctr"/>
+            <a:endParaRPr/>
+          </a:p>
+        </p:txBody>
+      </p:sp>
+      <p:sp>
+        <p:nvSpPr>
+          <p:cNvPr id="91" name="PlaceHolder 2"/>
+          <p:cNvSpPr>
+            <a:spLocks noGrp="1"/>
+          </p:cNvSpPr>
+          <p:nvPr>
+            <p:ph type="body"/>
+          </p:nvPr>
+        </p:nvSpPr>
+        <p:spPr>
+          <a:xfrm>
+            <a:off x="504000" y="1768680"/>
+            <a:ext cx="4426920" cy="4383720"/>
+          </a:xfrm>
+          <a:prstGeom prst="rect">
+            <a:avLst/>
+          </a:prstGeom>
+        </p:spPr>
+        <p:txBody>
+          <a:bodyPr lIns="0" rIns="0" tIns="0" bIns="0"/>
+          <a:p>
+            <a:endParaRPr/>
+          </a:p>
+        </p:txBody>
+      </p:sp>
+      <p:sp>
+        <p:nvSpPr>
+          <p:cNvPr id="92" name="PlaceHolder 3"/>
+          <p:cNvSpPr>
+            <a:spLocks noGrp="1"/>
+          </p:cNvSpPr>
+          <p:nvPr>
+            <p:ph type="body"/>
+          </p:nvPr>
+        </p:nvSpPr>
+        <p:spPr>
+          <a:xfrm>
+            <a:off x="5152680" y="1768680"/>
+            <a:ext cx="4426920" cy="2090880"/>
+          </a:xfrm>
+          <a:prstGeom prst="rect">
+            <a:avLst/>
+          </a:prstGeom>
+        </p:spPr>
+        <p:txBody>
+          <a:bodyPr lIns="0" rIns="0" tIns="0" bIns="0"/>
+          <a:p>
+            <a:endParaRPr/>
+          </a:p>
+        </p:txBody>
+      </p:sp>
+      <p:sp>
+        <p:nvSpPr>
+          <p:cNvPr id="93" name="PlaceHolder 4"/>
+          <p:cNvSpPr>
+            <a:spLocks noGrp="1"/>
+          </p:cNvSpPr>
+          <p:nvPr>
+            <p:ph type="body"/>
+          </p:nvPr>
+        </p:nvSpPr>
+        <p:spPr>
+          <a:xfrm>
+            <a:off x="5152680" y="4058640"/>
+            <a:ext cx="4426920" cy="2090880"/>
+          </a:xfrm>
+          <a:prstGeom prst="rect">
+            <a:avLst/>
+          </a:prstGeom>
+        </p:spPr>
+        <p:txBody>
+          <a:bodyPr lIns="0" rIns="0" tIns="0" bIns="0"/>
+          <a:p>
+            <a:endParaRPr/>
+          </a:p>
+        </p:txBody>
+      </p:sp>
+    </p:spTree>
+  </p:cSld>
+</p:sldLayout>
+</file>
+
+<file path=ppt/slideLayouts/slideLayout33.xml><?xml version="1.0" encoding="utf-8"?>
+<p:sldLayout xmlns:a="http://schemas.openxmlformats.org/drawingml/2006/main" xmlns:p="http://schemas.openxmlformats.org/presentationml/2006/main" xmlns:r="http://schemas.openxmlformats.org/officeDocument/2006/relationships" type="twoObjOverTx" preserve="1">
+  <p:cSld name="Title, 2 Content over Content">
+    <p:spTree>
+      <p:nvGrpSpPr>
+        <p:cNvPr id="1" name=""/>
+        <p:cNvGrpSpPr/>
+        <p:nvPr/>
+      </p:nvGrpSpPr>
+      <p:grpSpPr>
+        <a:xfrm>
+          <a:off x="0" y="0"/>
+          <a:ext cx="0" cy="0"/>
+          <a:chOff x="0" y="0"/>
+          <a:chExt cx="0" cy="0"/>
+        </a:xfrm>
+      </p:grpSpPr>
+      <p:sp>
+        <p:nvSpPr>
+          <p:cNvPr id="94" name="PlaceHolder 1"/>
+          <p:cNvSpPr>
+            <a:spLocks noGrp="1"/>
+          </p:cNvSpPr>
+          <p:nvPr>
+            <p:ph type="title"/>
+          </p:nvPr>
+        </p:nvSpPr>
+        <p:spPr>
+          <a:xfrm>
+            <a:off x="504000" y="301320"/>
+            <a:ext cx="9071640" cy="1262160"/>
+          </a:xfrm>
+          <a:prstGeom prst="rect">
+            <a:avLst/>
+          </a:prstGeom>
+        </p:spPr>
+        <p:txBody>
+          <a:bodyPr lIns="0" rIns="0" tIns="0" bIns="0" anchor="ctr"/>
+          <a:p>
+            <a:pPr algn="ctr"/>
+            <a:endParaRPr/>
+          </a:p>
+        </p:txBody>
+      </p:sp>
+      <p:sp>
+        <p:nvSpPr>
+          <p:cNvPr id="95" name="PlaceHolder 2"/>
+          <p:cNvSpPr>
+            <a:spLocks noGrp="1"/>
+          </p:cNvSpPr>
+          <p:nvPr>
+            <p:ph type="body"/>
+          </p:nvPr>
+        </p:nvSpPr>
+        <p:spPr>
+          <a:xfrm>
+            <a:off x="504000" y="1768680"/>
+            <a:ext cx="4426920" cy="2090880"/>
+          </a:xfrm>
+          <a:prstGeom prst="rect">
+            <a:avLst/>
+          </a:prstGeom>
+        </p:spPr>
+        <p:txBody>
+          <a:bodyPr lIns="0" rIns="0" tIns="0" bIns="0"/>
+          <a:p>
+            <a:endParaRPr/>
+          </a:p>
+        </p:txBody>
+      </p:sp>
+      <p:sp>
+        <p:nvSpPr>
+          <p:cNvPr id="96" name="PlaceHolder 3"/>
+          <p:cNvSpPr>
+            <a:spLocks noGrp="1"/>
+          </p:cNvSpPr>
+          <p:nvPr>
+            <p:ph type="body"/>
+          </p:nvPr>
+        </p:nvSpPr>
+        <p:spPr>
+          <a:xfrm>
+            <a:off x="5152680" y="1768680"/>
+            <a:ext cx="4426920" cy="2090880"/>
+          </a:xfrm>
+          <a:prstGeom prst="rect">
+            <a:avLst/>
+          </a:prstGeom>
+        </p:spPr>
+        <p:txBody>
+          <a:bodyPr lIns="0" rIns="0" tIns="0" bIns="0"/>
+          <a:p>
+            <a:endParaRPr/>
+          </a:p>
+        </p:txBody>
+      </p:sp>
+      <p:sp>
+        <p:nvSpPr>
+          <p:cNvPr id="97" name="PlaceHolder 4"/>
+          <p:cNvSpPr>
+            <a:spLocks noGrp="1"/>
+          </p:cNvSpPr>
+          <p:nvPr>
+            <p:ph type="body"/>
+          </p:nvPr>
+        </p:nvSpPr>
+        <p:spPr>
+          <a:xfrm>
+            <a:off x="504000" y="4058640"/>
+            <a:ext cx="9071640" cy="2090880"/>
+          </a:xfrm>
+          <a:prstGeom prst="rect">
+            <a:avLst/>
+          </a:prstGeom>
+        </p:spPr>
+        <p:txBody>
+          <a:bodyPr lIns="0" rIns="0" tIns="0" bIns="0"/>
+          <a:p>
+            <a:endParaRPr/>
+          </a:p>
+        </p:txBody>
+      </p:sp>
+    </p:spTree>
+  </p:cSld>
+</p:sldLayout>
+</file>
+
+<file path=ppt/slideLayouts/slideLayout34.xml><?xml version="1.0" encoding="utf-8"?>
+<p:sldLayout xmlns:a="http://schemas.openxmlformats.org/drawingml/2006/main" xmlns:p="http://schemas.openxmlformats.org/presentationml/2006/main" xmlns:r="http://schemas.openxmlformats.org/officeDocument/2006/relationships" type="objOverTx" preserve="1">
+  <p:cSld name="Title, Content over Content">
+    <p:spTree>
+      <p:nvGrpSpPr>
+        <p:cNvPr id="1" name=""/>
+        <p:cNvGrpSpPr/>
+        <p:nvPr/>
+      </p:nvGrpSpPr>
+      <p:grpSpPr>
+        <a:xfrm>
+          <a:off x="0" y="0"/>
+          <a:ext cx="0" cy="0"/>
+          <a:chOff x="0" y="0"/>
+          <a:chExt cx="0" cy="0"/>
+        </a:xfrm>
+      </p:grpSpPr>
+      <p:sp>
+        <p:nvSpPr>
+          <p:cNvPr id="98" name="PlaceHolder 1"/>
+          <p:cNvSpPr>
+            <a:spLocks noGrp="1"/>
+          </p:cNvSpPr>
+          <p:nvPr>
+            <p:ph type="title"/>
+          </p:nvPr>
+        </p:nvSpPr>
+        <p:spPr>
+          <a:xfrm>
+            <a:off x="504000" y="301320"/>
+            <a:ext cx="9071640" cy="1262160"/>
+          </a:xfrm>
+          <a:prstGeom prst="rect">
+            <a:avLst/>
+          </a:prstGeom>
+        </p:spPr>
+        <p:txBody>
+          <a:bodyPr lIns="0" rIns="0" tIns="0" bIns="0" anchor="ctr"/>
+          <a:p>
+            <a:pPr algn="ctr"/>
+            <a:endParaRPr/>
+          </a:p>
+        </p:txBody>
+      </p:sp>
+      <p:sp>
+        <p:nvSpPr>
+          <p:cNvPr id="99" name="PlaceHolder 2"/>
+          <p:cNvSpPr>
+            <a:spLocks noGrp="1"/>
+          </p:cNvSpPr>
+          <p:nvPr>
+            <p:ph type="body"/>
+          </p:nvPr>
+        </p:nvSpPr>
+        <p:spPr>
+          <a:xfrm>
+            <a:off x="504000" y="1768680"/>
+            <a:ext cx="9071640" cy="2090880"/>
+          </a:xfrm>
+          <a:prstGeom prst="rect">
+            <a:avLst/>
+          </a:prstGeom>
+        </p:spPr>
+        <p:txBody>
+          <a:bodyPr lIns="0" rIns="0" tIns="0" bIns="0"/>
+          <a:p>
+            <a:endParaRPr/>
+          </a:p>
+        </p:txBody>
+      </p:sp>
+      <p:sp>
+        <p:nvSpPr>
+          <p:cNvPr id="100" name="PlaceHolder 3"/>
+          <p:cNvSpPr>
+            <a:spLocks noGrp="1"/>
+          </p:cNvSpPr>
+          <p:nvPr>
+            <p:ph type="body"/>
+          </p:nvPr>
+        </p:nvSpPr>
+        <p:spPr>
+          <a:xfrm>
+            <a:off x="504000" y="4058640"/>
+            <a:ext cx="9071640" cy="2090880"/>
+          </a:xfrm>
+          <a:prstGeom prst="rect">
+            <a:avLst/>
+          </a:prstGeom>
+        </p:spPr>
+        <p:txBody>
+          <a:bodyPr lIns="0" rIns="0" tIns="0" bIns="0"/>
+          <a:p>
+            <a:endParaRPr/>
+          </a:p>
+        </p:txBody>
+      </p:sp>
+    </p:spTree>
+  </p:cSld>
+</p:sldLayout>
+</file>
+
+<file path=ppt/slideLayouts/slideLayout35.xml><?xml version="1.0" encoding="utf-8"?>
+<p:sldLayout xmlns:a="http://schemas.openxmlformats.org/drawingml/2006/main" xmlns:p="http://schemas.openxmlformats.org/presentationml/2006/main" xmlns:r="http://schemas.openxmlformats.org/officeDocument/2006/relationships" type="fourObj" preserve="1">
+  <p:cSld name="Title, 4 Content">
+    <p:spTree>
+      <p:nvGrpSpPr>
+        <p:cNvPr id="1" name=""/>
+        <p:cNvGrpSpPr/>
+        <p:nvPr/>
+      </p:nvGrpSpPr>
+      <p:grpSpPr>
+        <a:xfrm>
+          <a:off x="0" y="0"/>
+          <a:ext cx="0" cy="0"/>
+          <a:chOff x="0" y="0"/>
+          <a:chExt cx="0" cy="0"/>
+        </a:xfrm>
+      </p:grpSpPr>
+      <p:sp>
+        <p:nvSpPr>
+          <p:cNvPr id="101" name="PlaceHolder 1"/>
+          <p:cNvSpPr>
+            <a:spLocks noGrp="1"/>
+          </p:cNvSpPr>
+          <p:nvPr>
+            <p:ph type="title"/>
+          </p:nvPr>
+        </p:nvSpPr>
+        <p:spPr>
+          <a:xfrm>
+            <a:off x="504000" y="301320"/>
+            <a:ext cx="9071640" cy="1262160"/>
+          </a:xfrm>
+          <a:prstGeom prst="rect">
+            <a:avLst/>
+          </a:prstGeom>
+        </p:spPr>
+        <p:txBody>
+          <a:bodyPr lIns="0" rIns="0" tIns="0" bIns="0" anchor="ctr"/>
+          <a:p>
+            <a:pPr algn="ctr"/>
+            <a:endParaRPr/>
+          </a:p>
+        </p:txBody>
+      </p:sp>
+      <p:sp>
+        <p:nvSpPr>
+          <p:cNvPr id="102" name="PlaceHolder 2"/>
+          <p:cNvSpPr>
+            <a:spLocks noGrp="1"/>
+          </p:cNvSpPr>
+          <p:nvPr>
+            <p:ph type="body"/>
+          </p:nvPr>
+        </p:nvSpPr>
+        <p:spPr>
+          <a:xfrm>
+            <a:off x="504000" y="1768680"/>
+            <a:ext cx="4426920" cy="2090880"/>
+          </a:xfrm>
+          <a:prstGeom prst="rect">
+            <a:avLst/>
+          </a:prstGeom>
+        </p:spPr>
+        <p:txBody>
+          <a:bodyPr lIns="0" rIns="0" tIns="0" bIns="0"/>
+          <a:p>
+            <a:endParaRPr/>
+          </a:p>
+        </p:txBody>
+      </p:sp>
+      <p:sp>
+        <p:nvSpPr>
+          <p:cNvPr id="103" name="PlaceHolder 3"/>
+          <p:cNvSpPr>
+            <a:spLocks noGrp="1"/>
+          </p:cNvSpPr>
+          <p:nvPr>
+            <p:ph type="body"/>
+          </p:nvPr>
+        </p:nvSpPr>
+        <p:spPr>
+          <a:xfrm>
+            <a:off x="5152680" y="1768680"/>
+            <a:ext cx="4426920" cy="2090880"/>
+          </a:xfrm>
+          <a:prstGeom prst="rect">
+            <a:avLst/>
+          </a:prstGeom>
+        </p:spPr>
+        <p:txBody>
+          <a:bodyPr lIns="0" rIns="0" tIns="0" bIns="0"/>
+          <a:p>
+            <a:endParaRPr/>
+          </a:p>
+        </p:txBody>
+      </p:sp>
+      <p:sp>
+        <p:nvSpPr>
+          <p:cNvPr id="104" name="PlaceHolder 4"/>
+          <p:cNvSpPr>
+            <a:spLocks noGrp="1"/>
+          </p:cNvSpPr>
+          <p:nvPr>
+            <p:ph type="body"/>
+          </p:nvPr>
+        </p:nvSpPr>
+        <p:spPr>
+          <a:xfrm>
+            <a:off x="5152680" y="4058640"/>
+            <a:ext cx="4426920" cy="2090880"/>
+          </a:xfrm>
+          <a:prstGeom prst="rect">
+            <a:avLst/>
+          </a:prstGeom>
+        </p:spPr>
+        <p:txBody>
+          <a:bodyPr lIns="0" rIns="0" tIns="0" bIns="0"/>
+          <a:p>
+            <a:endParaRPr/>
+          </a:p>
+        </p:txBody>
+      </p:sp>
+      <p:sp>
+        <p:nvSpPr>
+          <p:cNvPr id="105" name="PlaceHolder 5"/>
+          <p:cNvSpPr>
+            <a:spLocks noGrp="1"/>
+          </p:cNvSpPr>
+          <p:nvPr>
+            <p:ph type="body"/>
+          </p:nvPr>
+        </p:nvSpPr>
+        <p:spPr>
+          <a:xfrm>
+            <a:off x="504000" y="4058640"/>
+            <a:ext cx="4426920" cy="2090880"/>
+          </a:xfrm>
+          <a:prstGeom prst="rect">
+            <a:avLst/>
+          </a:prstGeom>
+        </p:spPr>
+        <p:txBody>
+          <a:bodyPr lIns="0" rIns="0" tIns="0" bIns="0"/>
+          <a:p>
+            <a:endParaRPr/>
+          </a:p>
+        </p:txBody>
+      </p:sp>
+    </p:spTree>
+  </p:cSld>
+</p:sldLayout>
+</file>
+
+<file path=ppt/slideLayouts/slideLayout36.xml><?xml version="1.0" encoding="utf-8"?>
+<p:sldLayout xmlns:a="http://schemas.openxmlformats.org/drawingml/2006/main" xmlns:p="http://schemas.openxmlformats.org/presentationml/2006/main" xmlns:r="http://schemas.openxmlformats.org/officeDocument/2006/relationships" type="blank" preserve="1">
+  <p:cSld name="Title, 6 Content">
+    <p:spTree>
+      <p:nvGrpSpPr>
+        <p:cNvPr id="1" name=""/>
+        <p:cNvGrpSpPr/>
+        <p:nvPr/>
+      </p:nvGrpSpPr>
+      <p:grpSpPr>
+        <a:xfrm>
+          <a:off x="0" y="0"/>
+          <a:ext cx="0" cy="0"/>
+          <a:chOff x="0" y="0"/>
+          <a:chExt cx="0" cy="0"/>
+        </a:xfrm>
+      </p:grpSpPr>
+      <p:sp>
+        <p:nvSpPr>
+          <p:cNvPr id="106" name="PlaceHolder 1"/>
+          <p:cNvSpPr>
+            <a:spLocks noGrp="1"/>
+          </p:cNvSpPr>
+          <p:nvPr>
+            <p:ph type="title"/>
+          </p:nvPr>
+        </p:nvSpPr>
+        <p:spPr>
+          <a:xfrm>
+            <a:off x="504000" y="301320"/>
+            <a:ext cx="9071640" cy="1262160"/>
+          </a:xfrm>
+          <a:prstGeom prst="rect">
+            <a:avLst/>
+          </a:prstGeom>
+        </p:spPr>
+        <p:txBody>
+          <a:bodyPr lIns="0" rIns="0" tIns="0" bIns="0" anchor="ctr"/>
+          <a:p>
+            <a:pPr algn="ctr"/>
+            <a:endParaRPr/>
+          </a:p>
+        </p:txBody>
+      </p:sp>
+      <p:sp>
+        <p:nvSpPr>
+          <p:cNvPr id="107" name="PlaceHolder 2"/>
+          <p:cNvSpPr>
+            <a:spLocks noGrp="1"/>
+          </p:cNvSpPr>
+          <p:nvPr>
+            <p:ph type="body"/>
+          </p:nvPr>
+        </p:nvSpPr>
+        <p:spPr>
+          <a:xfrm>
+            <a:off x="504000" y="1768680"/>
+            <a:ext cx="9071640" cy="4383720"/>
+          </a:xfrm>
+          <a:prstGeom prst="rect">
+            <a:avLst/>
+          </a:prstGeom>
+        </p:spPr>
+        <p:txBody>
+          <a:bodyPr lIns="0" rIns="0" tIns="0" bIns="0"/>
+          <a:p>
+            <a:endParaRPr/>
+          </a:p>
+        </p:txBody>
+      </p:sp>
+      <p:sp>
+        <p:nvSpPr>
+          <p:cNvPr id="108" name="PlaceHolder 3"/>
+          <p:cNvSpPr>
+            <a:spLocks noGrp="1"/>
+          </p:cNvSpPr>
+          <p:nvPr>
+            <p:ph type="body"/>
+          </p:nvPr>
+        </p:nvSpPr>
+        <p:spPr>
+          <a:xfrm>
+            <a:off x="504000" y="1768680"/>
+            <a:ext cx="9071640" cy="4383720"/>
+          </a:xfrm>
+          <a:prstGeom prst="rect">
+            <a:avLst/>
+          </a:prstGeom>
+        </p:spPr>
+        <p:txBody>
+          <a:bodyPr lIns="0" rIns="0" tIns="0" bIns="0"/>
+          <a:p>
+            <a:endParaRPr/>
+          </a:p>
+        </p:txBody>
+      </p:sp>
+      <p:pic>
+        <p:nvPicPr>
+          <p:cNvPr id="109" name="" descr=""/>
+          <p:cNvPicPr/>
+          <p:nvPr/>
+        </p:nvPicPr>
+        <p:blipFill>
+          <a:blip r:embed="rId2"/>
+          <a:stretch>
+            <a:fillRect/>
+          </a:stretch>
+        </p:blipFill>
+        <p:spPr>
+          <a:xfrm>
+            <a:off x="2292480" y="1768320"/>
+            <a:ext cx="5494320" cy="4383720"/>
+          </a:xfrm>
+          <a:prstGeom prst="rect">
+            <a:avLst/>
+          </a:prstGeom>
+          <a:ln>
+            <a:noFill/>
+          </a:ln>
+        </p:spPr>
+      </p:pic>
+      <p:pic>
+        <p:nvPicPr>
+          <p:cNvPr id="110" name="" descr=""/>
+          <p:cNvPicPr/>
+          <p:nvPr/>
+        </p:nvPicPr>
+        <p:blipFill>
+          <a:blip r:embed="rId3"/>
+          <a:stretch>
+            <a:fillRect/>
+          </a:stretch>
+        </p:blipFill>
+        <p:spPr>
+          <a:xfrm>
+            <a:off x="2292480" y="1768320"/>
+            <a:ext cx="5494320" cy="4383720"/>
+          </a:xfrm>
+          <a:prstGeom prst="rect">
+            <a:avLst/>
+          </a:prstGeom>
+          <a:ln>
+            <a:noFill/>
+          </a:ln>
+        </p:spPr>
+      </p:pic>
     </p:spTree>
   </p:cSld>
 </p:sldLayout>
@@ -2526,7 +3685,7 @@
         <p:spPr>
           <a:xfrm>
             <a:off x="504000" y="301320"/>
-            <a:ext cx="9072000" cy="1262160"/>
+            <a:ext cx="9071640" cy="1262160"/>
           </a:xfrm>
           <a:prstGeom prst="rect">
             <a:avLst/>
@@ -2553,7 +3712,7 @@
         <p:spPr>
           <a:xfrm>
             <a:off x="504000" y="1768680"/>
-            <a:ext cx="4426920" cy="4384080"/>
+            <a:ext cx="4426920" cy="4383720"/>
           </a:xfrm>
           <a:prstGeom prst="rect">
             <a:avLst/>
@@ -2579,7 +3738,7 @@
         <p:spPr>
           <a:xfrm>
             <a:off x="5152680" y="1768680"/>
-            <a:ext cx="4426920" cy="4384080"/>
+            <a:ext cx="4426920" cy="4383720"/>
           </a:xfrm>
           <a:prstGeom prst="rect">
             <a:avLst/>
@@ -2627,7 +3786,7 @@
         <p:spPr>
           <a:xfrm>
             <a:off x="504000" y="301320"/>
-            <a:ext cx="9072000" cy="1262160"/>
+            <a:ext cx="9071640" cy="1262160"/>
           </a:xfrm>
           <a:prstGeom prst="rect">
             <a:avLst/>
@@ -2676,7 +3835,7 @@
         <p:spPr>
           <a:xfrm>
             <a:off x="504000" y="301320"/>
-            <a:ext cx="9072000" cy="5850720"/>
+            <a:ext cx="9071640" cy="5850720"/>
           </a:xfrm>
           <a:prstGeom prst="rect">
             <a:avLst/>
@@ -2725,7 +3884,7 @@
         <p:spPr>
           <a:xfrm>
             <a:off x="504000" y="301320"/>
-            <a:ext cx="9072000" cy="1262160"/>
+            <a:ext cx="9071640" cy="1262160"/>
           </a:xfrm>
           <a:prstGeom prst="rect">
             <a:avLst/>
@@ -2804,7 +3963,7 @@
         <p:spPr>
           <a:xfrm>
             <a:off x="5152680" y="1768680"/>
-            <a:ext cx="4426920" cy="4384080"/>
+            <a:ext cx="4426920" cy="4383720"/>
           </a:xfrm>
           <a:prstGeom prst="rect">
             <a:avLst/>
@@ -2852,7 +4011,7 @@
         <p:spPr>
           <a:xfrm>
             <a:off x="504000" y="301320"/>
-            <a:ext cx="9072000" cy="1262160"/>
+            <a:ext cx="9071640" cy="1262160"/>
           </a:xfrm>
           <a:prstGeom prst="rect">
             <a:avLst/>
@@ -2879,7 +4038,7 @@
         <p:spPr>
           <a:xfrm>
             <a:off x="504000" y="1768680"/>
-            <a:ext cx="4426920" cy="4384080"/>
+            <a:ext cx="4426920" cy="4383720"/>
           </a:xfrm>
           <a:prstGeom prst="rect">
             <a:avLst/>
@@ -2979,7 +4138,7 @@
         <p:spPr>
           <a:xfrm>
             <a:off x="504000" y="301320"/>
-            <a:ext cx="9072000" cy="1262160"/>
+            <a:ext cx="9071640" cy="1262160"/>
           </a:xfrm>
           <a:prstGeom prst="rect">
             <a:avLst/>
@@ -3058,7 +4217,7 @@
         <p:spPr>
           <a:xfrm>
             <a:off x="504000" y="4058640"/>
-            <a:ext cx="9072000" cy="2090880"/>
+            <a:ext cx="9071640" cy="2090880"/>
           </a:xfrm>
           <a:prstGeom prst="rect">
             <a:avLst/>
@@ -3115,8 +4274,8 @@
         </p:nvSpPr>
         <p:spPr>
           <a:xfrm>
-            <a:off x="502920" y="301320"/>
-            <a:ext cx="9060840" cy="1252440"/>
+            <a:off x="504000" y="301320"/>
+            <a:ext cx="9072000" cy="1261800"/>
           </a:xfrm>
           <a:prstGeom prst="rect">
             <a:avLst/>
@@ -3125,8 +4284,9 @@
         <p:txBody>
           <a:bodyPr lIns="0" rIns="0" tIns="0" bIns="0" anchor="ctr"/>
           <a:p>
-            <a:r>
-              <a:rPr lang="en-GB">
+            <a:pPr algn="ctr"/>
+            <a:r>
+              <a:rPr lang="en-GB" sz="4400">
                 <a:latin typeface="Arial"/>
               </a:rPr>
               <a:t>Click to edit the title text format</a:t>
@@ -3147,8 +4307,8 @@
         </p:nvSpPr>
         <p:spPr>
           <a:xfrm>
-            <a:off x="502920" y="2165040"/>
-            <a:ext cx="9060840" cy="4374360"/>
+            <a:off x="504000" y="1768680"/>
+            <a:ext cx="9072000" cy="4384080"/>
           </a:xfrm>
           <a:prstGeom prst="rect">
             <a:avLst/>
@@ -3163,7 +4323,7 @@
               <a:buChar char=""/>
             </a:pPr>
             <a:r>
-              <a:rPr lang="en-GB">
+              <a:rPr lang="en-GB" sz="3200">
                 <a:latin typeface="Arial"/>
               </a:rPr>
               <a:t>Click to edit the outline text format</a:t>
@@ -3177,7 +4337,7 @@
               <a:buChar char=""/>
             </a:pPr>
             <a:r>
-              <a:rPr lang="en-GB">
+              <a:rPr lang="en-GB" sz="2800">
                 <a:latin typeface="Arial"/>
               </a:rPr>
               <a:t>Second Outline Level</a:t>
@@ -3191,7 +4351,7 @@
               <a:buChar char=""/>
             </a:pPr>
             <a:r>
-              <a:rPr lang="en-GB">
+              <a:rPr lang="en-GB" sz="2400">
                 <a:latin typeface="Arial"/>
               </a:rPr>
               <a:t>Third Outline Level</a:t>
@@ -3205,7 +4365,7 @@
               <a:buChar char=""/>
             </a:pPr>
             <a:r>
-              <a:rPr lang="en-GB">
+              <a:rPr lang="en-GB" sz="2000">
                 <a:latin typeface="Arial"/>
               </a:rPr>
               <a:t>Fourth Outline Level</a:t>
@@ -3219,7 +4379,7 @@
               <a:buChar char=""/>
             </a:pPr>
             <a:r>
-              <a:rPr lang="en-GB">
+              <a:rPr lang="en-GB" sz="2000">
                 <a:latin typeface="Arial"/>
               </a:rPr>
               <a:t>Fifth Outline Level</a:t>
@@ -3233,7 +4393,7 @@
               <a:buChar char=""/>
             </a:pPr>
             <a:r>
-              <a:rPr lang="en-GB">
+              <a:rPr lang="en-GB" sz="2000">
                 <a:latin typeface="Arial"/>
               </a:rPr>
               <a:t>Sixth Outline Level</a:t>
@@ -3247,7 +4407,7 @@
               <a:buChar char=""/>
             </a:pPr>
             <a:r>
-              <a:rPr lang="en-GB">
+              <a:rPr lang="en-GB" sz="2000">
                 <a:latin typeface="Arial"/>
               </a:rPr>
               <a:t>Seventh Outline Level</a:t>
@@ -3477,6 +4637,377 @@
 </p:sldMaster>
 </file>
 
+<file path=ppt/slideMasters/slideMaster3.xml><?xml version="1.0" encoding="utf-8"?>
+<p:sldMaster xmlns:a="http://schemas.openxmlformats.org/drawingml/2006/main" xmlns:p="http://schemas.openxmlformats.org/presentationml/2006/main" xmlns:r="http://schemas.openxmlformats.org/officeDocument/2006/relationships">
+  <p:cSld>
+    <p:bg>
+      <p:bgPr>
+        <a:blipFill>
+          <a:blip r:embed="rId2"/>
+          <a:stretch>
+            <a:fillRect/>
+          </a:stretch>
+        </a:blipFill>
+      </p:bgPr>
+    </p:bg>
+    <p:spTree>
+      <p:nvGrpSpPr>
+        <p:cNvPr id="1" name=""/>
+        <p:cNvGrpSpPr/>
+        <p:nvPr/>
+      </p:nvGrpSpPr>
+      <p:grpSpPr>
+        <a:xfrm>
+          <a:off x="0" y="0"/>
+          <a:ext cx="0" cy="0"/>
+          <a:chOff x="0" y="0"/>
+          <a:chExt cx="0" cy="0"/>
+        </a:xfrm>
+      </p:grpSpPr>
+      <p:sp>
+        <p:nvSpPr>
+          <p:cNvPr id="72" name="PlaceHolder 1"/>
+          <p:cNvSpPr>
+            <a:spLocks noGrp="1"/>
+          </p:cNvSpPr>
+          <p:nvPr>
+            <p:ph type="title"/>
+          </p:nvPr>
+        </p:nvSpPr>
+        <p:spPr>
+          <a:xfrm>
+            <a:off x="504000" y="301320"/>
+            <a:ext cx="9071640" cy="1261800"/>
+          </a:xfrm>
+          <a:prstGeom prst="rect">
+            <a:avLst/>
+          </a:prstGeom>
+        </p:spPr>
+        <p:txBody>
+          <a:bodyPr lIns="0" rIns="0" tIns="0" bIns="0" anchor="ctr"/>
+          <a:p>
+            <a:r>
+              <a:rPr lang="en-GB">
+                <a:latin typeface="Arial"/>
+              </a:rPr>
+              <a:t>Click to edit the title text format</a:t>
+            </a:r>
+            <a:endParaRPr/>
+          </a:p>
+        </p:txBody>
+      </p:sp>
+      <p:sp>
+        <p:nvSpPr>
+          <p:cNvPr id="73" name="PlaceHolder 2"/>
+          <p:cNvSpPr>
+            <a:spLocks noGrp="1"/>
+          </p:cNvSpPr>
+          <p:nvPr>
+            <p:ph type="body"/>
+          </p:nvPr>
+        </p:nvSpPr>
+        <p:spPr>
+          <a:xfrm>
+            <a:off x="504000" y="1768680"/>
+            <a:ext cx="9071640" cy="4383720"/>
+          </a:xfrm>
+          <a:prstGeom prst="rect">
+            <a:avLst/>
+          </a:prstGeom>
+        </p:spPr>
+        <p:txBody>
+          <a:bodyPr lIns="0" rIns="0" tIns="0" bIns="0"/>
+          <a:p>
+            <a:pPr>
+              <a:buSzPct val="45000"/>
+              <a:buFont typeface="StarSymbol"/>
+              <a:buChar char=""/>
+            </a:pPr>
+            <a:r>
+              <a:rPr lang="en-GB">
+                <a:latin typeface="Arial"/>
+              </a:rPr>
+              <a:t>Click to edit the outline text format</a:t>
+            </a:r>
+            <a:endParaRPr/>
+          </a:p>
+          <a:p>
+            <a:pPr lvl="1">
+              <a:buSzPct val="75000"/>
+              <a:buFont typeface="StarSymbol"/>
+              <a:buChar char=""/>
+            </a:pPr>
+            <a:r>
+              <a:rPr lang="en-GB">
+                <a:latin typeface="Arial"/>
+              </a:rPr>
+              <a:t>Second Outline Level</a:t>
+            </a:r>
+            <a:endParaRPr/>
+          </a:p>
+          <a:p>
+            <a:pPr lvl="2">
+              <a:buSzPct val="45000"/>
+              <a:buFont typeface="StarSymbol"/>
+              <a:buChar char=""/>
+            </a:pPr>
+            <a:r>
+              <a:rPr lang="en-GB">
+                <a:latin typeface="Arial"/>
+              </a:rPr>
+              <a:t>Third Outline Level</a:t>
+            </a:r>
+            <a:endParaRPr/>
+          </a:p>
+          <a:p>
+            <a:pPr lvl="3">
+              <a:buSzPct val="75000"/>
+              <a:buFont typeface="StarSymbol"/>
+              <a:buChar char=""/>
+            </a:pPr>
+            <a:r>
+              <a:rPr lang="en-GB">
+                <a:latin typeface="Arial"/>
+              </a:rPr>
+              <a:t>Fourth Outline Level</a:t>
+            </a:r>
+            <a:endParaRPr/>
+          </a:p>
+          <a:p>
+            <a:pPr lvl="4">
+              <a:buSzPct val="45000"/>
+              <a:buFont typeface="StarSymbol"/>
+              <a:buChar char=""/>
+            </a:pPr>
+            <a:r>
+              <a:rPr lang="en-GB">
+                <a:latin typeface="Arial"/>
+              </a:rPr>
+              <a:t>Fifth Outline Level</a:t>
+            </a:r>
+            <a:endParaRPr/>
+          </a:p>
+          <a:p>
+            <a:pPr lvl="5">
+              <a:buSzPct val="45000"/>
+              <a:buFont typeface="StarSymbol"/>
+              <a:buChar char=""/>
+            </a:pPr>
+            <a:r>
+              <a:rPr lang="en-GB">
+                <a:latin typeface="Arial"/>
+              </a:rPr>
+              <a:t>Sixth Outline Level</a:t>
+            </a:r>
+            <a:endParaRPr/>
+          </a:p>
+          <a:p>
+            <a:pPr lvl="6">
+              <a:buSzPct val="45000"/>
+              <a:buFont typeface="StarSymbol"/>
+              <a:buChar char=""/>
+            </a:pPr>
+            <a:r>
+              <a:rPr lang="en-GB">
+                <a:latin typeface="Arial"/>
+              </a:rPr>
+              <a:t>Seventh Outline Level</a:t>
+            </a:r>
+            <a:endParaRPr/>
+          </a:p>
+        </p:txBody>
+      </p:sp>
+      <p:sp>
+        <p:nvSpPr>
+          <p:cNvPr id="74" name="PlaceHolder 3"/>
+          <p:cNvSpPr>
+            <a:spLocks noGrp="1"/>
+          </p:cNvSpPr>
+          <p:nvPr>
+            <p:ph type="body"/>
+          </p:nvPr>
+        </p:nvSpPr>
+        <p:spPr>
+          <a:xfrm>
+            <a:off x="504000" y="1768680"/>
+            <a:ext cx="9071640" cy="4383720"/>
+          </a:xfrm>
+          <a:prstGeom prst="rect">
+            <a:avLst/>
+          </a:prstGeom>
+        </p:spPr>
+        <p:txBody>
+          <a:bodyPr lIns="0" rIns="0" tIns="0" bIns="0"/>
+          <a:p>
+            <a:pPr>
+              <a:buSzPct val="45000"/>
+              <a:buFont typeface="StarSymbol"/>
+              <a:buChar char=""/>
+            </a:pPr>
+            <a:r>
+              <a:rPr lang="en-GB">
+                <a:latin typeface="Arial"/>
+              </a:rPr>
+              <a:t>Click to edit the outline text format</a:t>
+            </a:r>
+            <a:endParaRPr/>
+          </a:p>
+          <a:p>
+            <a:pPr lvl="1">
+              <a:buSzPct val="75000"/>
+              <a:buFont typeface="StarSymbol"/>
+              <a:buChar char=""/>
+            </a:pPr>
+            <a:r>
+              <a:rPr lang="en-GB">
+                <a:latin typeface="Arial"/>
+              </a:rPr>
+              <a:t>Second Outline Level</a:t>
+            </a:r>
+            <a:endParaRPr/>
+          </a:p>
+          <a:p>
+            <a:pPr lvl="2">
+              <a:buSzPct val="45000"/>
+              <a:buFont typeface="StarSymbol"/>
+              <a:buChar char=""/>
+            </a:pPr>
+            <a:r>
+              <a:rPr lang="en-GB">
+                <a:latin typeface="Arial"/>
+              </a:rPr>
+              <a:t>Third Outline Level</a:t>
+            </a:r>
+            <a:endParaRPr/>
+          </a:p>
+          <a:p>
+            <a:pPr lvl="3">
+              <a:buSzPct val="75000"/>
+              <a:buFont typeface="StarSymbol"/>
+              <a:buChar char=""/>
+            </a:pPr>
+            <a:r>
+              <a:rPr lang="en-GB">
+                <a:latin typeface="Arial"/>
+              </a:rPr>
+              <a:t>Fourth Outline Level</a:t>
+            </a:r>
+            <a:endParaRPr/>
+          </a:p>
+          <a:p>
+            <a:pPr lvl="4">
+              <a:buSzPct val="45000"/>
+              <a:buFont typeface="StarSymbol"/>
+              <a:buChar char=""/>
+            </a:pPr>
+            <a:r>
+              <a:rPr lang="en-GB">
+                <a:latin typeface="Arial"/>
+              </a:rPr>
+              <a:t>Fifth Outline Level</a:t>
+            </a:r>
+            <a:endParaRPr/>
+          </a:p>
+          <a:p>
+            <a:pPr lvl="5">
+              <a:buSzPct val="45000"/>
+              <a:buFont typeface="StarSymbol"/>
+              <a:buChar char=""/>
+            </a:pPr>
+            <a:r>
+              <a:rPr lang="en-GB">
+                <a:latin typeface="Arial"/>
+              </a:rPr>
+              <a:t>Sixth Outline Level</a:t>
+            </a:r>
+            <a:endParaRPr/>
+          </a:p>
+          <a:p>
+            <a:pPr lvl="6">
+              <a:buSzPct val="45000"/>
+              <a:buFont typeface="StarSymbol"/>
+              <a:buChar char=""/>
+            </a:pPr>
+            <a:r>
+              <a:rPr lang="en-GB">
+                <a:latin typeface="Arial"/>
+              </a:rPr>
+              <a:t>Seventh Outline Level</a:t>
+            </a:r>
+            <a:endParaRPr/>
+          </a:p>
+        </p:txBody>
+      </p:sp>
+      <p:pic>
+        <p:nvPicPr>
+          <p:cNvPr id="75" name="" descr=""/>
+          <p:cNvPicPr/>
+          <p:nvPr/>
+        </p:nvPicPr>
+        <p:blipFill>
+          <a:blip r:embed="rId3"/>
+          <a:stretch>
+            <a:fillRect/>
+          </a:stretch>
+        </p:blipFill>
+        <p:spPr>
+          <a:xfrm>
+            <a:off x="2292480" y="1768680"/>
+            <a:ext cx="5494320" cy="4383720"/>
+          </a:xfrm>
+          <a:prstGeom prst="rect">
+            <a:avLst/>
+          </a:prstGeom>
+          <a:ln>
+            <a:noFill/>
+          </a:ln>
+        </p:spPr>
+      </p:pic>
+      <p:pic>
+        <p:nvPicPr>
+          <p:cNvPr id="76" name="" descr=""/>
+          <p:cNvPicPr/>
+          <p:nvPr/>
+        </p:nvPicPr>
+        <p:blipFill>
+          <a:blip r:embed="rId4"/>
+          <a:stretch>
+            <a:fillRect/>
+          </a:stretch>
+        </p:blipFill>
+        <p:spPr>
+          <a:xfrm>
+            <a:off x="2292480" y="1768680"/>
+            <a:ext cx="5494320" cy="4383720"/>
+          </a:xfrm>
+          <a:prstGeom prst="rect">
+            <a:avLst/>
+          </a:prstGeom>
+          <a:ln>
+            <a:noFill/>
+          </a:ln>
+        </p:spPr>
+      </p:pic>
+    </p:spTree>
+  </p:cSld>
+  <p:clrMap bg1="lt1" bg2="lt2" tx1="dk1" tx2="dk2" accent1="accent1" accent2="accent2" accent3="accent3" accent4="accent4" accent5="accent5" accent6="accent6" hlink="hlink" folHlink="folHlink"/>
+  <p:sldLayoutIdLst>
+    <p:sldLayoutId id="2147483675" r:id="rId5"/>
+    <p:sldLayoutId id="2147483676" r:id="rId6"/>
+    <p:sldLayoutId id="2147483677" r:id="rId7"/>
+    <p:sldLayoutId id="2147483678" r:id="rId8"/>
+    <p:sldLayoutId id="2147483679" r:id="rId9"/>
+    <p:sldLayoutId id="2147483680" r:id="rId10"/>
+    <p:sldLayoutId id="2147483681" r:id="rId11"/>
+    <p:sldLayoutId id="2147483682" r:id="rId12"/>
+    <p:sldLayoutId id="2147483683" r:id="rId13"/>
+    <p:sldLayoutId id="2147483684" r:id="rId14"/>
+    <p:sldLayoutId id="2147483685" r:id="rId15"/>
+    <p:sldLayoutId id="2147483686" r:id="rId16"/>
+  </p:sldLayoutIdLst>
+</p:sldMaster>
+</file>
+
 <file path=ppt/slides/slide1.xml><?xml version="1.0" encoding="utf-8"?>
 <p:sld xmlns:a="http://schemas.openxmlformats.org/drawingml/2006/main" xmlns:p="http://schemas.openxmlformats.org/presentationml/2006/main" xmlns:r="http://schemas.openxmlformats.org/officeDocument/2006/relationships">
   <p:cSld>
@@ -3506,14 +5037,14 @@
       </p:grpSpPr>
       <p:sp>
         <p:nvSpPr>
-          <p:cNvPr id="77" name="CustomShape 1"/>
+          <p:cNvPr id="116" name="CustomShape 1"/>
           <p:cNvSpPr/>
           <p:nvPr/>
         </p:nvSpPr>
         <p:spPr>
           <a:xfrm>
             <a:off x="502920" y="345960"/>
-            <a:ext cx="9070200" cy="1262880"/>
+            <a:ext cx="9069840" cy="1262520"/>
           </a:xfrm>
           <a:prstGeom prst="rect">
             <a:avLst/>
@@ -3543,14 +5074,14 @@
       </p:sp>
       <p:sp>
         <p:nvSpPr>
-          <p:cNvPr id="78" name="CustomShape 2"/>
+          <p:cNvPr id="117" name="CustomShape 2"/>
           <p:cNvSpPr/>
           <p:nvPr/>
         </p:nvSpPr>
         <p:spPr>
           <a:xfrm>
             <a:off x="7343640" y="6191280"/>
-            <a:ext cx="2229840" cy="402480"/>
+            <a:ext cx="2229480" cy="402120"/>
           </a:xfrm>
           <a:prstGeom prst="rect">
             <a:avLst/>
@@ -3580,7 +5111,7 @@
       </p:sp>
       <p:pic>
         <p:nvPicPr>
-          <p:cNvPr id="79" name="" descr=""/>
+          <p:cNvPr id="118" name="" descr=""/>
           <p:cNvPicPr/>
           <p:nvPr/>
         </p:nvPicPr>
@@ -3593,7 +5124,7 @@
         <p:spPr>
           <a:xfrm>
             <a:off x="-9360" y="1778040"/>
-            <a:ext cx="10078200" cy="4004640"/>
+            <a:ext cx="10077840" cy="4004280"/>
           </a:xfrm>
           <a:prstGeom prst="rect">
             <a:avLst/>
@@ -3664,14 +5195,14 @@
       </p:grpSpPr>
       <p:sp>
         <p:nvSpPr>
-          <p:cNvPr id="107" name="CustomShape 1"/>
+          <p:cNvPr id="147" name="CustomShape 1"/>
           <p:cNvSpPr/>
           <p:nvPr/>
         </p:nvSpPr>
         <p:spPr>
           <a:xfrm>
             <a:off x="502920" y="301320"/>
-            <a:ext cx="9068760" cy="1259640"/>
+            <a:ext cx="9068400" cy="1259280"/>
           </a:xfrm>
           <a:prstGeom prst="rect">
             <a:avLst/>
@@ -3701,14 +5232,14 @@
       </p:sp>
       <p:sp>
         <p:nvSpPr>
-          <p:cNvPr id="108" name="CustomShape 2"/>
+          <p:cNvPr id="148" name="CustomShape 2"/>
           <p:cNvSpPr/>
           <p:nvPr/>
         </p:nvSpPr>
         <p:spPr>
           <a:xfrm>
             <a:off x="502920" y="2165400"/>
-            <a:ext cx="9068760" cy="4674240"/>
+            <a:ext cx="9068400" cy="4673880"/>
           </a:xfrm>
           <a:prstGeom prst="rect">
             <a:avLst/>
@@ -3732,14 +5263,6 @@
               </a:rPr>
               <a:t>calculate noise covariance, forward and inverse solution</a:t>
             </a:r>
-            <a:endParaRPr/>
-          </a:p>
-          <a:p>
-            <a:pPr>
-              <a:lnSpc>
-                <a:spcPct val="100000"/>
-              </a:lnSpc>
-            </a:pPr>
             <a:r>
               <a:rPr lang="en-GB" sz="2200">
                 <a:latin typeface="Arial"/>
@@ -3751,79 +5274,112 @@
               <a:rPr lang="en-GB" sz="2200">
                 <a:latin typeface="Arial"/>
               </a:rPr>
-              <a:t>
-</a:t>
-            </a:r>
+              <a:t>python:</a:t>
+            </a:r>
+            <a:endParaRPr/>
+          </a:p>
+          <a:p>
+            <a:pPr>
+              <a:lnSpc>
+                <a:spcPct val="100000"/>
+              </a:lnSpc>
+            </a:pPr>
+            <a:endParaRPr/>
+          </a:p>
+          <a:p>
+            <a:pPr>
+              <a:lnSpc>
+                <a:spcPct val="100000"/>
+              </a:lnSpc>
+            </a:pPr>
+            <a:endParaRPr/>
+          </a:p>
+          <a:p>
+            <a:pPr>
+              <a:lnSpc>
+                <a:spcPct val="100000"/>
+              </a:lnSpc>
+            </a:pPr>
+            <a:endParaRPr/>
+          </a:p>
+          <a:p>
+            <a:pPr>
+              <a:lnSpc>
+                <a:spcPct val="100000"/>
+              </a:lnSpc>
+            </a:pPr>
             <a:r>
               <a:rPr lang="en-GB" sz="2200">
                 <a:latin typeface="Arial"/>
               </a:rPr>
-              <a:t>
-</a:t>
-            </a:r>
+              <a:t>Bash (terminal):</a:t>
+            </a:r>
+            <a:endParaRPr/>
+          </a:p>
+          <a:p>
+            <a:pPr>
+              <a:lnSpc>
+                <a:spcPct val="100000"/>
+              </a:lnSpc>
+            </a:pPr>
+            <a:endParaRPr/>
+          </a:p>
+          <a:p>
+            <a:pPr>
+              <a:lnSpc>
+                <a:spcPct val="100000"/>
+              </a:lnSpc>
+            </a:pPr>
+            <a:endParaRPr/>
+          </a:p>
+          <a:p>
+            <a:pPr>
+              <a:lnSpc>
+                <a:spcPct val="100000"/>
+              </a:lnSpc>
+            </a:pPr>
+            <a:endParaRPr/>
+          </a:p>
+          <a:p>
+            <a:pPr>
+              <a:lnSpc>
+                <a:spcPct val="100000"/>
+              </a:lnSpc>
+            </a:pPr>
+            <a:endParaRPr/>
+          </a:p>
+          <a:p>
+            <a:pPr>
+              <a:lnSpc>
+                <a:spcPct val="100000"/>
+              </a:lnSpc>
+            </a:pPr>
+            <a:endParaRPr/>
+          </a:p>
+          <a:p>
+            <a:pPr>
+              <a:lnSpc>
+                <a:spcPct val="100000"/>
+              </a:lnSpc>
+            </a:pPr>
             <a:r>
               <a:rPr lang="en-GB" sz="2200">
                 <a:latin typeface="Arial"/>
               </a:rPr>
-              <a:t>
-</a:t>
-            </a:r>
+              <a:t>Whitening – unit independent. Allows eeg + meg model</a:t>
+            </a:r>
+            <a:endParaRPr/>
+          </a:p>
+          <a:p>
+            <a:pPr>
+              <a:lnSpc>
+                <a:spcPct val="100000"/>
+              </a:lnSpc>
+            </a:pPr>
             <a:r>
               <a:rPr lang="en-GB" sz="2200">
                 <a:latin typeface="Arial"/>
               </a:rPr>
-              <a:t>
-</a:t>
-            </a:r>
-            <a:r>
-              <a:rPr lang="en-GB" sz="2200">
-                <a:latin typeface="Arial"/>
-              </a:rPr>
-              <a:t>
-</a:t>
-            </a:r>
-            <a:endParaRPr/>
-          </a:p>
-          <a:p>
-            <a:pPr>
-              <a:lnSpc>
-                <a:spcPct val="100000"/>
-              </a:lnSpc>
-            </a:pPr>
-            <a:endParaRPr/>
-          </a:p>
-          <a:p>
-            <a:pPr>
-              <a:lnSpc>
-                <a:spcPct val="100000"/>
-              </a:lnSpc>
-            </a:pPr>
-            <a:endParaRPr/>
-          </a:p>
-          <a:p>
-            <a:pPr>
-              <a:lnSpc>
-                <a:spcPct val="100000"/>
-              </a:lnSpc>
-            </a:pPr>
-            <a:r>
-              <a:rPr lang="en-GB" sz="2200">
-                <a:latin typeface="Arial"/>
-              </a:rPr>
-              <a:t>Whitening – unit independent. Allows eeg + meg model</a:t>
-            </a:r>
-            <a:endParaRPr/>
-          </a:p>
-          <a:p>
-            <a:pPr>
-              <a:lnSpc>
-                <a:spcPct val="100000"/>
-              </a:lnSpc>
-            </a:pPr>
-            <a:r>
-              <a:rPr lang="en-GB" sz="2200">
-                <a:latin typeface="Arial"/>
-              </a:rPr>
               <a:t>Inverse solution is depends on noise cov only</a:t>
             </a:r>
             <a:endParaRPr/>
@@ -3832,14 +5388,14 @@
       </p:sp>
       <p:sp>
         <p:nvSpPr>
-          <p:cNvPr id="109" name="CustomShape 3"/>
+          <p:cNvPr id="149" name="CustomShape 3"/>
           <p:cNvSpPr/>
           <p:nvPr/>
         </p:nvSpPr>
         <p:spPr>
           <a:xfrm>
-            <a:off x="503280" y="3095640"/>
-            <a:ext cx="5400000" cy="2304360"/>
+            <a:off x="503280" y="4320000"/>
+            <a:ext cx="8712720" cy="1296000"/>
           </a:xfrm>
           <a:prstGeom prst="rect">
             <a:avLst/>
@@ -3863,6 +5419,87 @@
               <a:rPr lang="en-GB" sz="1400">
                 <a:latin typeface="Arial"/>
               </a:rPr>
+              <a:t>mne_setup_source_space --ico -6 --overwrite</a:t>
+            </a:r>
+            <a:endParaRPr/>
+          </a:p>
+          <a:p>
+            <a:pPr>
+              <a:lnSpc>
+                <a:spcPct val="100000"/>
+              </a:lnSpc>
+            </a:pPr>
+            <a:r>
+              <a:rPr lang="en-GB" sz="1400">
+                <a:latin typeface="Arial"/>
+              </a:rPr>
+              <a:t>mne_setup_forward_model --homog --surf --ico 4 --overwrite</a:t>
+            </a:r>
+            <a:endParaRPr/>
+          </a:p>
+          <a:p>
+            <a:pPr>
+              <a:lnSpc>
+                <a:spcPct val="100000"/>
+              </a:lnSpc>
+            </a:pPr>
+            <a:r>
+              <a:rPr lang="en-GB" sz="1400">
+                <a:latin typeface="Arial"/>
+              </a:rPr>
+              <a:t>mne_do_forward_solution --spacing oct-6 mindist --overwrite --meas maor_raw.fif --megonly --noisecov </a:t>
+            </a:r>
+            <a:endParaRPr/>
+          </a:p>
+          <a:p>
+            <a:pPr>
+              <a:lnSpc>
+                <a:spcPct val="100000"/>
+              </a:lnSpc>
+            </a:pPr>
+            <a:r>
+              <a:rPr lang="en-GB" sz="1400">
+                <a:latin typeface="Arial"/>
+              </a:rPr>
+              <a:t>mne_do_inverse_operator --fwd maor_raw-oct-6-fwd.fif --deep --loose 0.2 --meg</a:t>
+            </a:r>
+            <a:endParaRPr/>
+          </a:p>
+        </p:txBody>
+      </p:sp>
+      <p:sp>
+        <p:nvSpPr>
+          <p:cNvPr id="150" name="CustomShape 4"/>
+          <p:cNvSpPr/>
+          <p:nvPr/>
+        </p:nvSpPr>
+        <p:spPr>
+          <a:xfrm>
+            <a:off x="504360" y="2987640"/>
+            <a:ext cx="5399640" cy="576360"/>
+          </a:xfrm>
+          <a:prstGeom prst="rect">
+            <a:avLst/>
+          </a:prstGeom>
+          <a:solidFill>
+            <a:srgbClr val="ffffff"/>
+          </a:solidFill>
+          <a:ln>
+            <a:noFill/>
+          </a:ln>
+        </p:spPr>
+        <p:txBody>
+          <a:bodyPr lIns="90000" rIns="90000" tIns="45000" bIns="45000"/>
+          <a:p>
+            <a:pPr>
+              <a:lnSpc>
+                <a:spcPct val="100000"/>
+              </a:lnSpc>
+            </a:pPr>
+            <a:r>
+              <a:rPr lang="en-GB" sz="1400">
+                <a:latin typeface="Arial"/>
+              </a:rPr>
               <a:t>cov = mne.compute_covariance(epochs, tmin=None, tmax=0)</a:t>
             </a:r>
             <a:endParaRPr/>
@@ -3878,84 +5515,6 @@
                 <a:latin typeface="Arial"/>
               </a:rPr>
               <a:t>cov.save('maorf_raw-cov.fif')</a:t>
-            </a:r>
-            <a:endParaRPr/>
-          </a:p>
-          <a:p>
-            <a:pPr>
-              <a:lnSpc>
-                <a:spcPct val="100000"/>
-              </a:lnSpc>
-            </a:pPr>
-            <a:endParaRPr/>
-          </a:p>
-          <a:p>
-            <a:pPr>
-              <a:lnSpc>
-                <a:spcPct val="100000"/>
-              </a:lnSpc>
-            </a:pPr>
-            <a:r>
-              <a:rPr lang="en-GB" sz="1400">
-                <a:latin typeface="Arial"/>
-              </a:rPr>
-              <a:t>mne_setup_source_space --ico -6 --overwrite</a:t>
-            </a:r>
-            <a:endParaRPr/>
-          </a:p>
-          <a:p>
-            <a:pPr>
-              <a:lnSpc>
-                <a:spcPct val="100000"/>
-              </a:lnSpc>
-            </a:pPr>
-            <a:r>
-              <a:rPr lang="en-GB" sz="1400">
-                <a:latin typeface="Arial"/>
-              </a:rPr>
-              <a:t>mne_setup_forward_model --homog --surf --ico 4 --overwrite</a:t>
-            </a:r>
-            <a:endParaRPr/>
-          </a:p>
-          <a:p>
-            <a:pPr>
-              <a:lnSpc>
-                <a:spcPct val="100000"/>
-              </a:lnSpc>
-            </a:pPr>
-            <a:r>
-              <a:rPr lang="en-GB" sz="1400">
-                <a:latin typeface="Arial"/>
-              </a:rPr>
-              <a:t>MEG_FN='maorf_raw.fif'</a:t>
-            </a:r>
-            <a:endParaRPr/>
-          </a:p>
-          <a:p>
-            <a:pPr>
-              <a:lnSpc>
-                <a:spcPct val="100000"/>
-              </a:lnSpc>
-            </a:pPr>
-            <a:r>
-              <a:rPr lang="en-GB" sz="1400">
-                <a:latin typeface="Arial"/>
-              </a:rPr>
-              <a:t>mne_do_forward_solution --spacing oct-6 mindist --overwrite --meas $MEG_FN --megonly --noisecov </a:t>
-            </a:r>
-            <a:endParaRPr/>
-          </a:p>
-          <a:p>
-            <a:pPr>
-              <a:lnSpc>
-                <a:spcPct val="100000"/>
-              </a:lnSpc>
-            </a:pPr>
-            <a:r>
-              <a:rPr lang="en-GB" sz="1400">
-                <a:latin typeface="Arial"/>
-              </a:rPr>
-              <a:t>mne_do_inverse_operator --fwd maorf_raw-oct-6-fwd.fif --deep --loose 0.2 --meg</a:t>
             </a:r>
             <a:endParaRPr/>
           </a:p>
@@ -4022,14 +5581,14 @@
       </p:grpSpPr>
       <p:sp>
         <p:nvSpPr>
-          <p:cNvPr id="110" name="CustomShape 1"/>
+          <p:cNvPr id="151" name="CustomShape 1"/>
           <p:cNvSpPr/>
           <p:nvPr/>
         </p:nvSpPr>
         <p:spPr>
           <a:xfrm>
             <a:off x="502920" y="301320"/>
-            <a:ext cx="9068760" cy="1259640"/>
+            <a:ext cx="9068400" cy="1259280"/>
           </a:xfrm>
           <a:prstGeom prst="rect">
             <a:avLst/>
@@ -4059,14 +5618,14 @@
       </p:sp>
       <p:sp>
         <p:nvSpPr>
-          <p:cNvPr id="111" name="CustomShape 2"/>
+          <p:cNvPr id="152" name="CustomShape 2"/>
           <p:cNvSpPr/>
           <p:nvPr/>
         </p:nvSpPr>
         <p:spPr>
           <a:xfrm>
             <a:off x="506520" y="1875960"/>
-            <a:ext cx="9068400" cy="1721880"/>
+            <a:ext cx="9068040" cy="1721520"/>
           </a:xfrm>
           <a:prstGeom prst="rect">
             <a:avLst/>
@@ -4096,7 +5655,7 @@
       </p:sp>
       <p:pic>
         <p:nvPicPr>
-          <p:cNvPr id="112" name="" descr=""/>
+          <p:cNvPr id="153" name="" descr=""/>
           <p:cNvPicPr/>
           <p:nvPr/>
         </p:nvPicPr>
@@ -4109,7 +5668,7 @@
         <p:spPr>
           <a:xfrm>
             <a:off x="-9360" y="2303640"/>
-            <a:ext cx="10078200" cy="4547160"/>
+            <a:ext cx="10077840" cy="4546800"/>
           </a:xfrm>
           <a:prstGeom prst="rect">
             <a:avLst/>
@@ -4180,14 +5739,14 @@
       </p:grpSpPr>
       <p:sp>
         <p:nvSpPr>
-          <p:cNvPr id="113" name="CustomShape 1"/>
+          <p:cNvPr id="154" name="CustomShape 1"/>
           <p:cNvSpPr/>
           <p:nvPr/>
         </p:nvSpPr>
         <p:spPr>
           <a:xfrm>
             <a:off x="502920" y="301320"/>
-            <a:ext cx="9068760" cy="1259640"/>
+            <a:ext cx="9068400" cy="1259280"/>
           </a:xfrm>
           <a:prstGeom prst="rect">
             <a:avLst/>
@@ -4217,14 +5776,14 @@
       </p:sp>
       <p:sp>
         <p:nvSpPr>
-          <p:cNvPr id="114" name="CustomShape 2"/>
+          <p:cNvPr id="155" name="CustomShape 2"/>
           <p:cNvSpPr/>
           <p:nvPr/>
         </p:nvSpPr>
         <p:spPr>
           <a:xfrm>
             <a:off x="506520" y="1800000"/>
-            <a:ext cx="9068400" cy="4382280"/>
+            <a:ext cx="9068040" cy="4381920"/>
           </a:xfrm>
           <a:prstGeom prst="rect">
             <a:avLst/>
@@ -4254,7 +5813,7 @@
       </p:sp>
       <p:pic>
         <p:nvPicPr>
-          <p:cNvPr id="115" name="" descr=""/>
+          <p:cNvPr id="156" name="" descr=""/>
           <p:cNvPicPr/>
           <p:nvPr/>
         </p:nvPicPr>
@@ -4267,7 +5826,7 @@
         <p:spPr>
           <a:xfrm>
             <a:off x="-9360" y="2284560"/>
-            <a:ext cx="10078200" cy="4521960"/>
+            <a:ext cx="10077840" cy="4521600"/>
           </a:xfrm>
           <a:prstGeom prst="rect">
             <a:avLst/>
@@ -4338,14 +5897,14 @@
       </p:grpSpPr>
       <p:sp>
         <p:nvSpPr>
-          <p:cNvPr id="116" name="CustomShape 1"/>
+          <p:cNvPr id="157" name="CustomShape 1"/>
           <p:cNvSpPr/>
           <p:nvPr/>
         </p:nvSpPr>
         <p:spPr>
           <a:xfrm>
             <a:off x="502920" y="301320"/>
-            <a:ext cx="9068760" cy="1259640"/>
+            <a:ext cx="9068400" cy="1259280"/>
           </a:xfrm>
           <a:prstGeom prst="rect">
             <a:avLst/>
@@ -4375,14 +5934,14 @@
       </p:sp>
       <p:sp>
         <p:nvSpPr>
-          <p:cNvPr id="117" name="CustomShape 2"/>
+          <p:cNvPr id="158" name="CustomShape 2"/>
           <p:cNvSpPr/>
           <p:nvPr/>
         </p:nvSpPr>
         <p:spPr>
           <a:xfrm>
             <a:off x="502920" y="2165040"/>
-            <a:ext cx="9068760" cy="4382280"/>
+            <a:ext cx="9068400" cy="4381920"/>
           </a:xfrm>
           <a:prstGeom prst="rect">
             <a:avLst/>
@@ -4483,74 +6042,67 @@
       </p:grpSpPr>
       <p:sp>
         <p:nvSpPr>
-          <p:cNvPr id="118" name="TextShape 1"/>
-          <p:cNvSpPr txBox="1"/>
+          <p:cNvPr id="159" name="CustomShape 1"/>
+          <p:cNvSpPr/>
           <p:nvPr/>
         </p:nvSpPr>
         <p:spPr>
           <a:xfrm>
             <a:off x="504000" y="301320"/>
-            <a:ext cx="9072000" cy="1262160"/>
-          </a:xfrm>
-          <a:prstGeom prst="rect">
-            <a:avLst/>
-          </a:prstGeom>
-        </p:spPr>
-        <p:txBody>
-          <a:bodyPr lIns="0" rIns="0" tIns="0" bIns="0" anchor="ctr"/>
-          <a:p>
-            <a:pPr algn="ctr"/>
-            <a:endParaRPr/>
-          </a:p>
-        </p:txBody>
-      </p:sp>
-      <p:sp>
-        <p:nvSpPr>
-          <p:cNvPr id="119" name="TextShape 2"/>
-          <p:cNvSpPr txBox="1"/>
+            <a:ext cx="9071640" cy="1261800"/>
+          </a:xfrm>
+          <a:prstGeom prst="rect">
+            <a:avLst/>
+          </a:prstGeom>
+          <a:noFill/>
+          <a:ln>
+            <a:noFill/>
+          </a:ln>
+        </p:spPr>
+      </p:sp>
+      <p:sp>
+        <p:nvSpPr>
+          <p:cNvPr id="160" name="CustomShape 2"/>
+          <p:cNvSpPr/>
           <p:nvPr/>
         </p:nvSpPr>
         <p:spPr>
           <a:xfrm>
             <a:off x="504000" y="1768680"/>
-            <a:ext cx="9072000" cy="4384080"/>
-          </a:xfrm>
-          <a:prstGeom prst="rect">
-            <a:avLst/>
-          </a:prstGeom>
-        </p:spPr>
-        <p:txBody>
-          <a:bodyPr lIns="0" rIns="0" tIns="0" bIns="0"/>
-          <a:p>
-            <a:endParaRPr/>
-          </a:p>
-        </p:txBody>
-      </p:sp>
-      <p:sp>
-        <p:nvSpPr>
-          <p:cNvPr id="120" name="TextShape 3"/>
-          <p:cNvSpPr txBox="1"/>
+            <a:ext cx="9071640" cy="4383720"/>
+          </a:xfrm>
+          <a:prstGeom prst="rect">
+            <a:avLst/>
+          </a:prstGeom>
+          <a:noFill/>
+          <a:ln>
+            <a:noFill/>
+          </a:ln>
+        </p:spPr>
+      </p:sp>
+      <p:sp>
+        <p:nvSpPr>
+          <p:cNvPr id="161" name="CustomShape 3"/>
+          <p:cNvSpPr/>
           <p:nvPr/>
         </p:nvSpPr>
         <p:spPr>
           <a:xfrm>
             <a:off x="504000" y="1768680"/>
-            <a:ext cx="9072000" cy="4384080"/>
-          </a:xfrm>
-          <a:prstGeom prst="rect">
-            <a:avLst/>
-          </a:prstGeom>
-        </p:spPr>
-        <p:txBody>
-          <a:bodyPr lIns="0" rIns="0" tIns="0" bIns="0"/>
-          <a:p>
-            <a:endParaRPr/>
-          </a:p>
-        </p:txBody>
+            <a:ext cx="9071640" cy="4383720"/>
+          </a:xfrm>
+          <a:prstGeom prst="rect">
+            <a:avLst/>
+          </a:prstGeom>
+          <a:noFill/>
+          <a:ln>
+            <a:noFill/>
+          </a:ln>
+        </p:spPr>
       </p:sp>
       <p:pic>
         <p:nvPicPr>
-          <p:cNvPr id="121" name="" descr=""/>
+          <p:cNvPr id="162" name="" descr=""/>
           <p:cNvPicPr/>
           <p:nvPr/>
         </p:nvPicPr>
@@ -4563,7 +6115,7 @@
         <p:spPr>
           <a:xfrm>
             <a:off x="2292480" y="1768680"/>
-            <a:ext cx="5494680" cy="4384080"/>
+            <a:ext cx="5494320" cy="4383720"/>
           </a:xfrm>
           <a:prstGeom prst="rect">
             <a:avLst/>
@@ -4575,7 +6127,7 @@
       </p:pic>
       <p:pic>
         <p:nvPicPr>
-          <p:cNvPr id="122" name="" descr=""/>
+          <p:cNvPr id="163" name="" descr=""/>
           <p:cNvPicPr/>
           <p:nvPr/>
         </p:nvPicPr>
@@ -4588,7 +6140,7 @@
         <p:spPr>
           <a:xfrm>
             <a:off x="2292480" y="1768680"/>
-            <a:ext cx="5494680" cy="4384080"/>
+            <a:ext cx="5494320" cy="4383720"/>
           </a:xfrm>
           <a:prstGeom prst="rect">
             <a:avLst/>
@@ -4632,14 +6184,14 @@
       </p:grpSpPr>
       <p:sp>
         <p:nvSpPr>
-          <p:cNvPr id="80" name="CustomShape 1"/>
+          <p:cNvPr id="119" name="CustomShape 1"/>
           <p:cNvSpPr/>
           <p:nvPr/>
         </p:nvSpPr>
         <p:spPr>
           <a:xfrm>
             <a:off x="502920" y="301320"/>
-            <a:ext cx="9068760" cy="1259640"/>
+            <a:ext cx="9068400" cy="1259280"/>
           </a:xfrm>
           <a:prstGeom prst="rect">
             <a:avLst/>
@@ -4669,14 +6221,14 @@
       </p:sp>
       <p:sp>
         <p:nvSpPr>
-          <p:cNvPr id="81" name="CustomShape 2"/>
+          <p:cNvPr id="120" name="CustomShape 2"/>
           <p:cNvSpPr/>
           <p:nvPr/>
         </p:nvSpPr>
         <p:spPr>
           <a:xfrm>
             <a:off x="502920" y="2165040"/>
-            <a:ext cx="9068760" cy="4382280"/>
+            <a:ext cx="9068400" cy="4381920"/>
           </a:xfrm>
           <a:prstGeom prst="rect">
             <a:avLst/>
@@ -4825,14 +6377,14 @@
       </p:grpSpPr>
       <p:sp>
         <p:nvSpPr>
-          <p:cNvPr id="82" name="CustomShape 1"/>
+          <p:cNvPr id="121" name="CustomShape 1"/>
           <p:cNvSpPr/>
           <p:nvPr/>
         </p:nvSpPr>
         <p:spPr>
           <a:xfrm>
             <a:off x="502920" y="301320"/>
-            <a:ext cx="9068760" cy="1259640"/>
+            <a:ext cx="9068400" cy="1259280"/>
           </a:xfrm>
           <a:prstGeom prst="rect">
             <a:avLst/>
@@ -4862,14 +6414,14 @@
       </p:sp>
       <p:sp>
         <p:nvSpPr>
-          <p:cNvPr id="83" name="CustomShape 2"/>
+          <p:cNvPr id="122" name="CustomShape 2"/>
           <p:cNvSpPr/>
           <p:nvPr/>
         </p:nvSpPr>
         <p:spPr>
           <a:xfrm>
             <a:off x="502920" y="2165040"/>
-            <a:ext cx="9068760" cy="4382280"/>
+            <a:ext cx="9068400" cy="4381920"/>
           </a:xfrm>
           <a:prstGeom prst="rect">
             <a:avLst/>
@@ -4965,14 +6517,14 @@
       </p:sp>
       <p:sp>
         <p:nvSpPr>
-          <p:cNvPr id="84" name="CustomShape 3"/>
+          <p:cNvPr id="123" name="CustomShape 3"/>
           <p:cNvSpPr/>
           <p:nvPr/>
         </p:nvSpPr>
         <p:spPr>
           <a:xfrm>
             <a:off x="503280" y="2678400"/>
-            <a:ext cx="5400000" cy="345240"/>
+            <a:ext cx="5399640" cy="344880"/>
           </a:xfrm>
           <a:prstGeom prst="rect">
             <a:avLst/>
@@ -5004,7 +6556,7 @@
       </p:sp>
       <p:pic>
         <p:nvPicPr>
-          <p:cNvPr id="85" name="" descr=""/>
+          <p:cNvPr id="124" name="" descr=""/>
           <p:cNvPicPr/>
           <p:nvPr/>
         </p:nvPicPr>
@@ -5017,7 +6569,7 @@
         <p:spPr>
           <a:xfrm>
             <a:off x="6311880" y="2927520"/>
-            <a:ext cx="3552120" cy="3551760"/>
+            <a:ext cx="3551760" cy="3551400"/>
           </a:xfrm>
           <a:prstGeom prst="rect">
             <a:avLst/>
@@ -5029,14 +6581,14 @@
       </p:pic>
       <p:sp>
         <p:nvSpPr>
-          <p:cNvPr id="86" name="CustomShape 4"/>
+          <p:cNvPr id="125" name="CustomShape 4"/>
           <p:cNvSpPr/>
           <p:nvPr/>
         </p:nvSpPr>
         <p:spPr>
           <a:xfrm>
             <a:off x="503280" y="3398400"/>
-            <a:ext cx="5400000" cy="345240"/>
+            <a:ext cx="5399640" cy="344880"/>
           </a:xfrm>
           <a:prstGeom prst="rect">
             <a:avLst/>
@@ -5068,7 +6620,7 @@
       </p:sp>
       <p:pic>
         <p:nvPicPr>
-          <p:cNvPr id="87" name="" descr=""/>
+          <p:cNvPr id="126" name="" descr=""/>
           <p:cNvPicPr/>
           <p:nvPr/>
         </p:nvPicPr>
@@ -5081,7 +6633,7 @@
         <p:spPr>
           <a:xfrm>
             <a:off x="3527280" y="5111640"/>
-            <a:ext cx="2518920" cy="1696320"/>
+            <a:ext cx="2518560" cy="1695960"/>
           </a:xfrm>
           <a:prstGeom prst="rect">
             <a:avLst/>
@@ -5152,14 +6704,14 @@
       </p:grpSpPr>
       <p:sp>
         <p:nvSpPr>
-          <p:cNvPr id="88" name="CustomShape 1"/>
+          <p:cNvPr id="127" name="CustomShape 1"/>
           <p:cNvSpPr/>
           <p:nvPr/>
         </p:nvSpPr>
         <p:spPr>
           <a:xfrm>
             <a:off x="502920" y="301320"/>
-            <a:ext cx="9068760" cy="1259640"/>
+            <a:ext cx="9068400" cy="1259280"/>
           </a:xfrm>
           <a:prstGeom prst="rect">
             <a:avLst/>
@@ -5198,14 +6750,14 @@
       </p:sp>
       <p:sp>
         <p:nvSpPr>
-          <p:cNvPr id="89" name="CustomShape 2"/>
+          <p:cNvPr id="128" name="CustomShape 2"/>
           <p:cNvSpPr/>
           <p:nvPr/>
         </p:nvSpPr>
         <p:spPr>
           <a:xfrm>
             <a:off x="503280" y="3419640"/>
-            <a:ext cx="5400000" cy="899280"/>
+            <a:ext cx="5399640" cy="898920"/>
           </a:xfrm>
           <a:prstGeom prst="rect">
             <a:avLst/>
@@ -5265,14 +6817,14 @@
       </p:sp>
       <p:sp>
         <p:nvSpPr>
-          <p:cNvPr id="90" name="CustomShape 3"/>
+          <p:cNvPr id="129" name="CustomShape 3"/>
           <p:cNvSpPr/>
           <p:nvPr/>
         </p:nvSpPr>
         <p:spPr>
           <a:xfrm>
             <a:off x="503280" y="2165400"/>
-            <a:ext cx="9068760" cy="4382280"/>
+            <a:ext cx="9068400" cy="4381920"/>
           </a:xfrm>
           <a:prstGeom prst="rect">
             <a:avLst/>
@@ -5295,6 +6847,80 @@
                 <a:latin typeface="Arial"/>
               </a:rPr>
               <a:t>You need to install MNE, including MNE python for following procedures</a:t>
+            </a:r>
+            <a:endParaRPr/>
+          </a:p>
+          <a:p>
+            <a:pPr>
+              <a:lnSpc>
+                <a:spcPct val="100000"/>
+              </a:lnSpc>
+            </a:pPr>
+            <a:endParaRPr/>
+          </a:p>
+          <a:p>
+            <a:pPr>
+              <a:lnSpc>
+                <a:spcPct val="100000"/>
+              </a:lnSpc>
+            </a:pPr>
+            <a:endParaRPr/>
+          </a:p>
+          <a:p>
+            <a:pPr>
+              <a:lnSpc>
+                <a:spcPct val="100000"/>
+              </a:lnSpc>
+            </a:pPr>
+            <a:endParaRPr/>
+          </a:p>
+          <a:p>
+            <a:pPr>
+              <a:lnSpc>
+                <a:spcPct val="100000"/>
+              </a:lnSpc>
+            </a:pPr>
+            <a:endParaRPr/>
+          </a:p>
+          <a:p>
+            <a:pPr>
+              <a:lnSpc>
+                <a:spcPct val="100000"/>
+              </a:lnSpc>
+            </a:pPr>
+            <a:r>
+              <a:rPr lang="en-GB" sz="2600">
+                <a:latin typeface="Arial"/>
+              </a:rPr>
+              <a:t>There is a naming issue, so after watershed make a link so you have a *.surf file</a:t>
+            </a:r>
+            <a:endParaRPr/>
+          </a:p>
+        </p:txBody>
+      </p:sp>
+      <p:sp>
+        <p:nvSpPr>
+          <p:cNvPr id="130" name="TextShape 4"/>
+          <p:cNvSpPr txBox="1"/>
+          <p:nvPr/>
+        </p:nvSpPr>
+        <p:spPr>
+          <a:xfrm>
+            <a:off x="432000" y="5544000"/>
+            <a:ext cx="9294120" cy="602640"/>
+          </a:xfrm>
+          <a:prstGeom prst="rect">
+            <a:avLst/>
+          </a:prstGeom>
+        </p:spPr>
+        <p:txBody>
+          <a:bodyPr lIns="90000" rIns="90000" tIns="45000" bIns="45000"/>
+          <a:p>
+            <a:r>
+              <a:rPr lang="en-GB" sz="1200">
+                <a:latin typeface="Arial"/>
+              </a:rPr>
+              <a:t>ln -s /usr/local/freesurfer/subjects/Maor/bem/watershed/Maor_inner_skull_surface /usr/local/freesurfer/subjects/Maor/bem/Maor-inner_skull.surf</a:t>
             </a:r>
             <a:endParaRPr/>
           </a:p>
@@ -5361,14 +6987,14 @@
       </p:grpSpPr>
       <p:sp>
         <p:nvSpPr>
-          <p:cNvPr id="91" name="CustomShape 1"/>
+          <p:cNvPr id="131" name="CustomShape 1"/>
           <p:cNvSpPr/>
           <p:nvPr/>
         </p:nvSpPr>
         <p:spPr>
           <a:xfrm>
             <a:off x="502920" y="301320"/>
-            <a:ext cx="9068760" cy="1259640"/>
+            <a:ext cx="9068400" cy="1259280"/>
           </a:xfrm>
           <a:prstGeom prst="rect">
             <a:avLst/>
@@ -5407,14 +7033,14 @@
       </p:sp>
       <p:sp>
         <p:nvSpPr>
-          <p:cNvPr id="92" name="CustomShape 2"/>
+          <p:cNvPr id="132" name="CustomShape 2"/>
           <p:cNvSpPr/>
           <p:nvPr/>
         </p:nvSpPr>
         <p:spPr>
           <a:xfrm>
             <a:off x="502920" y="2165040"/>
-            <a:ext cx="9068760" cy="5282280"/>
+            <a:ext cx="9068400" cy="5281920"/>
           </a:xfrm>
           <a:prstGeom prst="rect">
             <a:avLst/>
@@ -5547,28 +7173,31 @@
                 </a:solidFill>
                 <a:latin typeface="Arial"/>
               </a:rPr>
-              <a:t>4Dtofiff</a:t>
+              <a:t>4Dtofiff </a:t>
             </a:r>
             <a:r>
               <a:rPr lang="en-GB" sz="3200">
-                <a:latin typeface="Arial"/>
-              </a:rPr>
-              <a:t> for easy convert the data</a:t>
-            </a:r>
-            <a:endParaRPr/>
-          </a:p>
-        </p:txBody>
-      </p:sp>
-      <p:sp>
-        <p:nvSpPr>
-          <p:cNvPr id="93" name="CustomShape 3"/>
+                <a:solidFill>
+                  <a:srgbClr val="ffffff"/>
+                </a:solidFill>
+                <a:latin typeface="Arial"/>
+              </a:rPr>
+              <a:t>for easy convert the data</a:t>
+            </a:r>
+            <a:endParaRPr/>
+          </a:p>
+        </p:txBody>
+      </p:sp>
+      <p:sp>
+        <p:nvSpPr>
+          <p:cNvPr id="133" name="CustomShape 3"/>
           <p:cNvSpPr/>
           <p:nvPr/>
         </p:nvSpPr>
         <p:spPr>
           <a:xfrm>
             <a:off x="575280" y="4298040"/>
-            <a:ext cx="5400000" cy="345240"/>
+            <a:ext cx="5399640" cy="344880"/>
           </a:xfrm>
           <a:prstGeom prst="rect">
             <a:avLst/>
@@ -5659,14 +7288,14 @@
       </p:grpSpPr>
       <p:sp>
         <p:nvSpPr>
-          <p:cNvPr id="94" name="CustomShape 1"/>
+          <p:cNvPr id="134" name="CustomShape 1"/>
           <p:cNvSpPr/>
           <p:nvPr/>
         </p:nvSpPr>
         <p:spPr>
           <a:xfrm>
             <a:off x="502920" y="301320"/>
-            <a:ext cx="9068760" cy="1259640"/>
+            <a:ext cx="9068400" cy="1259280"/>
           </a:xfrm>
           <a:prstGeom prst="rect">
             <a:avLst/>
@@ -5699,14 +7328,14 @@
       </p:sp>
       <p:sp>
         <p:nvSpPr>
-          <p:cNvPr id="95" name="CustomShape 2"/>
+          <p:cNvPr id="135" name="CustomShape 2"/>
           <p:cNvSpPr/>
           <p:nvPr/>
         </p:nvSpPr>
         <p:spPr>
           <a:xfrm>
             <a:off x="503280" y="3419640"/>
-            <a:ext cx="5400000" cy="899280"/>
+            <a:ext cx="5399640" cy="898920"/>
           </a:xfrm>
           <a:prstGeom prst="rect">
             <a:avLst/>
@@ -5774,14 +7403,14 @@
       </p:sp>
       <p:sp>
         <p:nvSpPr>
-          <p:cNvPr id="96" name="CustomShape 3"/>
+          <p:cNvPr id="136" name="CustomShape 3"/>
           <p:cNvSpPr/>
           <p:nvPr/>
         </p:nvSpPr>
         <p:spPr>
           <a:xfrm>
             <a:off x="503280" y="2165400"/>
-            <a:ext cx="9068760" cy="4382280"/>
+            <a:ext cx="9068400" cy="4381920"/>
           </a:xfrm>
           <a:prstGeom prst="rect">
             <a:avLst/>
@@ -5794,6 +7423,15 @@
         <p:txBody>
           <a:bodyPr lIns="0" rIns="0" tIns="28080" bIns="0"/>
           <a:p>
+            <a:r>
+              <a:rPr lang="en-GB" sz="2600">
+                <a:latin typeface="Arial"/>
+              </a:rPr>
+              <a:t>I had issues running py scripts</a:t>
+            </a:r>
+            <a:endParaRPr/>
+          </a:p>
+          <a:p>
             <a:pPr>
               <a:lnSpc>
                 <a:spcPct val="100000"/>
@@ -5803,71 +7441,58 @@
               <a:rPr lang="en-GB" sz="2600">
                 <a:latin typeface="Arial"/>
               </a:rPr>
-              <a:t>I had issues running py scripts</a:t>
-            </a:r>
+              <a:t>my current work setup is using python3 on ubuntu.</a:t>
+            </a:r>
+            <a:endParaRPr/>
+          </a:p>
+          <a:p>
+            <a:pPr>
+              <a:lnSpc>
+                <a:spcPct val="100000"/>
+              </a:lnSpc>
+            </a:pPr>
             <a:r>
               <a:rPr lang="en-GB" sz="2600">
                 <a:latin typeface="Arial"/>
               </a:rPr>
-              <a:t>
-</a:t>
-            </a:r>
+              <a:t>I had to install on python3 the following: </a:t>
+            </a:r>
+            <a:endParaRPr/>
+          </a:p>
+          <a:p>
+            <a:pPr>
+              <a:lnSpc>
+                <a:spcPct val="100000"/>
+              </a:lnSpc>
+            </a:pPr>
+            <a:endParaRPr/>
+          </a:p>
+          <a:p>
+            <a:pPr>
+              <a:lnSpc>
+                <a:spcPct val="100000"/>
+              </a:lnSpc>
+            </a:pPr>
+            <a:endParaRPr/>
+          </a:p>
+          <a:p>
+            <a:pPr>
+              <a:lnSpc>
+                <a:spcPct val="100000"/>
+              </a:lnSpc>
+            </a:pPr>
+            <a:endParaRPr/>
+          </a:p>
+          <a:p>
+            <a:pPr>
+              <a:lnSpc>
+                <a:spcPct val="100000"/>
+              </a:lnSpc>
+            </a:pPr>
             <a:r>
               <a:rPr lang="en-GB" sz="2600">
                 <a:latin typeface="Arial"/>
               </a:rPr>
-              <a:t>my current work setup is using python3 on ubuntu.</a:t>
-            </a:r>
-            <a:endParaRPr/>
-          </a:p>
-          <a:p>
-            <a:pPr>
-              <a:lnSpc>
-                <a:spcPct val="100000"/>
-              </a:lnSpc>
-            </a:pPr>
-            <a:r>
-              <a:rPr lang="en-GB" sz="2600">
-                <a:latin typeface="Arial"/>
-              </a:rPr>
-              <a:t>I had to install on python3 the following: </a:t>
-            </a:r>
-            <a:endParaRPr/>
-          </a:p>
-          <a:p>
-            <a:pPr>
-              <a:lnSpc>
-                <a:spcPct val="100000"/>
-              </a:lnSpc>
-            </a:pPr>
-            <a:endParaRPr/>
-          </a:p>
-          <a:p>
-            <a:pPr>
-              <a:lnSpc>
-                <a:spcPct val="100000"/>
-              </a:lnSpc>
-            </a:pPr>
-            <a:endParaRPr/>
-          </a:p>
-          <a:p>
-            <a:pPr>
-              <a:lnSpc>
-                <a:spcPct val="100000"/>
-              </a:lnSpc>
-            </a:pPr>
-            <a:endParaRPr/>
-          </a:p>
-          <a:p>
-            <a:pPr>
-              <a:lnSpc>
-                <a:spcPct val="100000"/>
-              </a:lnSpc>
-            </a:pPr>
-            <a:r>
-              <a:rPr lang="en-GB" sz="2600">
-                <a:latin typeface="Arial"/>
-              </a:rPr>
               <a:t>To run a script:</a:t>
             </a:r>
             <a:endParaRPr/>
@@ -5876,14 +7501,14 @@
       </p:sp>
       <p:sp>
         <p:nvSpPr>
-          <p:cNvPr id="97" name="CustomShape 4"/>
+          <p:cNvPr id="137" name="CustomShape 4"/>
           <p:cNvSpPr/>
           <p:nvPr/>
         </p:nvSpPr>
         <p:spPr>
           <a:xfrm>
             <a:off x="504000" y="5004720"/>
-            <a:ext cx="5400000" cy="899280"/>
+            <a:ext cx="5399640" cy="898920"/>
           </a:xfrm>
           <a:prstGeom prst="rect">
             <a:avLst/>
@@ -5974,14 +7599,14 @@
       </p:grpSpPr>
       <p:sp>
         <p:nvSpPr>
-          <p:cNvPr id="98" name="CustomShape 1"/>
+          <p:cNvPr id="138" name="CustomShape 1"/>
           <p:cNvSpPr/>
           <p:nvPr/>
         </p:nvSpPr>
         <p:spPr>
           <a:xfrm>
             <a:off x="502920" y="301320"/>
-            <a:ext cx="9068760" cy="1259640"/>
+            <a:ext cx="9068400" cy="1259280"/>
           </a:xfrm>
           <a:prstGeom prst="rect">
             <a:avLst/>
@@ -6011,14 +7636,14 @@
       </p:sp>
       <p:sp>
         <p:nvSpPr>
-          <p:cNvPr id="99" name="CustomShape 2"/>
+          <p:cNvPr id="139" name="CustomShape 2"/>
           <p:cNvSpPr/>
           <p:nvPr/>
         </p:nvSpPr>
         <p:spPr>
           <a:xfrm>
             <a:off x="502920" y="2165040"/>
-            <a:ext cx="9068760" cy="4382280"/>
+            <a:ext cx="9068400" cy="4381920"/>
           </a:xfrm>
           <a:prstGeom prst="rect">
             <a:avLst/>
@@ -6238,14 +7863,14 @@
       </p:sp>
       <p:sp>
         <p:nvSpPr>
-          <p:cNvPr id="100" name="CustomShape 3"/>
+          <p:cNvPr id="140" name="CustomShape 3"/>
           <p:cNvSpPr/>
           <p:nvPr/>
         </p:nvSpPr>
         <p:spPr>
           <a:xfrm>
             <a:off x="503640" y="2700000"/>
-            <a:ext cx="5399640" cy="504000"/>
+            <a:ext cx="5399280" cy="503640"/>
           </a:xfrm>
           <a:prstGeom prst="rect">
             <a:avLst/>
@@ -6299,7 +7924,7 @@
       </p:sp>
       <p:pic>
         <p:nvPicPr>
-          <p:cNvPr id="101" name="" descr=""/>
+          <p:cNvPr id="141" name="" descr=""/>
           <p:cNvPicPr/>
           <p:nvPr/>
         </p:nvPicPr>
@@ -6312,7 +7937,7 @@
         <p:spPr>
           <a:xfrm>
             <a:off x="4896000" y="4325760"/>
-            <a:ext cx="4999680" cy="2512440"/>
+            <a:ext cx="4999320" cy="2512080"/>
           </a:xfrm>
           <a:prstGeom prst="rect">
             <a:avLst/>
@@ -6383,14 +8008,14 @@
       </p:grpSpPr>
       <p:sp>
         <p:nvSpPr>
-          <p:cNvPr id="102" name="CustomShape 1"/>
+          <p:cNvPr id="142" name="CustomShape 1"/>
           <p:cNvSpPr/>
           <p:nvPr/>
         </p:nvSpPr>
         <p:spPr>
           <a:xfrm>
             <a:off x="502920" y="301320"/>
-            <a:ext cx="9068760" cy="1259640"/>
+            <a:ext cx="9068400" cy="1259280"/>
           </a:xfrm>
           <a:prstGeom prst="rect">
             <a:avLst/>
@@ -6420,14 +8045,14 @@
       </p:sp>
       <p:sp>
         <p:nvSpPr>
-          <p:cNvPr id="103" name="CustomShape 2"/>
+          <p:cNvPr id="143" name="CustomShape 2"/>
           <p:cNvSpPr/>
           <p:nvPr/>
         </p:nvSpPr>
         <p:spPr>
           <a:xfrm>
             <a:off x="502920" y="2165040"/>
-            <a:ext cx="9068760" cy="4382280"/>
+            <a:ext cx="9068400" cy="4381920"/>
           </a:xfrm>
           <a:prstGeom prst="rect">
             <a:avLst/>
@@ -6464,20 +8089,12 @@
               </a:rPr>
               <a:t>See more examples at MNE4D/pyScripts</a:t>
             </a:r>
-            <a:r>
-              <a:rPr lang="en-GB" sz="3200">
-                <a:latin typeface="Arial"/>
-              </a:rPr>
-              <a:t>
-</a:t>
-            </a:r>
-            <a:r>
-              <a:rPr lang="en-GB" sz="3200">
-                <a:latin typeface="Arial"/>
-              </a:rPr>
-              <a:t>
-</a:t>
-            </a:r>
+            <a:endParaRPr/>
+          </a:p>
+          <a:p>
+            <a:endParaRPr/>
+          </a:p>
+          <a:p>
             <a:r>
               <a:rPr lang="en-GB" sz="1000">
                 <a:latin typeface="Arial"/>
@@ -6658,7 +8275,7 @@
       </p:sp>
       <p:pic>
         <p:nvPicPr>
-          <p:cNvPr id="104" name="" descr=""/>
+          <p:cNvPr id="144" name="" descr=""/>
           <p:cNvPicPr/>
           <p:nvPr/>
         </p:nvPicPr>
@@ -6671,7 +8288,7 @@
         <p:spPr>
           <a:xfrm>
             <a:off x="6336000" y="1728000"/>
-            <a:ext cx="3557160" cy="2808000"/>
+            <a:ext cx="3556800" cy="2807640"/>
           </a:xfrm>
           <a:prstGeom prst="rect">
             <a:avLst/>
@@ -6742,14 +8359,14 @@
       </p:grpSpPr>
       <p:sp>
         <p:nvSpPr>
-          <p:cNvPr id="105" name="CustomShape 1"/>
+          <p:cNvPr id="145" name="CustomShape 1"/>
           <p:cNvSpPr/>
           <p:nvPr/>
         </p:nvSpPr>
         <p:spPr>
           <a:xfrm>
             <a:off x="502920" y="301320"/>
-            <a:ext cx="9068760" cy="1259640"/>
+            <a:ext cx="9068400" cy="1259280"/>
           </a:xfrm>
           <a:prstGeom prst="rect">
             <a:avLst/>
@@ -6779,14 +8396,14 @@
       </p:sp>
       <p:sp>
         <p:nvSpPr>
-          <p:cNvPr id="106" name="CustomShape 2"/>
+          <p:cNvPr id="146" name="CustomShape 2"/>
           <p:cNvSpPr/>
           <p:nvPr/>
         </p:nvSpPr>
         <p:spPr>
           <a:xfrm>
             <a:off x="502920" y="2165040"/>
-            <a:ext cx="9068760" cy="4382280"/>
+            <a:ext cx="9068400" cy="4381920"/>
           </a:xfrm>
           <a:prstGeom prst="rect">
             <a:avLst/>
@@ -7598,4 +9215,227 @@
     </a:fmtScheme>
   </a:themeElements>
 </a:theme>
+</file>
+
+<file path=ppt/theme/theme4.xml><?xml version="1.0" encoding="utf-8"?>
+<a:theme xmlns:a="http://schemas.openxmlformats.org/drawingml/2006/main" name="Office Theme">
+  <a:themeElements>
+    <a:clrScheme name="Office">
+      <a:dk1>
+        <a:sysClr val="windowText" lastClr="000000"/>
+      </a:dk1>
+      <a:lt1>
+        <a:sysClr val="window" lastClr="FFFFFF"/>
+      </a:lt1>
+      <a:dk2>
+        <a:srgbClr val="1F497D"/>
+      </a:dk2>
+      <a:lt2>
+        <a:srgbClr val="EEECE1"/>
+      </a:lt2>
+      <a:accent1>
+        <a:srgbClr val="4F81BD"/>
+      </a:accent1>
+      <a:accent2>
+        <a:srgbClr val="C0504D"/>
+      </a:accent2>
+      <a:accent3>
+        <a:srgbClr val="9BBB59"/>
+      </a:accent3>
+      <a:accent4>
+        <a:srgbClr val="8064A2"/>
+      </a:accent4>
+      <a:accent5>
+        <a:srgbClr val="4BACC6"/>
+      </a:accent5>
+      <a:accent6>
+        <a:srgbClr val="F79646"/>
+      </a:accent6>
+      <a:hlink>
+        <a:srgbClr val="0000FF"/>
+      </a:hlink>
+      <a:folHlink>
+        <a:srgbClr val="800080"/>
+      </a:folHlink>
+    </a:clrScheme>
+    <a:fontScheme name="Office">
+      <a:majorFont>
+        <a:latin typeface="Arial"/>
+        <a:ea typeface="DejaVu Sans"/>
+        <a:cs typeface="DejaVu Sans"/>
+      </a:majorFont>
+      <a:minorFont>
+        <a:latin typeface="Arial"/>
+        <a:ea typeface="DejaVu Sans"/>
+        <a:cs typeface="DejaVu Sans"/>
+      </a:minorFont>
+    </a:fontScheme>
+    <a:fmtScheme name="Office">
+      <a:fillStyleLst>
+        <a:solidFill>
+          <a:schemeClr val="phClr"/>
+        </a:solidFill>
+        <a:gradFill rotWithShape="1">
+          <a:gsLst>
+            <a:gs pos="0">
+              <a:schemeClr val="phClr">
+                <a:tint val="50000"/>
+                <a:satMod val="300000"/>
+              </a:schemeClr>
+            </a:gs>
+            <a:gs pos="35000">
+              <a:schemeClr val="phClr">
+                <a:tint val="37000"/>
+                <a:satMod val="300000"/>
+              </a:schemeClr>
+            </a:gs>
+            <a:gs pos="100000">
+              <a:schemeClr val="phClr">
+                <a:tint val="15000"/>
+                <a:satMod val="350000"/>
+              </a:schemeClr>
+            </a:gs>
+          </a:gsLst>
+          <a:lin ang="16200000" scaled="1"/>
+        </a:gradFill>
+        <a:gradFill rotWithShape="1">
+          <a:gsLst>
+            <a:gs pos="0">
+              <a:schemeClr val="phClr">
+                <a:shade val="51000"/>
+                <a:satMod val="130000"/>
+              </a:schemeClr>
+            </a:gs>
+            <a:gs pos="80000">
+              <a:schemeClr val="phClr">
+                <a:shade val="93000"/>
+                <a:satMod val="130000"/>
+              </a:schemeClr>
+            </a:gs>
+            <a:gs pos="100000">
+              <a:schemeClr val="phClr">
+                <a:shade val="94000"/>
+                <a:satMod val="135000"/>
+              </a:schemeClr>
+            </a:gs>
+          </a:gsLst>
+          <a:lin ang="16200000" scaled="0"/>
+        </a:gradFill>
+      </a:fillStyleLst>
+      <a:lnStyleLst>
+        <a:ln w="9525" cap="flat" cmpd="sng" algn="ctr">
+          <a:solidFill>
+            <a:schemeClr val="phClr">
+              <a:shade val="95000"/>
+              <a:satMod val="105000"/>
+            </a:schemeClr>
+          </a:solidFill>
+          <a:prstDash val="solid"/>
+        </a:ln>
+        <a:ln w="25400" cap="flat" cmpd="sng" algn="ctr">
+          <a:solidFill>
+            <a:schemeClr val="phClr"/>
+          </a:solidFill>
+          <a:prstDash val="solid"/>
+        </a:ln>
+        <a:ln w="38100" cap="flat" cmpd="sng" algn="ctr">
+          <a:solidFill>
+            <a:schemeClr val="phClr"/>
+          </a:solidFill>
+          <a:prstDash val="solid"/>
+        </a:ln>
+      </a:lnStyleLst>
+      <a:effectStyleLst>
+        <a:effectStyle>
+          <a:effectLst>
+            <a:outerShdw blurRad="40000" dist="20000" dir="5400000" rotWithShape="0">
+              <a:srgbClr val="000000">
+                <a:alpha val="38000"/>
+              </a:srgbClr>
+            </a:outerShdw>
+          </a:effectLst>
+        </a:effectStyle>
+        <a:effectStyle>
+          <a:effectLst>
+            <a:outerShdw blurRad="40000" dist="23000" dir="5400000" rotWithShape="0">
+              <a:srgbClr val="000000">
+                <a:alpha val="35000"/>
+              </a:srgbClr>
+            </a:outerShdw>
+          </a:effectLst>
+        </a:effectStyle>
+        <a:effectStyle>
+          <a:effectLst>
+            <a:outerShdw blurRad="40000" dist="23000" dir="5400000" rotWithShape="0">
+              <a:srgbClr val="000000">
+                <a:alpha val="35000"/>
+              </a:srgbClr>
+            </a:outerShdw>
+          </a:effectLst>
+          <a:scene3d>
+            <a:camera prst="orthographicFront">
+              <a:rot lat="0" lon="0" rev="0"/>
+            </a:camera>
+            <a:lightRig rig="threePt" dir="t">
+              <a:rot lat="0" lon="0" rev="1200000"/>
+            </a:lightRig>
+          </a:scene3d>
+          <a:sp3d>
+            <a:bevelT w="63500" h="25400"/>
+          </a:sp3d>
+        </a:effectStyle>
+      </a:effectStyleLst>
+      <a:bgFillStyleLst>
+        <a:solidFill>
+          <a:schemeClr val="phClr"/>
+        </a:solidFill>
+        <a:gradFill rotWithShape="1">
+          <a:gsLst>
+            <a:gs pos="0">
+              <a:schemeClr val="phClr">
+                <a:tint val="40000"/>
+                <a:satMod val="350000"/>
+              </a:schemeClr>
+            </a:gs>
+            <a:gs pos="40000">
+              <a:schemeClr val="phClr">
+                <a:tint val="45000"/>
+                <a:shade val="99000"/>
+                <a:satMod val="350000"/>
+              </a:schemeClr>
+            </a:gs>
+            <a:gs pos="100000">
+              <a:schemeClr val="phClr">
+                <a:shade val="20000"/>
+                <a:satMod val="255000"/>
+              </a:schemeClr>
+            </a:gs>
+          </a:gsLst>
+          <a:path path="circle">
+            <a:fillToRect l="50000" t="-80000" r="50000" b="180000"/>
+          </a:path>
+        </a:gradFill>
+        <a:gradFill rotWithShape="1">
+          <a:gsLst>
+            <a:gs pos="0">
+              <a:schemeClr val="phClr">
+                <a:tint val="80000"/>
+                <a:satMod val="300000"/>
+              </a:schemeClr>
+            </a:gs>
+            <a:gs pos="100000">
+              <a:schemeClr val="phClr">
+                <a:shade val="30000"/>
+                <a:satMod val="200000"/>
+              </a:schemeClr>
+            </a:gs>
+          </a:gsLst>
+          <a:path path="circle">
+            <a:fillToRect l="50000" t="50000" r="50000" b="50000"/>
+          </a:path>
+        </a:gradFill>
+      </a:bgFillStyleLst>
+    </a:fmtScheme>
+  </a:themeElements>
+</a:theme>
 </file>
--- a/docs/MNE_4D_data.pptx
+++ b/docs/MNE_4D_data.pptx
@@ -24,6 +24,8 @@
     <p:sldId id="267" r:id="rId17"/>
     <p:sldId id="268" r:id="rId18"/>
     <p:sldId id="269" r:id="rId19"/>
+    <p:sldId id="270" r:id="rId20"/>
+    <p:sldId id="271" r:id="rId21"/>
   </p:sldIdLst>
   <p:sldSz cx="10080625" cy="7559675"/>
   <p:notesSz cx="7772400" cy="10058400"/>
@@ -199,7 +201,7 @@
           <a:bodyPr lIns="0" rIns="0" tIns="0" bIns="0" anchor="b"/>
           <a:p>
             <a:pPr algn="r"/>
-            <a:fld id="{DD876E0E-AA25-4A13-9F34-C995C6C18907}" type="slidenum">
+            <a:fld id="{DF9DB47B-0925-4B90-B71C-363660010F14}" type="slidenum">
               <a:rPr lang="en-GB" sz="1400">
                 <a:latin typeface="Times New Roman"/>
               </a:rPr>
@@ -234,7 +236,7 @@
       </p:grpSpPr>
       <p:sp>
         <p:nvSpPr>
-          <p:cNvPr id="164" name="CustomShape 1"/>
+          <p:cNvPr id="170" name="CustomShape 1"/>
           <p:cNvSpPr/>
           <p:nvPr/>
         </p:nvSpPr>
@@ -276,7 +278,7 @@
       </p:grpSpPr>
       <p:sp>
         <p:nvSpPr>
-          <p:cNvPr id="173" name="CustomShape 1"/>
+          <p:cNvPr id="179" name="CustomShape 1"/>
           <p:cNvSpPr/>
           <p:nvPr/>
         </p:nvSpPr>
@@ -318,7 +320,7 @@
       </p:grpSpPr>
       <p:sp>
         <p:nvSpPr>
-          <p:cNvPr id="174" name="CustomShape 1"/>
+          <p:cNvPr id="180" name="CustomShape 1"/>
           <p:cNvSpPr/>
           <p:nvPr/>
         </p:nvSpPr>
@@ -360,7 +362,7 @@
       </p:grpSpPr>
       <p:sp>
         <p:nvSpPr>
-          <p:cNvPr id="175" name="CustomShape 1"/>
+          <p:cNvPr id="181" name="CustomShape 1"/>
           <p:cNvSpPr/>
           <p:nvPr/>
         </p:nvSpPr>
@@ -402,7 +404,91 @@
       </p:grpSpPr>
       <p:sp>
         <p:nvSpPr>
-          <p:cNvPr id="176" name="CustomShape 1"/>
+          <p:cNvPr id="182" name="CustomShape 1"/>
+          <p:cNvSpPr/>
+          <p:nvPr/>
+        </p:nvSpPr>
+        <p:spPr>
+          <a:xfrm>
+            <a:off x="777960" y="4776840"/>
+            <a:ext cx="6215400" cy="4524840"/>
+          </a:xfrm>
+          <a:prstGeom prst="rect">
+            <a:avLst/>
+          </a:prstGeom>
+          <a:noFill/>
+          <a:ln>
+            <a:noFill/>
+          </a:ln>
+        </p:spPr>
+      </p:sp>
+    </p:spTree>
+  </p:cSld>
+</p:notes>
+</file>
+
+<file path=ppt/notesSlides/notesSlide14.xml><?xml version="1.0" encoding="utf-8"?>
+<p:notes xmlns:a="http://schemas.openxmlformats.org/drawingml/2006/main" xmlns:p="http://schemas.openxmlformats.org/presentationml/2006/main" xmlns:r="http://schemas.openxmlformats.org/officeDocument/2006/relationships">
+  <p:cSld>
+    <p:spTree>
+      <p:nvGrpSpPr>
+        <p:cNvPr id="1" name=""/>
+        <p:cNvGrpSpPr/>
+        <p:nvPr/>
+      </p:nvGrpSpPr>
+      <p:grpSpPr>
+        <a:xfrm>
+          <a:off x="0" y="0"/>
+          <a:ext cx="0" cy="0"/>
+          <a:chOff x="0" y="0"/>
+          <a:chExt cx="0" cy="0"/>
+        </a:xfrm>
+      </p:grpSpPr>
+      <p:sp>
+        <p:nvSpPr>
+          <p:cNvPr id="183" name="CustomShape 1"/>
+          <p:cNvSpPr/>
+          <p:nvPr/>
+        </p:nvSpPr>
+        <p:spPr>
+          <a:xfrm>
+            <a:off x="777960" y="4776840"/>
+            <a:ext cx="6215400" cy="4524840"/>
+          </a:xfrm>
+          <a:prstGeom prst="rect">
+            <a:avLst/>
+          </a:prstGeom>
+          <a:noFill/>
+          <a:ln>
+            <a:noFill/>
+          </a:ln>
+        </p:spPr>
+      </p:sp>
+    </p:spTree>
+  </p:cSld>
+</p:notes>
+</file>
+
+<file path=ppt/notesSlides/notesSlide15.xml><?xml version="1.0" encoding="utf-8"?>
+<p:notes xmlns:a="http://schemas.openxmlformats.org/drawingml/2006/main" xmlns:p="http://schemas.openxmlformats.org/presentationml/2006/main" xmlns:r="http://schemas.openxmlformats.org/officeDocument/2006/relationships">
+  <p:cSld>
+    <p:spTree>
+      <p:nvGrpSpPr>
+        <p:cNvPr id="1" name=""/>
+        <p:cNvGrpSpPr/>
+        <p:nvPr/>
+      </p:nvGrpSpPr>
+      <p:grpSpPr>
+        <a:xfrm>
+          <a:off x="0" y="0"/>
+          <a:ext cx="0" cy="0"/>
+          <a:chOff x="0" y="0"/>
+          <a:chExt cx="0" cy="0"/>
+        </a:xfrm>
+      </p:grpSpPr>
+      <p:sp>
+        <p:nvSpPr>
+          <p:cNvPr id="184" name="CustomShape 1"/>
           <p:cNvSpPr/>
           <p:nvPr/>
         </p:nvSpPr>
@@ -444,7 +530,7 @@
       </p:grpSpPr>
       <p:sp>
         <p:nvSpPr>
-          <p:cNvPr id="165" name="CustomShape 1"/>
+          <p:cNvPr id="171" name="CustomShape 1"/>
           <p:cNvSpPr/>
           <p:nvPr/>
         </p:nvSpPr>
@@ -486,7 +572,7 @@
       </p:grpSpPr>
       <p:sp>
         <p:nvSpPr>
-          <p:cNvPr id="166" name="CustomShape 1"/>
+          <p:cNvPr id="172" name="CustomShape 1"/>
           <p:cNvSpPr/>
           <p:nvPr/>
         </p:nvSpPr>
@@ -528,7 +614,7 @@
       </p:grpSpPr>
       <p:sp>
         <p:nvSpPr>
-          <p:cNvPr id="167" name="CustomShape 1"/>
+          <p:cNvPr id="173" name="CustomShape 1"/>
           <p:cNvSpPr/>
           <p:nvPr/>
         </p:nvSpPr>
@@ -570,7 +656,7 @@
       </p:grpSpPr>
       <p:sp>
         <p:nvSpPr>
-          <p:cNvPr id="168" name="CustomShape 1"/>
+          <p:cNvPr id="174" name="CustomShape 1"/>
           <p:cNvSpPr/>
           <p:nvPr/>
         </p:nvSpPr>
@@ -612,7 +698,7 @@
       </p:grpSpPr>
       <p:sp>
         <p:nvSpPr>
-          <p:cNvPr id="169" name="CustomShape 1"/>
+          <p:cNvPr id="175" name="CustomShape 1"/>
           <p:cNvSpPr/>
           <p:nvPr/>
         </p:nvSpPr>
@@ -654,7 +740,7 @@
       </p:grpSpPr>
       <p:sp>
         <p:nvSpPr>
-          <p:cNvPr id="170" name="CustomShape 1"/>
+          <p:cNvPr id="176" name="CustomShape 1"/>
           <p:cNvSpPr/>
           <p:nvPr/>
         </p:nvSpPr>
@@ -696,7 +782,7 @@
       </p:grpSpPr>
       <p:sp>
         <p:nvSpPr>
-          <p:cNvPr id="171" name="CustomShape 1"/>
+          <p:cNvPr id="177" name="CustomShape 1"/>
           <p:cNvSpPr/>
           <p:nvPr/>
         </p:nvSpPr>
@@ -738,7 +824,7 @@
       </p:grpSpPr>
       <p:sp>
         <p:nvSpPr>
-          <p:cNvPr id="172" name="CustomShape 1"/>
+          <p:cNvPr id="178" name="CustomShape 1"/>
           <p:cNvSpPr/>
           <p:nvPr/>
         </p:nvSpPr>
@@ -5610,7 +5696,7 @@
               <a:rPr b="1" lang="en-GB" sz="4100">
                 <a:latin typeface="Arial"/>
               </a:rPr>
-              <a:t>mne_analyze</a:t>
+              <a:t>MNE pipeline</a:t>
             </a:r>
             <a:endParaRPr/>
           </a:p>
@@ -5624,8 +5710,8 @@
         </p:nvSpPr>
         <p:spPr>
           <a:xfrm>
-            <a:off x="506520" y="1875960"/>
-            <a:ext cx="9068040" cy="1721520"/>
+            <a:off x="502920" y="2165400"/>
+            <a:ext cx="9068400" cy="4673880"/>
           </a:xfrm>
           <a:prstGeom prst="rect">
             <a:avLst/>
@@ -5644,40 +5730,268 @@
               </a:lnSpc>
             </a:pPr>
             <a:r>
-              <a:rPr lang="en-GB" sz="2600">
-                <a:latin typeface="Arial"/>
-              </a:rPr>
-              <a:t>We used it for corregistration, now for visualizing sources</a:t>
-            </a:r>
-            <a:endParaRPr/>
-          </a:p>
-        </p:txBody>
-      </p:sp>
-      <p:pic>
-        <p:nvPicPr>
-          <p:cNvPr id="153" name="" descr=""/>
-          <p:cNvPicPr/>
+              <a:rPr lang="en-GB" sz="2200">
+                <a:latin typeface="Arial"/>
+              </a:rPr>
+              <a:t>Get source activity (virtual sensors)</a:t>
+            </a:r>
+            <a:endParaRPr/>
+          </a:p>
+          <a:p>
+            <a:pPr>
+              <a:lnSpc>
+                <a:spcPct val="100000"/>
+              </a:lnSpc>
+            </a:pPr>
+            <a:endParaRPr/>
+          </a:p>
+          <a:p>
+            <a:pPr>
+              <a:lnSpc>
+                <a:spcPct val="100000"/>
+              </a:lnSpc>
+            </a:pPr>
+            <a:endParaRPr/>
+          </a:p>
+        </p:txBody>
+      </p:sp>
+      <p:sp>
+        <p:nvSpPr>
+          <p:cNvPr id="153" name="CustomShape 3"/>
+          <p:cNvSpPr/>
           <p:nvPr/>
-        </p:nvPicPr>
-        <p:blipFill>
-          <a:blip r:embed="rId2"/>
-          <a:stretch>
-            <a:fillRect/>
-          </a:stretch>
-        </p:blipFill>
-        <p:spPr>
-          <a:xfrm>
-            <a:off x="-9360" y="2303640"/>
-            <a:ext cx="10077840" cy="4546800"/>
-          </a:xfrm>
-          <a:prstGeom prst="rect">
-            <a:avLst/>
-          </a:prstGeom>
+        </p:nvSpPr>
+        <p:spPr>
+          <a:xfrm>
+            <a:off x="432360" y="2627640"/>
+            <a:ext cx="6983640" cy="3708360"/>
+          </a:xfrm>
+          <a:prstGeom prst="rect">
+            <a:avLst/>
+          </a:prstGeom>
+          <a:solidFill>
+            <a:srgbClr val="ffffff"/>
+          </a:solidFill>
           <a:ln>
             <a:noFill/>
           </a:ln>
         </p:spPr>
-      </p:pic>
+        <p:txBody>
+          <a:bodyPr lIns="90000" rIns="90000" tIns="45000" bIns="45000"/>
+          <a:p>
+            <a:pPr>
+              <a:lnSpc>
+                <a:spcPct val="100000"/>
+              </a:lnSpc>
+            </a:pPr>
+            <a:r>
+              <a:rPr lang="en-GB" sz="1400">
+                <a:latin typeface="Arial"/>
+              </a:rPr>
+              <a:t>from mne.datasets import sample</a:t>
+            </a:r>
+            <a:endParaRPr/>
+          </a:p>
+          <a:p>
+            <a:pPr>
+              <a:lnSpc>
+                <a:spcPct val="100000"/>
+              </a:lnSpc>
+            </a:pPr>
+            <a:r>
+              <a:rPr lang="en-GB" sz="1400">
+                <a:latin typeface="Arial"/>
+              </a:rPr>
+              <a:t>from mne.minimum_norm import read_inverse_operator</a:t>
+            </a:r>
+            <a:endParaRPr/>
+          </a:p>
+          <a:p>
+            <a:pPr>
+              <a:lnSpc>
+                <a:spcPct val="100000"/>
+              </a:lnSpc>
+            </a:pPr>
+            <a:r>
+              <a:rPr lang="en-GB" sz="1400">
+                <a:latin typeface="Arial"/>
+              </a:rPr>
+              <a:t>from mne import read_evokeds</a:t>
+            </a:r>
+            <a:endParaRPr/>
+          </a:p>
+          <a:p>
+            <a:pPr>
+              <a:lnSpc>
+                <a:spcPct val="100000"/>
+              </a:lnSpc>
+            </a:pPr>
+            <a:r>
+              <a:rPr lang="en-GB" sz="1400">
+                <a:latin typeface="Arial"/>
+              </a:rPr>
+              <a:t>from mne.minimum_norm import apply_inverse, read_inverse_operator</a:t>
+            </a:r>
+            <a:endParaRPr/>
+          </a:p>
+          <a:p>
+            <a:pPr>
+              <a:lnSpc>
+                <a:spcPct val="100000"/>
+              </a:lnSpc>
+            </a:pPr>
+            <a:r>
+              <a:rPr lang="en-GB" sz="1400">
+                <a:latin typeface="Arial"/>
+              </a:rPr>
+              <a:t>fname_evoked='ft_WbW-ave.fif'</a:t>
+            </a:r>
+            <a:endParaRPr/>
+          </a:p>
+          <a:p>
+            <a:pPr>
+              <a:lnSpc>
+                <a:spcPct val="100000"/>
+              </a:lnSpc>
+            </a:pPr>
+            <a:r>
+              <a:rPr lang="en-GB" sz="1400">
+                <a:latin typeface="Arial"/>
+              </a:rPr>
+              <a:t>fname_inv = 'ohad_raw-oct-6-meg-inv.fif' </a:t>
+            </a:r>
+            <a:endParaRPr/>
+          </a:p>
+          <a:p>
+            <a:pPr>
+              <a:lnSpc>
+                <a:spcPct val="100000"/>
+              </a:lnSpc>
+            </a:pPr>
+            <a:r>
+              <a:rPr lang="en-GB" sz="1400">
+                <a:latin typeface="Arial"/>
+              </a:rPr>
+              <a:t>snr = 3.0</a:t>
+            </a:r>
+            <a:endParaRPr/>
+          </a:p>
+          <a:p>
+            <a:pPr>
+              <a:lnSpc>
+                <a:spcPct val="100000"/>
+              </a:lnSpc>
+            </a:pPr>
+            <a:r>
+              <a:rPr lang="en-GB" sz="1400">
+                <a:latin typeface="Arial"/>
+              </a:rPr>
+              <a:t>lambda2 = 1.0 / snr ** 2</a:t>
+            </a:r>
+            <a:endParaRPr/>
+          </a:p>
+          <a:p>
+            <a:pPr>
+              <a:lnSpc>
+                <a:spcPct val="100000"/>
+              </a:lnSpc>
+            </a:pPr>
+            <a:r>
+              <a:rPr lang="en-GB" sz="1400">
+                <a:latin typeface="Arial"/>
+              </a:rPr>
+              <a:t>method = "dSPM"  # use dSPM method (could also be MNE or sLORETA)</a:t>
+            </a:r>
+            <a:endParaRPr/>
+          </a:p>
+          <a:p>
+            <a:pPr>
+              <a:lnSpc>
+                <a:spcPct val="100000"/>
+              </a:lnSpc>
+            </a:pPr>
+            <a:endParaRPr/>
+          </a:p>
+          <a:p>
+            <a:pPr>
+              <a:lnSpc>
+                <a:spcPct val="100000"/>
+              </a:lnSpc>
+            </a:pPr>
+            <a:r>
+              <a:rPr lang="en-GB" sz="1400">
+                <a:latin typeface="Arial"/>
+              </a:rPr>
+              <a:t># Load data</a:t>
+            </a:r>
+            <a:endParaRPr/>
+          </a:p>
+          <a:p>
+            <a:pPr>
+              <a:lnSpc>
+                <a:spcPct val="100000"/>
+              </a:lnSpc>
+            </a:pPr>
+            <a:r>
+              <a:rPr lang="en-GB" sz="1400">
+                <a:latin typeface="Arial"/>
+              </a:rPr>
+              <a:t>evoked = read_evokeds(fname_evoked, condition=0, baseline=(None, 0))</a:t>
+            </a:r>
+            <a:endParaRPr/>
+          </a:p>
+          <a:p>
+            <a:pPr>
+              <a:lnSpc>
+                <a:spcPct val="100000"/>
+              </a:lnSpc>
+            </a:pPr>
+            <a:r>
+              <a:rPr lang="en-GB" sz="1400">
+                <a:latin typeface="Arial"/>
+              </a:rPr>
+              <a:t>inverse_operator = read_inverse_operator(fname_inv)</a:t>
+            </a:r>
+            <a:endParaRPr/>
+          </a:p>
+          <a:p>
+            <a:pPr>
+              <a:lnSpc>
+                <a:spcPct val="100000"/>
+              </a:lnSpc>
+            </a:pPr>
+            <a:endParaRPr/>
+          </a:p>
+          <a:p>
+            <a:pPr>
+              <a:lnSpc>
+                <a:spcPct val="100000"/>
+              </a:lnSpc>
+            </a:pPr>
+            <a:r>
+              <a:rPr lang="en-GB" sz="1400">
+                <a:latin typeface="Arial"/>
+              </a:rPr>
+              <a:t>stc = apply_inverse(evoked, inverse_operator, lambda2, method, pick_ori=None)</a:t>
+            </a:r>
+            <a:endParaRPr/>
+          </a:p>
+          <a:p>
+            <a:pPr>
+              <a:lnSpc>
+                <a:spcPct val="100000"/>
+              </a:lnSpc>
+            </a:pPr>
+            <a:r>
+              <a:rPr lang="en-GB" sz="1400">
+                <a:latin typeface="Arial"/>
+              </a:rPr>
+              <a:t>stc.save('mne_%s_inverse' % method)</a:t>
+            </a:r>
+            <a:endParaRPr/>
+          </a:p>
+        </p:txBody>
+      </p:sp>
     </p:spTree>
   </p:cSld>
   <p:timing>
@@ -5768,7 +6082,7 @@
               <a:rPr b="1" lang="en-GB" sz="4100">
                 <a:latin typeface="Arial"/>
               </a:rPr>
-              <a:t>mne_analyze</a:t>
+              <a:t>MNE pipeline</a:t>
             </a:r>
             <a:endParaRPr/>
           </a:p>
@@ -5782,8 +6096,8 @@
         </p:nvSpPr>
         <p:spPr>
           <a:xfrm>
-            <a:off x="506520" y="1800000"/>
-            <a:ext cx="9068040" cy="4381920"/>
+            <a:off x="502920" y="2165400"/>
+            <a:ext cx="9068400" cy="4673880"/>
           </a:xfrm>
           <a:prstGeom prst="rect">
             <a:avLst/>
@@ -5802,40 +6116,268 @@
               </a:lnSpc>
             </a:pPr>
             <a:r>
-              <a:rPr lang="en-GB" sz="3200">
-                <a:latin typeface="Arial"/>
-              </a:rPr>
-              <a:t>SLORETA, inflated brain, all sorts</a:t>
-            </a:r>
-            <a:endParaRPr/>
-          </a:p>
-        </p:txBody>
-      </p:sp>
-      <p:pic>
-        <p:nvPicPr>
-          <p:cNvPr id="156" name="" descr=""/>
-          <p:cNvPicPr/>
+              <a:rPr lang="en-GB" sz="2200">
+                <a:latin typeface="Arial"/>
+              </a:rPr>
+              <a:t>Morph – move subject data to average subject “fsaverage”</a:t>
+            </a:r>
+            <a:endParaRPr/>
+          </a:p>
+          <a:p>
+            <a:pPr>
+              <a:lnSpc>
+                <a:spcPct val="100000"/>
+              </a:lnSpc>
+            </a:pPr>
+            <a:endParaRPr/>
+          </a:p>
+          <a:p>
+            <a:pPr>
+              <a:lnSpc>
+                <a:spcPct val="100000"/>
+              </a:lnSpc>
+            </a:pPr>
+            <a:endParaRPr/>
+          </a:p>
+        </p:txBody>
+      </p:sp>
+      <p:sp>
+        <p:nvSpPr>
+          <p:cNvPr id="156" name="CustomShape 3"/>
+          <p:cNvSpPr/>
           <p:nvPr/>
-        </p:nvPicPr>
-        <p:blipFill>
-          <a:blip r:embed="rId2"/>
-          <a:stretch>
-            <a:fillRect/>
-          </a:stretch>
-        </p:blipFill>
-        <p:spPr>
-          <a:xfrm>
-            <a:off x="-9360" y="2284560"/>
-            <a:ext cx="10077840" cy="4521600"/>
-          </a:xfrm>
-          <a:prstGeom prst="rect">
-            <a:avLst/>
-          </a:prstGeom>
+        </p:nvSpPr>
+        <p:spPr>
+          <a:xfrm>
+            <a:off x="432360" y="2627640"/>
+            <a:ext cx="6983640" cy="3708360"/>
+          </a:xfrm>
+          <a:prstGeom prst="rect">
+            <a:avLst/>
+          </a:prstGeom>
+          <a:solidFill>
+            <a:srgbClr val="ffffff"/>
+          </a:solidFill>
           <a:ln>
             <a:noFill/>
           </a:ln>
         </p:spPr>
-      </p:pic>
+        <p:txBody>
+          <a:bodyPr lIns="90000" rIns="90000" tIns="45000" bIns="45000"/>
+          <a:p>
+            <a:pPr>
+              <a:lnSpc>
+                <a:spcPct val="100000"/>
+              </a:lnSpc>
+            </a:pPr>
+            <a:r>
+              <a:rPr lang="en-GB" sz="1400">
+                <a:latin typeface="Arial"/>
+              </a:rPr>
+              <a:t>from mne.datasets import sample</a:t>
+            </a:r>
+            <a:endParaRPr/>
+          </a:p>
+          <a:p>
+            <a:pPr>
+              <a:lnSpc>
+                <a:spcPct val="100000"/>
+              </a:lnSpc>
+            </a:pPr>
+            <a:r>
+              <a:rPr lang="en-GB" sz="1400">
+                <a:latin typeface="Arial"/>
+              </a:rPr>
+              <a:t>from mne.minimum_norm import read_inverse_operator</a:t>
+            </a:r>
+            <a:endParaRPr/>
+          </a:p>
+          <a:p>
+            <a:pPr>
+              <a:lnSpc>
+                <a:spcPct val="100000"/>
+              </a:lnSpc>
+            </a:pPr>
+            <a:r>
+              <a:rPr lang="en-GB" sz="1400">
+                <a:latin typeface="Arial"/>
+              </a:rPr>
+              <a:t>from mne import read_evokeds</a:t>
+            </a:r>
+            <a:endParaRPr/>
+          </a:p>
+          <a:p>
+            <a:pPr>
+              <a:lnSpc>
+                <a:spcPct val="100000"/>
+              </a:lnSpc>
+            </a:pPr>
+            <a:r>
+              <a:rPr lang="en-GB" sz="1400">
+                <a:latin typeface="Arial"/>
+              </a:rPr>
+              <a:t>from mne.minimum_norm import apply_inverse, read_inverse_operator</a:t>
+            </a:r>
+            <a:endParaRPr/>
+          </a:p>
+          <a:p>
+            <a:pPr>
+              <a:lnSpc>
+                <a:spcPct val="100000"/>
+              </a:lnSpc>
+            </a:pPr>
+            <a:r>
+              <a:rPr lang="en-GB" sz="1400">
+                <a:latin typeface="Arial"/>
+              </a:rPr>
+              <a:t>fname_evoked='ft_WbW-ave.fif'</a:t>
+            </a:r>
+            <a:endParaRPr/>
+          </a:p>
+          <a:p>
+            <a:pPr>
+              <a:lnSpc>
+                <a:spcPct val="100000"/>
+              </a:lnSpc>
+            </a:pPr>
+            <a:r>
+              <a:rPr lang="en-GB" sz="1400">
+                <a:latin typeface="Arial"/>
+              </a:rPr>
+              <a:t>fname_inv = 'ohad_raw-oct-6-meg-inv.fif' </a:t>
+            </a:r>
+            <a:endParaRPr/>
+          </a:p>
+          <a:p>
+            <a:pPr>
+              <a:lnSpc>
+                <a:spcPct val="100000"/>
+              </a:lnSpc>
+            </a:pPr>
+            <a:r>
+              <a:rPr lang="en-GB" sz="1400">
+                <a:latin typeface="Arial"/>
+              </a:rPr>
+              <a:t>snr = 3.0</a:t>
+            </a:r>
+            <a:endParaRPr/>
+          </a:p>
+          <a:p>
+            <a:pPr>
+              <a:lnSpc>
+                <a:spcPct val="100000"/>
+              </a:lnSpc>
+            </a:pPr>
+            <a:r>
+              <a:rPr lang="en-GB" sz="1400">
+                <a:latin typeface="Arial"/>
+              </a:rPr>
+              <a:t>lambda2 = 1.0 / snr ** 2</a:t>
+            </a:r>
+            <a:endParaRPr/>
+          </a:p>
+          <a:p>
+            <a:pPr>
+              <a:lnSpc>
+                <a:spcPct val="100000"/>
+              </a:lnSpc>
+            </a:pPr>
+            <a:r>
+              <a:rPr lang="en-GB" sz="1400">
+                <a:latin typeface="Arial"/>
+              </a:rPr>
+              <a:t>method = "dSPM"  # use dSPM method (could also be MNE or sLORETA)</a:t>
+            </a:r>
+            <a:endParaRPr/>
+          </a:p>
+          <a:p>
+            <a:pPr>
+              <a:lnSpc>
+                <a:spcPct val="100000"/>
+              </a:lnSpc>
+            </a:pPr>
+            <a:endParaRPr/>
+          </a:p>
+          <a:p>
+            <a:pPr>
+              <a:lnSpc>
+                <a:spcPct val="100000"/>
+              </a:lnSpc>
+            </a:pPr>
+            <a:r>
+              <a:rPr lang="en-GB" sz="1400">
+                <a:latin typeface="Arial"/>
+              </a:rPr>
+              <a:t># Load data</a:t>
+            </a:r>
+            <a:endParaRPr/>
+          </a:p>
+          <a:p>
+            <a:pPr>
+              <a:lnSpc>
+                <a:spcPct val="100000"/>
+              </a:lnSpc>
+            </a:pPr>
+            <a:r>
+              <a:rPr lang="en-GB" sz="1400">
+                <a:latin typeface="Arial"/>
+              </a:rPr>
+              <a:t>evoked = read_evokeds(fname_evoked, condition=0, baseline=(None, 0))</a:t>
+            </a:r>
+            <a:endParaRPr/>
+          </a:p>
+          <a:p>
+            <a:pPr>
+              <a:lnSpc>
+                <a:spcPct val="100000"/>
+              </a:lnSpc>
+            </a:pPr>
+            <a:r>
+              <a:rPr lang="en-GB" sz="1400">
+                <a:latin typeface="Arial"/>
+              </a:rPr>
+              <a:t>inverse_operator = read_inverse_operator(fname_inv)</a:t>
+            </a:r>
+            <a:endParaRPr/>
+          </a:p>
+          <a:p>
+            <a:pPr>
+              <a:lnSpc>
+                <a:spcPct val="100000"/>
+              </a:lnSpc>
+            </a:pPr>
+            <a:endParaRPr/>
+          </a:p>
+          <a:p>
+            <a:pPr>
+              <a:lnSpc>
+                <a:spcPct val="100000"/>
+              </a:lnSpc>
+            </a:pPr>
+            <a:r>
+              <a:rPr lang="en-GB" sz="1400">
+                <a:latin typeface="Arial"/>
+              </a:rPr>
+              <a:t>stc = apply_inverse(evoked, inverse_operator, lambda2, method, pick_ori=None)</a:t>
+            </a:r>
+            <a:endParaRPr/>
+          </a:p>
+          <a:p>
+            <a:pPr>
+              <a:lnSpc>
+                <a:spcPct val="100000"/>
+              </a:lnSpc>
+            </a:pPr>
+            <a:r>
+              <a:rPr lang="en-GB" sz="1400">
+                <a:latin typeface="Arial"/>
+              </a:rPr>
+              <a:t>stc.save('mne_%s_inverse' % method)</a:t>
+            </a:r>
+            <a:endParaRPr/>
+          </a:p>
+        </p:txBody>
+      </p:sp>
     </p:spTree>
   </p:cSld>
   <p:timing>
@@ -5926,7 +6468,7 @@
               <a:rPr b="1" lang="en-GB" sz="4100">
                 <a:latin typeface="Arial"/>
               </a:rPr>
-              <a:t>Did I thank Denis?</a:t>
+              <a:t>mne_analyze</a:t>
             </a:r>
             <a:endParaRPr/>
           </a:p>
@@ -5940,8 +6482,8 @@
         </p:nvSpPr>
         <p:spPr>
           <a:xfrm>
-            <a:off x="502920" y="2165040"/>
-            <a:ext cx="9068400" cy="4381920"/>
+            <a:off x="506520" y="1875960"/>
+            <a:ext cx="9068040" cy="1721520"/>
           </a:xfrm>
           <a:prstGeom prst="rect">
             <a:avLst/>
@@ -5960,37 +6502,40 @@
               </a:lnSpc>
             </a:pPr>
             <a:r>
-              <a:rPr lang="en-GB" sz="3200">
-                <a:latin typeface="Arial"/>
-              </a:rPr>
-              <a:t>Not enough</a:t>
-            </a:r>
-            <a:endParaRPr/>
-          </a:p>
-          <a:p>
-            <a:pPr>
-              <a:lnSpc>
-                <a:spcPct val="100000"/>
-              </a:lnSpc>
-            </a:pPr>
-            <a:endParaRPr/>
-          </a:p>
-          <a:p>
-            <a:pPr>
-              <a:lnSpc>
-                <a:spcPct val="100000"/>
-              </a:lnSpc>
-            </a:pPr>
-            <a:r>
-              <a:rPr lang="en-GB" sz="3200">
-                <a:latin typeface="Arial"/>
-              </a:rPr>
-              <a:t>Thank you Denis.</a:t>
-            </a:r>
-            <a:endParaRPr/>
-          </a:p>
-        </p:txBody>
-      </p:sp>
+              <a:rPr lang="en-GB" sz="2600">
+                <a:latin typeface="Arial"/>
+              </a:rPr>
+              <a:t>We used it for corregistration, now for visualizing sources</a:t>
+            </a:r>
+            <a:endParaRPr/>
+          </a:p>
+        </p:txBody>
+      </p:sp>
+      <p:pic>
+        <p:nvPicPr>
+          <p:cNvPr id="159" name="" descr=""/>
+          <p:cNvPicPr/>
+          <p:nvPr/>
+        </p:nvPicPr>
+        <p:blipFill>
+          <a:blip r:embed="rId2"/>
+          <a:stretch>
+            <a:fillRect/>
+          </a:stretch>
+        </p:blipFill>
+        <p:spPr>
+          <a:xfrm>
+            <a:off x="-9360" y="2303640"/>
+            <a:ext cx="10077840" cy="4546800"/>
+          </a:xfrm>
+          <a:prstGeom prst="rect">
+            <a:avLst/>
+          </a:prstGeom>
+          <a:ln>
+            <a:noFill/>
+          </a:ln>
+        </p:spPr>
+      </p:pic>
     </p:spTree>
   </p:cSld>
   <p:timing>
@@ -6026,6 +6571,16 @@
 <file path=ppt/slides/slide14.xml><?xml version="1.0" encoding="utf-8"?>
 <p:sld xmlns:a="http://schemas.openxmlformats.org/drawingml/2006/main" xmlns:p="http://schemas.openxmlformats.org/presentationml/2006/main" xmlns:r="http://schemas.openxmlformats.org/officeDocument/2006/relationships">
   <p:cSld>
+    <p:bg>
+      <p:bgPr>
+        <a:blipFill>
+          <a:blip r:embed="rId1"/>
+          <a:stretch>
+            <a:fillRect/>
+          </a:stretch>
+        </a:blipFill>
+      </p:bgPr>
+    </p:bg>
     <p:spTree>
       <p:nvGrpSpPr>
         <p:cNvPr id="1" name=""/>
@@ -6042,14 +6597,14 @@
       </p:grpSpPr>
       <p:sp>
         <p:nvSpPr>
-          <p:cNvPr id="159" name="CustomShape 1"/>
+          <p:cNvPr id="160" name="CustomShape 1"/>
           <p:cNvSpPr/>
           <p:nvPr/>
         </p:nvSpPr>
         <p:spPr>
           <a:xfrm>
-            <a:off x="504000" y="301320"/>
-            <a:ext cx="9071640" cy="1261800"/>
+            <a:off x="502920" y="301320"/>
+            <a:ext cx="9068400" cy="1259280"/>
           </a:xfrm>
           <a:prstGeom prst="rect">
             <a:avLst/>
@@ -6059,17 +6614,34 @@
             <a:noFill/>
           </a:ln>
         </p:spPr>
-      </p:sp>
-      <p:sp>
-        <p:nvSpPr>
-          <p:cNvPr id="160" name="CustomShape 2"/>
+        <p:txBody>
+          <a:bodyPr lIns="0" rIns="0" tIns="0" bIns="0" anchor="ctr"/>
+          <a:p>
+            <a:pPr algn="ctr">
+              <a:lnSpc>
+                <a:spcPct val="100000"/>
+              </a:lnSpc>
+            </a:pPr>
+            <a:r>
+              <a:rPr b="1" lang="en-GB" sz="4100">
+                <a:latin typeface="Arial"/>
+              </a:rPr>
+              <a:t>mne_analyze</a:t>
+            </a:r>
+            <a:endParaRPr/>
+          </a:p>
+        </p:txBody>
+      </p:sp>
+      <p:sp>
+        <p:nvSpPr>
+          <p:cNvPr id="161" name="CustomShape 2"/>
           <p:cNvSpPr/>
           <p:nvPr/>
         </p:nvSpPr>
         <p:spPr>
           <a:xfrm>
-            <a:off x="504000" y="1768680"/>
-            <a:ext cx="9071640" cy="4383720"/>
+            <a:off x="506520" y="1800000"/>
+            <a:ext cx="9068040" cy="4381920"/>
           </a:xfrm>
           <a:prstGeom prst="rect">
             <a:avLst/>
@@ -6079,17 +6651,118 @@
             <a:noFill/>
           </a:ln>
         </p:spPr>
-      </p:sp>
-      <p:sp>
-        <p:nvSpPr>
-          <p:cNvPr id="161" name="CustomShape 3"/>
+        <p:txBody>
+          <a:bodyPr lIns="0" rIns="0" tIns="28080" bIns="0"/>
+          <a:p>
+            <a:pPr>
+              <a:lnSpc>
+                <a:spcPct val="100000"/>
+              </a:lnSpc>
+            </a:pPr>
+            <a:r>
+              <a:rPr lang="en-GB" sz="3200">
+                <a:latin typeface="Arial"/>
+              </a:rPr>
+              <a:t>SLORETA, inflated brain, all sorts</a:t>
+            </a:r>
+            <a:endParaRPr/>
+          </a:p>
+        </p:txBody>
+      </p:sp>
+      <p:pic>
+        <p:nvPicPr>
+          <p:cNvPr id="162" name="" descr=""/>
+          <p:cNvPicPr/>
+          <p:nvPr/>
+        </p:nvPicPr>
+        <p:blipFill>
+          <a:blip r:embed="rId2"/>
+          <a:stretch>
+            <a:fillRect/>
+          </a:stretch>
+        </p:blipFill>
+        <p:spPr>
+          <a:xfrm>
+            <a:off x="-9360" y="2284560"/>
+            <a:ext cx="10077840" cy="4521600"/>
+          </a:xfrm>
+          <a:prstGeom prst="rect">
+            <a:avLst/>
+          </a:prstGeom>
+          <a:ln>
+            <a:noFill/>
+          </a:ln>
+        </p:spPr>
+      </p:pic>
+    </p:spTree>
+  </p:cSld>
+  <p:timing>
+    <p:tnLst>
+      <p:par>
+        <p:cTn id="27" dur="indefinite" restart="never" nodeType="tmRoot">
+          <p:childTnLst>
+            <p:seq>
+              <p:cTn id="28" dur="indefinite" nodeType="mainSeq"/>
+              <p:prevCondLst>
+                <p:cond delay="0" evt="onPrev">
+                  <p:tgtEl>
+                    <p:sldTgt/>
+                  </p:tgtEl>
+                </p:cond>
+              </p:prevCondLst>
+              <p:nextCondLst>
+                <p:cond delay="0" evt="onNext">
+                  <p:tgtEl>
+                    <p:sldTgt/>
+                  </p:tgtEl>
+                </p:cond>
+              </p:nextCondLst>
+            </p:seq>
+          </p:childTnLst>
+        </p:cTn>
+      </p:par>
+    </p:tnLst>
+  </p:timing>
+</p:sld>
+</file>
+
+<file path=ppt/slides/slide15.xml><?xml version="1.0" encoding="utf-8"?>
+<p:sld xmlns:a="http://schemas.openxmlformats.org/drawingml/2006/main" xmlns:p="http://schemas.openxmlformats.org/presentationml/2006/main" xmlns:r="http://schemas.openxmlformats.org/officeDocument/2006/relationships">
+  <p:cSld>
+    <p:bg>
+      <p:bgPr>
+        <a:blipFill>
+          <a:blip r:embed="rId1"/>
+          <a:stretch>
+            <a:fillRect/>
+          </a:stretch>
+        </a:blipFill>
+      </p:bgPr>
+    </p:bg>
+    <p:spTree>
+      <p:nvGrpSpPr>
+        <p:cNvPr id="1" name=""/>
+        <p:cNvGrpSpPr/>
+        <p:nvPr/>
+      </p:nvGrpSpPr>
+      <p:grpSpPr>
+        <a:xfrm>
+          <a:off x="0" y="0"/>
+          <a:ext cx="0" cy="0"/>
+          <a:chOff x="0" y="0"/>
+          <a:chExt cx="0" cy="0"/>
+        </a:xfrm>
+      </p:grpSpPr>
+      <p:sp>
+        <p:nvSpPr>
+          <p:cNvPr id="163" name="CustomShape 1"/>
           <p:cNvSpPr/>
           <p:nvPr/>
         </p:nvSpPr>
         <p:spPr>
           <a:xfrm>
-            <a:off x="504000" y="1768680"/>
-            <a:ext cx="9071640" cy="4383720"/>
+            <a:off x="502920" y="301320"/>
+            <a:ext cx="9068400" cy="1259280"/>
           </a:xfrm>
           <a:prstGeom prst="rect">
             <a:avLst/>
@@ -6099,10 +6772,195 @@
             <a:noFill/>
           </a:ln>
         </p:spPr>
+        <p:txBody>
+          <a:bodyPr lIns="0" rIns="0" tIns="0" bIns="0" anchor="ctr"/>
+          <a:p>
+            <a:pPr algn="ctr">
+              <a:lnSpc>
+                <a:spcPct val="100000"/>
+              </a:lnSpc>
+            </a:pPr>
+            <a:r>
+              <a:rPr b="1" lang="en-GB" sz="4100">
+                <a:latin typeface="Arial"/>
+              </a:rPr>
+              <a:t>Did I thank Denis?</a:t>
+            </a:r>
+            <a:endParaRPr/>
+          </a:p>
+        </p:txBody>
+      </p:sp>
+      <p:sp>
+        <p:nvSpPr>
+          <p:cNvPr id="164" name="CustomShape 2"/>
+          <p:cNvSpPr/>
+          <p:nvPr/>
+        </p:nvSpPr>
+        <p:spPr>
+          <a:xfrm>
+            <a:off x="502920" y="2165040"/>
+            <a:ext cx="9068400" cy="4381920"/>
+          </a:xfrm>
+          <a:prstGeom prst="rect">
+            <a:avLst/>
+          </a:prstGeom>
+          <a:noFill/>
+          <a:ln>
+            <a:noFill/>
+          </a:ln>
+        </p:spPr>
+        <p:txBody>
+          <a:bodyPr lIns="0" rIns="0" tIns="28080" bIns="0"/>
+          <a:p>
+            <a:pPr>
+              <a:lnSpc>
+                <a:spcPct val="100000"/>
+              </a:lnSpc>
+            </a:pPr>
+            <a:r>
+              <a:rPr lang="en-GB" sz="3200">
+                <a:latin typeface="Arial"/>
+              </a:rPr>
+              <a:t>Not enough</a:t>
+            </a:r>
+            <a:endParaRPr/>
+          </a:p>
+          <a:p>
+            <a:pPr>
+              <a:lnSpc>
+                <a:spcPct val="100000"/>
+              </a:lnSpc>
+            </a:pPr>
+            <a:endParaRPr/>
+          </a:p>
+          <a:p>
+            <a:pPr>
+              <a:lnSpc>
+                <a:spcPct val="100000"/>
+              </a:lnSpc>
+            </a:pPr>
+            <a:r>
+              <a:rPr lang="en-GB" sz="3200">
+                <a:latin typeface="Arial"/>
+              </a:rPr>
+              <a:t>Thank you Denis.</a:t>
+            </a:r>
+            <a:endParaRPr/>
+          </a:p>
+        </p:txBody>
+      </p:sp>
+    </p:spTree>
+  </p:cSld>
+  <p:timing>
+    <p:tnLst>
+      <p:par>
+        <p:cTn id="29" dur="indefinite" restart="never" nodeType="tmRoot">
+          <p:childTnLst>
+            <p:seq>
+              <p:cTn id="30" dur="indefinite" nodeType="mainSeq"/>
+              <p:prevCondLst>
+                <p:cond delay="0" evt="onPrev">
+                  <p:tgtEl>
+                    <p:sldTgt/>
+                  </p:tgtEl>
+                </p:cond>
+              </p:prevCondLst>
+              <p:nextCondLst>
+                <p:cond delay="0" evt="onNext">
+                  <p:tgtEl>
+                    <p:sldTgt/>
+                  </p:tgtEl>
+                </p:cond>
+              </p:nextCondLst>
+            </p:seq>
+          </p:childTnLst>
+        </p:cTn>
+      </p:par>
+    </p:tnLst>
+  </p:timing>
+</p:sld>
+</file>
+
+<file path=ppt/slides/slide16.xml><?xml version="1.0" encoding="utf-8"?>
+<p:sld xmlns:a="http://schemas.openxmlformats.org/drawingml/2006/main" xmlns:p="http://schemas.openxmlformats.org/presentationml/2006/main" xmlns:r="http://schemas.openxmlformats.org/officeDocument/2006/relationships">
+  <p:cSld>
+    <p:spTree>
+      <p:nvGrpSpPr>
+        <p:cNvPr id="1" name=""/>
+        <p:cNvGrpSpPr/>
+        <p:nvPr/>
+      </p:nvGrpSpPr>
+      <p:grpSpPr>
+        <a:xfrm>
+          <a:off x="0" y="0"/>
+          <a:ext cx="0" cy="0"/>
+          <a:chOff x="0" y="0"/>
+          <a:chExt cx="0" cy="0"/>
+        </a:xfrm>
+      </p:grpSpPr>
+      <p:sp>
+        <p:nvSpPr>
+          <p:cNvPr id="165" name="CustomShape 1"/>
+          <p:cNvSpPr/>
+          <p:nvPr/>
+        </p:nvSpPr>
+        <p:spPr>
+          <a:xfrm>
+            <a:off x="504000" y="301320"/>
+            <a:ext cx="9071640" cy="1261800"/>
+          </a:xfrm>
+          <a:prstGeom prst="rect">
+            <a:avLst/>
+          </a:prstGeom>
+          <a:noFill/>
+          <a:ln>
+            <a:noFill/>
+          </a:ln>
+        </p:spPr>
+      </p:sp>
+      <p:sp>
+        <p:nvSpPr>
+          <p:cNvPr id="166" name="CustomShape 2"/>
+          <p:cNvSpPr/>
+          <p:nvPr/>
+        </p:nvSpPr>
+        <p:spPr>
+          <a:xfrm>
+            <a:off x="504000" y="1768680"/>
+            <a:ext cx="9071640" cy="4383720"/>
+          </a:xfrm>
+          <a:prstGeom prst="rect">
+            <a:avLst/>
+          </a:prstGeom>
+          <a:noFill/>
+          <a:ln>
+            <a:noFill/>
+          </a:ln>
+        </p:spPr>
+      </p:sp>
+      <p:sp>
+        <p:nvSpPr>
+          <p:cNvPr id="167" name="CustomShape 3"/>
+          <p:cNvSpPr/>
+          <p:nvPr/>
+        </p:nvSpPr>
+        <p:spPr>
+          <a:xfrm>
+            <a:off x="504000" y="1768680"/>
+            <a:ext cx="9071640" cy="4383720"/>
+          </a:xfrm>
+          <a:prstGeom prst="rect">
+            <a:avLst/>
+          </a:prstGeom>
+          <a:noFill/>
+          <a:ln>
+            <a:noFill/>
+          </a:ln>
+        </p:spPr>
       </p:sp>
       <p:pic>
         <p:nvPicPr>
-          <p:cNvPr id="162" name="" descr=""/>
+          <p:cNvPr id="168" name="" descr=""/>
           <p:cNvPicPr/>
           <p:nvPr/>
         </p:nvPicPr>
@@ -6127,7 +6985,7 @@
       </p:pic>
       <p:pic>
         <p:nvPicPr>
-          <p:cNvPr id="163" name="" descr=""/>
+          <p:cNvPr id="169" name="" descr=""/>
           <p:cNvPicPr/>
           <p:nvPr/>
         </p:nvPicPr>

--- a/docs/MNE_4D_data.pptx
+++ b/docs/MNE_4D_data.pptx
@@ -26,6 +26,7 @@
     <p:sldId id="269" r:id="rId19"/>
     <p:sldId id="270" r:id="rId20"/>
     <p:sldId id="271" r:id="rId21"/>
+    <p:sldId id="272" r:id="rId22"/>
   </p:sldIdLst>
   <p:sldSz cx="10080625" cy="7559675"/>
   <p:notesSz cx="7772400" cy="10058400"/>
@@ -201,7 +202,7 @@
           <a:bodyPr lIns="0" rIns="0" tIns="0" bIns="0" anchor="b"/>
           <a:p>
             <a:pPr algn="r"/>
-            <a:fld id="{DF9DB47B-0925-4B90-B71C-363660010F14}" type="slidenum">
+            <a:fld id="{E7119647-4831-4AC3-B70D-5C89B788E347}" type="slidenum">
               <a:rPr lang="en-GB" sz="1400">
                 <a:latin typeface="Times New Roman"/>
               </a:rPr>
@@ -236,7 +237,7 @@
       </p:grpSpPr>
       <p:sp>
         <p:nvSpPr>
-          <p:cNvPr id="170" name="CustomShape 1"/>
+          <p:cNvPr id="171" name="CustomShape 1"/>
           <p:cNvSpPr/>
           <p:nvPr/>
         </p:nvSpPr>
@@ -278,7 +279,7 @@
       </p:grpSpPr>
       <p:sp>
         <p:nvSpPr>
-          <p:cNvPr id="179" name="CustomShape 1"/>
+          <p:cNvPr id="180" name="CustomShape 1"/>
           <p:cNvSpPr/>
           <p:nvPr/>
         </p:nvSpPr>
@@ -320,7 +321,7 @@
       </p:grpSpPr>
       <p:sp>
         <p:nvSpPr>
-          <p:cNvPr id="180" name="CustomShape 1"/>
+          <p:cNvPr id="181" name="CustomShape 1"/>
           <p:cNvSpPr/>
           <p:nvPr/>
         </p:nvSpPr>
@@ -362,7 +363,7 @@
       </p:grpSpPr>
       <p:sp>
         <p:nvSpPr>
-          <p:cNvPr id="181" name="CustomShape 1"/>
+          <p:cNvPr id="182" name="CustomShape 1"/>
           <p:cNvSpPr/>
           <p:nvPr/>
         </p:nvSpPr>
@@ -404,7 +405,7 @@
       </p:grpSpPr>
       <p:sp>
         <p:nvSpPr>
-          <p:cNvPr id="182" name="CustomShape 1"/>
+          <p:cNvPr id="183" name="CustomShape 1"/>
           <p:cNvSpPr/>
           <p:nvPr/>
         </p:nvSpPr>
@@ -446,7 +447,7 @@
       </p:grpSpPr>
       <p:sp>
         <p:nvSpPr>
-          <p:cNvPr id="183" name="CustomShape 1"/>
+          <p:cNvPr id="184" name="CustomShape 1"/>
           <p:cNvSpPr/>
           <p:nvPr/>
         </p:nvSpPr>
@@ -488,7 +489,91 @@
       </p:grpSpPr>
       <p:sp>
         <p:nvSpPr>
-          <p:cNvPr id="184" name="CustomShape 1"/>
+          <p:cNvPr id="185" name="CustomShape 1"/>
+          <p:cNvSpPr/>
+          <p:nvPr/>
+        </p:nvSpPr>
+        <p:spPr>
+          <a:xfrm>
+            <a:off x="777960" y="4776840"/>
+            <a:ext cx="6215400" cy="4524840"/>
+          </a:xfrm>
+          <a:prstGeom prst="rect">
+            <a:avLst/>
+          </a:prstGeom>
+          <a:noFill/>
+          <a:ln>
+            <a:noFill/>
+          </a:ln>
+        </p:spPr>
+      </p:sp>
+    </p:spTree>
+  </p:cSld>
+</p:notes>
+</file>
+
+<file path=ppt/notesSlides/notesSlide16.xml><?xml version="1.0" encoding="utf-8"?>
+<p:notes xmlns:a="http://schemas.openxmlformats.org/drawingml/2006/main" xmlns:p="http://schemas.openxmlformats.org/presentationml/2006/main" xmlns:r="http://schemas.openxmlformats.org/officeDocument/2006/relationships">
+  <p:cSld>
+    <p:spTree>
+      <p:nvGrpSpPr>
+        <p:cNvPr id="1" name=""/>
+        <p:cNvGrpSpPr/>
+        <p:nvPr/>
+      </p:nvGrpSpPr>
+      <p:grpSpPr>
+        <a:xfrm>
+          <a:off x="0" y="0"/>
+          <a:ext cx="0" cy="0"/>
+          <a:chOff x="0" y="0"/>
+          <a:chExt cx="0" cy="0"/>
+        </a:xfrm>
+      </p:grpSpPr>
+      <p:sp>
+        <p:nvSpPr>
+          <p:cNvPr id="186" name="CustomShape 1"/>
+          <p:cNvSpPr/>
+          <p:nvPr/>
+        </p:nvSpPr>
+        <p:spPr>
+          <a:xfrm>
+            <a:off x="777960" y="4776840"/>
+            <a:ext cx="6215400" cy="4524840"/>
+          </a:xfrm>
+          <a:prstGeom prst="rect">
+            <a:avLst/>
+          </a:prstGeom>
+          <a:noFill/>
+          <a:ln>
+            <a:noFill/>
+          </a:ln>
+        </p:spPr>
+      </p:sp>
+    </p:spTree>
+  </p:cSld>
+</p:notes>
+</file>
+
+<file path=ppt/notesSlides/notesSlide17.xml><?xml version="1.0" encoding="utf-8"?>
+<p:notes xmlns:a="http://schemas.openxmlformats.org/drawingml/2006/main" xmlns:p="http://schemas.openxmlformats.org/presentationml/2006/main" xmlns:r="http://schemas.openxmlformats.org/officeDocument/2006/relationships">
+  <p:cSld>
+    <p:spTree>
+      <p:nvGrpSpPr>
+        <p:cNvPr id="1" name=""/>
+        <p:cNvGrpSpPr/>
+        <p:nvPr/>
+      </p:nvGrpSpPr>
+      <p:grpSpPr>
+        <a:xfrm>
+          <a:off x="0" y="0"/>
+          <a:ext cx="0" cy="0"/>
+          <a:chOff x="0" y="0"/>
+          <a:chExt cx="0" cy="0"/>
+        </a:xfrm>
+      </p:grpSpPr>
+      <p:sp>
+        <p:nvSpPr>
+          <p:cNvPr id="187" name="CustomShape 1"/>
           <p:cNvSpPr/>
           <p:nvPr/>
         </p:nvSpPr>
@@ -530,7 +615,7 @@
       </p:grpSpPr>
       <p:sp>
         <p:nvSpPr>
-          <p:cNvPr id="171" name="CustomShape 1"/>
+          <p:cNvPr id="172" name="CustomShape 1"/>
           <p:cNvSpPr/>
           <p:nvPr/>
         </p:nvSpPr>
@@ -572,7 +657,7 @@
       </p:grpSpPr>
       <p:sp>
         <p:nvSpPr>
-          <p:cNvPr id="172" name="CustomShape 1"/>
+          <p:cNvPr id="173" name="CustomShape 1"/>
           <p:cNvSpPr/>
           <p:nvPr/>
         </p:nvSpPr>
@@ -614,7 +699,7 @@
       </p:grpSpPr>
       <p:sp>
         <p:nvSpPr>
-          <p:cNvPr id="173" name="CustomShape 1"/>
+          <p:cNvPr id="174" name="CustomShape 1"/>
           <p:cNvSpPr/>
           <p:nvPr/>
         </p:nvSpPr>
@@ -656,7 +741,7 @@
       </p:grpSpPr>
       <p:sp>
         <p:nvSpPr>
-          <p:cNvPr id="174" name="CustomShape 1"/>
+          <p:cNvPr id="175" name="CustomShape 1"/>
           <p:cNvSpPr/>
           <p:nvPr/>
         </p:nvSpPr>
@@ -698,7 +783,7 @@
       </p:grpSpPr>
       <p:sp>
         <p:nvSpPr>
-          <p:cNvPr id="175" name="CustomShape 1"/>
+          <p:cNvPr id="176" name="CustomShape 1"/>
           <p:cNvSpPr/>
           <p:nvPr/>
         </p:nvSpPr>
@@ -740,7 +825,7 @@
       </p:grpSpPr>
       <p:sp>
         <p:nvSpPr>
-          <p:cNvPr id="176" name="CustomShape 1"/>
+          <p:cNvPr id="177" name="CustomShape 1"/>
           <p:cNvSpPr/>
           <p:nvPr/>
         </p:nvSpPr>
@@ -782,7 +867,7 @@
       </p:grpSpPr>
       <p:sp>
         <p:nvSpPr>
-          <p:cNvPr id="177" name="CustomShape 1"/>
+          <p:cNvPr id="178" name="CustomShape 1"/>
           <p:cNvSpPr/>
           <p:nvPr/>
         </p:nvSpPr>
@@ -824,7 +909,7 @@
       </p:grpSpPr>
       <p:sp>
         <p:nvSpPr>
-          <p:cNvPr id="178" name="CustomShape 1"/>
+          <p:cNvPr id="179" name="CustomShape 1"/>
           <p:cNvSpPr/>
           <p:nvPr/>
         </p:nvSpPr>
@@ -899,7 +984,7 @@
         <p:spPr>
           <a:xfrm>
             <a:off x="504000" y="301320"/>
-            <a:ext cx="9071640" cy="1262160"/>
+            <a:ext cx="9072000" cy="1262160"/>
           </a:xfrm>
           <a:prstGeom prst="rect">
             <a:avLst/>
@@ -926,7 +1011,7 @@
         <p:spPr>
           <a:xfrm>
             <a:off x="504000" y="1768680"/>
-            <a:ext cx="9071640" cy="2090880"/>
+            <a:ext cx="9072000" cy="2090880"/>
           </a:xfrm>
           <a:prstGeom prst="rect">
             <a:avLst/>
@@ -952,7 +1037,7 @@
         <p:spPr>
           <a:xfrm>
             <a:off x="504000" y="4058640"/>
-            <a:ext cx="9071640" cy="2090880"/>
+            <a:ext cx="9072000" cy="2090880"/>
           </a:xfrm>
           <a:prstGeom prst="rect">
             <a:avLst/>
@@ -1000,7 +1085,7 @@
         <p:spPr>
           <a:xfrm>
             <a:off x="504000" y="301320"/>
-            <a:ext cx="9071640" cy="1262160"/>
+            <a:ext cx="9072000" cy="1262160"/>
           </a:xfrm>
           <a:prstGeom prst="rect">
             <a:avLst/>
@@ -1153,7 +1238,7 @@
         <p:spPr>
           <a:xfrm>
             <a:off x="504000" y="301320"/>
-            <a:ext cx="9071640" cy="1262160"/>
+            <a:ext cx="9072000" cy="1262160"/>
           </a:xfrm>
           <a:prstGeom prst="rect">
             <a:avLst/>
@@ -1180,7 +1265,7 @@
         <p:spPr>
           <a:xfrm>
             <a:off x="504000" y="1768680"/>
-            <a:ext cx="9071640" cy="4383720"/>
+            <a:ext cx="9072000" cy="4384080"/>
           </a:xfrm>
           <a:prstGeom prst="rect">
             <a:avLst/>
@@ -1206,7 +1291,7 @@
         <p:spPr>
           <a:xfrm>
             <a:off x="504000" y="1768680"/>
-            <a:ext cx="9071640" cy="4383720"/>
+            <a:ext cx="9072000" cy="4384080"/>
           </a:xfrm>
           <a:prstGeom prst="rect">
             <a:avLst/>
@@ -1233,8 +1318,8 @@
         </p:blipFill>
         <p:spPr>
           <a:xfrm>
-            <a:off x="2292480" y="1768320"/>
-            <a:ext cx="5494320" cy="4383720"/>
+            <a:off x="2292480" y="1768680"/>
+            <a:ext cx="5494680" cy="4384080"/>
           </a:xfrm>
           <a:prstGeom prst="rect">
             <a:avLst/>
@@ -1258,8 +1343,8 @@
         </p:blipFill>
         <p:spPr>
           <a:xfrm>
-            <a:off x="2292480" y="1768320"/>
-            <a:ext cx="5494320" cy="4383720"/>
+            <a:off x="2292480" y="1768680"/>
+            <a:ext cx="5494680" cy="4384080"/>
           </a:xfrm>
           <a:prstGeom prst="rect">
             <a:avLst/>
@@ -1326,7 +1411,7 @@
         <p:spPr>
           <a:xfrm>
             <a:off x="504000" y="301320"/>
-            <a:ext cx="9071640" cy="1262160"/>
+            <a:ext cx="9072000" cy="1262160"/>
           </a:xfrm>
           <a:prstGeom prst="rect">
             <a:avLst/>
@@ -1353,7 +1438,7 @@
         <p:spPr>
           <a:xfrm>
             <a:off x="504000" y="1768680"/>
-            <a:ext cx="9071640" cy="4384080"/>
+            <a:ext cx="9072000" cy="4384440"/>
           </a:xfrm>
           <a:prstGeom prst="rect">
             <a:avLst/>
@@ -1402,7 +1487,7 @@
         <p:spPr>
           <a:xfrm>
             <a:off x="504000" y="301320"/>
-            <a:ext cx="9071640" cy="1262160"/>
+            <a:ext cx="9072000" cy="1262160"/>
           </a:xfrm>
           <a:prstGeom prst="rect">
             <a:avLst/>
@@ -1429,7 +1514,7 @@
         <p:spPr>
           <a:xfrm>
             <a:off x="504000" y="1768680"/>
-            <a:ext cx="9071640" cy="4383720"/>
+            <a:ext cx="9072000" cy="4384080"/>
           </a:xfrm>
           <a:prstGeom prst="rect">
             <a:avLst/>
@@ -1477,7 +1562,7 @@
         <p:spPr>
           <a:xfrm>
             <a:off x="504000" y="301320"/>
-            <a:ext cx="9071640" cy="1262160"/>
+            <a:ext cx="9072000" cy="1262160"/>
           </a:xfrm>
           <a:prstGeom prst="rect">
             <a:avLst/>
@@ -1504,7 +1589,7 @@
         <p:spPr>
           <a:xfrm>
             <a:off x="504000" y="1768680"/>
-            <a:ext cx="4426920" cy="4383720"/>
+            <a:ext cx="4426920" cy="4384080"/>
           </a:xfrm>
           <a:prstGeom prst="rect">
             <a:avLst/>
@@ -1530,7 +1615,7 @@
         <p:spPr>
           <a:xfrm>
             <a:off x="5152680" y="1768680"/>
-            <a:ext cx="4426920" cy="4383720"/>
+            <a:ext cx="4426920" cy="4384080"/>
           </a:xfrm>
           <a:prstGeom prst="rect">
             <a:avLst/>
@@ -1578,7 +1663,7 @@
         <p:spPr>
           <a:xfrm>
             <a:off x="504000" y="301320"/>
-            <a:ext cx="9071640" cy="1262160"/>
+            <a:ext cx="9072000" cy="1262160"/>
           </a:xfrm>
           <a:prstGeom prst="rect">
             <a:avLst/>
@@ -1627,7 +1712,7 @@
         <p:spPr>
           <a:xfrm>
             <a:off x="504000" y="301320"/>
-            <a:ext cx="9071640" cy="5850720"/>
+            <a:ext cx="9072000" cy="5850720"/>
           </a:xfrm>
           <a:prstGeom prst="rect">
             <a:avLst/>
@@ -1676,7 +1761,7 @@
         <p:spPr>
           <a:xfrm>
             <a:off x="504000" y="301320"/>
-            <a:ext cx="9071640" cy="1262160"/>
+            <a:ext cx="9072000" cy="1262160"/>
           </a:xfrm>
           <a:prstGeom prst="rect">
             <a:avLst/>
@@ -1755,7 +1840,7 @@
         <p:spPr>
           <a:xfrm>
             <a:off x="5152680" y="1768680"/>
-            <a:ext cx="4426920" cy="4383720"/>
+            <a:ext cx="4426920" cy="4384080"/>
           </a:xfrm>
           <a:prstGeom prst="rect">
             <a:avLst/>
@@ -1803,7 +1888,7 @@
         <p:spPr>
           <a:xfrm>
             <a:off x="504000" y="301320"/>
-            <a:ext cx="9071640" cy="1262160"/>
+            <a:ext cx="9072000" cy="1262160"/>
           </a:xfrm>
           <a:prstGeom prst="rect">
             <a:avLst/>
@@ -1830,7 +1915,7 @@
         <p:spPr>
           <a:xfrm>
             <a:off x="504000" y="1768680"/>
-            <a:ext cx="9071640" cy="4384080"/>
+            <a:ext cx="9072000" cy="4384440"/>
           </a:xfrm>
           <a:prstGeom prst="rect">
             <a:avLst/>
@@ -1879,7 +1964,7 @@
         <p:spPr>
           <a:xfrm>
             <a:off x="504000" y="301320"/>
-            <a:ext cx="9071640" cy="1262160"/>
+            <a:ext cx="9072000" cy="1262160"/>
           </a:xfrm>
           <a:prstGeom prst="rect">
             <a:avLst/>
@@ -1906,7 +1991,7 @@
         <p:spPr>
           <a:xfrm>
             <a:off x="504000" y="1768680"/>
-            <a:ext cx="4426920" cy="4383720"/>
+            <a:ext cx="4426920" cy="4384080"/>
           </a:xfrm>
           <a:prstGeom prst="rect">
             <a:avLst/>
@@ -2006,7 +2091,7 @@
         <p:spPr>
           <a:xfrm>
             <a:off x="504000" y="301320"/>
-            <a:ext cx="9071640" cy="1262160"/>
+            <a:ext cx="9072000" cy="1262160"/>
           </a:xfrm>
           <a:prstGeom prst="rect">
             <a:avLst/>
@@ -2085,7 +2170,7 @@
         <p:spPr>
           <a:xfrm>
             <a:off x="504000" y="4058640"/>
-            <a:ext cx="9071640" cy="2090880"/>
+            <a:ext cx="9072000" cy="2090880"/>
           </a:xfrm>
           <a:prstGeom prst="rect">
             <a:avLst/>
@@ -2133,7 +2218,7 @@
         <p:spPr>
           <a:xfrm>
             <a:off x="504000" y="301320"/>
-            <a:ext cx="9071640" cy="1262160"/>
+            <a:ext cx="9072000" cy="1262160"/>
           </a:xfrm>
           <a:prstGeom prst="rect">
             <a:avLst/>
@@ -2160,7 +2245,7 @@
         <p:spPr>
           <a:xfrm>
             <a:off x="504000" y="1768680"/>
-            <a:ext cx="9071640" cy="2090880"/>
+            <a:ext cx="9072000" cy="2090880"/>
           </a:xfrm>
           <a:prstGeom prst="rect">
             <a:avLst/>
@@ -2186,7 +2271,7 @@
         <p:spPr>
           <a:xfrm>
             <a:off x="504000" y="4058640"/>
-            <a:ext cx="9071640" cy="2090880"/>
+            <a:ext cx="9072000" cy="2090880"/>
           </a:xfrm>
           <a:prstGeom prst="rect">
             <a:avLst/>
@@ -2234,7 +2319,7 @@
         <p:spPr>
           <a:xfrm>
             <a:off x="504000" y="301320"/>
-            <a:ext cx="9071640" cy="1262160"/>
+            <a:ext cx="9072000" cy="1262160"/>
           </a:xfrm>
           <a:prstGeom prst="rect">
             <a:avLst/>
@@ -2387,7 +2472,7 @@
         <p:spPr>
           <a:xfrm>
             <a:off x="504000" y="301320"/>
-            <a:ext cx="9071640" cy="1262160"/>
+            <a:ext cx="9072000" cy="1262160"/>
           </a:xfrm>
           <a:prstGeom prst="rect">
             <a:avLst/>
@@ -2414,7 +2499,7 @@
         <p:spPr>
           <a:xfrm>
             <a:off x="504000" y="1768680"/>
-            <a:ext cx="9071640" cy="4383720"/>
+            <a:ext cx="9072000" cy="4384080"/>
           </a:xfrm>
           <a:prstGeom prst="rect">
             <a:avLst/>
@@ -2440,7 +2525,7 @@
         <p:spPr>
           <a:xfrm>
             <a:off x="504000" y="1768680"/>
-            <a:ext cx="9071640" cy="4383720"/>
+            <a:ext cx="9072000" cy="4384080"/>
           </a:xfrm>
           <a:prstGeom prst="rect">
             <a:avLst/>
@@ -2467,8 +2552,8 @@
         </p:blipFill>
         <p:spPr>
           <a:xfrm>
-            <a:off x="2292480" y="1768320"/>
-            <a:ext cx="5494320" cy="4383720"/>
+            <a:off x="2292480" y="1768680"/>
+            <a:ext cx="5494680" cy="4384080"/>
           </a:xfrm>
           <a:prstGeom prst="rect">
             <a:avLst/>
@@ -2492,8 +2577,8 @@
         </p:blipFill>
         <p:spPr>
           <a:xfrm>
-            <a:off x="2292480" y="1768320"/>
-            <a:ext cx="5494320" cy="4383720"/>
+            <a:off x="2292480" y="1768680"/>
+            <a:ext cx="5494680" cy="4384080"/>
           </a:xfrm>
           <a:prstGeom prst="rect">
             <a:avLst/>
@@ -2560,7 +2645,7 @@
         <p:spPr>
           <a:xfrm>
             <a:off x="504000" y="301320"/>
-            <a:ext cx="9071640" cy="1262160"/>
+            <a:ext cx="9072000" cy="1262160"/>
           </a:xfrm>
           <a:prstGeom prst="rect">
             <a:avLst/>
@@ -2587,7 +2672,7 @@
         <p:spPr>
           <a:xfrm>
             <a:off x="504000" y="1768680"/>
-            <a:ext cx="9071640" cy="4384080"/>
+            <a:ext cx="9072000" cy="4384440"/>
           </a:xfrm>
           <a:prstGeom prst="rect">
             <a:avLst/>
@@ -2636,7 +2721,7 @@
         <p:spPr>
           <a:xfrm>
             <a:off x="504000" y="301320"/>
-            <a:ext cx="9071640" cy="1262160"/>
+            <a:ext cx="9072000" cy="1262160"/>
           </a:xfrm>
           <a:prstGeom prst="rect">
             <a:avLst/>
@@ -2663,7 +2748,7 @@
         <p:spPr>
           <a:xfrm>
             <a:off x="504000" y="1768680"/>
-            <a:ext cx="9071640" cy="4383720"/>
+            <a:ext cx="9072000" cy="4384080"/>
           </a:xfrm>
           <a:prstGeom prst="rect">
             <a:avLst/>
@@ -2711,7 +2796,7 @@
         <p:spPr>
           <a:xfrm>
             <a:off x="504000" y="301320"/>
-            <a:ext cx="9071640" cy="1262160"/>
+            <a:ext cx="9072000" cy="1262160"/>
           </a:xfrm>
           <a:prstGeom prst="rect">
             <a:avLst/>
@@ -2738,7 +2823,7 @@
         <p:spPr>
           <a:xfrm>
             <a:off x="504000" y="1768680"/>
-            <a:ext cx="4426920" cy="4383720"/>
+            <a:ext cx="4426920" cy="4384080"/>
           </a:xfrm>
           <a:prstGeom prst="rect">
             <a:avLst/>
@@ -2764,7 +2849,7 @@
         <p:spPr>
           <a:xfrm>
             <a:off x="5152680" y="1768680"/>
-            <a:ext cx="4426920" cy="4383720"/>
+            <a:ext cx="4426920" cy="4384080"/>
           </a:xfrm>
           <a:prstGeom prst="rect">
             <a:avLst/>
@@ -2812,7 +2897,7 @@
         <p:spPr>
           <a:xfrm>
             <a:off x="504000" y="301320"/>
-            <a:ext cx="9071640" cy="1262160"/>
+            <a:ext cx="9072000" cy="1262160"/>
           </a:xfrm>
           <a:prstGeom prst="rect">
             <a:avLst/>
@@ -2861,7 +2946,7 @@
         <p:spPr>
           <a:xfrm>
             <a:off x="504000" y="301320"/>
-            <a:ext cx="9071640" cy="1262160"/>
+            <a:ext cx="9072000" cy="1262160"/>
           </a:xfrm>
           <a:prstGeom prst="rect">
             <a:avLst/>
@@ -2888,7 +2973,7 @@
         <p:spPr>
           <a:xfrm>
             <a:off x="504000" y="1768680"/>
-            <a:ext cx="9071640" cy="4383720"/>
+            <a:ext cx="9072000" cy="4384080"/>
           </a:xfrm>
           <a:prstGeom prst="rect">
             <a:avLst/>
@@ -2936,7 +3021,7 @@
         <p:spPr>
           <a:xfrm>
             <a:off x="504000" y="301320"/>
-            <a:ext cx="9071640" cy="5850720"/>
+            <a:ext cx="9072000" cy="5850720"/>
           </a:xfrm>
           <a:prstGeom prst="rect">
             <a:avLst/>
@@ -2985,7 +3070,7 @@
         <p:spPr>
           <a:xfrm>
             <a:off x="504000" y="301320"/>
-            <a:ext cx="9071640" cy="1262160"/>
+            <a:ext cx="9072000" cy="1262160"/>
           </a:xfrm>
           <a:prstGeom prst="rect">
             <a:avLst/>
@@ -3064,7 +3149,7 @@
         <p:spPr>
           <a:xfrm>
             <a:off x="5152680" y="1768680"/>
-            <a:ext cx="4426920" cy="4383720"/>
+            <a:ext cx="4426920" cy="4384080"/>
           </a:xfrm>
           <a:prstGeom prst="rect">
             <a:avLst/>
@@ -3112,7 +3197,7 @@
         <p:spPr>
           <a:xfrm>
             <a:off x="504000" y="301320"/>
-            <a:ext cx="9071640" cy="1262160"/>
+            <a:ext cx="9072000" cy="1262160"/>
           </a:xfrm>
           <a:prstGeom prst="rect">
             <a:avLst/>
@@ -3139,7 +3224,7 @@
         <p:spPr>
           <a:xfrm>
             <a:off x="504000" y="1768680"/>
-            <a:ext cx="4426920" cy="4383720"/>
+            <a:ext cx="4426920" cy="4384080"/>
           </a:xfrm>
           <a:prstGeom prst="rect">
             <a:avLst/>
@@ -3239,7 +3324,7 @@
         <p:spPr>
           <a:xfrm>
             <a:off x="504000" y="301320"/>
-            <a:ext cx="9071640" cy="1262160"/>
+            <a:ext cx="9072000" cy="1262160"/>
           </a:xfrm>
           <a:prstGeom prst="rect">
             <a:avLst/>
@@ -3318,7 +3403,7 @@
         <p:spPr>
           <a:xfrm>
             <a:off x="504000" y="4058640"/>
-            <a:ext cx="9071640" cy="2090880"/>
+            <a:ext cx="9072000" cy="2090880"/>
           </a:xfrm>
           <a:prstGeom prst="rect">
             <a:avLst/>
@@ -3366,7 +3451,7 @@
         <p:spPr>
           <a:xfrm>
             <a:off x="504000" y="301320"/>
-            <a:ext cx="9071640" cy="1262160"/>
+            <a:ext cx="9072000" cy="1262160"/>
           </a:xfrm>
           <a:prstGeom prst="rect">
             <a:avLst/>
@@ -3393,7 +3478,7 @@
         <p:spPr>
           <a:xfrm>
             <a:off x="504000" y="1768680"/>
-            <a:ext cx="9071640" cy="2090880"/>
+            <a:ext cx="9072000" cy="2090880"/>
           </a:xfrm>
           <a:prstGeom prst="rect">
             <a:avLst/>
@@ -3419,7 +3504,7 @@
         <p:spPr>
           <a:xfrm>
             <a:off x="504000" y="4058640"/>
-            <a:ext cx="9071640" cy="2090880"/>
+            <a:ext cx="9072000" cy="2090880"/>
           </a:xfrm>
           <a:prstGeom prst="rect">
             <a:avLst/>
@@ -3467,7 +3552,7 @@
         <p:spPr>
           <a:xfrm>
             <a:off x="504000" y="301320"/>
-            <a:ext cx="9071640" cy="1262160"/>
+            <a:ext cx="9072000" cy="1262160"/>
           </a:xfrm>
           <a:prstGeom prst="rect">
             <a:avLst/>
@@ -3620,7 +3705,7 @@
         <p:spPr>
           <a:xfrm>
             <a:off x="504000" y="301320"/>
-            <a:ext cx="9071640" cy="1262160"/>
+            <a:ext cx="9072000" cy="1262160"/>
           </a:xfrm>
           <a:prstGeom prst="rect">
             <a:avLst/>
@@ -3647,7 +3732,7 @@
         <p:spPr>
           <a:xfrm>
             <a:off x="504000" y="1768680"/>
-            <a:ext cx="9071640" cy="4383720"/>
+            <a:ext cx="9072000" cy="4384080"/>
           </a:xfrm>
           <a:prstGeom prst="rect">
             <a:avLst/>
@@ -3673,7 +3758,7 @@
         <p:spPr>
           <a:xfrm>
             <a:off x="504000" y="1768680"/>
-            <a:ext cx="9071640" cy="4383720"/>
+            <a:ext cx="9072000" cy="4384080"/>
           </a:xfrm>
           <a:prstGeom prst="rect">
             <a:avLst/>
@@ -3700,8 +3785,8 @@
         </p:blipFill>
         <p:spPr>
           <a:xfrm>
-            <a:off x="2292480" y="1768320"/>
-            <a:ext cx="5494320" cy="4383720"/>
+            <a:off x="2292480" y="1768680"/>
+            <a:ext cx="5494680" cy="4384080"/>
           </a:xfrm>
           <a:prstGeom prst="rect">
             <a:avLst/>
@@ -3725,8 +3810,8 @@
         </p:blipFill>
         <p:spPr>
           <a:xfrm>
-            <a:off x="2292480" y="1768320"/>
-            <a:ext cx="5494320" cy="4383720"/>
+            <a:off x="2292480" y="1768680"/>
+            <a:ext cx="5494680" cy="4384080"/>
           </a:xfrm>
           <a:prstGeom prst="rect">
             <a:avLst/>
@@ -3771,7 +3856,7 @@
         <p:spPr>
           <a:xfrm>
             <a:off x="504000" y="301320"/>
-            <a:ext cx="9071640" cy="1262160"/>
+            <a:ext cx="9072000" cy="1262160"/>
           </a:xfrm>
           <a:prstGeom prst="rect">
             <a:avLst/>
@@ -3798,7 +3883,7 @@
         <p:spPr>
           <a:xfrm>
             <a:off x="504000" y="1768680"/>
-            <a:ext cx="4426920" cy="4383720"/>
+            <a:ext cx="4426920" cy="4384080"/>
           </a:xfrm>
           <a:prstGeom prst="rect">
             <a:avLst/>
@@ -3824,7 +3909,7 @@
         <p:spPr>
           <a:xfrm>
             <a:off x="5152680" y="1768680"/>
-            <a:ext cx="4426920" cy="4383720"/>
+            <a:ext cx="4426920" cy="4384080"/>
           </a:xfrm>
           <a:prstGeom prst="rect">
             <a:avLst/>
@@ -3872,7 +3957,7 @@
         <p:spPr>
           <a:xfrm>
             <a:off x="504000" y="301320"/>
-            <a:ext cx="9071640" cy="1262160"/>
+            <a:ext cx="9072000" cy="1262160"/>
           </a:xfrm>
           <a:prstGeom prst="rect">
             <a:avLst/>
@@ -3921,7 +4006,7 @@
         <p:spPr>
           <a:xfrm>
             <a:off x="504000" y="301320"/>
-            <a:ext cx="9071640" cy="5850720"/>
+            <a:ext cx="9072000" cy="5850720"/>
           </a:xfrm>
           <a:prstGeom prst="rect">
             <a:avLst/>
@@ -3970,7 +4055,7 @@
         <p:spPr>
           <a:xfrm>
             <a:off x="504000" y="301320"/>
-            <a:ext cx="9071640" cy="1262160"/>
+            <a:ext cx="9072000" cy="1262160"/>
           </a:xfrm>
           <a:prstGeom prst="rect">
             <a:avLst/>
@@ -4049,7 +4134,7 @@
         <p:spPr>
           <a:xfrm>
             <a:off x="5152680" y="1768680"/>
-            <a:ext cx="4426920" cy="4383720"/>
+            <a:ext cx="4426920" cy="4384080"/>
           </a:xfrm>
           <a:prstGeom prst="rect">
             <a:avLst/>
@@ -4097,7 +4182,7 @@
         <p:spPr>
           <a:xfrm>
             <a:off x="504000" y="301320"/>
-            <a:ext cx="9071640" cy="1262160"/>
+            <a:ext cx="9072000" cy="1262160"/>
           </a:xfrm>
           <a:prstGeom prst="rect">
             <a:avLst/>
@@ -4124,7 +4209,7 @@
         <p:spPr>
           <a:xfrm>
             <a:off x="504000" y="1768680"/>
-            <a:ext cx="4426920" cy="4383720"/>
+            <a:ext cx="4426920" cy="4384080"/>
           </a:xfrm>
           <a:prstGeom prst="rect">
             <a:avLst/>
@@ -4224,7 +4309,7 @@
         <p:spPr>
           <a:xfrm>
             <a:off x="504000" y="301320"/>
-            <a:ext cx="9071640" cy="1262160"/>
+            <a:ext cx="9072000" cy="1262160"/>
           </a:xfrm>
           <a:prstGeom prst="rect">
             <a:avLst/>
@@ -4303,7 +4388,7 @@
         <p:spPr>
           <a:xfrm>
             <a:off x="504000" y="4058640"/>
-            <a:ext cx="9071640" cy="2090880"/>
+            <a:ext cx="9072000" cy="2090880"/>
           </a:xfrm>
           <a:prstGeom prst="rect">
             <a:avLst/>
@@ -6150,7 +6235,7 @@
         <p:spPr>
           <a:xfrm>
             <a:off x="432360" y="2627640"/>
-            <a:ext cx="6983640" cy="3708360"/>
+            <a:ext cx="6983640" cy="2916360"/>
           </a:xfrm>
           <a:prstGeom prst="rect">
             <a:avLst/>
@@ -6174,6 +6259,34 @@
               <a:rPr lang="en-GB" sz="1400">
                 <a:latin typeface="Arial"/>
               </a:rPr>
+              <a:t>import mne</a:t>
+            </a:r>
+            <a:endParaRPr/>
+          </a:p>
+          <a:p>
+            <a:pPr>
+              <a:lnSpc>
+                <a:spcPct val="100000"/>
+              </a:lnSpc>
+            </a:pPr>
+            <a:r>
+              <a:rPr lang="en-GB" sz="1400">
+                <a:latin typeface="Arial"/>
+              </a:rPr>
+              <a:t>import numpy as np</a:t>
+            </a:r>
+            <a:endParaRPr/>
+          </a:p>
+          <a:p>
+            <a:pPr>
+              <a:lnSpc>
+                <a:spcPct val="100000"/>
+              </a:lnSpc>
+            </a:pPr>
+            <a:r>
+              <a:rPr lang="en-GB" sz="1400">
+                <a:latin typeface="Arial"/>
+              </a:rPr>
               <a:t>from mne.datasets import sample</a:t>
             </a:r>
             <a:endParaRPr/>
@@ -6188,7 +6301,7 @@
               <a:rPr lang="en-GB" sz="1400">
                 <a:latin typeface="Arial"/>
               </a:rPr>
-              <a:t>from mne.minimum_norm import read_inverse_operator</a:t>
+              <a:t>subject_from = 'aliceOhad'</a:t>
             </a:r>
             <a:endParaRPr/>
           </a:p>
@@ -6202,7 +6315,7 @@
               <a:rPr lang="en-GB" sz="1400">
                 <a:latin typeface="Arial"/>
               </a:rPr>
-              <a:t>from mne import read_evokeds</a:t>
+              <a:t>subject_to = 'fsaverage'</a:t>
             </a:r>
             <a:endParaRPr/>
           </a:p>
@@ -6216,7 +6329,7 @@
               <a:rPr lang="en-GB" sz="1400">
                 <a:latin typeface="Arial"/>
               </a:rPr>
-              <a:t>from mne.minimum_norm import apply_inverse, read_inverse_operator</a:t>
+              <a:t>fname='mne_dSPM_inverse'</a:t>
             </a:r>
             <a:endParaRPr/>
           </a:p>
@@ -6230,7 +6343,7 @@
               <a:rPr lang="en-GB" sz="1400">
                 <a:latin typeface="Arial"/>
               </a:rPr>
-              <a:t>fname_evoked='ft_WbW-ave.fif'</a:t>
+              <a:t>stc_from = mne.read_source_estimate(fname)</a:t>
             </a:r>
             <a:endParaRPr/>
           </a:p>
@@ -6244,7 +6357,7 @@
               <a:rPr lang="en-GB" sz="1400">
                 <a:latin typeface="Arial"/>
               </a:rPr>
-              <a:t>fname_inv = 'ohad_raw-oct-6-meg-inv.fif' </a:t>
+              <a:t>vertices_to = [np.arange(10242), np.arange(10242)]</a:t>
             </a:r>
             <a:endParaRPr/>
           </a:p>
@@ -6258,7 +6371,7 @@
               <a:rPr lang="en-GB" sz="1400">
                 <a:latin typeface="Arial"/>
               </a:rPr>
-              <a:t>snr = 3.0</a:t>
+              <a:t>stc_to = mne.morph_data(subject_from, subject_to, stc_from, n_jobs=1, grade=vertices_to)</a:t>
             </a:r>
             <a:endParaRPr/>
           </a:p>
@@ -6272,107 +6385,7 @@
               <a:rPr lang="en-GB" sz="1400">
                 <a:latin typeface="Arial"/>
               </a:rPr>
-              <a:t>lambda2 = 1.0 / snr ** 2</a:t>
-            </a:r>
-            <a:endParaRPr/>
-          </a:p>
-          <a:p>
-            <a:pPr>
-              <a:lnSpc>
-                <a:spcPct val="100000"/>
-              </a:lnSpc>
-            </a:pPr>
-            <a:r>
-              <a:rPr lang="en-GB" sz="1400">
-                <a:latin typeface="Arial"/>
-              </a:rPr>
-              <a:t>method = "dSPM"  # use dSPM method (could also be MNE or sLORETA)</a:t>
-            </a:r>
-            <a:endParaRPr/>
-          </a:p>
-          <a:p>
-            <a:pPr>
-              <a:lnSpc>
-                <a:spcPct val="100000"/>
-              </a:lnSpc>
-            </a:pPr>
-            <a:endParaRPr/>
-          </a:p>
-          <a:p>
-            <a:pPr>
-              <a:lnSpc>
-                <a:spcPct val="100000"/>
-              </a:lnSpc>
-            </a:pPr>
-            <a:r>
-              <a:rPr lang="en-GB" sz="1400">
-                <a:latin typeface="Arial"/>
-              </a:rPr>
-              <a:t># Load data</a:t>
-            </a:r>
-            <a:endParaRPr/>
-          </a:p>
-          <a:p>
-            <a:pPr>
-              <a:lnSpc>
-                <a:spcPct val="100000"/>
-              </a:lnSpc>
-            </a:pPr>
-            <a:r>
-              <a:rPr lang="en-GB" sz="1400">
-                <a:latin typeface="Arial"/>
-              </a:rPr>
-              <a:t>evoked = read_evokeds(fname_evoked, condition=0, baseline=(None, 0))</a:t>
-            </a:r>
-            <a:endParaRPr/>
-          </a:p>
-          <a:p>
-            <a:pPr>
-              <a:lnSpc>
-                <a:spcPct val="100000"/>
-              </a:lnSpc>
-            </a:pPr>
-            <a:r>
-              <a:rPr lang="en-GB" sz="1400">
-                <a:latin typeface="Arial"/>
-              </a:rPr>
-              <a:t>inverse_operator = read_inverse_operator(fname_inv)</a:t>
-            </a:r>
-            <a:endParaRPr/>
-          </a:p>
-          <a:p>
-            <a:pPr>
-              <a:lnSpc>
-                <a:spcPct val="100000"/>
-              </a:lnSpc>
-            </a:pPr>
-            <a:endParaRPr/>
-          </a:p>
-          <a:p>
-            <a:pPr>
-              <a:lnSpc>
-                <a:spcPct val="100000"/>
-              </a:lnSpc>
-            </a:pPr>
-            <a:r>
-              <a:rPr lang="en-GB" sz="1400">
-                <a:latin typeface="Arial"/>
-              </a:rPr>
-              <a:t>stc = apply_inverse(evoked, inverse_operator, lambda2, method, pick_ori=None)</a:t>
-            </a:r>
-            <a:endParaRPr/>
-          </a:p>
-          <a:p>
-            <a:pPr>
-              <a:lnSpc>
-                <a:spcPct val="100000"/>
-              </a:lnSpc>
-            </a:pPr>
-            <a:r>
-              <a:rPr lang="en-GB" sz="1400">
-                <a:latin typeface="Arial"/>
-              </a:rPr>
-              <a:t>stc.save('mne_%s_inverse' % method)</a:t>
+              <a:t>stc_to.save('%s_wbw-meg' % subject_to)</a:t>
             </a:r>
             <a:endParaRPr/>
           </a:p>
@@ -6468,7 +6481,7 @@
               <a:rPr b="1" lang="en-GB" sz="4100">
                 <a:latin typeface="Arial"/>
               </a:rPr>
-              <a:t>mne_analyze</a:t>
+              <a:t>MNE pipeline</a:t>
             </a:r>
             <a:endParaRPr/>
           </a:p>
@@ -6482,8 +6495,8 @@
         </p:nvSpPr>
         <p:spPr>
           <a:xfrm>
-            <a:off x="506520" y="1875960"/>
-            <a:ext cx="9068040" cy="1721520"/>
+            <a:off x="502920" y="2165400"/>
+            <a:ext cx="9068400" cy="4673880"/>
           </a:xfrm>
           <a:prstGeom prst="rect">
             <a:avLst/>
@@ -6502,40 +6515,498 @@
               </a:lnSpc>
             </a:pPr>
             <a:r>
-              <a:rPr lang="en-GB" sz="2600">
-                <a:latin typeface="Arial"/>
-              </a:rPr>
-              <a:t>We used it for corregistration, now for visualizing sources</a:t>
-            </a:r>
-            <a:endParaRPr/>
-          </a:p>
-        </p:txBody>
-      </p:sp>
-      <p:pic>
-        <p:nvPicPr>
-          <p:cNvPr id="159" name="" descr=""/>
-          <p:cNvPicPr/>
+              <a:rPr lang="en-GB" sz="2200">
+                <a:latin typeface="Arial"/>
+              </a:rPr>
+              <a:t>Use PySurfer to view the results</a:t>
+            </a:r>
+            <a:endParaRPr/>
+          </a:p>
+          <a:p>
+            <a:pPr>
+              <a:lnSpc>
+                <a:spcPct val="100000"/>
+              </a:lnSpc>
+            </a:pPr>
+            <a:endParaRPr/>
+          </a:p>
+          <a:p>
+            <a:pPr>
+              <a:lnSpc>
+                <a:spcPct val="100000"/>
+              </a:lnSpc>
+            </a:pPr>
+            <a:endParaRPr/>
+          </a:p>
+        </p:txBody>
+      </p:sp>
+      <p:sp>
+        <p:nvSpPr>
+          <p:cNvPr id="159" name="CustomShape 3"/>
+          <p:cNvSpPr/>
           <p:nvPr/>
-        </p:nvPicPr>
-        <p:blipFill>
-          <a:blip r:embed="rId2"/>
-          <a:stretch>
-            <a:fillRect/>
-          </a:stretch>
-        </p:blipFill>
-        <p:spPr>
-          <a:xfrm>
-            <a:off x="-9360" y="2303640"/>
-            <a:ext cx="10077840" cy="4546800"/>
-          </a:xfrm>
-          <a:prstGeom prst="rect">
-            <a:avLst/>
-          </a:prstGeom>
+        </p:nvSpPr>
+        <p:spPr>
+          <a:xfrm>
+            <a:off x="432360" y="2627640"/>
+            <a:ext cx="6983640" cy="4068360"/>
+          </a:xfrm>
+          <a:prstGeom prst="rect">
+            <a:avLst/>
+          </a:prstGeom>
+          <a:solidFill>
+            <a:srgbClr val="ffffff"/>
+          </a:solidFill>
           <a:ln>
             <a:noFill/>
           </a:ln>
         </p:spPr>
-      </p:pic>
+        <p:txBody>
+          <a:bodyPr lIns="90000" rIns="90000" tIns="45000" bIns="45000"/>
+          <a:p>
+            <a:pPr>
+              <a:lnSpc>
+                <a:spcPct val="100000"/>
+              </a:lnSpc>
+            </a:pPr>
+            <a:r>
+              <a:rPr lang="en-GB" sz="1000">
+                <a:solidFill>
+                  <a:srgbClr val="0000ff"/>
+                </a:solidFill>
+                <a:latin typeface="Arial"/>
+              </a:rPr>
+              <a:t># for the figure to open well run this script</a:t>
+            </a:r>
+            <a:endParaRPr/>
+          </a:p>
+          <a:p>
+            <a:pPr>
+              <a:lnSpc>
+                <a:spcPct val="100000"/>
+              </a:lnSpc>
+            </a:pPr>
+            <a:r>
+              <a:rPr lang="en-GB" sz="1000">
+                <a:solidFill>
+                  <a:srgbClr val="0000ff"/>
+                </a:solidFill>
+                <a:latin typeface="Arial"/>
+              </a:rPr>
+              <a:t># in ipython, call it like this:  </a:t>
+            </a:r>
+            <a:r>
+              <a:rPr lang="en-GB" sz="1000">
+                <a:solidFill>
+                  <a:srgbClr val="ff3333"/>
+                </a:solidFill>
+                <a:latin typeface="Arial"/>
+              </a:rPr>
+              <a:t> ipython --gui=wx</a:t>
+            </a:r>
+            <a:endParaRPr/>
+          </a:p>
+          <a:p>
+            <a:pPr>
+              <a:lnSpc>
+                <a:spcPct val="100000"/>
+              </a:lnSpc>
+            </a:pPr>
+            <a:endParaRPr/>
+          </a:p>
+          <a:p>
+            <a:pPr>
+              <a:lnSpc>
+                <a:spcPct val="100000"/>
+              </a:lnSpc>
+            </a:pPr>
+            <a:r>
+              <a:rPr lang="en-GB" sz="1000">
+                <a:solidFill>
+                  <a:srgbClr val="0000ff"/>
+                </a:solidFill>
+                <a:latin typeface="Arial"/>
+              </a:rPr>
+              <a:t>#taken from http://pysurfer.github.io/auto_examples/plot_meg_inverse_solution.html</a:t>
+            </a:r>
+            <a:endParaRPr/>
+          </a:p>
+          <a:p>
+            <a:pPr>
+              <a:lnSpc>
+                <a:spcPct val="100000"/>
+              </a:lnSpc>
+            </a:pPr>
+            <a:endParaRPr/>
+          </a:p>
+          <a:p>
+            <a:pPr>
+              <a:lnSpc>
+                <a:spcPct val="100000"/>
+              </a:lnSpc>
+            </a:pPr>
+            <a:r>
+              <a:rPr lang="en-GB" sz="1000">
+                <a:solidFill>
+                  <a:srgbClr val="000000"/>
+                </a:solidFill>
+                <a:latin typeface="Arial"/>
+              </a:rPr>
+              <a:t>import numpy as np</a:t>
+            </a:r>
+            <a:endParaRPr/>
+          </a:p>
+          <a:p>
+            <a:pPr>
+              <a:lnSpc>
+                <a:spcPct val="100000"/>
+              </a:lnSpc>
+            </a:pPr>
+            <a:r>
+              <a:rPr lang="en-GB" sz="1000">
+                <a:solidFill>
+                  <a:srgbClr val="000000"/>
+                </a:solidFill>
+                <a:latin typeface="Arial"/>
+              </a:rPr>
+              <a:t>from surfer import Brain, TimeViewer</a:t>
+            </a:r>
+            <a:endParaRPr/>
+          </a:p>
+          <a:p>
+            <a:pPr>
+              <a:lnSpc>
+                <a:spcPct val="100000"/>
+              </a:lnSpc>
+            </a:pPr>
+            <a:r>
+              <a:rPr lang="en-GB" sz="1000">
+                <a:solidFill>
+                  <a:srgbClr val="000000"/>
+                </a:solidFill>
+                <a:latin typeface="Arial"/>
+              </a:rPr>
+              <a:t>from surfer.io import read_stc</a:t>
+            </a:r>
+            <a:endParaRPr/>
+          </a:p>
+          <a:p>
+            <a:pPr>
+              <a:lnSpc>
+                <a:spcPct val="100000"/>
+              </a:lnSpc>
+            </a:pPr>
+            <a:r>
+              <a:rPr lang="en-GB" sz="1000">
+                <a:solidFill>
+                  <a:srgbClr val="000000"/>
+                </a:solidFill>
+                <a:latin typeface="Arial"/>
+              </a:rPr>
+              <a:t>brain = Brain('fsaverage', 'both', 'pial', views='caudal')</a:t>
+            </a:r>
+            <a:endParaRPr/>
+          </a:p>
+          <a:p>
+            <a:pPr>
+              <a:lnSpc>
+                <a:spcPct val="100000"/>
+              </a:lnSpc>
+            </a:pPr>
+            <a:r>
+              <a:rPr lang="en-GB" sz="1000">
+                <a:solidFill>
+                  <a:srgbClr val="000000"/>
+                </a:solidFill>
+                <a:latin typeface="Arial"/>
+              </a:rPr>
+              <a:t>stc = read_stc('fsaverage_wbw-meg-lh.stc')</a:t>
+            </a:r>
+            <a:endParaRPr/>
+          </a:p>
+          <a:p>
+            <a:pPr>
+              <a:lnSpc>
+                <a:spcPct val="100000"/>
+              </a:lnSpc>
+            </a:pPr>
+            <a:r>
+              <a:rPr lang="en-GB" sz="1000">
+                <a:solidFill>
+                  <a:srgbClr val="000000"/>
+                </a:solidFill>
+                <a:latin typeface="Arial"/>
+              </a:rPr>
+              <a:t>data = stc['data']</a:t>
+            </a:r>
+            <a:endParaRPr/>
+          </a:p>
+          <a:p>
+            <a:pPr>
+              <a:lnSpc>
+                <a:spcPct val="100000"/>
+              </a:lnSpc>
+            </a:pPr>
+            <a:r>
+              <a:rPr lang="en-GB" sz="1000">
+                <a:solidFill>
+                  <a:srgbClr val="000000"/>
+                </a:solidFill>
+                <a:latin typeface="Arial"/>
+              </a:rPr>
+              <a:t>vertices = stc['vertices']</a:t>
+            </a:r>
+            <a:endParaRPr/>
+          </a:p>
+          <a:p>
+            <a:pPr>
+              <a:lnSpc>
+                <a:spcPct val="100000"/>
+              </a:lnSpc>
+            </a:pPr>
+            <a:r>
+              <a:rPr lang="en-GB" sz="1000">
+                <a:solidFill>
+                  <a:srgbClr val="000000"/>
+                </a:solidFill>
+                <a:latin typeface="Arial"/>
+              </a:rPr>
+              <a:t>time = 1e3 * np.linspace(stc['tmin'], stc['tmin'] + data.shape[1] * stc['tstep'], data.shape[1])</a:t>
+            </a:r>
+            <a:endParaRPr/>
+          </a:p>
+          <a:p>
+            <a:pPr>
+              <a:lnSpc>
+                <a:spcPct val="100000"/>
+              </a:lnSpc>
+            </a:pPr>
+            <a:r>
+              <a:rPr lang="en-GB" sz="1000">
+                <a:solidFill>
+                  <a:srgbClr val="000000"/>
+                </a:solidFill>
+                <a:latin typeface="Arial"/>
+              </a:rPr>
+              <a:t>colormap = 'hot'</a:t>
+            </a:r>
+            <a:endParaRPr/>
+          </a:p>
+          <a:p>
+            <a:pPr>
+              <a:lnSpc>
+                <a:spcPct val="100000"/>
+              </a:lnSpc>
+            </a:pPr>
+            <a:r>
+              <a:rPr lang="en-GB" sz="1000">
+                <a:solidFill>
+                  <a:srgbClr val="000000"/>
+                </a:solidFill>
+                <a:latin typeface="Arial"/>
+              </a:rPr>
+              <a:t>time_label = 'time=%0.2f ms'</a:t>
+            </a:r>
+            <a:endParaRPr/>
+          </a:p>
+          <a:p>
+            <a:pPr>
+              <a:lnSpc>
+                <a:spcPct val="100000"/>
+              </a:lnSpc>
+            </a:pPr>
+            <a:r>
+              <a:rPr lang="en-GB" sz="1000">
+                <a:solidFill>
+                  <a:srgbClr val="000000"/>
+                </a:solidFill>
+                <a:latin typeface="Arial"/>
+              </a:rPr>
+              <a:t>brain.add_data(data, colormap=colormap, vertices=vertices, smoothing_steps=10,</a:t>
+            </a:r>
+            <a:endParaRPr/>
+          </a:p>
+          <a:p>
+            <a:pPr>
+              <a:lnSpc>
+                <a:spcPct val="100000"/>
+              </a:lnSpc>
+            </a:pPr>
+            <a:r>
+              <a:rPr lang="en-GB" sz="1000">
+                <a:solidFill>
+                  <a:srgbClr val="000000"/>
+                </a:solidFill>
+                <a:latin typeface="Arial"/>
+              </a:rPr>
+              <a:t>               </a:t>
+            </a:r>
+            <a:r>
+              <a:rPr lang="en-GB" sz="1000">
+                <a:solidFill>
+                  <a:srgbClr val="000000"/>
+                </a:solidFill>
+                <a:latin typeface="Arial"/>
+              </a:rPr>
+              <a:t>time=time, time_label=time_label, hemi='lh')</a:t>
+            </a:r>
+            <a:endParaRPr/>
+          </a:p>
+          <a:p>
+            <a:pPr>
+              <a:lnSpc>
+                <a:spcPct val="100000"/>
+              </a:lnSpc>
+            </a:pPr>
+            <a:r>
+              <a:rPr lang="en-GB" sz="1000">
+                <a:solidFill>
+                  <a:srgbClr val="000000"/>
+                </a:solidFill>
+                <a:latin typeface="Arial"/>
+              </a:rPr>
+              <a:t>stc = read_stc('fsaverage_wbw-meg-rh.stc')</a:t>
+            </a:r>
+            <a:endParaRPr/>
+          </a:p>
+          <a:p>
+            <a:pPr>
+              <a:lnSpc>
+                <a:spcPct val="100000"/>
+              </a:lnSpc>
+            </a:pPr>
+            <a:r>
+              <a:rPr lang="en-GB" sz="1000">
+                <a:solidFill>
+                  <a:srgbClr val="000000"/>
+                </a:solidFill>
+                <a:latin typeface="Arial"/>
+              </a:rPr>
+              <a:t>data = stc['data']</a:t>
+            </a:r>
+            <a:endParaRPr/>
+          </a:p>
+          <a:p>
+            <a:pPr>
+              <a:lnSpc>
+                <a:spcPct val="100000"/>
+              </a:lnSpc>
+            </a:pPr>
+            <a:r>
+              <a:rPr lang="en-GB" sz="1000">
+                <a:solidFill>
+                  <a:srgbClr val="000000"/>
+                </a:solidFill>
+                <a:latin typeface="Arial"/>
+              </a:rPr>
+              <a:t>vertices = stc['vertices']</a:t>
+            </a:r>
+            <a:endParaRPr/>
+          </a:p>
+          <a:p>
+            <a:pPr>
+              <a:lnSpc>
+                <a:spcPct val="100000"/>
+              </a:lnSpc>
+            </a:pPr>
+            <a:r>
+              <a:rPr lang="en-GB" sz="1000">
+                <a:solidFill>
+                  <a:srgbClr val="000000"/>
+                </a:solidFill>
+                <a:latin typeface="Arial"/>
+              </a:rPr>
+              <a:t>brain.add_data(data, colormap=colormap, vertices=vertices, smoothing_steps=10,</a:t>
+            </a:r>
+            <a:endParaRPr/>
+          </a:p>
+          <a:p>
+            <a:pPr>
+              <a:lnSpc>
+                <a:spcPct val="100000"/>
+              </a:lnSpc>
+            </a:pPr>
+            <a:r>
+              <a:rPr lang="en-GB" sz="1000">
+                <a:solidFill>
+                  <a:srgbClr val="000000"/>
+                </a:solidFill>
+                <a:latin typeface="Arial"/>
+              </a:rPr>
+              <a:t>               </a:t>
+            </a:r>
+            <a:r>
+              <a:rPr lang="en-GB" sz="1000">
+                <a:solidFill>
+                  <a:srgbClr val="000000"/>
+                </a:solidFill>
+                <a:latin typeface="Arial"/>
+              </a:rPr>
+              <a:t>time=time, time_label=time_label, hemi='rh')</a:t>
+            </a:r>
+            <a:endParaRPr/>
+          </a:p>
+          <a:p>
+            <a:pPr>
+              <a:lnSpc>
+                <a:spcPct val="100000"/>
+              </a:lnSpc>
+            </a:pPr>
+            <a:r>
+              <a:rPr lang="en-GB" sz="1000">
+                <a:solidFill>
+                  <a:srgbClr val="0000ff"/>
+                </a:solidFill>
+                <a:latin typeface="Arial"/>
+              </a:rPr>
+              <a:t>#brain.set_data_time_index(2)</a:t>
+            </a:r>
+            <a:endParaRPr/>
+          </a:p>
+          <a:p>
+            <a:pPr>
+              <a:lnSpc>
+                <a:spcPct val="100000"/>
+              </a:lnSpc>
+            </a:pPr>
+            <a:r>
+              <a:rPr lang="en-GB" sz="1000">
+                <a:solidFill>
+                  <a:srgbClr val="0000ff"/>
+                </a:solidFill>
+                <a:latin typeface="Arial"/>
+              </a:rPr>
+              <a:t>#brain.scale_data_colormap(fmin=13, fmid=18, fmax=22, transparent=True)</a:t>
+            </a:r>
+            <a:endParaRPr/>
+          </a:p>
+          <a:p>
+            <a:pPr>
+              <a:lnSpc>
+                <a:spcPct val="100000"/>
+              </a:lnSpc>
+            </a:pPr>
+            <a:r>
+              <a:rPr lang="en-GB" sz="1000">
+                <a:solidFill>
+                  <a:srgbClr val="000000"/>
+                </a:solidFill>
+                <a:latin typeface="Arial"/>
+              </a:rPr>
+              <a:t>viewer = TimeViewer(brain)</a:t>
+            </a:r>
+            <a:endParaRPr/>
+          </a:p>
+          <a:p>
+            <a:pPr>
+              <a:lnSpc>
+                <a:spcPct val="100000"/>
+              </a:lnSpc>
+            </a:pPr>
+            <a:endParaRPr/>
+          </a:p>
+        </p:txBody>
+      </p:sp>
     </p:spTree>
   </p:cSld>
   <p:timing>
@@ -6626,7 +7097,7 @@
               <a:rPr b="1" lang="en-GB" sz="4100">
                 <a:latin typeface="Arial"/>
               </a:rPr>
-              <a:t>mne_analyze</a:t>
+              <a:t>MNE pipeline</a:t>
             </a:r>
             <a:endParaRPr/>
           </a:p>
@@ -6640,8 +7111,8 @@
         </p:nvSpPr>
         <p:spPr>
           <a:xfrm>
-            <a:off x="506520" y="1800000"/>
-            <a:ext cx="9068040" cy="4381920"/>
+            <a:off x="502920" y="2165400"/>
+            <a:ext cx="9068400" cy="4673880"/>
           </a:xfrm>
           <a:prstGeom prst="rect">
             <a:avLst/>
@@ -6660,11 +7131,27 @@
               </a:lnSpc>
             </a:pPr>
             <a:r>
-              <a:rPr lang="en-GB" sz="3200">
-                <a:latin typeface="Arial"/>
-              </a:rPr>
-              <a:t>SLORETA, inflated brain, all sorts</a:t>
-            </a:r>
+              <a:rPr lang="en-GB" sz="2200">
+                <a:latin typeface="Arial"/>
+              </a:rPr>
+              <a:t>See activity by the millisecond</a:t>
+            </a:r>
+            <a:endParaRPr/>
+          </a:p>
+          <a:p>
+            <a:pPr>
+              <a:lnSpc>
+                <a:spcPct val="100000"/>
+              </a:lnSpc>
+            </a:pPr>
+            <a:endParaRPr/>
+          </a:p>
+          <a:p>
+            <a:pPr>
+              <a:lnSpc>
+                <a:spcPct val="100000"/>
+              </a:lnSpc>
+            </a:pPr>
             <a:endParaRPr/>
           </a:p>
         </p:txBody>
@@ -6683,8 +7170,8 @@
         </p:blipFill>
         <p:spPr>
           <a:xfrm>
-            <a:off x="-9360" y="2284560"/>
-            <a:ext cx="10077840" cy="4521600"/>
+            <a:off x="2346840" y="2664000"/>
+            <a:ext cx="4421160" cy="4067640"/>
           </a:xfrm>
           <a:prstGeom prst="rect">
             <a:avLst/>
@@ -6784,7 +7271,7 @@
               <a:rPr b="1" lang="en-GB" sz="4100">
                 <a:latin typeface="Arial"/>
               </a:rPr>
-              <a:t>Did I thank Denis?</a:t>
+              <a:t>mne_analyze</a:t>
             </a:r>
             <a:endParaRPr/>
           </a:p>
@@ -6798,8 +7285,8 @@
         </p:nvSpPr>
         <p:spPr>
           <a:xfrm>
-            <a:off x="502920" y="2165040"/>
-            <a:ext cx="9068400" cy="4381920"/>
+            <a:off x="506520" y="1875960"/>
+            <a:ext cx="9068040" cy="1721520"/>
           </a:xfrm>
           <a:prstGeom prst="rect">
             <a:avLst/>
@@ -6818,37 +7305,40 @@
               </a:lnSpc>
             </a:pPr>
             <a:r>
-              <a:rPr lang="en-GB" sz="3200">
-                <a:latin typeface="Arial"/>
-              </a:rPr>
-              <a:t>Not enough</a:t>
-            </a:r>
-            <a:endParaRPr/>
-          </a:p>
-          <a:p>
-            <a:pPr>
-              <a:lnSpc>
-                <a:spcPct val="100000"/>
-              </a:lnSpc>
-            </a:pPr>
-            <a:endParaRPr/>
-          </a:p>
-          <a:p>
-            <a:pPr>
-              <a:lnSpc>
-                <a:spcPct val="100000"/>
-              </a:lnSpc>
-            </a:pPr>
-            <a:r>
-              <a:rPr lang="en-GB" sz="3200">
-                <a:latin typeface="Arial"/>
-              </a:rPr>
-              <a:t>Thank you Denis.</a:t>
-            </a:r>
-            <a:endParaRPr/>
-          </a:p>
-        </p:txBody>
-      </p:sp>
+              <a:rPr lang="en-GB" sz="2600">
+                <a:latin typeface="Arial"/>
+              </a:rPr>
+              <a:t>You can use mne_analyze command line tool. We used it for corregistration, now for visualizing sources</a:t>
+            </a:r>
+            <a:endParaRPr/>
+          </a:p>
+        </p:txBody>
+      </p:sp>
+      <p:pic>
+        <p:nvPicPr>
+          <p:cNvPr id="165" name="" descr=""/>
+          <p:cNvPicPr/>
+          <p:nvPr/>
+        </p:nvPicPr>
+        <p:blipFill>
+          <a:blip r:embed="rId2"/>
+          <a:stretch>
+            <a:fillRect/>
+          </a:stretch>
+        </p:blipFill>
+        <p:spPr>
+          <a:xfrm>
+            <a:off x="26640" y="3059640"/>
+            <a:ext cx="10077840" cy="4546800"/>
+          </a:xfrm>
+          <a:prstGeom prst="rect">
+            <a:avLst/>
+          </a:prstGeom>
+          <a:ln>
+            <a:noFill/>
+          </a:ln>
+        </p:spPr>
+      </p:pic>
     </p:spTree>
   </p:cSld>
   <p:timing>
@@ -6884,6 +7374,16 @@
 <file path=ppt/slides/slide16.xml><?xml version="1.0" encoding="utf-8"?>
 <p:sld xmlns:a="http://schemas.openxmlformats.org/drawingml/2006/main" xmlns:p="http://schemas.openxmlformats.org/presentationml/2006/main" xmlns:r="http://schemas.openxmlformats.org/officeDocument/2006/relationships">
   <p:cSld>
+    <p:bg>
+      <p:bgPr>
+        <a:blipFill>
+          <a:blip r:embed="rId1"/>
+          <a:stretch>
+            <a:fillRect/>
+          </a:stretch>
+        </a:blipFill>
+      </p:bgPr>
+    </p:bg>
     <p:spTree>
       <p:nvGrpSpPr>
         <p:cNvPr id="1" name=""/>
@@ -6900,14 +7400,14 @@
       </p:grpSpPr>
       <p:sp>
         <p:nvSpPr>
-          <p:cNvPr id="165" name="CustomShape 1"/>
+          <p:cNvPr id="166" name="CustomShape 1"/>
           <p:cNvSpPr/>
           <p:nvPr/>
         </p:nvSpPr>
         <p:spPr>
           <a:xfrm>
-            <a:off x="504000" y="301320"/>
-            <a:ext cx="9071640" cy="1261800"/>
+            <a:off x="502920" y="301320"/>
+            <a:ext cx="9068400" cy="1259280"/>
           </a:xfrm>
           <a:prstGeom prst="rect">
             <a:avLst/>
@@ -6917,17 +7417,34 @@
             <a:noFill/>
           </a:ln>
         </p:spPr>
-      </p:sp>
-      <p:sp>
-        <p:nvSpPr>
-          <p:cNvPr id="166" name="CustomShape 2"/>
+        <p:txBody>
+          <a:bodyPr lIns="0" rIns="0" tIns="0" bIns="0" anchor="ctr"/>
+          <a:p>
+            <a:pPr algn="ctr">
+              <a:lnSpc>
+                <a:spcPct val="100000"/>
+              </a:lnSpc>
+            </a:pPr>
+            <a:r>
+              <a:rPr b="1" lang="en-GB" sz="4100">
+                <a:latin typeface="Arial"/>
+              </a:rPr>
+              <a:t>mne_analyze</a:t>
+            </a:r>
+            <a:endParaRPr/>
+          </a:p>
+        </p:txBody>
+      </p:sp>
+      <p:sp>
+        <p:nvSpPr>
+          <p:cNvPr id="167" name="CustomShape 2"/>
           <p:cNvSpPr/>
           <p:nvPr/>
         </p:nvSpPr>
         <p:spPr>
           <a:xfrm>
-            <a:off x="504000" y="1768680"/>
-            <a:ext cx="9071640" cy="4383720"/>
+            <a:off x="506520" y="1800000"/>
+            <a:ext cx="9068040" cy="4381920"/>
           </a:xfrm>
           <a:prstGeom prst="rect">
             <a:avLst/>
@@ -6937,55 +7454,27 @@
             <a:noFill/>
           </a:ln>
         </p:spPr>
-      </p:sp>
-      <p:sp>
-        <p:nvSpPr>
-          <p:cNvPr id="167" name="CustomShape 3"/>
-          <p:cNvSpPr/>
-          <p:nvPr/>
-        </p:nvSpPr>
-        <p:spPr>
-          <a:xfrm>
-            <a:off x="504000" y="1768680"/>
-            <a:ext cx="9071640" cy="4383720"/>
-          </a:xfrm>
-          <a:prstGeom prst="rect">
-            <a:avLst/>
-          </a:prstGeom>
-          <a:noFill/>
-          <a:ln>
-            <a:noFill/>
-          </a:ln>
-        </p:spPr>
+        <p:txBody>
+          <a:bodyPr lIns="0" rIns="0" tIns="28080" bIns="0"/>
+          <a:p>
+            <a:pPr>
+              <a:lnSpc>
+                <a:spcPct val="100000"/>
+              </a:lnSpc>
+            </a:pPr>
+            <a:r>
+              <a:rPr lang="en-GB" sz="3200">
+                <a:latin typeface="Arial"/>
+              </a:rPr>
+              <a:t>SLORETA, inflated brain, all sorts</a:t>
+            </a:r>
+            <a:endParaRPr/>
+          </a:p>
+        </p:txBody>
       </p:sp>
       <p:pic>
         <p:nvPicPr>
           <p:cNvPr id="168" name="" descr=""/>
-          <p:cNvPicPr/>
-          <p:nvPr/>
-        </p:nvPicPr>
-        <p:blipFill>
-          <a:blip r:embed="rId1"/>
-          <a:stretch>
-            <a:fillRect/>
-          </a:stretch>
-        </p:blipFill>
-        <p:spPr>
-          <a:xfrm>
-            <a:off x="2292480" y="1768680"/>
-            <a:ext cx="5494320" cy="4383720"/>
-          </a:xfrm>
-          <a:prstGeom prst="rect">
-            <a:avLst/>
-          </a:prstGeom>
-          <a:ln>
-            <a:noFill/>
-          </a:ln>
-        </p:spPr>
-      </p:pic>
-      <p:pic>
-        <p:nvPicPr>
-          <p:cNvPr id="169" name="" descr=""/>
           <p:cNvPicPr/>
           <p:nvPr/>
         </p:nvPicPr>
@@ -6997,8 +7486,8 @@
         </p:blipFill>
         <p:spPr>
           <a:xfrm>
-            <a:off x="2292480" y="1768680"/>
-            <a:ext cx="5494320" cy="4383720"/>
+            <a:off x="-9360" y="2284560"/>
+            <a:ext cx="10077840" cy="4521600"/>
           </a:xfrm>
           <a:prstGeom prst="rect">
             <a:avLst/>
@@ -7010,6 +7499,188 @@
       </p:pic>
     </p:spTree>
   </p:cSld>
+  <p:timing>
+    <p:tnLst>
+      <p:par>
+        <p:cTn id="31" dur="indefinite" restart="never" nodeType="tmRoot">
+          <p:childTnLst>
+            <p:seq>
+              <p:cTn id="32" dur="indefinite" nodeType="mainSeq"/>
+              <p:prevCondLst>
+                <p:cond delay="0" evt="onPrev">
+                  <p:tgtEl>
+                    <p:sldTgt/>
+                  </p:tgtEl>
+                </p:cond>
+              </p:prevCondLst>
+              <p:nextCondLst>
+                <p:cond delay="0" evt="onNext">
+                  <p:tgtEl>
+                    <p:sldTgt/>
+                  </p:tgtEl>
+                </p:cond>
+              </p:nextCondLst>
+            </p:seq>
+          </p:childTnLst>
+        </p:cTn>
+      </p:par>
+    </p:tnLst>
+  </p:timing>
+</p:sld>
+</file>
+
+<file path=ppt/slides/slide17.xml><?xml version="1.0" encoding="utf-8"?>
+<p:sld xmlns:a="http://schemas.openxmlformats.org/drawingml/2006/main" xmlns:p="http://schemas.openxmlformats.org/presentationml/2006/main" xmlns:r="http://schemas.openxmlformats.org/officeDocument/2006/relationships">
+  <p:cSld>
+    <p:bg>
+      <p:bgPr>
+        <a:blipFill>
+          <a:blip r:embed="rId1"/>
+          <a:stretch>
+            <a:fillRect/>
+          </a:stretch>
+        </a:blipFill>
+      </p:bgPr>
+    </p:bg>
+    <p:spTree>
+      <p:nvGrpSpPr>
+        <p:cNvPr id="1" name=""/>
+        <p:cNvGrpSpPr/>
+        <p:nvPr/>
+      </p:nvGrpSpPr>
+      <p:grpSpPr>
+        <a:xfrm>
+          <a:off x="0" y="0"/>
+          <a:ext cx="0" cy="0"/>
+          <a:chOff x="0" y="0"/>
+          <a:chExt cx="0" cy="0"/>
+        </a:xfrm>
+      </p:grpSpPr>
+      <p:sp>
+        <p:nvSpPr>
+          <p:cNvPr id="169" name="CustomShape 1"/>
+          <p:cNvSpPr/>
+          <p:nvPr/>
+        </p:nvSpPr>
+        <p:spPr>
+          <a:xfrm>
+            <a:off x="502920" y="301320"/>
+            <a:ext cx="9068400" cy="1259280"/>
+          </a:xfrm>
+          <a:prstGeom prst="rect">
+            <a:avLst/>
+          </a:prstGeom>
+          <a:noFill/>
+          <a:ln>
+            <a:noFill/>
+          </a:ln>
+        </p:spPr>
+        <p:txBody>
+          <a:bodyPr lIns="0" rIns="0" tIns="0" bIns="0" anchor="ctr"/>
+          <a:p>
+            <a:pPr algn="ctr">
+              <a:lnSpc>
+                <a:spcPct val="100000"/>
+              </a:lnSpc>
+            </a:pPr>
+            <a:r>
+              <a:rPr b="1" lang="en-GB" sz="4100">
+                <a:latin typeface="Arial"/>
+              </a:rPr>
+              <a:t>Did I thank Denis?</a:t>
+            </a:r>
+            <a:endParaRPr/>
+          </a:p>
+        </p:txBody>
+      </p:sp>
+      <p:sp>
+        <p:nvSpPr>
+          <p:cNvPr id="170" name="CustomShape 2"/>
+          <p:cNvSpPr/>
+          <p:nvPr/>
+        </p:nvSpPr>
+        <p:spPr>
+          <a:xfrm>
+            <a:off x="502920" y="2165040"/>
+            <a:ext cx="9068400" cy="4381920"/>
+          </a:xfrm>
+          <a:prstGeom prst="rect">
+            <a:avLst/>
+          </a:prstGeom>
+          <a:noFill/>
+          <a:ln>
+            <a:noFill/>
+          </a:ln>
+        </p:spPr>
+        <p:txBody>
+          <a:bodyPr lIns="0" rIns="0" tIns="28080" bIns="0"/>
+          <a:p>
+            <a:pPr>
+              <a:lnSpc>
+                <a:spcPct val="100000"/>
+              </a:lnSpc>
+            </a:pPr>
+            <a:r>
+              <a:rPr lang="en-GB" sz="3200">
+                <a:latin typeface="Arial"/>
+              </a:rPr>
+              <a:t>Not enough</a:t>
+            </a:r>
+            <a:endParaRPr/>
+          </a:p>
+          <a:p>
+            <a:pPr>
+              <a:lnSpc>
+                <a:spcPct val="100000"/>
+              </a:lnSpc>
+            </a:pPr>
+            <a:endParaRPr/>
+          </a:p>
+          <a:p>
+            <a:pPr>
+              <a:lnSpc>
+                <a:spcPct val="100000"/>
+              </a:lnSpc>
+            </a:pPr>
+            <a:r>
+              <a:rPr lang="en-GB" sz="3200">
+                <a:latin typeface="Arial"/>
+              </a:rPr>
+              <a:t>Thank you Denis.</a:t>
+            </a:r>
+            <a:endParaRPr/>
+          </a:p>
+        </p:txBody>
+      </p:sp>
+    </p:spTree>
+  </p:cSld>
+  <p:timing>
+    <p:tnLst>
+      <p:par>
+        <p:cTn id="33" dur="indefinite" restart="never" nodeType="tmRoot">
+          <p:childTnLst>
+            <p:seq>
+              <p:cTn id="34" dur="indefinite" nodeType="mainSeq"/>
+              <p:prevCondLst>
+                <p:cond delay="0" evt="onPrev">
+                  <p:tgtEl>
+                    <p:sldTgt/>
+                  </p:tgtEl>
+                </p:cond>
+              </p:prevCondLst>
+              <p:nextCondLst>
+                <p:cond delay="0" evt="onNext">
+                  <p:tgtEl>
+                    <p:sldTgt/>
+                  </p:tgtEl>
+                </p:cond>
+              </p:nextCondLst>
+            </p:seq>
+          </p:childTnLst>
+        </p:cTn>
+      </p:par>
+    </p:tnLst>
+  </p:timing>
 </p:sld>
 </file>
 

--- a/docs/MNE_4D_data.pptx
+++ b/docs/MNE_4D_data.pptx
@@ -52,7 +52,7 @@
       </p:grpSpPr>
       <p:sp>
         <p:nvSpPr>
-          <p:cNvPr id="111" name="PlaceHolder 1"/>
+          <p:cNvPr id="112" name="PlaceHolder 1"/>
           <p:cNvSpPr>
             <a:spLocks noGrp="1"/>
           </p:cNvSpPr>
@@ -62,8 +62,8 @@
         </p:nvSpPr>
         <p:spPr>
           <a:xfrm>
-            <a:off x="777240" y="4777560"/>
-            <a:ext cx="6217560" cy="4525920"/>
+            <a:off x="740160" y="4402440"/>
+            <a:ext cx="6292080" cy="4741200"/>
           </a:xfrm>
           <a:prstGeom prst="rect">
             <a:avLst/>
@@ -73,7 +73,7 @@
           <a:bodyPr lIns="0" rIns="0" tIns="0" bIns="0"/>
           <a:p>
             <a:r>
-              <a:rPr lang="en-GB" sz="2000">
+              <a:rPr lang="en-GB" sz="2770">
                 <a:latin typeface="Arial"/>
               </a:rPr>
               <a:t>Click to edit the notes' format</a:t>
@@ -84,7 +84,7 @@
       </p:sp>
       <p:sp>
         <p:nvSpPr>
-          <p:cNvPr id="112" name="PlaceHolder 2"/>
+          <p:cNvPr id="113" name="PlaceHolder 2"/>
           <p:cNvSpPr>
             <a:spLocks noGrp="1"/>
           </p:cNvSpPr>
@@ -116,7 +116,7 @@
       </p:sp>
       <p:sp>
         <p:nvSpPr>
-          <p:cNvPr id="113" name="PlaceHolder 3"/>
+          <p:cNvPr id="114" name="PlaceHolder 3"/>
           <p:cNvSpPr>
             <a:spLocks noGrp="1"/>
           </p:cNvSpPr>
@@ -126,7 +126,7 @@
         </p:nvSpPr>
         <p:spPr>
           <a:xfrm>
-            <a:off x="4399200" y="0"/>
+            <a:off x="4398840" y="0"/>
             <a:ext cx="3372840" cy="502560"/>
           </a:xfrm>
           <a:prstGeom prst="rect">
@@ -149,7 +149,7 @@
       </p:sp>
       <p:sp>
         <p:nvSpPr>
-          <p:cNvPr id="114" name="PlaceHolder 4"/>
+          <p:cNvPr id="115" name="PlaceHolder 4"/>
           <p:cNvSpPr>
             <a:spLocks noGrp="1"/>
           </p:cNvSpPr>
@@ -181,7 +181,7 @@
       </p:sp>
       <p:sp>
         <p:nvSpPr>
-          <p:cNvPr id="115" name="PlaceHolder 5"/>
+          <p:cNvPr id="116" name="PlaceHolder 5"/>
           <p:cNvSpPr>
             <a:spLocks noGrp="1"/>
           </p:cNvSpPr>
@@ -191,7 +191,7 @@
         </p:nvSpPr>
         <p:spPr>
           <a:xfrm>
-            <a:off x="4399200" y="9555480"/>
+            <a:off x="4398840" y="9555480"/>
             <a:ext cx="3372840" cy="502560"/>
           </a:xfrm>
           <a:prstGeom prst="rect">
@@ -202,7 +202,7 @@
           <a:bodyPr lIns="0" rIns="0" tIns="0" bIns="0" anchor="b"/>
           <a:p>
             <a:pPr algn="r"/>
-            <a:fld id="{E7119647-4831-4AC3-B70D-5C89B788E347}" type="slidenum">
+            <a:fld id="{7C77F46B-DC24-40B8-B4A8-B62F66D85867}" type="slidenum">
               <a:rPr lang="en-GB" sz="1400">
                 <a:latin typeface="Times New Roman"/>
               </a:rPr>
@@ -237,14 +237,14 @@
       </p:grpSpPr>
       <p:sp>
         <p:nvSpPr>
-          <p:cNvPr id="171" name="CustomShape 1"/>
+          <p:cNvPr id="172" name="CustomShape 1"/>
           <p:cNvSpPr/>
           <p:nvPr/>
         </p:nvSpPr>
         <p:spPr>
           <a:xfrm>
             <a:off x="777600" y="4776840"/>
-            <a:ext cx="6217200" cy="4524840"/>
+            <a:ext cx="6216840" cy="4524480"/>
           </a:xfrm>
           <a:prstGeom prst="rect">
             <a:avLst/>
@@ -279,14 +279,14 @@
       </p:grpSpPr>
       <p:sp>
         <p:nvSpPr>
-          <p:cNvPr id="180" name="CustomShape 1"/>
+          <p:cNvPr id="181" name="CustomShape 1"/>
           <p:cNvSpPr/>
           <p:nvPr/>
         </p:nvSpPr>
         <p:spPr>
           <a:xfrm>
             <a:off x="777960" y="4776840"/>
-            <a:ext cx="6215400" cy="4524840"/>
+            <a:ext cx="6215040" cy="4524480"/>
           </a:xfrm>
           <a:prstGeom prst="rect">
             <a:avLst/>
@@ -321,14 +321,14 @@
       </p:grpSpPr>
       <p:sp>
         <p:nvSpPr>
-          <p:cNvPr id="181" name="CustomShape 1"/>
+          <p:cNvPr id="182" name="CustomShape 1"/>
           <p:cNvSpPr/>
           <p:nvPr/>
         </p:nvSpPr>
         <p:spPr>
           <a:xfrm>
             <a:off x="777960" y="4776840"/>
-            <a:ext cx="6215400" cy="4524840"/>
+            <a:ext cx="6215040" cy="4524480"/>
           </a:xfrm>
           <a:prstGeom prst="rect">
             <a:avLst/>
@@ -363,14 +363,14 @@
       </p:grpSpPr>
       <p:sp>
         <p:nvSpPr>
-          <p:cNvPr id="182" name="CustomShape 1"/>
+          <p:cNvPr id="183" name="CustomShape 1"/>
           <p:cNvSpPr/>
           <p:nvPr/>
         </p:nvSpPr>
         <p:spPr>
           <a:xfrm>
             <a:off x="777960" y="4776840"/>
-            <a:ext cx="6215400" cy="4524840"/>
+            <a:ext cx="6215040" cy="4524480"/>
           </a:xfrm>
           <a:prstGeom prst="rect">
             <a:avLst/>
@@ -405,14 +405,14 @@
       </p:grpSpPr>
       <p:sp>
         <p:nvSpPr>
-          <p:cNvPr id="183" name="CustomShape 1"/>
+          <p:cNvPr id="184" name="CustomShape 1"/>
           <p:cNvSpPr/>
           <p:nvPr/>
         </p:nvSpPr>
         <p:spPr>
           <a:xfrm>
             <a:off x="777960" y="4776840"/>
-            <a:ext cx="6215400" cy="4524840"/>
+            <a:ext cx="6215040" cy="4524480"/>
           </a:xfrm>
           <a:prstGeom prst="rect">
             <a:avLst/>
@@ -447,14 +447,14 @@
       </p:grpSpPr>
       <p:sp>
         <p:nvSpPr>
-          <p:cNvPr id="184" name="CustomShape 1"/>
+          <p:cNvPr id="185" name="CustomShape 1"/>
           <p:cNvSpPr/>
           <p:nvPr/>
         </p:nvSpPr>
         <p:spPr>
           <a:xfrm>
             <a:off x="777960" y="4776840"/>
-            <a:ext cx="6215400" cy="4524840"/>
+            <a:ext cx="6215040" cy="4524480"/>
           </a:xfrm>
           <a:prstGeom prst="rect">
             <a:avLst/>
@@ -489,14 +489,14 @@
       </p:grpSpPr>
       <p:sp>
         <p:nvSpPr>
-          <p:cNvPr id="185" name="CustomShape 1"/>
+          <p:cNvPr id="186" name="CustomShape 1"/>
           <p:cNvSpPr/>
           <p:nvPr/>
         </p:nvSpPr>
         <p:spPr>
           <a:xfrm>
             <a:off x="777960" y="4776840"/>
-            <a:ext cx="6215400" cy="4524840"/>
+            <a:ext cx="6215040" cy="4524480"/>
           </a:xfrm>
           <a:prstGeom prst="rect">
             <a:avLst/>
@@ -531,14 +531,14 @@
       </p:grpSpPr>
       <p:sp>
         <p:nvSpPr>
-          <p:cNvPr id="186" name="CustomShape 1"/>
+          <p:cNvPr id="187" name="CustomShape 1"/>
           <p:cNvSpPr/>
           <p:nvPr/>
         </p:nvSpPr>
         <p:spPr>
           <a:xfrm>
             <a:off x="777960" y="4776840"/>
-            <a:ext cx="6215400" cy="4524840"/>
+            <a:ext cx="6215040" cy="4524480"/>
           </a:xfrm>
           <a:prstGeom prst="rect">
             <a:avLst/>
@@ -573,14 +573,14 @@
       </p:grpSpPr>
       <p:sp>
         <p:nvSpPr>
-          <p:cNvPr id="187" name="CustomShape 1"/>
+          <p:cNvPr id="188" name="CustomShape 1"/>
           <p:cNvSpPr/>
           <p:nvPr/>
         </p:nvSpPr>
         <p:spPr>
           <a:xfrm>
             <a:off x="777960" y="4776840"/>
-            <a:ext cx="6215400" cy="4524840"/>
+            <a:ext cx="6215040" cy="4524480"/>
           </a:xfrm>
           <a:prstGeom prst="rect">
             <a:avLst/>
@@ -615,14 +615,14 @@
       </p:grpSpPr>
       <p:sp>
         <p:nvSpPr>
-          <p:cNvPr id="172" name="CustomShape 1"/>
+          <p:cNvPr id="173" name="CustomShape 1"/>
           <p:cNvSpPr/>
           <p:nvPr/>
         </p:nvSpPr>
         <p:spPr>
           <a:xfrm>
             <a:off x="777960" y="4776840"/>
-            <a:ext cx="6215400" cy="4524840"/>
+            <a:ext cx="6215040" cy="4524480"/>
           </a:xfrm>
           <a:prstGeom prst="rect">
             <a:avLst/>
@@ -657,14 +657,14 @@
       </p:grpSpPr>
       <p:sp>
         <p:nvSpPr>
-          <p:cNvPr id="173" name="CustomShape 1"/>
+          <p:cNvPr id="174" name="CustomShape 1"/>
           <p:cNvSpPr/>
           <p:nvPr/>
         </p:nvSpPr>
         <p:spPr>
           <a:xfrm>
             <a:off x="777960" y="4776840"/>
-            <a:ext cx="6215400" cy="4524840"/>
+            <a:ext cx="6215040" cy="4524480"/>
           </a:xfrm>
           <a:prstGeom prst="rect">
             <a:avLst/>
@@ -699,14 +699,14 @@
       </p:grpSpPr>
       <p:sp>
         <p:nvSpPr>
-          <p:cNvPr id="174" name="CustomShape 1"/>
+          <p:cNvPr id="175" name="CustomShape 1"/>
           <p:cNvSpPr/>
           <p:nvPr/>
         </p:nvSpPr>
         <p:spPr>
           <a:xfrm>
             <a:off x="777960" y="4776840"/>
-            <a:ext cx="6215400" cy="4524840"/>
+            <a:ext cx="6215040" cy="4524480"/>
           </a:xfrm>
           <a:prstGeom prst="rect">
             <a:avLst/>
@@ -741,14 +741,14 @@
       </p:grpSpPr>
       <p:sp>
         <p:nvSpPr>
-          <p:cNvPr id="175" name="CustomShape 1"/>
+          <p:cNvPr id="176" name="CustomShape 1"/>
           <p:cNvSpPr/>
           <p:nvPr/>
         </p:nvSpPr>
         <p:spPr>
           <a:xfrm>
             <a:off x="777960" y="4776840"/>
-            <a:ext cx="6215400" cy="4524840"/>
+            <a:ext cx="6215040" cy="4524480"/>
           </a:xfrm>
           <a:prstGeom prst="rect">
             <a:avLst/>
@@ -783,14 +783,14 @@
       </p:grpSpPr>
       <p:sp>
         <p:nvSpPr>
-          <p:cNvPr id="176" name="CustomShape 1"/>
+          <p:cNvPr id="177" name="CustomShape 1"/>
           <p:cNvSpPr/>
           <p:nvPr/>
         </p:nvSpPr>
         <p:spPr>
           <a:xfrm>
             <a:off x="777960" y="4776840"/>
-            <a:ext cx="6215400" cy="4524840"/>
+            <a:ext cx="6215040" cy="4524480"/>
           </a:xfrm>
           <a:prstGeom prst="rect">
             <a:avLst/>
@@ -825,14 +825,14 @@
       </p:grpSpPr>
       <p:sp>
         <p:nvSpPr>
-          <p:cNvPr id="177" name="CustomShape 1"/>
+          <p:cNvPr id="178" name="CustomShape 1"/>
           <p:cNvSpPr/>
           <p:nvPr/>
         </p:nvSpPr>
         <p:spPr>
           <a:xfrm>
             <a:off x="777960" y="4776840"/>
-            <a:ext cx="6215400" cy="4524840"/>
+            <a:ext cx="6215040" cy="4524480"/>
           </a:xfrm>
           <a:prstGeom prst="rect">
             <a:avLst/>
@@ -867,14 +867,14 @@
       </p:grpSpPr>
       <p:sp>
         <p:nvSpPr>
-          <p:cNvPr id="178" name="CustomShape 1"/>
+          <p:cNvPr id="179" name="CustomShape 1"/>
           <p:cNvSpPr/>
           <p:nvPr/>
         </p:nvSpPr>
         <p:spPr>
           <a:xfrm>
             <a:off x="777960" y="4776840"/>
-            <a:ext cx="6215400" cy="4524840"/>
+            <a:ext cx="6215040" cy="4524480"/>
           </a:xfrm>
           <a:prstGeom prst="rect">
             <a:avLst/>
@@ -909,14 +909,14 @@
       </p:grpSpPr>
       <p:sp>
         <p:nvSpPr>
-          <p:cNvPr id="179" name="CustomShape 1"/>
+          <p:cNvPr id="180" name="CustomShape 1"/>
           <p:cNvSpPr/>
           <p:nvPr/>
         </p:nvSpPr>
         <p:spPr>
           <a:xfrm>
             <a:off x="777960" y="4776840"/>
-            <a:ext cx="6215400" cy="4524840"/>
+            <a:ext cx="6215040" cy="4524480"/>
           </a:xfrm>
           <a:prstGeom prst="rect">
             <a:avLst/>
@@ -983,8 +983,8 @@
         </p:nvSpPr>
         <p:spPr>
           <a:xfrm>
-            <a:off x="504000" y="301320"/>
-            <a:ext cx="9072000" cy="1262160"/>
+            <a:off x="504000" y="287640"/>
+            <a:ext cx="8100720" cy="1104480"/>
           </a:xfrm>
           <a:prstGeom prst="rect">
             <a:avLst/>
@@ -1010,8 +1010,8 @@
         </p:nvSpPr>
         <p:spPr>
           <a:xfrm>
-            <a:off x="504000" y="1768680"/>
-            <a:ext cx="9072000" cy="2090880"/>
+            <a:off x="504000" y="1823760"/>
+            <a:ext cx="9072720" cy="2090880"/>
           </a:xfrm>
           <a:prstGeom prst="rect">
             <a:avLst/>
@@ -1036,8 +1036,8 @@
         </p:nvSpPr>
         <p:spPr>
           <a:xfrm>
-            <a:off x="504000" y="4058640"/>
-            <a:ext cx="9072000" cy="2090880"/>
+            <a:off x="504000" y="4113720"/>
+            <a:ext cx="9072720" cy="2090880"/>
           </a:xfrm>
           <a:prstGeom prst="rect">
             <a:avLst/>
@@ -1084,8 +1084,8 @@
         </p:nvSpPr>
         <p:spPr>
           <a:xfrm>
-            <a:off x="504000" y="301320"/>
-            <a:ext cx="9072000" cy="1262160"/>
+            <a:off x="504000" y="287640"/>
+            <a:ext cx="8100720" cy="1104480"/>
           </a:xfrm>
           <a:prstGeom prst="rect">
             <a:avLst/>
@@ -1111,8 +1111,8 @@
         </p:nvSpPr>
         <p:spPr>
           <a:xfrm>
-            <a:off x="504000" y="1768680"/>
-            <a:ext cx="4426920" cy="2090880"/>
+            <a:off x="504000" y="1823760"/>
+            <a:ext cx="4427280" cy="2090880"/>
           </a:xfrm>
           <a:prstGeom prst="rect">
             <a:avLst/>
@@ -1137,8 +1137,8 @@
         </p:nvSpPr>
         <p:spPr>
           <a:xfrm>
-            <a:off x="5152680" y="1768680"/>
-            <a:ext cx="4426920" cy="2090880"/>
+            <a:off x="5153040" y="1823760"/>
+            <a:ext cx="4427280" cy="2090880"/>
           </a:xfrm>
           <a:prstGeom prst="rect">
             <a:avLst/>
@@ -1163,8 +1163,8 @@
         </p:nvSpPr>
         <p:spPr>
           <a:xfrm>
-            <a:off x="5152680" y="4058640"/>
-            <a:ext cx="4426920" cy="2090880"/>
+            <a:off x="5153040" y="4113720"/>
+            <a:ext cx="4427280" cy="2090880"/>
           </a:xfrm>
           <a:prstGeom prst="rect">
             <a:avLst/>
@@ -1189,8 +1189,8 @@
         </p:nvSpPr>
         <p:spPr>
           <a:xfrm>
-            <a:off x="504000" y="4058640"/>
-            <a:ext cx="4426920" cy="2090880"/>
+            <a:off x="504000" y="4113720"/>
+            <a:ext cx="4427280" cy="2090880"/>
           </a:xfrm>
           <a:prstGeom prst="rect">
             <a:avLst/>
@@ -1237,8 +1237,8 @@
         </p:nvSpPr>
         <p:spPr>
           <a:xfrm>
-            <a:off x="504000" y="301320"/>
-            <a:ext cx="9072000" cy="1262160"/>
+            <a:off x="504000" y="287640"/>
+            <a:ext cx="8100720" cy="1104480"/>
           </a:xfrm>
           <a:prstGeom prst="rect">
             <a:avLst/>
@@ -1264,8 +1264,8 @@
         </p:nvSpPr>
         <p:spPr>
           <a:xfrm>
-            <a:off x="504000" y="1768680"/>
-            <a:ext cx="9072000" cy="4384080"/>
+            <a:off x="504000" y="1823760"/>
+            <a:ext cx="9072720" cy="4384080"/>
           </a:xfrm>
           <a:prstGeom prst="rect">
             <a:avLst/>
@@ -1290,8 +1290,8 @@
         </p:nvSpPr>
         <p:spPr>
           <a:xfrm>
-            <a:off x="504000" y="1768680"/>
-            <a:ext cx="9072000" cy="4384080"/>
+            <a:off x="504000" y="1823760"/>
+            <a:ext cx="9072720" cy="4384080"/>
           </a:xfrm>
           <a:prstGeom prst="rect">
             <a:avLst/>
@@ -1318,7 +1318,7 @@
         </p:blipFill>
         <p:spPr>
           <a:xfrm>
-            <a:off x="2292480" y="1768680"/>
+            <a:off x="2292840" y="1823760"/>
             <a:ext cx="5494680" cy="4384080"/>
           </a:xfrm>
           <a:prstGeom prst="rect">
@@ -1343,7 +1343,7 @@
         </p:blipFill>
         <p:spPr>
           <a:xfrm>
-            <a:off x="2292480" y="1768680"/>
+            <a:off x="2292840" y="1823760"/>
             <a:ext cx="5494680" cy="4384080"/>
           </a:xfrm>
           <a:prstGeom prst="rect">
@@ -1410,8 +1410,8 @@
         </p:nvSpPr>
         <p:spPr>
           <a:xfrm>
-            <a:off x="504000" y="301320"/>
-            <a:ext cx="9072000" cy="1262160"/>
+            <a:off x="504000" y="287640"/>
+            <a:ext cx="8100720" cy="1104480"/>
           </a:xfrm>
           <a:prstGeom prst="rect">
             <a:avLst/>
@@ -1437,8 +1437,8 @@
         </p:nvSpPr>
         <p:spPr>
           <a:xfrm>
-            <a:off x="504000" y="1768680"/>
-            <a:ext cx="9072000" cy="4384440"/>
+            <a:off x="504000" y="1823760"/>
+            <a:ext cx="9072720" cy="4384440"/>
           </a:xfrm>
           <a:prstGeom prst="rect">
             <a:avLst/>
@@ -1486,8 +1486,8 @@
         </p:nvSpPr>
         <p:spPr>
           <a:xfrm>
-            <a:off x="504000" y="301320"/>
-            <a:ext cx="9072000" cy="1262160"/>
+            <a:off x="504000" y="287640"/>
+            <a:ext cx="8100720" cy="1104480"/>
           </a:xfrm>
           <a:prstGeom prst="rect">
             <a:avLst/>
@@ -1513,8 +1513,8 @@
         </p:nvSpPr>
         <p:spPr>
           <a:xfrm>
-            <a:off x="504000" y="1768680"/>
-            <a:ext cx="9072000" cy="4384080"/>
+            <a:off x="504000" y="1823760"/>
+            <a:ext cx="9072720" cy="4384080"/>
           </a:xfrm>
           <a:prstGeom prst="rect">
             <a:avLst/>
@@ -1561,8 +1561,8 @@
         </p:nvSpPr>
         <p:spPr>
           <a:xfrm>
-            <a:off x="504000" y="301320"/>
-            <a:ext cx="9072000" cy="1262160"/>
+            <a:off x="504000" y="287640"/>
+            <a:ext cx="8100720" cy="1104480"/>
           </a:xfrm>
           <a:prstGeom prst="rect">
             <a:avLst/>
@@ -1588,8 +1588,8 @@
         </p:nvSpPr>
         <p:spPr>
           <a:xfrm>
-            <a:off x="504000" y="1768680"/>
-            <a:ext cx="4426920" cy="4384080"/>
+            <a:off x="504000" y="1823760"/>
+            <a:ext cx="4427280" cy="4384080"/>
           </a:xfrm>
           <a:prstGeom prst="rect">
             <a:avLst/>
@@ -1614,8 +1614,8 @@
         </p:nvSpPr>
         <p:spPr>
           <a:xfrm>
-            <a:off x="5152680" y="1768680"/>
-            <a:ext cx="4426920" cy="4384080"/>
+            <a:off x="5153040" y="1823760"/>
+            <a:ext cx="4427280" cy="4384080"/>
           </a:xfrm>
           <a:prstGeom prst="rect">
             <a:avLst/>
@@ -1662,8 +1662,8 @@
         </p:nvSpPr>
         <p:spPr>
           <a:xfrm>
-            <a:off x="504000" y="301320"/>
-            <a:ext cx="9072000" cy="1262160"/>
+            <a:off x="504000" y="287640"/>
+            <a:ext cx="8100720" cy="1104480"/>
           </a:xfrm>
           <a:prstGeom prst="rect">
             <a:avLst/>
@@ -1711,8 +1711,8 @@
         </p:nvSpPr>
         <p:spPr>
           <a:xfrm>
-            <a:off x="504000" y="301320"/>
-            <a:ext cx="9072000" cy="5850720"/>
+            <a:off x="504000" y="287640"/>
+            <a:ext cx="8100720" cy="5119560"/>
           </a:xfrm>
           <a:prstGeom prst="rect">
             <a:avLst/>
@@ -1760,8 +1760,8 @@
         </p:nvSpPr>
         <p:spPr>
           <a:xfrm>
-            <a:off x="504000" y="301320"/>
-            <a:ext cx="9072000" cy="1262160"/>
+            <a:off x="504000" y="287640"/>
+            <a:ext cx="8100720" cy="1104480"/>
           </a:xfrm>
           <a:prstGeom prst="rect">
             <a:avLst/>
@@ -1787,8 +1787,8 @@
         </p:nvSpPr>
         <p:spPr>
           <a:xfrm>
-            <a:off x="504000" y="1768680"/>
-            <a:ext cx="4426920" cy="2090880"/>
+            <a:off x="504000" y="1823760"/>
+            <a:ext cx="4427280" cy="2090880"/>
           </a:xfrm>
           <a:prstGeom prst="rect">
             <a:avLst/>
@@ -1813,8 +1813,8 @@
         </p:nvSpPr>
         <p:spPr>
           <a:xfrm>
-            <a:off x="504000" y="4058640"/>
-            <a:ext cx="4426920" cy="2090880"/>
+            <a:off x="504000" y="4113720"/>
+            <a:ext cx="4427280" cy="2090880"/>
           </a:xfrm>
           <a:prstGeom prst="rect">
             <a:avLst/>
@@ -1839,8 +1839,8 @@
         </p:nvSpPr>
         <p:spPr>
           <a:xfrm>
-            <a:off x="5152680" y="1768680"/>
-            <a:ext cx="4426920" cy="4384080"/>
+            <a:off x="5153040" y="1823760"/>
+            <a:ext cx="4427280" cy="4384080"/>
           </a:xfrm>
           <a:prstGeom prst="rect">
             <a:avLst/>
@@ -1887,8 +1887,8 @@
         </p:nvSpPr>
         <p:spPr>
           <a:xfrm>
-            <a:off x="504000" y="301320"/>
-            <a:ext cx="9072000" cy="1262160"/>
+            <a:off x="504000" y="287640"/>
+            <a:ext cx="8100720" cy="1104480"/>
           </a:xfrm>
           <a:prstGeom prst="rect">
             <a:avLst/>
@@ -1914,8 +1914,8 @@
         </p:nvSpPr>
         <p:spPr>
           <a:xfrm>
-            <a:off x="504000" y="1768680"/>
-            <a:ext cx="9072000" cy="4384440"/>
+            <a:off x="504000" y="1823760"/>
+            <a:ext cx="9072720" cy="4384440"/>
           </a:xfrm>
           <a:prstGeom prst="rect">
             <a:avLst/>
@@ -1963,8 +1963,8 @@
         </p:nvSpPr>
         <p:spPr>
           <a:xfrm>
-            <a:off x="504000" y="301320"/>
-            <a:ext cx="9072000" cy="1262160"/>
+            <a:off x="504000" y="287640"/>
+            <a:ext cx="8100720" cy="1104480"/>
           </a:xfrm>
           <a:prstGeom prst="rect">
             <a:avLst/>
@@ -1990,8 +1990,8 @@
         </p:nvSpPr>
         <p:spPr>
           <a:xfrm>
-            <a:off x="504000" y="1768680"/>
-            <a:ext cx="4426920" cy="4384080"/>
+            <a:off x="504000" y="1823760"/>
+            <a:ext cx="4427280" cy="4384080"/>
           </a:xfrm>
           <a:prstGeom prst="rect">
             <a:avLst/>
@@ -2016,8 +2016,8 @@
         </p:nvSpPr>
         <p:spPr>
           <a:xfrm>
-            <a:off x="5152680" y="1768680"/>
-            <a:ext cx="4426920" cy="2090880"/>
+            <a:off x="5153040" y="1823760"/>
+            <a:ext cx="4427280" cy="2090880"/>
           </a:xfrm>
           <a:prstGeom prst="rect">
             <a:avLst/>
@@ -2042,8 +2042,8 @@
         </p:nvSpPr>
         <p:spPr>
           <a:xfrm>
-            <a:off x="5152680" y="4058640"/>
-            <a:ext cx="4426920" cy="2090880"/>
+            <a:off x="5153040" y="4113720"/>
+            <a:ext cx="4427280" cy="2090880"/>
           </a:xfrm>
           <a:prstGeom prst="rect">
             <a:avLst/>
@@ -2090,8 +2090,8 @@
         </p:nvSpPr>
         <p:spPr>
           <a:xfrm>
-            <a:off x="504000" y="301320"/>
-            <a:ext cx="9072000" cy="1262160"/>
+            <a:off x="504000" y="287640"/>
+            <a:ext cx="8100720" cy="1104480"/>
           </a:xfrm>
           <a:prstGeom prst="rect">
             <a:avLst/>
@@ -2117,8 +2117,8 @@
         </p:nvSpPr>
         <p:spPr>
           <a:xfrm>
-            <a:off x="504000" y="1768680"/>
-            <a:ext cx="4426920" cy="2090880"/>
+            <a:off x="504000" y="1823760"/>
+            <a:ext cx="4427280" cy="2090880"/>
           </a:xfrm>
           <a:prstGeom prst="rect">
             <a:avLst/>
@@ -2143,8 +2143,8 @@
         </p:nvSpPr>
         <p:spPr>
           <a:xfrm>
-            <a:off x="5152680" y="1768680"/>
-            <a:ext cx="4426920" cy="2090880"/>
+            <a:off x="5153040" y="1823760"/>
+            <a:ext cx="4427280" cy="2090880"/>
           </a:xfrm>
           <a:prstGeom prst="rect">
             <a:avLst/>
@@ -2169,8 +2169,8 @@
         </p:nvSpPr>
         <p:spPr>
           <a:xfrm>
-            <a:off x="504000" y="4058640"/>
-            <a:ext cx="9072000" cy="2090880"/>
+            <a:off x="504000" y="4113720"/>
+            <a:ext cx="9072720" cy="2090880"/>
           </a:xfrm>
           <a:prstGeom prst="rect">
             <a:avLst/>
@@ -2217,8 +2217,8 @@
         </p:nvSpPr>
         <p:spPr>
           <a:xfrm>
-            <a:off x="504000" y="301320"/>
-            <a:ext cx="9072000" cy="1262160"/>
+            <a:off x="504000" y="287640"/>
+            <a:ext cx="8100720" cy="1104480"/>
           </a:xfrm>
           <a:prstGeom prst="rect">
             <a:avLst/>
@@ -2244,8 +2244,8 @@
         </p:nvSpPr>
         <p:spPr>
           <a:xfrm>
-            <a:off x="504000" y="1768680"/>
-            <a:ext cx="9072000" cy="2090880"/>
+            <a:off x="504000" y="1823760"/>
+            <a:ext cx="9072720" cy="2090880"/>
           </a:xfrm>
           <a:prstGeom prst="rect">
             <a:avLst/>
@@ -2270,8 +2270,8 @@
         </p:nvSpPr>
         <p:spPr>
           <a:xfrm>
-            <a:off x="504000" y="4058640"/>
-            <a:ext cx="9072000" cy="2090880"/>
+            <a:off x="504000" y="4113720"/>
+            <a:ext cx="9072720" cy="2090880"/>
           </a:xfrm>
           <a:prstGeom prst="rect">
             <a:avLst/>
@@ -2318,8 +2318,8 @@
         </p:nvSpPr>
         <p:spPr>
           <a:xfrm>
-            <a:off x="504000" y="301320"/>
-            <a:ext cx="9072000" cy="1262160"/>
+            <a:off x="504000" y="287640"/>
+            <a:ext cx="8100720" cy="1104480"/>
           </a:xfrm>
           <a:prstGeom prst="rect">
             <a:avLst/>
@@ -2345,8 +2345,8 @@
         </p:nvSpPr>
         <p:spPr>
           <a:xfrm>
-            <a:off x="504000" y="1768680"/>
-            <a:ext cx="4426920" cy="2090880"/>
+            <a:off x="504000" y="1823760"/>
+            <a:ext cx="4427280" cy="2090880"/>
           </a:xfrm>
           <a:prstGeom prst="rect">
             <a:avLst/>
@@ -2371,8 +2371,8 @@
         </p:nvSpPr>
         <p:spPr>
           <a:xfrm>
-            <a:off x="5152680" y="1768680"/>
-            <a:ext cx="4426920" cy="2090880"/>
+            <a:off x="5153040" y="1823760"/>
+            <a:ext cx="4427280" cy="2090880"/>
           </a:xfrm>
           <a:prstGeom prst="rect">
             <a:avLst/>
@@ -2397,8 +2397,8 @@
         </p:nvSpPr>
         <p:spPr>
           <a:xfrm>
-            <a:off x="5152680" y="4058640"/>
-            <a:ext cx="4426920" cy="2090880"/>
+            <a:off x="5153040" y="4113720"/>
+            <a:ext cx="4427280" cy="2090880"/>
           </a:xfrm>
           <a:prstGeom prst="rect">
             <a:avLst/>
@@ -2423,8 +2423,8 @@
         </p:nvSpPr>
         <p:spPr>
           <a:xfrm>
-            <a:off x="504000" y="4058640"/>
-            <a:ext cx="4426920" cy="2090880"/>
+            <a:off x="504000" y="4113720"/>
+            <a:ext cx="4427280" cy="2090880"/>
           </a:xfrm>
           <a:prstGeom prst="rect">
             <a:avLst/>
@@ -2471,8 +2471,8 @@
         </p:nvSpPr>
         <p:spPr>
           <a:xfrm>
-            <a:off x="504000" y="301320"/>
-            <a:ext cx="9072000" cy="1262160"/>
+            <a:off x="504000" y="287640"/>
+            <a:ext cx="8100720" cy="1104480"/>
           </a:xfrm>
           <a:prstGeom prst="rect">
             <a:avLst/>
@@ -2498,8 +2498,8 @@
         </p:nvSpPr>
         <p:spPr>
           <a:xfrm>
-            <a:off x="504000" y="1768680"/>
-            <a:ext cx="9072000" cy="4384080"/>
+            <a:off x="504000" y="1823760"/>
+            <a:ext cx="9072720" cy="4384080"/>
           </a:xfrm>
           <a:prstGeom prst="rect">
             <a:avLst/>
@@ -2524,8 +2524,8 @@
         </p:nvSpPr>
         <p:spPr>
           <a:xfrm>
-            <a:off x="504000" y="1768680"/>
-            <a:ext cx="9072000" cy="4384080"/>
+            <a:off x="504000" y="1823760"/>
+            <a:ext cx="9072720" cy="4384080"/>
           </a:xfrm>
           <a:prstGeom prst="rect">
             <a:avLst/>
@@ -2552,7 +2552,7 @@
         </p:blipFill>
         <p:spPr>
           <a:xfrm>
-            <a:off x="2292480" y="1768680"/>
+            <a:off x="2292840" y="1823760"/>
             <a:ext cx="5494680" cy="4384080"/>
           </a:xfrm>
           <a:prstGeom prst="rect">
@@ -2577,7 +2577,7 @@
         </p:blipFill>
         <p:spPr>
           <a:xfrm>
-            <a:off x="2292480" y="1768680"/>
+            <a:off x="2292840" y="1823760"/>
             <a:ext cx="5494680" cy="4384080"/>
           </a:xfrm>
           <a:prstGeom prst="rect">
@@ -2634,7 +2634,7 @@
       </p:grpSpPr>
       <p:sp>
         <p:nvSpPr>
-          <p:cNvPr id="77" name="PlaceHolder 1"/>
+          <p:cNvPr id="78" name="PlaceHolder 1"/>
           <p:cNvSpPr>
             <a:spLocks noGrp="1"/>
           </p:cNvSpPr>
@@ -2644,8 +2644,8 @@
         </p:nvSpPr>
         <p:spPr>
           <a:xfrm>
-            <a:off x="504000" y="301320"/>
-            <a:ext cx="9072000" cy="1262160"/>
+            <a:off x="504000" y="287640"/>
+            <a:ext cx="8100720" cy="1104480"/>
           </a:xfrm>
           <a:prstGeom prst="rect">
             <a:avLst/>
@@ -2661,7 +2661,7 @@
       </p:sp>
       <p:sp>
         <p:nvSpPr>
-          <p:cNvPr id="78" name="PlaceHolder 2"/>
+          <p:cNvPr id="79" name="PlaceHolder 2"/>
           <p:cNvSpPr>
             <a:spLocks noGrp="1"/>
           </p:cNvSpPr>
@@ -2671,8 +2671,8 @@
         </p:nvSpPr>
         <p:spPr>
           <a:xfrm>
-            <a:off x="504000" y="1768680"/>
-            <a:ext cx="9072000" cy="4384440"/>
+            <a:off x="504000" y="1823760"/>
+            <a:ext cx="9072720" cy="4384440"/>
           </a:xfrm>
           <a:prstGeom prst="rect">
             <a:avLst/>
@@ -2710,7 +2710,7 @@
       </p:grpSpPr>
       <p:sp>
         <p:nvSpPr>
-          <p:cNvPr id="79" name="PlaceHolder 1"/>
+          <p:cNvPr id="80" name="PlaceHolder 1"/>
           <p:cNvSpPr>
             <a:spLocks noGrp="1"/>
           </p:cNvSpPr>
@@ -2720,8 +2720,8 @@
         </p:nvSpPr>
         <p:spPr>
           <a:xfrm>
-            <a:off x="504000" y="301320"/>
-            <a:ext cx="9072000" cy="1262160"/>
+            <a:off x="504000" y="287640"/>
+            <a:ext cx="8100720" cy="1104480"/>
           </a:xfrm>
           <a:prstGeom prst="rect">
             <a:avLst/>
@@ -2737,7 +2737,7 @@
       </p:sp>
       <p:sp>
         <p:nvSpPr>
-          <p:cNvPr id="80" name="PlaceHolder 2"/>
+          <p:cNvPr id="81" name="PlaceHolder 2"/>
           <p:cNvSpPr>
             <a:spLocks noGrp="1"/>
           </p:cNvSpPr>
@@ -2747,8 +2747,8 @@
         </p:nvSpPr>
         <p:spPr>
           <a:xfrm>
-            <a:off x="504000" y="1768680"/>
-            <a:ext cx="9072000" cy="4384080"/>
+            <a:off x="504000" y="1823760"/>
+            <a:ext cx="9072720" cy="4384080"/>
           </a:xfrm>
           <a:prstGeom prst="rect">
             <a:avLst/>
@@ -2785,7 +2785,7 @@
       </p:grpSpPr>
       <p:sp>
         <p:nvSpPr>
-          <p:cNvPr id="81" name="PlaceHolder 1"/>
+          <p:cNvPr id="82" name="PlaceHolder 1"/>
           <p:cNvSpPr>
             <a:spLocks noGrp="1"/>
           </p:cNvSpPr>
@@ -2795,8 +2795,8 @@
         </p:nvSpPr>
         <p:spPr>
           <a:xfrm>
-            <a:off x="504000" y="301320"/>
-            <a:ext cx="9072000" cy="1262160"/>
+            <a:off x="504000" y="287640"/>
+            <a:ext cx="8100720" cy="1104480"/>
           </a:xfrm>
           <a:prstGeom prst="rect">
             <a:avLst/>
@@ -2812,7 +2812,7 @@
       </p:sp>
       <p:sp>
         <p:nvSpPr>
-          <p:cNvPr id="82" name="PlaceHolder 2"/>
+          <p:cNvPr id="83" name="PlaceHolder 2"/>
           <p:cNvSpPr>
             <a:spLocks noGrp="1"/>
           </p:cNvSpPr>
@@ -2822,8 +2822,8 @@
         </p:nvSpPr>
         <p:spPr>
           <a:xfrm>
-            <a:off x="504000" y="1768680"/>
-            <a:ext cx="4426920" cy="4384080"/>
+            <a:off x="504000" y="1823760"/>
+            <a:ext cx="4427280" cy="4384080"/>
           </a:xfrm>
           <a:prstGeom prst="rect">
             <a:avLst/>
@@ -2838,7 +2838,7 @@
       </p:sp>
       <p:sp>
         <p:nvSpPr>
-          <p:cNvPr id="83" name="PlaceHolder 3"/>
+          <p:cNvPr id="84" name="PlaceHolder 3"/>
           <p:cNvSpPr>
             <a:spLocks noGrp="1"/>
           </p:cNvSpPr>
@@ -2848,8 +2848,8 @@
         </p:nvSpPr>
         <p:spPr>
           <a:xfrm>
-            <a:off x="5152680" y="1768680"/>
-            <a:ext cx="4426920" cy="4384080"/>
+            <a:off x="5153040" y="1823760"/>
+            <a:ext cx="4427280" cy="4384080"/>
           </a:xfrm>
           <a:prstGeom prst="rect">
             <a:avLst/>
@@ -2886,7 +2886,7 @@
       </p:grpSpPr>
       <p:sp>
         <p:nvSpPr>
-          <p:cNvPr id="84" name="PlaceHolder 1"/>
+          <p:cNvPr id="85" name="PlaceHolder 1"/>
           <p:cNvSpPr>
             <a:spLocks noGrp="1"/>
           </p:cNvSpPr>
@@ -2896,8 +2896,8 @@
         </p:nvSpPr>
         <p:spPr>
           <a:xfrm>
-            <a:off x="504000" y="301320"/>
-            <a:ext cx="9072000" cy="1262160"/>
+            <a:off x="504000" y="287640"/>
+            <a:ext cx="8100720" cy="1104480"/>
           </a:xfrm>
           <a:prstGeom prst="rect">
             <a:avLst/>
@@ -2945,8 +2945,8 @@
         </p:nvSpPr>
         <p:spPr>
           <a:xfrm>
-            <a:off x="504000" y="301320"/>
-            <a:ext cx="9072000" cy="1262160"/>
+            <a:off x="504000" y="287640"/>
+            <a:ext cx="8100720" cy="1104480"/>
           </a:xfrm>
           <a:prstGeom prst="rect">
             <a:avLst/>
@@ -2972,8 +2972,8 @@
         </p:nvSpPr>
         <p:spPr>
           <a:xfrm>
-            <a:off x="504000" y="1768680"/>
-            <a:ext cx="9072000" cy="4384080"/>
+            <a:off x="504000" y="1823760"/>
+            <a:ext cx="9072720" cy="4384080"/>
           </a:xfrm>
           <a:prstGeom prst="rect">
             <a:avLst/>
@@ -3010,7 +3010,7 @@
       </p:grpSpPr>
       <p:sp>
         <p:nvSpPr>
-          <p:cNvPr id="85" name="PlaceHolder 1"/>
+          <p:cNvPr id="86" name="PlaceHolder 1"/>
           <p:cNvSpPr>
             <a:spLocks noGrp="1"/>
           </p:cNvSpPr>
@@ -3020,8 +3020,8 @@
         </p:nvSpPr>
         <p:spPr>
           <a:xfrm>
-            <a:off x="504000" y="301320"/>
-            <a:ext cx="9072000" cy="5850720"/>
+            <a:off x="504000" y="287640"/>
+            <a:ext cx="8100720" cy="5119560"/>
           </a:xfrm>
           <a:prstGeom prst="rect">
             <a:avLst/>
@@ -3059,7 +3059,7 @@
       </p:grpSpPr>
       <p:sp>
         <p:nvSpPr>
-          <p:cNvPr id="86" name="PlaceHolder 1"/>
+          <p:cNvPr id="87" name="PlaceHolder 1"/>
           <p:cNvSpPr>
             <a:spLocks noGrp="1"/>
           </p:cNvSpPr>
@@ -3069,8 +3069,8 @@
         </p:nvSpPr>
         <p:spPr>
           <a:xfrm>
-            <a:off x="504000" y="301320"/>
-            <a:ext cx="9072000" cy="1262160"/>
+            <a:off x="504000" y="287640"/>
+            <a:ext cx="8100720" cy="1104480"/>
           </a:xfrm>
           <a:prstGeom prst="rect">
             <a:avLst/>
@@ -3086,7 +3086,7 @@
       </p:sp>
       <p:sp>
         <p:nvSpPr>
-          <p:cNvPr id="87" name="PlaceHolder 2"/>
+          <p:cNvPr id="88" name="PlaceHolder 2"/>
           <p:cNvSpPr>
             <a:spLocks noGrp="1"/>
           </p:cNvSpPr>
@@ -3096,8 +3096,8 @@
         </p:nvSpPr>
         <p:spPr>
           <a:xfrm>
-            <a:off x="504000" y="1768680"/>
-            <a:ext cx="4426920" cy="2090880"/>
+            <a:off x="504000" y="1823760"/>
+            <a:ext cx="4427280" cy="2090880"/>
           </a:xfrm>
           <a:prstGeom prst="rect">
             <a:avLst/>
@@ -3112,7 +3112,7 @@
       </p:sp>
       <p:sp>
         <p:nvSpPr>
-          <p:cNvPr id="88" name="PlaceHolder 3"/>
+          <p:cNvPr id="89" name="PlaceHolder 3"/>
           <p:cNvSpPr>
             <a:spLocks noGrp="1"/>
           </p:cNvSpPr>
@@ -3122,8 +3122,8 @@
         </p:nvSpPr>
         <p:spPr>
           <a:xfrm>
-            <a:off x="504000" y="4058640"/>
-            <a:ext cx="4426920" cy="2090880"/>
+            <a:off x="504000" y="4113720"/>
+            <a:ext cx="4427280" cy="2090880"/>
           </a:xfrm>
           <a:prstGeom prst="rect">
             <a:avLst/>
@@ -3138,7 +3138,7 @@
       </p:sp>
       <p:sp>
         <p:nvSpPr>
-          <p:cNvPr id="89" name="PlaceHolder 4"/>
+          <p:cNvPr id="90" name="PlaceHolder 4"/>
           <p:cNvSpPr>
             <a:spLocks noGrp="1"/>
           </p:cNvSpPr>
@@ -3148,8 +3148,8 @@
         </p:nvSpPr>
         <p:spPr>
           <a:xfrm>
-            <a:off x="5152680" y="1768680"/>
-            <a:ext cx="4426920" cy="4384080"/>
+            <a:off x="5153040" y="1823760"/>
+            <a:ext cx="4427280" cy="4384080"/>
           </a:xfrm>
           <a:prstGeom prst="rect">
             <a:avLst/>
@@ -3186,7 +3186,7 @@
       </p:grpSpPr>
       <p:sp>
         <p:nvSpPr>
-          <p:cNvPr id="90" name="PlaceHolder 1"/>
+          <p:cNvPr id="91" name="PlaceHolder 1"/>
           <p:cNvSpPr>
             <a:spLocks noGrp="1"/>
           </p:cNvSpPr>
@@ -3196,8 +3196,8 @@
         </p:nvSpPr>
         <p:spPr>
           <a:xfrm>
-            <a:off x="504000" y="301320"/>
-            <a:ext cx="9072000" cy="1262160"/>
+            <a:off x="504000" y="287640"/>
+            <a:ext cx="8100720" cy="1104480"/>
           </a:xfrm>
           <a:prstGeom prst="rect">
             <a:avLst/>
@@ -3213,7 +3213,7 @@
       </p:sp>
       <p:sp>
         <p:nvSpPr>
-          <p:cNvPr id="91" name="PlaceHolder 2"/>
+          <p:cNvPr id="92" name="PlaceHolder 2"/>
           <p:cNvSpPr>
             <a:spLocks noGrp="1"/>
           </p:cNvSpPr>
@@ -3223,8 +3223,8 @@
         </p:nvSpPr>
         <p:spPr>
           <a:xfrm>
-            <a:off x="504000" y="1768680"/>
-            <a:ext cx="4426920" cy="4384080"/>
+            <a:off x="504000" y="1823760"/>
+            <a:ext cx="4427280" cy="4384080"/>
           </a:xfrm>
           <a:prstGeom prst="rect">
             <a:avLst/>
@@ -3239,7 +3239,7 @@
       </p:sp>
       <p:sp>
         <p:nvSpPr>
-          <p:cNvPr id="92" name="PlaceHolder 3"/>
+          <p:cNvPr id="93" name="PlaceHolder 3"/>
           <p:cNvSpPr>
             <a:spLocks noGrp="1"/>
           </p:cNvSpPr>
@@ -3249,8 +3249,8 @@
         </p:nvSpPr>
         <p:spPr>
           <a:xfrm>
-            <a:off x="5152680" y="1768680"/>
-            <a:ext cx="4426920" cy="2090880"/>
+            <a:off x="5153040" y="1823760"/>
+            <a:ext cx="4427280" cy="2090880"/>
           </a:xfrm>
           <a:prstGeom prst="rect">
             <a:avLst/>
@@ -3265,7 +3265,7 @@
       </p:sp>
       <p:sp>
         <p:nvSpPr>
-          <p:cNvPr id="93" name="PlaceHolder 4"/>
+          <p:cNvPr id="94" name="PlaceHolder 4"/>
           <p:cNvSpPr>
             <a:spLocks noGrp="1"/>
           </p:cNvSpPr>
@@ -3275,8 +3275,8 @@
         </p:nvSpPr>
         <p:spPr>
           <a:xfrm>
-            <a:off x="5152680" y="4058640"/>
-            <a:ext cx="4426920" cy="2090880"/>
+            <a:off x="5153040" y="4113720"/>
+            <a:ext cx="4427280" cy="2090880"/>
           </a:xfrm>
           <a:prstGeom prst="rect">
             <a:avLst/>
@@ -3313,7 +3313,7 @@
       </p:grpSpPr>
       <p:sp>
         <p:nvSpPr>
-          <p:cNvPr id="94" name="PlaceHolder 1"/>
+          <p:cNvPr id="95" name="PlaceHolder 1"/>
           <p:cNvSpPr>
             <a:spLocks noGrp="1"/>
           </p:cNvSpPr>
@@ -3323,8 +3323,8 @@
         </p:nvSpPr>
         <p:spPr>
           <a:xfrm>
-            <a:off x="504000" y="301320"/>
-            <a:ext cx="9072000" cy="1262160"/>
+            <a:off x="504000" y="287640"/>
+            <a:ext cx="8100720" cy="1104480"/>
           </a:xfrm>
           <a:prstGeom prst="rect">
             <a:avLst/>
@@ -3340,7 +3340,7 @@
       </p:sp>
       <p:sp>
         <p:nvSpPr>
-          <p:cNvPr id="95" name="PlaceHolder 2"/>
+          <p:cNvPr id="96" name="PlaceHolder 2"/>
           <p:cNvSpPr>
             <a:spLocks noGrp="1"/>
           </p:cNvSpPr>
@@ -3350,8 +3350,8 @@
         </p:nvSpPr>
         <p:spPr>
           <a:xfrm>
-            <a:off x="504000" y="1768680"/>
-            <a:ext cx="4426920" cy="2090880"/>
+            <a:off x="504000" y="1823760"/>
+            <a:ext cx="4427280" cy="2090880"/>
           </a:xfrm>
           <a:prstGeom prst="rect">
             <a:avLst/>
@@ -3366,7 +3366,7 @@
       </p:sp>
       <p:sp>
         <p:nvSpPr>
-          <p:cNvPr id="96" name="PlaceHolder 3"/>
+          <p:cNvPr id="97" name="PlaceHolder 3"/>
           <p:cNvSpPr>
             <a:spLocks noGrp="1"/>
           </p:cNvSpPr>
@@ -3376,8 +3376,8 @@
         </p:nvSpPr>
         <p:spPr>
           <a:xfrm>
-            <a:off x="5152680" y="1768680"/>
-            <a:ext cx="4426920" cy="2090880"/>
+            <a:off x="5153040" y="1823760"/>
+            <a:ext cx="4427280" cy="2090880"/>
           </a:xfrm>
           <a:prstGeom prst="rect">
             <a:avLst/>
@@ -3392,7 +3392,7 @@
       </p:sp>
       <p:sp>
         <p:nvSpPr>
-          <p:cNvPr id="97" name="PlaceHolder 4"/>
+          <p:cNvPr id="98" name="PlaceHolder 4"/>
           <p:cNvSpPr>
             <a:spLocks noGrp="1"/>
           </p:cNvSpPr>
@@ -3402,8 +3402,8 @@
         </p:nvSpPr>
         <p:spPr>
           <a:xfrm>
-            <a:off x="504000" y="4058640"/>
-            <a:ext cx="9072000" cy="2090880"/>
+            <a:off x="504000" y="4113720"/>
+            <a:ext cx="9072720" cy="2090880"/>
           </a:xfrm>
           <a:prstGeom prst="rect">
             <a:avLst/>
@@ -3440,7 +3440,7 @@
       </p:grpSpPr>
       <p:sp>
         <p:nvSpPr>
-          <p:cNvPr id="98" name="PlaceHolder 1"/>
+          <p:cNvPr id="99" name="PlaceHolder 1"/>
           <p:cNvSpPr>
             <a:spLocks noGrp="1"/>
           </p:cNvSpPr>
@@ -3450,8 +3450,8 @@
         </p:nvSpPr>
         <p:spPr>
           <a:xfrm>
-            <a:off x="504000" y="301320"/>
-            <a:ext cx="9072000" cy="1262160"/>
+            <a:off x="504000" y="287640"/>
+            <a:ext cx="8100720" cy="1104480"/>
           </a:xfrm>
           <a:prstGeom prst="rect">
             <a:avLst/>
@@ -3467,7 +3467,7 @@
       </p:sp>
       <p:sp>
         <p:nvSpPr>
-          <p:cNvPr id="99" name="PlaceHolder 2"/>
+          <p:cNvPr id="100" name="PlaceHolder 2"/>
           <p:cNvSpPr>
             <a:spLocks noGrp="1"/>
           </p:cNvSpPr>
@@ -3477,8 +3477,8 @@
         </p:nvSpPr>
         <p:spPr>
           <a:xfrm>
-            <a:off x="504000" y="1768680"/>
-            <a:ext cx="9072000" cy="2090880"/>
+            <a:off x="504000" y="1823760"/>
+            <a:ext cx="9072720" cy="2090880"/>
           </a:xfrm>
           <a:prstGeom prst="rect">
             <a:avLst/>
@@ -3493,7 +3493,7 @@
       </p:sp>
       <p:sp>
         <p:nvSpPr>
-          <p:cNvPr id="100" name="PlaceHolder 3"/>
+          <p:cNvPr id="101" name="PlaceHolder 3"/>
           <p:cNvSpPr>
             <a:spLocks noGrp="1"/>
           </p:cNvSpPr>
@@ -3503,8 +3503,8 @@
         </p:nvSpPr>
         <p:spPr>
           <a:xfrm>
-            <a:off x="504000" y="4058640"/>
-            <a:ext cx="9072000" cy="2090880"/>
+            <a:off x="504000" y="4113720"/>
+            <a:ext cx="9072720" cy="2090880"/>
           </a:xfrm>
           <a:prstGeom prst="rect">
             <a:avLst/>
@@ -3541,7 +3541,7 @@
       </p:grpSpPr>
       <p:sp>
         <p:nvSpPr>
-          <p:cNvPr id="101" name="PlaceHolder 1"/>
+          <p:cNvPr id="102" name="PlaceHolder 1"/>
           <p:cNvSpPr>
             <a:spLocks noGrp="1"/>
           </p:cNvSpPr>
@@ -3551,8 +3551,8 @@
         </p:nvSpPr>
         <p:spPr>
           <a:xfrm>
-            <a:off x="504000" y="301320"/>
-            <a:ext cx="9072000" cy="1262160"/>
+            <a:off x="504000" y="287640"/>
+            <a:ext cx="8100720" cy="1104480"/>
           </a:xfrm>
           <a:prstGeom prst="rect">
             <a:avLst/>
@@ -3568,7 +3568,7 @@
       </p:sp>
       <p:sp>
         <p:nvSpPr>
-          <p:cNvPr id="102" name="PlaceHolder 2"/>
+          <p:cNvPr id="103" name="PlaceHolder 2"/>
           <p:cNvSpPr>
             <a:spLocks noGrp="1"/>
           </p:cNvSpPr>
@@ -3578,8 +3578,8 @@
         </p:nvSpPr>
         <p:spPr>
           <a:xfrm>
-            <a:off x="504000" y="1768680"/>
-            <a:ext cx="4426920" cy="2090880"/>
+            <a:off x="504000" y="1823760"/>
+            <a:ext cx="4427280" cy="2090880"/>
           </a:xfrm>
           <a:prstGeom prst="rect">
             <a:avLst/>
@@ -3594,7 +3594,7 @@
       </p:sp>
       <p:sp>
         <p:nvSpPr>
-          <p:cNvPr id="103" name="PlaceHolder 3"/>
+          <p:cNvPr id="104" name="PlaceHolder 3"/>
           <p:cNvSpPr>
             <a:spLocks noGrp="1"/>
           </p:cNvSpPr>
@@ -3604,8 +3604,8 @@
         </p:nvSpPr>
         <p:spPr>
           <a:xfrm>
-            <a:off x="5152680" y="1768680"/>
-            <a:ext cx="4426920" cy="2090880"/>
+            <a:off x="5153040" y="1823760"/>
+            <a:ext cx="4427280" cy="2090880"/>
           </a:xfrm>
           <a:prstGeom prst="rect">
             <a:avLst/>
@@ -3620,7 +3620,7 @@
       </p:sp>
       <p:sp>
         <p:nvSpPr>
-          <p:cNvPr id="104" name="PlaceHolder 4"/>
+          <p:cNvPr id="105" name="PlaceHolder 4"/>
           <p:cNvSpPr>
             <a:spLocks noGrp="1"/>
           </p:cNvSpPr>
@@ -3630,8 +3630,8 @@
         </p:nvSpPr>
         <p:spPr>
           <a:xfrm>
-            <a:off x="5152680" y="4058640"/>
-            <a:ext cx="4426920" cy="2090880"/>
+            <a:off x="5153040" y="4113720"/>
+            <a:ext cx="4427280" cy="2090880"/>
           </a:xfrm>
           <a:prstGeom prst="rect">
             <a:avLst/>
@@ -3646,7 +3646,7 @@
       </p:sp>
       <p:sp>
         <p:nvSpPr>
-          <p:cNvPr id="105" name="PlaceHolder 5"/>
+          <p:cNvPr id="106" name="PlaceHolder 5"/>
           <p:cNvSpPr>
             <a:spLocks noGrp="1"/>
           </p:cNvSpPr>
@@ -3656,8 +3656,8 @@
         </p:nvSpPr>
         <p:spPr>
           <a:xfrm>
-            <a:off x="504000" y="4058640"/>
-            <a:ext cx="4426920" cy="2090880"/>
+            <a:off x="504000" y="4113720"/>
+            <a:ext cx="4427280" cy="2090880"/>
           </a:xfrm>
           <a:prstGeom prst="rect">
             <a:avLst/>
@@ -3694,7 +3694,7 @@
       </p:grpSpPr>
       <p:sp>
         <p:nvSpPr>
-          <p:cNvPr id="106" name="PlaceHolder 1"/>
+          <p:cNvPr id="107" name="PlaceHolder 1"/>
           <p:cNvSpPr>
             <a:spLocks noGrp="1"/>
           </p:cNvSpPr>
@@ -3704,8 +3704,8 @@
         </p:nvSpPr>
         <p:spPr>
           <a:xfrm>
-            <a:off x="504000" y="301320"/>
-            <a:ext cx="9072000" cy="1262160"/>
+            <a:off x="504000" y="287640"/>
+            <a:ext cx="8100720" cy="1104480"/>
           </a:xfrm>
           <a:prstGeom prst="rect">
             <a:avLst/>
@@ -3721,7 +3721,7 @@
       </p:sp>
       <p:sp>
         <p:nvSpPr>
-          <p:cNvPr id="107" name="PlaceHolder 2"/>
+          <p:cNvPr id="108" name="PlaceHolder 2"/>
           <p:cNvSpPr>
             <a:spLocks noGrp="1"/>
           </p:cNvSpPr>
@@ -3731,8 +3731,8 @@
         </p:nvSpPr>
         <p:spPr>
           <a:xfrm>
-            <a:off x="504000" y="1768680"/>
-            <a:ext cx="9072000" cy="4384080"/>
+            <a:off x="504000" y="1823760"/>
+            <a:ext cx="9072720" cy="4384080"/>
           </a:xfrm>
           <a:prstGeom prst="rect">
             <a:avLst/>
@@ -3747,7 +3747,7 @@
       </p:sp>
       <p:sp>
         <p:nvSpPr>
-          <p:cNvPr id="108" name="PlaceHolder 3"/>
+          <p:cNvPr id="109" name="PlaceHolder 3"/>
           <p:cNvSpPr>
             <a:spLocks noGrp="1"/>
           </p:cNvSpPr>
@@ -3757,8 +3757,8 @@
         </p:nvSpPr>
         <p:spPr>
           <a:xfrm>
-            <a:off x="504000" y="1768680"/>
-            <a:ext cx="9072000" cy="4384080"/>
+            <a:off x="504000" y="1823760"/>
+            <a:ext cx="9072720" cy="4384080"/>
           </a:xfrm>
           <a:prstGeom prst="rect">
             <a:avLst/>
@@ -3773,7 +3773,7 @@
       </p:sp>
       <p:pic>
         <p:nvPicPr>
-          <p:cNvPr id="109" name="" descr=""/>
+          <p:cNvPr id="110" name="" descr=""/>
           <p:cNvPicPr/>
           <p:nvPr/>
         </p:nvPicPr>
@@ -3785,7 +3785,7 @@
         </p:blipFill>
         <p:spPr>
           <a:xfrm>
-            <a:off x="2292480" y="1768680"/>
+            <a:off x="2292840" y="1823760"/>
             <a:ext cx="5494680" cy="4384080"/>
           </a:xfrm>
           <a:prstGeom prst="rect">
@@ -3798,7 +3798,7 @@
       </p:pic>
       <p:pic>
         <p:nvPicPr>
-          <p:cNvPr id="110" name="" descr=""/>
+          <p:cNvPr id="111" name="" descr=""/>
           <p:cNvPicPr/>
           <p:nvPr/>
         </p:nvPicPr>
@@ -3810,7 +3810,7 @@
         </p:blipFill>
         <p:spPr>
           <a:xfrm>
-            <a:off x="2292480" y="1768680"/>
+            <a:off x="2292840" y="1823760"/>
             <a:ext cx="5494680" cy="4384080"/>
           </a:xfrm>
           <a:prstGeom prst="rect">
@@ -3855,8 +3855,8 @@
         </p:nvSpPr>
         <p:spPr>
           <a:xfrm>
-            <a:off x="504000" y="301320"/>
-            <a:ext cx="9072000" cy="1262160"/>
+            <a:off x="504000" y="287640"/>
+            <a:ext cx="8100720" cy="1104480"/>
           </a:xfrm>
           <a:prstGeom prst="rect">
             <a:avLst/>
@@ -3882,8 +3882,8 @@
         </p:nvSpPr>
         <p:spPr>
           <a:xfrm>
-            <a:off x="504000" y="1768680"/>
-            <a:ext cx="4426920" cy="4384080"/>
+            <a:off x="504000" y="1823760"/>
+            <a:ext cx="4427280" cy="4384080"/>
           </a:xfrm>
           <a:prstGeom prst="rect">
             <a:avLst/>
@@ -3908,8 +3908,8 @@
         </p:nvSpPr>
         <p:spPr>
           <a:xfrm>
-            <a:off x="5152680" y="1768680"/>
-            <a:ext cx="4426920" cy="4384080"/>
+            <a:off x="5153040" y="1823760"/>
+            <a:ext cx="4427280" cy="4384080"/>
           </a:xfrm>
           <a:prstGeom prst="rect">
             <a:avLst/>
@@ -3956,8 +3956,8 @@
         </p:nvSpPr>
         <p:spPr>
           <a:xfrm>
-            <a:off x="504000" y="301320"/>
-            <a:ext cx="9072000" cy="1262160"/>
+            <a:off x="504000" y="287640"/>
+            <a:ext cx="8100720" cy="1104480"/>
           </a:xfrm>
           <a:prstGeom prst="rect">
             <a:avLst/>
@@ -4005,8 +4005,8 @@
         </p:nvSpPr>
         <p:spPr>
           <a:xfrm>
-            <a:off x="504000" y="301320"/>
-            <a:ext cx="9072000" cy="5850720"/>
+            <a:off x="504000" y="287640"/>
+            <a:ext cx="8100720" cy="5119560"/>
           </a:xfrm>
           <a:prstGeom prst="rect">
             <a:avLst/>
@@ -4054,8 +4054,8 @@
         </p:nvSpPr>
         <p:spPr>
           <a:xfrm>
-            <a:off x="504000" y="301320"/>
-            <a:ext cx="9072000" cy="1262160"/>
+            <a:off x="504000" y="287640"/>
+            <a:ext cx="8100720" cy="1104480"/>
           </a:xfrm>
           <a:prstGeom prst="rect">
             <a:avLst/>
@@ -4081,8 +4081,8 @@
         </p:nvSpPr>
         <p:spPr>
           <a:xfrm>
-            <a:off x="504000" y="1768680"/>
-            <a:ext cx="4426920" cy="2090880"/>
+            <a:off x="504000" y="1823760"/>
+            <a:ext cx="4427280" cy="2090880"/>
           </a:xfrm>
           <a:prstGeom prst="rect">
             <a:avLst/>
@@ -4107,8 +4107,8 @@
         </p:nvSpPr>
         <p:spPr>
           <a:xfrm>
-            <a:off x="504000" y="4058640"/>
-            <a:ext cx="4426920" cy="2090880"/>
+            <a:off x="504000" y="4113720"/>
+            <a:ext cx="4427280" cy="2090880"/>
           </a:xfrm>
           <a:prstGeom prst="rect">
             <a:avLst/>
@@ -4133,8 +4133,8 @@
         </p:nvSpPr>
         <p:spPr>
           <a:xfrm>
-            <a:off x="5152680" y="1768680"/>
-            <a:ext cx="4426920" cy="4384080"/>
+            <a:off x="5153040" y="1823760"/>
+            <a:ext cx="4427280" cy="4384080"/>
           </a:xfrm>
           <a:prstGeom prst="rect">
             <a:avLst/>
@@ -4181,8 +4181,8 @@
         </p:nvSpPr>
         <p:spPr>
           <a:xfrm>
-            <a:off x="504000" y="301320"/>
-            <a:ext cx="9072000" cy="1262160"/>
+            <a:off x="504000" y="287640"/>
+            <a:ext cx="8100720" cy="1104480"/>
           </a:xfrm>
           <a:prstGeom prst="rect">
             <a:avLst/>
@@ -4208,8 +4208,8 @@
         </p:nvSpPr>
         <p:spPr>
           <a:xfrm>
-            <a:off x="504000" y="1768680"/>
-            <a:ext cx="4426920" cy="4384080"/>
+            <a:off x="504000" y="1823760"/>
+            <a:ext cx="4427280" cy="4384080"/>
           </a:xfrm>
           <a:prstGeom prst="rect">
             <a:avLst/>
@@ -4234,8 +4234,8 @@
         </p:nvSpPr>
         <p:spPr>
           <a:xfrm>
-            <a:off x="5152680" y="1768680"/>
-            <a:ext cx="4426920" cy="2090880"/>
+            <a:off x="5153040" y="1823760"/>
+            <a:ext cx="4427280" cy="2090880"/>
           </a:xfrm>
           <a:prstGeom prst="rect">
             <a:avLst/>
@@ -4260,8 +4260,8 @@
         </p:nvSpPr>
         <p:spPr>
           <a:xfrm>
-            <a:off x="5152680" y="4058640"/>
-            <a:ext cx="4426920" cy="2090880"/>
+            <a:off x="5153040" y="4113720"/>
+            <a:ext cx="4427280" cy="2090880"/>
           </a:xfrm>
           <a:prstGeom prst="rect">
             <a:avLst/>
@@ -4308,8 +4308,8 @@
         </p:nvSpPr>
         <p:spPr>
           <a:xfrm>
-            <a:off x="504000" y="301320"/>
-            <a:ext cx="9072000" cy="1262160"/>
+            <a:off x="504000" y="287640"/>
+            <a:ext cx="8100720" cy="1104480"/>
           </a:xfrm>
           <a:prstGeom prst="rect">
             <a:avLst/>
@@ -4335,8 +4335,8 @@
         </p:nvSpPr>
         <p:spPr>
           <a:xfrm>
-            <a:off x="504000" y="1768680"/>
-            <a:ext cx="4426920" cy="2090880"/>
+            <a:off x="504000" y="1823760"/>
+            <a:ext cx="4427280" cy="2090880"/>
           </a:xfrm>
           <a:prstGeom prst="rect">
             <a:avLst/>
@@ -4361,8 +4361,8 @@
         </p:nvSpPr>
         <p:spPr>
           <a:xfrm>
-            <a:off x="5152680" y="1768680"/>
-            <a:ext cx="4426920" cy="2090880"/>
+            <a:off x="5153040" y="1823760"/>
+            <a:ext cx="4427280" cy="2090880"/>
           </a:xfrm>
           <a:prstGeom prst="rect">
             <a:avLst/>
@@ -4387,8 +4387,8 @@
         </p:nvSpPr>
         <p:spPr>
           <a:xfrm>
-            <a:off x="504000" y="4058640"/>
-            <a:ext cx="9072000" cy="2090880"/>
+            <a:off x="504000" y="4113720"/>
+            <a:ext cx="9072720" cy="2090880"/>
           </a:xfrm>
           <a:prstGeom prst="rect">
             <a:avLst/>
@@ -4811,16 +4811,6 @@
 <file path=ppt/slideMasters/slideMaster3.xml><?xml version="1.0" encoding="utf-8"?>
 <p:sldMaster xmlns:a="http://schemas.openxmlformats.org/drawingml/2006/main" xmlns:p="http://schemas.openxmlformats.org/presentationml/2006/main" xmlns:r="http://schemas.openxmlformats.org/officeDocument/2006/relationships">
   <p:cSld>
-    <p:bg>
-      <p:bgPr>
-        <a:blipFill>
-          <a:blip r:embed="rId2"/>
-          <a:stretch>
-            <a:fillRect/>
-          </a:stretch>
-        </a:blipFill>
-      </p:bgPr>
-    </p:bg>
     <p:spTree>
       <p:nvGrpSpPr>
         <p:cNvPr id="1" name=""/>
@@ -4835,9 +4825,34 @@
           <a:chExt cx="0" cy="0"/>
         </a:xfrm>
       </p:grpSpPr>
-      <p:sp>
-        <p:nvSpPr>
-          <p:cNvPr id="72" name="PlaceHolder 1"/>
+      <p:pic>
+        <p:nvPicPr>
+          <p:cNvPr id="72" name="" descr=""/>
+          <p:cNvPicPr/>
+          <p:nvPr/>
+        </p:nvPicPr>
+        <p:blipFill>
+          <a:blip r:embed="rId2"/>
+          <a:stretch>
+            <a:fillRect/>
+          </a:stretch>
+        </p:blipFill>
+        <p:spPr>
+          <a:xfrm>
+            <a:off x="0" y="0"/>
+            <a:ext cx="10080360" cy="7555320"/>
+          </a:xfrm>
+          <a:prstGeom prst="rect">
+            <a:avLst/>
+          </a:prstGeom>
+          <a:ln>
+            <a:noFill/>
+          </a:ln>
+        </p:spPr>
+      </p:pic>
+      <p:sp>
+        <p:nvSpPr>
+          <p:cNvPr id="73" name="PlaceHolder 1"/>
           <p:cNvSpPr>
             <a:spLocks noGrp="1"/>
           </p:cNvSpPr>
@@ -4847,8 +4862,8 @@
         </p:nvSpPr>
         <p:spPr>
           <a:xfrm>
-            <a:off x="504000" y="301320"/>
-            <a:ext cx="9071640" cy="1261800"/>
+            <a:off x="504000" y="287640"/>
+            <a:ext cx="8100720" cy="1104120"/>
           </a:xfrm>
           <a:prstGeom prst="rect">
             <a:avLst/>
@@ -4857,9 +4872,10 @@
         <p:txBody>
           <a:bodyPr lIns="0" rIns="0" tIns="0" bIns="0" anchor="ctr"/>
           <a:p>
-            <a:r>
-              <a:rPr lang="en-GB">
-                <a:latin typeface="Arial"/>
+            <a:pPr algn="ctr"/>
+            <a:r>
+              <a:rPr lang="en-GB" sz="5190">
+                <a:latin typeface="Times New Roman"/>
               </a:rPr>
               <a:t>Click to edit the title text format</a:t>
             </a:r>
@@ -4869,7 +4885,7 @@
       </p:sp>
       <p:sp>
         <p:nvSpPr>
-          <p:cNvPr id="73" name="PlaceHolder 2"/>
+          <p:cNvPr id="74" name="PlaceHolder 2"/>
           <p:cNvSpPr>
             <a:spLocks noGrp="1"/>
           </p:cNvSpPr>
@@ -4879,8 +4895,8 @@
         </p:nvSpPr>
         <p:spPr>
           <a:xfrm>
-            <a:off x="504000" y="1768680"/>
-            <a:ext cx="9071640" cy="4383720"/>
+            <a:off x="504000" y="1823760"/>
+            <a:ext cx="9072720" cy="4384080"/>
           </a:xfrm>
           <a:prstGeom prst="rect">
             <a:avLst/>
@@ -4895,8 +4911,8 @@
               <a:buChar char=""/>
             </a:pPr>
             <a:r>
-              <a:rPr lang="en-GB">
-                <a:latin typeface="Arial"/>
+              <a:rPr lang="en-GB" sz="4270">
+                <a:latin typeface="Times New Roman"/>
               </a:rPr>
               <a:t>Click to edit the outline text format</a:t>
             </a:r>
@@ -4909,8 +4925,8 @@
               <a:buChar char=""/>
             </a:pPr>
             <a:r>
-              <a:rPr lang="en-GB">
-                <a:latin typeface="Arial"/>
+              <a:rPr lang="en-GB" sz="3730">
+                <a:latin typeface="Times New Roman"/>
               </a:rPr>
               <a:t>Second Outline Level</a:t>
             </a:r>
@@ -4923,8 +4939,8 @@
               <a:buChar char=""/>
             </a:pPr>
             <a:r>
-              <a:rPr lang="en-GB">
-                <a:latin typeface="Arial"/>
+              <a:rPr lang="en-GB" sz="3200">
+                <a:latin typeface="Times New Roman"/>
               </a:rPr>
               <a:t>Third Outline Level</a:t>
             </a:r>
@@ -4937,8 +4953,8 @@
               <a:buChar char=""/>
             </a:pPr>
             <a:r>
-              <a:rPr lang="en-GB">
-                <a:latin typeface="Arial"/>
+              <a:rPr lang="en-GB" sz="2660">
+                <a:latin typeface="Times New Roman"/>
               </a:rPr>
               <a:t>Fourth Outline Level</a:t>
             </a:r>
@@ -4951,8 +4967,8 @@
               <a:buChar char=""/>
             </a:pPr>
             <a:r>
-              <a:rPr lang="en-GB">
-                <a:latin typeface="Arial"/>
+              <a:rPr lang="en-GB" sz="2660">
+                <a:latin typeface="Times New Roman"/>
               </a:rPr>
               <a:t>Fifth Outline Level</a:t>
             </a:r>
@@ -4965,8 +4981,8 @@
               <a:buChar char=""/>
             </a:pPr>
             <a:r>
-              <a:rPr lang="en-GB">
-                <a:latin typeface="Arial"/>
+              <a:rPr lang="en-GB" sz="2660">
+                <a:latin typeface="Times New Roman"/>
               </a:rPr>
               <a:t>Sixth Outline Level</a:t>
             </a:r>
@@ -4979,8 +4995,8 @@
               <a:buChar char=""/>
             </a:pPr>
             <a:r>
-              <a:rPr lang="en-GB">
-                <a:latin typeface="Arial"/>
+              <a:rPr lang="en-GB" sz="2660">
+                <a:latin typeface="Times New Roman"/>
               </a:rPr>
               <a:t>Seventh Outline Level</a:t>
             </a:r>
@@ -4990,18 +5006,18 @@
       </p:sp>
       <p:sp>
         <p:nvSpPr>
-          <p:cNvPr id="74" name="PlaceHolder 3"/>
-          <p:cNvSpPr>
-            <a:spLocks noGrp="1"/>
-          </p:cNvSpPr>
-          <p:nvPr>
-            <p:ph type="body"/>
-          </p:nvPr>
-        </p:nvSpPr>
-        <p:spPr>
-          <a:xfrm>
-            <a:off x="504000" y="1768680"/>
-            <a:ext cx="9071640" cy="4383720"/>
+          <p:cNvPr id="75" name="PlaceHolder 3"/>
+          <p:cNvSpPr>
+            <a:spLocks noGrp="1"/>
+          </p:cNvSpPr>
+          <p:nvPr>
+            <p:ph type="dt"/>
+          </p:nvPr>
+        </p:nvSpPr>
+        <p:spPr>
+          <a:xfrm>
+            <a:off x="504000" y="6886440"/>
+            <a:ext cx="2348280" cy="521280"/>
           </a:xfrm>
           <a:prstGeom prst="rect">
             <a:avLst/>
@@ -5010,171 +5026,98 @@
         <p:txBody>
           <a:bodyPr lIns="0" rIns="0" tIns="0" bIns="0"/>
           <a:p>
-            <a:pPr>
-              <a:buSzPct val="45000"/>
-              <a:buFont typeface="StarSymbol"/>
-              <a:buChar char=""/>
-            </a:pPr>
-            <a:r>
-              <a:rPr lang="en-GB">
-                <a:latin typeface="Arial"/>
-              </a:rPr>
-              <a:t>Click to edit the outline text format</a:t>
-            </a:r>
-            <a:endParaRPr/>
-          </a:p>
-          <a:p>
-            <a:pPr lvl="1">
-              <a:buSzPct val="75000"/>
-              <a:buFont typeface="StarSymbol"/>
-              <a:buChar char=""/>
-            </a:pPr>
-            <a:r>
-              <a:rPr lang="en-GB">
-                <a:latin typeface="Arial"/>
-              </a:rPr>
-              <a:t>Second Outline Level</a:t>
-            </a:r>
-            <a:endParaRPr/>
-          </a:p>
-          <a:p>
-            <a:pPr lvl="2">
-              <a:buSzPct val="45000"/>
-              <a:buFont typeface="StarSymbol"/>
-              <a:buChar char=""/>
-            </a:pPr>
-            <a:r>
-              <a:rPr lang="en-GB">
-                <a:latin typeface="Arial"/>
-              </a:rPr>
-              <a:t>Third Outline Level</a:t>
-            </a:r>
-            <a:endParaRPr/>
-          </a:p>
-          <a:p>
-            <a:pPr lvl="3">
-              <a:buSzPct val="75000"/>
-              <a:buFont typeface="StarSymbol"/>
-              <a:buChar char=""/>
-            </a:pPr>
-            <a:r>
-              <a:rPr lang="en-GB">
-                <a:latin typeface="Arial"/>
-              </a:rPr>
-              <a:t>Fourth Outline Level</a:t>
-            </a:r>
-            <a:endParaRPr/>
-          </a:p>
-          <a:p>
-            <a:pPr lvl="4">
-              <a:buSzPct val="45000"/>
-              <a:buFont typeface="StarSymbol"/>
-              <a:buChar char=""/>
-            </a:pPr>
-            <a:r>
-              <a:rPr lang="en-GB">
-                <a:latin typeface="Arial"/>
-              </a:rPr>
-              <a:t>Fifth Outline Level</a:t>
-            </a:r>
-            <a:endParaRPr/>
-          </a:p>
-          <a:p>
-            <a:pPr lvl="5">
-              <a:buSzPct val="45000"/>
-              <a:buFont typeface="StarSymbol"/>
-              <a:buChar char=""/>
-            </a:pPr>
-            <a:r>
-              <a:rPr lang="en-GB">
-                <a:latin typeface="Arial"/>
-              </a:rPr>
-              <a:t>Sixth Outline Level</a:t>
-            </a:r>
-            <a:endParaRPr/>
-          </a:p>
-          <a:p>
-            <a:pPr lvl="6">
-              <a:buSzPct val="45000"/>
-              <a:buFont typeface="StarSymbol"/>
-              <a:buChar char=""/>
-            </a:pPr>
-            <a:r>
-              <a:rPr lang="en-GB">
-                <a:latin typeface="Arial"/>
-              </a:rPr>
-              <a:t>Seventh Outline Level</a:t>
-            </a:r>
-            <a:endParaRPr/>
-          </a:p>
-        </p:txBody>
-      </p:sp>
-      <p:pic>
-        <p:nvPicPr>
-          <p:cNvPr id="75" name="" descr=""/>
-          <p:cNvPicPr/>
-          <p:nvPr/>
-        </p:nvPicPr>
-        <p:blipFill>
-          <a:blip r:embed="rId3"/>
-          <a:stretch>
-            <a:fillRect/>
-          </a:stretch>
-        </p:blipFill>
-        <p:spPr>
-          <a:xfrm>
-            <a:off x="2292480" y="1768680"/>
-            <a:ext cx="5494320" cy="4383720"/>
-          </a:xfrm>
-          <a:prstGeom prst="rect">
-            <a:avLst/>
-          </a:prstGeom>
-          <a:ln>
-            <a:noFill/>
-          </a:ln>
-        </p:spPr>
-      </p:pic>
-      <p:pic>
-        <p:nvPicPr>
-          <p:cNvPr id="76" name="" descr=""/>
-          <p:cNvPicPr/>
-          <p:nvPr/>
-        </p:nvPicPr>
-        <p:blipFill>
-          <a:blip r:embed="rId4"/>
-          <a:stretch>
-            <a:fillRect/>
-          </a:stretch>
-        </p:blipFill>
-        <p:spPr>
-          <a:xfrm>
-            <a:off x="2292480" y="1768680"/>
-            <a:ext cx="5494320" cy="4383720"/>
-          </a:xfrm>
-          <a:prstGeom prst="rect">
-            <a:avLst/>
-          </a:prstGeom>
-          <a:ln>
-            <a:noFill/>
-          </a:ln>
-        </p:spPr>
-      </p:pic>
+            <a:r>
+              <a:rPr lang="en-GB" sz="1400">
+                <a:latin typeface="Times New Roman"/>
+              </a:rPr>
+              <a:t>&lt;date/time&gt;</a:t>
+            </a:r>
+            <a:endParaRPr/>
+          </a:p>
+        </p:txBody>
+      </p:sp>
+      <p:sp>
+        <p:nvSpPr>
+          <p:cNvPr id="76" name="PlaceHolder 4"/>
+          <p:cNvSpPr>
+            <a:spLocks noGrp="1"/>
+          </p:cNvSpPr>
+          <p:nvPr>
+            <p:ph type="ftr"/>
+          </p:nvPr>
+        </p:nvSpPr>
+        <p:spPr>
+          <a:xfrm>
+            <a:off x="3447360" y="6886440"/>
+            <a:ext cx="3195360" cy="521280"/>
+          </a:xfrm>
+          <a:prstGeom prst="rect">
+            <a:avLst/>
+          </a:prstGeom>
+        </p:spPr>
+        <p:txBody>
+          <a:bodyPr lIns="0" rIns="0" tIns="0" bIns="0"/>
+          <a:p>
+            <a:pPr algn="ctr"/>
+            <a:r>
+              <a:rPr lang="en-GB" sz="1400">
+                <a:latin typeface="Times New Roman"/>
+              </a:rPr>
+              <a:t>&lt;footer&gt;</a:t>
+            </a:r>
+            <a:endParaRPr/>
+          </a:p>
+        </p:txBody>
+      </p:sp>
+      <p:sp>
+        <p:nvSpPr>
+          <p:cNvPr id="77" name="PlaceHolder 5"/>
+          <p:cNvSpPr>
+            <a:spLocks noGrp="1"/>
+          </p:cNvSpPr>
+          <p:nvPr>
+            <p:ph type="sldNum"/>
+          </p:nvPr>
+        </p:nvSpPr>
+        <p:spPr>
+          <a:xfrm>
+            <a:off x="7227720" y="6886440"/>
+            <a:ext cx="2348280" cy="521280"/>
+          </a:xfrm>
+          <a:prstGeom prst="rect">
+            <a:avLst/>
+          </a:prstGeom>
+        </p:spPr>
+        <p:txBody>
+          <a:bodyPr lIns="0" rIns="0" tIns="0" bIns="0"/>
+          <a:p>
+            <a:pPr algn="r"/>
+            <a:fld id="{D40F18DA-85E0-4F3B-A94D-8FB987D55B71}" type="slidenum">
+              <a:rPr lang="en-GB" sz="1400">
+                <a:latin typeface="Times New Roman"/>
+              </a:rPr>
+              <a:t>&lt;number&gt;</a:t>
+            </a:fld>
+            <a:endParaRPr/>
+          </a:p>
+        </p:txBody>
+      </p:sp>
     </p:spTree>
   </p:cSld>
   <p:clrMap bg1="lt1" bg2="lt2" tx1="dk1" tx2="dk2" accent1="accent1" accent2="accent2" accent3="accent3" accent4="accent4" accent5="accent5" accent6="accent6" hlink="hlink" folHlink="folHlink"/>
   <p:sldLayoutIdLst>
-    <p:sldLayoutId id="2147483675" r:id="rId5"/>
-    <p:sldLayoutId id="2147483676" r:id="rId6"/>
-    <p:sldLayoutId id="2147483677" r:id="rId7"/>
-    <p:sldLayoutId id="2147483678" r:id="rId8"/>
-    <p:sldLayoutId id="2147483679" r:id="rId9"/>
-    <p:sldLayoutId id="2147483680" r:id="rId10"/>
-    <p:sldLayoutId id="2147483681" r:id="rId11"/>
-    <p:sldLayoutId id="2147483682" r:id="rId12"/>
-    <p:sldLayoutId id="2147483683" r:id="rId13"/>
-    <p:sldLayoutId id="2147483684" r:id="rId14"/>
-    <p:sldLayoutId id="2147483685" r:id="rId15"/>
-    <p:sldLayoutId id="2147483686" r:id="rId16"/>
+    <p:sldLayoutId id="2147483675" r:id="rId3"/>
+    <p:sldLayoutId id="2147483676" r:id="rId4"/>
+    <p:sldLayoutId id="2147483677" r:id="rId5"/>
+    <p:sldLayoutId id="2147483678" r:id="rId6"/>
+    <p:sldLayoutId id="2147483679" r:id="rId7"/>
+    <p:sldLayoutId id="2147483680" r:id="rId8"/>
+    <p:sldLayoutId id="2147483681" r:id="rId9"/>
+    <p:sldLayoutId id="2147483682" r:id="rId10"/>
+    <p:sldLayoutId id="2147483683" r:id="rId11"/>
+    <p:sldLayoutId id="2147483684" r:id="rId12"/>
+    <p:sldLayoutId id="2147483685" r:id="rId13"/>
+    <p:sldLayoutId id="2147483686" r:id="rId14"/>
   </p:sldLayoutIdLst>
 </p:sldMaster>
 </file>
@@ -5182,16 +5125,6 @@
 <file path=ppt/slides/slide1.xml><?xml version="1.0" encoding="utf-8"?>
 <p:sld xmlns:a="http://schemas.openxmlformats.org/drawingml/2006/main" xmlns:p="http://schemas.openxmlformats.org/presentationml/2006/main" xmlns:r="http://schemas.openxmlformats.org/officeDocument/2006/relationships">
   <p:cSld>
-    <p:bg>
-      <p:bgPr>
-        <a:blipFill>
-          <a:blip r:embed="rId1"/>
-          <a:stretch>
-            <a:fillRect/>
-          </a:stretch>
-        </a:blipFill>
-      </p:bgPr>
-    </p:bg>
     <p:spTree>
       <p:nvGrpSpPr>
         <p:cNvPr id="1" name=""/>
@@ -5208,14 +5141,14 @@
       </p:grpSpPr>
       <p:sp>
         <p:nvSpPr>
-          <p:cNvPr id="116" name="CustomShape 1"/>
+          <p:cNvPr id="117" name="CustomShape 1"/>
           <p:cNvSpPr/>
           <p:nvPr/>
         </p:nvSpPr>
         <p:spPr>
           <a:xfrm>
             <a:off x="502920" y="345960"/>
-            <a:ext cx="9069840" cy="1262520"/>
+            <a:ext cx="9069480" cy="1262160"/>
           </a:xfrm>
           <a:prstGeom prst="rect">
             <a:avLst/>
@@ -5245,14 +5178,14 @@
       </p:sp>
       <p:sp>
         <p:nvSpPr>
-          <p:cNvPr id="117" name="CustomShape 2"/>
+          <p:cNvPr id="118" name="CustomShape 2"/>
           <p:cNvSpPr/>
           <p:nvPr/>
         </p:nvSpPr>
         <p:spPr>
           <a:xfrm>
             <a:off x="7343640" y="6191280"/>
-            <a:ext cx="2229480" cy="402120"/>
+            <a:ext cx="2229120" cy="401760"/>
           </a:xfrm>
           <a:prstGeom prst="rect">
             <a:avLst/>
@@ -5282,12 +5215,12 @@
       </p:sp>
       <p:pic>
         <p:nvPicPr>
-          <p:cNvPr id="118" name="" descr=""/>
+          <p:cNvPr id="119" name="" descr=""/>
           <p:cNvPicPr/>
           <p:nvPr/>
         </p:nvPicPr>
         <p:blipFill>
-          <a:blip r:embed="rId2"/>
+          <a:blip r:embed="rId1"/>
           <a:stretch>
             <a:fillRect/>
           </a:stretch>
@@ -5295,7 +5228,7 @@
         <p:spPr>
           <a:xfrm>
             <a:off x="-9360" y="1778040"/>
-            <a:ext cx="10077840" cy="4004280"/>
+            <a:ext cx="10077480" cy="4003920"/>
           </a:xfrm>
           <a:prstGeom prst="rect">
             <a:avLst/>
@@ -5340,16 +5273,6 @@
 <file path=ppt/slides/slide10.xml><?xml version="1.0" encoding="utf-8"?>
 <p:sld xmlns:a="http://schemas.openxmlformats.org/drawingml/2006/main" xmlns:p="http://schemas.openxmlformats.org/presentationml/2006/main" xmlns:r="http://schemas.openxmlformats.org/officeDocument/2006/relationships">
   <p:cSld>
-    <p:bg>
-      <p:bgPr>
-        <a:blipFill>
-          <a:blip r:embed="rId1"/>
-          <a:stretch>
-            <a:fillRect/>
-          </a:stretch>
-        </a:blipFill>
-      </p:bgPr>
-    </p:bg>
     <p:spTree>
       <p:nvGrpSpPr>
         <p:cNvPr id="1" name=""/>
@@ -5366,14 +5289,14 @@
       </p:grpSpPr>
       <p:sp>
         <p:nvSpPr>
-          <p:cNvPr id="147" name="CustomShape 1"/>
+          <p:cNvPr id="148" name="CustomShape 1"/>
           <p:cNvSpPr/>
           <p:nvPr/>
         </p:nvSpPr>
         <p:spPr>
           <a:xfrm>
             <a:off x="502920" y="301320"/>
-            <a:ext cx="9068400" cy="1259280"/>
+            <a:ext cx="9068040" cy="1258920"/>
           </a:xfrm>
           <a:prstGeom prst="rect">
             <a:avLst/>
@@ -5403,14 +5326,14 @@
       </p:sp>
       <p:sp>
         <p:nvSpPr>
-          <p:cNvPr id="148" name="CustomShape 2"/>
+          <p:cNvPr id="149" name="CustomShape 2"/>
           <p:cNvSpPr/>
           <p:nvPr/>
         </p:nvSpPr>
         <p:spPr>
           <a:xfrm>
             <a:off x="502920" y="2165400"/>
-            <a:ext cx="9068400" cy="4673880"/>
+            <a:ext cx="9068040" cy="4673520"/>
           </a:xfrm>
           <a:prstGeom prst="rect">
             <a:avLst/>
@@ -5423,30 +5346,80 @@
         <p:txBody>
           <a:bodyPr lIns="0" rIns="0" tIns="28080" bIns="0"/>
           <a:p>
-            <a:pPr>
-              <a:lnSpc>
-                <a:spcPct val="100000"/>
-              </a:lnSpc>
-            </a:pPr>
             <a:r>
               <a:rPr lang="en-GB" sz="2200">
                 <a:latin typeface="Arial"/>
               </a:rPr>
               <a:t>calculate noise covariance, forward and inverse solution</a:t>
             </a:r>
+            <a:endParaRPr/>
+          </a:p>
+          <a:p>
+            <a:pPr>
+              <a:lnSpc>
+                <a:spcPct val="100000"/>
+              </a:lnSpc>
+            </a:pPr>
             <a:r>
               <a:rPr lang="en-GB" sz="2200">
                 <a:latin typeface="Arial"/>
               </a:rPr>
-              <a:t>
-</a:t>
-            </a:r>
+              <a:t>python:</a:t>
+            </a:r>
+            <a:endParaRPr/>
+          </a:p>
+          <a:p>
+            <a:pPr>
+              <a:lnSpc>
+                <a:spcPct val="100000"/>
+              </a:lnSpc>
+            </a:pPr>
+            <a:endParaRPr/>
+          </a:p>
+          <a:p>
+            <a:pPr>
+              <a:lnSpc>
+                <a:spcPct val="100000"/>
+              </a:lnSpc>
+            </a:pPr>
+            <a:endParaRPr/>
+          </a:p>
+          <a:p>
+            <a:pPr>
+              <a:lnSpc>
+                <a:spcPct val="100000"/>
+              </a:lnSpc>
+            </a:pPr>
+            <a:endParaRPr/>
+          </a:p>
+          <a:p>
+            <a:pPr>
+              <a:lnSpc>
+                <a:spcPct val="100000"/>
+              </a:lnSpc>
+            </a:pPr>
             <a:r>
               <a:rPr lang="en-GB" sz="2200">
                 <a:latin typeface="Arial"/>
               </a:rPr>
-              <a:t>python:</a:t>
-            </a:r>
+              <a:t>Bash (terminal):</a:t>
+            </a:r>
+            <a:endParaRPr/>
+          </a:p>
+          <a:p>
+            <a:pPr>
+              <a:lnSpc>
+                <a:spcPct val="100000"/>
+              </a:lnSpc>
+            </a:pPr>
+            <a:endParaRPr/>
+          </a:p>
+          <a:p>
+            <a:pPr>
+              <a:lnSpc>
+                <a:spcPct val="100000"/>
+              </a:lnSpc>
+            </a:pPr>
             <a:endParaRPr/>
           </a:p>
           <a:p>
@@ -5483,48 +5456,8 @@
               <a:rPr lang="en-GB" sz="2200">
                 <a:latin typeface="Arial"/>
               </a:rPr>
-              <a:t>Bash (terminal):</a:t>
-            </a:r>
-            <a:endParaRPr/>
-          </a:p>
-          <a:p>
-            <a:pPr>
-              <a:lnSpc>
-                <a:spcPct val="100000"/>
-              </a:lnSpc>
-            </a:pPr>
-            <a:endParaRPr/>
-          </a:p>
-          <a:p>
-            <a:pPr>
-              <a:lnSpc>
-                <a:spcPct val="100000"/>
-              </a:lnSpc>
-            </a:pPr>
-            <a:endParaRPr/>
-          </a:p>
-          <a:p>
-            <a:pPr>
-              <a:lnSpc>
-                <a:spcPct val="100000"/>
-              </a:lnSpc>
-            </a:pPr>
-            <a:endParaRPr/>
-          </a:p>
-          <a:p>
-            <a:pPr>
-              <a:lnSpc>
-                <a:spcPct val="100000"/>
-              </a:lnSpc>
-            </a:pPr>
-            <a:endParaRPr/>
-          </a:p>
-          <a:p>
-            <a:pPr>
-              <a:lnSpc>
-                <a:spcPct val="100000"/>
-              </a:lnSpc>
-            </a:pPr>
+              <a:t>Whitening – unit independent. Allows eeg + meg model</a:t>
+            </a:r>
             <a:endParaRPr/>
           </a:p>
           <a:p>
@@ -5537,20 +5470,6 @@
               <a:rPr lang="en-GB" sz="2200">
                 <a:latin typeface="Arial"/>
               </a:rPr>
-              <a:t>Whitening – unit independent. Allows eeg + meg model</a:t>
-            </a:r>
-            <a:endParaRPr/>
-          </a:p>
-          <a:p>
-            <a:pPr>
-              <a:lnSpc>
-                <a:spcPct val="100000"/>
-              </a:lnSpc>
-            </a:pPr>
-            <a:r>
-              <a:rPr lang="en-GB" sz="2200">
-                <a:latin typeface="Arial"/>
-              </a:rPr>
               <a:t>Inverse solution is depends on noise cov only</a:t>
             </a:r>
             <a:endParaRPr/>
@@ -5559,14 +5478,14 @@
       </p:sp>
       <p:sp>
         <p:nvSpPr>
-          <p:cNvPr id="149" name="CustomShape 3"/>
+          <p:cNvPr id="150" name="CustomShape 3"/>
           <p:cNvSpPr/>
           <p:nvPr/>
         </p:nvSpPr>
         <p:spPr>
           <a:xfrm>
             <a:off x="503280" y="4320000"/>
-            <a:ext cx="8712720" cy="1296000"/>
+            <a:ext cx="8712360" cy="1295640"/>
           </a:xfrm>
           <a:prstGeom prst="rect">
             <a:avLst/>
@@ -5640,14 +5559,14 @@
       </p:sp>
       <p:sp>
         <p:nvSpPr>
-          <p:cNvPr id="150" name="CustomShape 4"/>
+          <p:cNvPr id="151" name="CustomShape 4"/>
           <p:cNvSpPr/>
           <p:nvPr/>
         </p:nvSpPr>
         <p:spPr>
           <a:xfrm>
             <a:off x="504360" y="2987640"/>
-            <a:ext cx="5399640" cy="576360"/>
+            <a:ext cx="5399280" cy="576000"/>
           </a:xfrm>
           <a:prstGeom prst="rect">
             <a:avLst/>
@@ -5726,16 +5645,6 @@
 <file path=ppt/slides/slide11.xml><?xml version="1.0" encoding="utf-8"?>
 <p:sld xmlns:a="http://schemas.openxmlformats.org/drawingml/2006/main" xmlns:p="http://schemas.openxmlformats.org/presentationml/2006/main" xmlns:r="http://schemas.openxmlformats.org/officeDocument/2006/relationships">
   <p:cSld>
-    <p:bg>
-      <p:bgPr>
-        <a:blipFill>
-          <a:blip r:embed="rId1"/>
-          <a:stretch>
-            <a:fillRect/>
-          </a:stretch>
-        </a:blipFill>
-      </p:bgPr>
-    </p:bg>
     <p:spTree>
       <p:nvGrpSpPr>
         <p:cNvPr id="1" name=""/>
@@ -5752,14 +5661,14 @@
       </p:grpSpPr>
       <p:sp>
         <p:nvSpPr>
-          <p:cNvPr id="151" name="CustomShape 1"/>
+          <p:cNvPr id="152" name="CustomShape 1"/>
           <p:cNvSpPr/>
           <p:nvPr/>
         </p:nvSpPr>
         <p:spPr>
           <a:xfrm>
             <a:off x="502920" y="301320"/>
-            <a:ext cx="9068400" cy="1259280"/>
+            <a:ext cx="9068040" cy="1258920"/>
           </a:xfrm>
           <a:prstGeom prst="rect">
             <a:avLst/>
@@ -5789,14 +5698,14 @@
       </p:sp>
       <p:sp>
         <p:nvSpPr>
-          <p:cNvPr id="152" name="CustomShape 2"/>
+          <p:cNvPr id="153" name="CustomShape 2"/>
           <p:cNvSpPr/>
           <p:nvPr/>
         </p:nvSpPr>
         <p:spPr>
           <a:xfrm>
             <a:off x="502920" y="2165400"/>
-            <a:ext cx="9068400" cy="4673880"/>
+            <a:ext cx="9068040" cy="4673520"/>
           </a:xfrm>
           <a:prstGeom prst="rect">
             <a:avLst/>
@@ -5842,14 +5751,14 @@
       </p:sp>
       <p:sp>
         <p:nvSpPr>
-          <p:cNvPr id="153" name="CustomShape 3"/>
+          <p:cNvPr id="154" name="CustomShape 3"/>
           <p:cNvSpPr/>
           <p:nvPr/>
         </p:nvSpPr>
         <p:spPr>
           <a:xfrm>
             <a:off x="432360" y="2627640"/>
-            <a:ext cx="6983640" cy="3708360"/>
+            <a:ext cx="6983280" cy="3708000"/>
           </a:xfrm>
           <a:prstGeom prst="rect">
             <a:avLst/>
@@ -6112,16 +6021,6 @@
 <file path=ppt/slides/slide12.xml><?xml version="1.0" encoding="utf-8"?>
 <p:sld xmlns:a="http://schemas.openxmlformats.org/drawingml/2006/main" xmlns:p="http://schemas.openxmlformats.org/presentationml/2006/main" xmlns:r="http://schemas.openxmlformats.org/officeDocument/2006/relationships">
   <p:cSld>
-    <p:bg>
-      <p:bgPr>
-        <a:blipFill>
-          <a:blip r:embed="rId1"/>
-          <a:stretch>
-            <a:fillRect/>
-          </a:stretch>
-        </a:blipFill>
-      </p:bgPr>
-    </p:bg>
     <p:spTree>
       <p:nvGrpSpPr>
         <p:cNvPr id="1" name=""/>
@@ -6138,14 +6037,14 @@
       </p:grpSpPr>
       <p:sp>
         <p:nvSpPr>
-          <p:cNvPr id="154" name="CustomShape 1"/>
+          <p:cNvPr id="155" name="CustomShape 1"/>
           <p:cNvSpPr/>
           <p:nvPr/>
         </p:nvSpPr>
         <p:spPr>
           <a:xfrm>
             <a:off x="502920" y="301320"/>
-            <a:ext cx="9068400" cy="1259280"/>
+            <a:ext cx="9068040" cy="1258920"/>
           </a:xfrm>
           <a:prstGeom prst="rect">
             <a:avLst/>
@@ -6175,14 +6074,14 @@
       </p:sp>
       <p:sp>
         <p:nvSpPr>
-          <p:cNvPr id="155" name="CustomShape 2"/>
+          <p:cNvPr id="156" name="CustomShape 2"/>
           <p:cNvSpPr/>
           <p:nvPr/>
         </p:nvSpPr>
         <p:spPr>
           <a:xfrm>
             <a:off x="502920" y="2165400"/>
-            <a:ext cx="9068400" cy="4673880"/>
+            <a:ext cx="9068040" cy="4673520"/>
           </a:xfrm>
           <a:prstGeom prst="rect">
             <a:avLst/>
@@ -6228,14 +6127,14 @@
       </p:sp>
       <p:sp>
         <p:nvSpPr>
-          <p:cNvPr id="156" name="CustomShape 3"/>
+          <p:cNvPr id="157" name="CustomShape 3"/>
           <p:cNvSpPr/>
           <p:nvPr/>
         </p:nvSpPr>
         <p:spPr>
           <a:xfrm>
             <a:off x="432360" y="2627640"/>
-            <a:ext cx="6983640" cy="2916360"/>
+            <a:ext cx="6983280" cy="2916000"/>
           </a:xfrm>
           <a:prstGeom prst="rect">
             <a:avLst/>
@@ -6426,16 +6325,6 @@
 <file path=ppt/slides/slide13.xml><?xml version="1.0" encoding="utf-8"?>
 <p:sld xmlns:a="http://schemas.openxmlformats.org/drawingml/2006/main" xmlns:p="http://schemas.openxmlformats.org/presentationml/2006/main" xmlns:r="http://schemas.openxmlformats.org/officeDocument/2006/relationships">
   <p:cSld>
-    <p:bg>
-      <p:bgPr>
-        <a:blipFill>
-          <a:blip r:embed="rId1"/>
-          <a:stretch>
-            <a:fillRect/>
-          </a:stretch>
-        </a:blipFill>
-      </p:bgPr>
-    </p:bg>
     <p:spTree>
       <p:nvGrpSpPr>
         <p:cNvPr id="1" name=""/>
@@ -6452,14 +6341,14 @@
       </p:grpSpPr>
       <p:sp>
         <p:nvSpPr>
-          <p:cNvPr id="157" name="CustomShape 1"/>
+          <p:cNvPr id="158" name="CustomShape 1"/>
           <p:cNvSpPr/>
           <p:nvPr/>
         </p:nvSpPr>
         <p:spPr>
           <a:xfrm>
             <a:off x="502920" y="301320"/>
-            <a:ext cx="9068400" cy="1259280"/>
+            <a:ext cx="9068040" cy="1258920"/>
           </a:xfrm>
           <a:prstGeom prst="rect">
             <a:avLst/>
@@ -6489,14 +6378,14 @@
       </p:sp>
       <p:sp>
         <p:nvSpPr>
-          <p:cNvPr id="158" name="CustomShape 2"/>
+          <p:cNvPr id="159" name="CustomShape 2"/>
           <p:cNvSpPr/>
           <p:nvPr/>
         </p:nvSpPr>
         <p:spPr>
           <a:xfrm>
             <a:off x="502920" y="2165400"/>
-            <a:ext cx="9068400" cy="4673880"/>
+            <a:ext cx="9068040" cy="4673520"/>
           </a:xfrm>
           <a:prstGeom prst="rect">
             <a:avLst/>
@@ -6542,14 +6431,14 @@
       </p:sp>
       <p:sp>
         <p:nvSpPr>
-          <p:cNvPr id="159" name="CustomShape 3"/>
+          <p:cNvPr id="160" name="CustomShape 3"/>
           <p:cNvSpPr/>
           <p:nvPr/>
         </p:nvSpPr>
         <p:spPr>
           <a:xfrm>
             <a:off x="432360" y="2627640"/>
-            <a:ext cx="6983640" cy="4068360"/>
+            <a:ext cx="6983280" cy="4068000"/>
           </a:xfrm>
           <a:prstGeom prst="rect">
             <a:avLst/>
@@ -7042,16 +6931,6 @@
 <file path=ppt/slides/slide14.xml><?xml version="1.0" encoding="utf-8"?>
 <p:sld xmlns:a="http://schemas.openxmlformats.org/drawingml/2006/main" xmlns:p="http://schemas.openxmlformats.org/presentationml/2006/main" xmlns:r="http://schemas.openxmlformats.org/officeDocument/2006/relationships">
   <p:cSld>
-    <p:bg>
-      <p:bgPr>
-        <a:blipFill>
-          <a:blip r:embed="rId1"/>
-          <a:stretch>
-            <a:fillRect/>
-          </a:stretch>
-        </a:blipFill>
-      </p:bgPr>
-    </p:bg>
     <p:spTree>
       <p:nvGrpSpPr>
         <p:cNvPr id="1" name=""/>
@@ -7068,14 +6947,14 @@
       </p:grpSpPr>
       <p:sp>
         <p:nvSpPr>
-          <p:cNvPr id="160" name="CustomShape 1"/>
+          <p:cNvPr id="161" name="CustomShape 1"/>
           <p:cNvSpPr/>
           <p:nvPr/>
         </p:nvSpPr>
         <p:spPr>
           <a:xfrm>
             <a:off x="502920" y="301320"/>
-            <a:ext cx="9068400" cy="1259280"/>
+            <a:ext cx="9068040" cy="1258920"/>
           </a:xfrm>
           <a:prstGeom prst="rect">
             <a:avLst/>
@@ -7105,14 +6984,14 @@
       </p:sp>
       <p:sp>
         <p:nvSpPr>
-          <p:cNvPr id="161" name="CustomShape 2"/>
+          <p:cNvPr id="162" name="CustomShape 2"/>
           <p:cNvSpPr/>
           <p:nvPr/>
         </p:nvSpPr>
         <p:spPr>
           <a:xfrm>
             <a:off x="502920" y="2165400"/>
-            <a:ext cx="9068400" cy="4673880"/>
+            <a:ext cx="9068040" cy="4673520"/>
           </a:xfrm>
           <a:prstGeom prst="rect">
             <a:avLst/>
@@ -7158,12 +7037,12 @@
       </p:sp>
       <p:pic>
         <p:nvPicPr>
-          <p:cNvPr id="162" name="" descr=""/>
+          <p:cNvPr id="163" name="" descr=""/>
           <p:cNvPicPr/>
           <p:nvPr/>
         </p:nvPicPr>
         <p:blipFill>
-          <a:blip r:embed="rId2"/>
+          <a:blip r:embed="rId1"/>
           <a:stretch>
             <a:fillRect/>
           </a:stretch>
@@ -7171,7 +7050,7 @@
         <p:spPr>
           <a:xfrm>
             <a:off x="2346840" y="2664000"/>
-            <a:ext cx="4421160" cy="4067640"/>
+            <a:ext cx="4420800" cy="4067280"/>
           </a:xfrm>
           <a:prstGeom prst="rect">
             <a:avLst/>
@@ -7216,16 +7095,6 @@
 <file path=ppt/slides/slide15.xml><?xml version="1.0" encoding="utf-8"?>
 <p:sld xmlns:a="http://schemas.openxmlformats.org/drawingml/2006/main" xmlns:p="http://schemas.openxmlformats.org/presentationml/2006/main" xmlns:r="http://schemas.openxmlformats.org/officeDocument/2006/relationships">
   <p:cSld>
-    <p:bg>
-      <p:bgPr>
-        <a:blipFill>
-          <a:blip r:embed="rId1"/>
-          <a:stretch>
-            <a:fillRect/>
-          </a:stretch>
-        </a:blipFill>
-      </p:bgPr>
-    </p:bg>
     <p:spTree>
       <p:nvGrpSpPr>
         <p:cNvPr id="1" name=""/>
@@ -7242,14 +7111,14 @@
       </p:grpSpPr>
       <p:sp>
         <p:nvSpPr>
-          <p:cNvPr id="163" name="CustomShape 1"/>
+          <p:cNvPr id="164" name="CustomShape 1"/>
           <p:cNvSpPr/>
           <p:nvPr/>
         </p:nvSpPr>
         <p:spPr>
           <a:xfrm>
             <a:off x="502920" y="301320"/>
-            <a:ext cx="9068400" cy="1259280"/>
+            <a:ext cx="9068040" cy="1258920"/>
           </a:xfrm>
           <a:prstGeom prst="rect">
             <a:avLst/>
@@ -7279,14 +7148,14 @@
       </p:sp>
       <p:sp>
         <p:nvSpPr>
-          <p:cNvPr id="164" name="CustomShape 2"/>
+          <p:cNvPr id="165" name="CustomShape 2"/>
           <p:cNvSpPr/>
           <p:nvPr/>
         </p:nvSpPr>
         <p:spPr>
           <a:xfrm>
             <a:off x="506520" y="1875960"/>
-            <a:ext cx="9068040" cy="1721520"/>
+            <a:ext cx="9067680" cy="1721160"/>
           </a:xfrm>
           <a:prstGeom prst="rect">
             <a:avLst/>
@@ -7316,12 +7185,12 @@
       </p:sp>
       <p:pic>
         <p:nvPicPr>
-          <p:cNvPr id="165" name="" descr=""/>
+          <p:cNvPr id="166" name="" descr=""/>
           <p:cNvPicPr/>
           <p:nvPr/>
         </p:nvPicPr>
         <p:blipFill>
-          <a:blip r:embed="rId2"/>
+          <a:blip r:embed="rId1"/>
           <a:stretch>
             <a:fillRect/>
           </a:stretch>
@@ -7329,7 +7198,7 @@
         <p:spPr>
           <a:xfrm>
             <a:off x="26640" y="3059640"/>
-            <a:ext cx="10077840" cy="4546800"/>
+            <a:ext cx="10077480" cy="4546440"/>
           </a:xfrm>
           <a:prstGeom prst="rect">
             <a:avLst/>
@@ -7374,16 +7243,6 @@
 <file path=ppt/slides/slide16.xml><?xml version="1.0" encoding="utf-8"?>
 <p:sld xmlns:a="http://schemas.openxmlformats.org/drawingml/2006/main" xmlns:p="http://schemas.openxmlformats.org/presentationml/2006/main" xmlns:r="http://schemas.openxmlformats.org/officeDocument/2006/relationships">
   <p:cSld>
-    <p:bg>
-      <p:bgPr>
-        <a:blipFill>
-          <a:blip r:embed="rId1"/>
-          <a:stretch>
-            <a:fillRect/>
-          </a:stretch>
-        </a:blipFill>
-      </p:bgPr>
-    </p:bg>
     <p:spTree>
       <p:nvGrpSpPr>
         <p:cNvPr id="1" name=""/>
@@ -7400,14 +7259,14 @@
       </p:grpSpPr>
       <p:sp>
         <p:nvSpPr>
-          <p:cNvPr id="166" name="CustomShape 1"/>
+          <p:cNvPr id="167" name="CustomShape 1"/>
           <p:cNvSpPr/>
           <p:nvPr/>
         </p:nvSpPr>
         <p:spPr>
           <a:xfrm>
             <a:off x="502920" y="301320"/>
-            <a:ext cx="9068400" cy="1259280"/>
+            <a:ext cx="9068040" cy="1258920"/>
           </a:xfrm>
           <a:prstGeom prst="rect">
             <a:avLst/>
@@ -7437,14 +7296,14 @@
       </p:sp>
       <p:sp>
         <p:nvSpPr>
-          <p:cNvPr id="167" name="CustomShape 2"/>
+          <p:cNvPr id="168" name="CustomShape 2"/>
           <p:cNvSpPr/>
           <p:nvPr/>
         </p:nvSpPr>
         <p:spPr>
           <a:xfrm>
             <a:off x="506520" y="1800000"/>
-            <a:ext cx="9068040" cy="4381920"/>
+            <a:ext cx="9067680" cy="4381560"/>
           </a:xfrm>
           <a:prstGeom prst="rect">
             <a:avLst/>
@@ -7474,12 +7333,12 @@
       </p:sp>
       <p:pic>
         <p:nvPicPr>
-          <p:cNvPr id="168" name="" descr=""/>
+          <p:cNvPr id="169" name="" descr=""/>
           <p:cNvPicPr/>
           <p:nvPr/>
         </p:nvPicPr>
         <p:blipFill>
-          <a:blip r:embed="rId2"/>
+          <a:blip r:embed="rId1"/>
           <a:stretch>
             <a:fillRect/>
           </a:stretch>
@@ -7487,7 +7346,7 @@
         <p:spPr>
           <a:xfrm>
             <a:off x="-9360" y="2284560"/>
-            <a:ext cx="10077840" cy="4521600"/>
+            <a:ext cx="10077480" cy="4521240"/>
           </a:xfrm>
           <a:prstGeom prst="rect">
             <a:avLst/>
@@ -7532,16 +7391,6 @@
 <file path=ppt/slides/slide17.xml><?xml version="1.0" encoding="utf-8"?>
 <p:sld xmlns:a="http://schemas.openxmlformats.org/drawingml/2006/main" xmlns:p="http://schemas.openxmlformats.org/presentationml/2006/main" xmlns:r="http://schemas.openxmlformats.org/officeDocument/2006/relationships">
   <p:cSld>
-    <p:bg>
-      <p:bgPr>
-        <a:blipFill>
-          <a:blip r:embed="rId1"/>
-          <a:stretch>
-            <a:fillRect/>
-          </a:stretch>
-        </a:blipFill>
-      </p:bgPr>
-    </p:bg>
     <p:spTree>
       <p:nvGrpSpPr>
         <p:cNvPr id="1" name=""/>
@@ -7558,14 +7407,14 @@
       </p:grpSpPr>
       <p:sp>
         <p:nvSpPr>
-          <p:cNvPr id="169" name="CustomShape 1"/>
+          <p:cNvPr id="170" name="CustomShape 1"/>
           <p:cNvSpPr/>
           <p:nvPr/>
         </p:nvSpPr>
         <p:spPr>
           <a:xfrm>
             <a:off x="502920" y="301320"/>
-            <a:ext cx="9068400" cy="1259280"/>
+            <a:ext cx="9068040" cy="1258920"/>
           </a:xfrm>
           <a:prstGeom prst="rect">
             <a:avLst/>
@@ -7595,14 +7444,14 @@
       </p:sp>
       <p:sp>
         <p:nvSpPr>
-          <p:cNvPr id="170" name="CustomShape 2"/>
+          <p:cNvPr id="171" name="CustomShape 2"/>
           <p:cNvSpPr/>
           <p:nvPr/>
         </p:nvSpPr>
         <p:spPr>
           <a:xfrm>
             <a:off x="502920" y="2165040"/>
-            <a:ext cx="9068400" cy="4381920"/>
+            <a:ext cx="9068040" cy="4381560"/>
           </a:xfrm>
           <a:prstGeom prst="rect">
             <a:avLst/>
@@ -7687,16 +7536,6 @@
 <file path=ppt/slides/slide2.xml><?xml version="1.0" encoding="utf-8"?>
 <p:sld xmlns:a="http://schemas.openxmlformats.org/drawingml/2006/main" xmlns:p="http://schemas.openxmlformats.org/presentationml/2006/main" xmlns:r="http://schemas.openxmlformats.org/officeDocument/2006/relationships">
   <p:cSld>
-    <p:bg>
-      <p:bgPr>
-        <a:blipFill>
-          <a:blip r:embed="rId1"/>
-          <a:stretch>
-            <a:fillRect/>
-          </a:stretch>
-        </a:blipFill>
-      </p:bgPr>
-    </p:bg>
     <p:spTree>
       <p:nvGrpSpPr>
         <p:cNvPr id="1" name=""/>
@@ -7713,14 +7552,14 @@
       </p:grpSpPr>
       <p:sp>
         <p:nvSpPr>
-          <p:cNvPr id="119" name="CustomShape 1"/>
+          <p:cNvPr id="120" name="CustomShape 1"/>
           <p:cNvSpPr/>
           <p:nvPr/>
         </p:nvSpPr>
         <p:spPr>
           <a:xfrm>
             <a:off x="502920" y="301320"/>
-            <a:ext cx="9068400" cy="1259280"/>
+            <a:ext cx="9068040" cy="1258920"/>
           </a:xfrm>
           <a:prstGeom prst="rect">
             <a:avLst/>
@@ -7750,14 +7589,14 @@
       </p:sp>
       <p:sp>
         <p:nvSpPr>
-          <p:cNvPr id="120" name="CustomShape 2"/>
+          <p:cNvPr id="121" name="CustomShape 2"/>
           <p:cNvSpPr/>
           <p:nvPr/>
         </p:nvSpPr>
         <p:spPr>
           <a:xfrm>
             <a:off x="502920" y="2165040"/>
-            <a:ext cx="9068400" cy="4381920"/>
+            <a:ext cx="9068040" cy="4381560"/>
           </a:xfrm>
           <a:prstGeom prst="rect">
             <a:avLst/>
@@ -7880,16 +7719,6 @@
 <file path=ppt/slides/slide3.xml><?xml version="1.0" encoding="utf-8"?>
 <p:sld xmlns:a="http://schemas.openxmlformats.org/drawingml/2006/main" xmlns:p="http://schemas.openxmlformats.org/presentationml/2006/main" xmlns:r="http://schemas.openxmlformats.org/officeDocument/2006/relationships">
   <p:cSld>
-    <p:bg>
-      <p:bgPr>
-        <a:blipFill>
-          <a:blip r:embed="rId1"/>
-          <a:stretch>
-            <a:fillRect/>
-          </a:stretch>
-        </a:blipFill>
-      </p:bgPr>
-    </p:bg>
     <p:spTree>
       <p:nvGrpSpPr>
         <p:cNvPr id="1" name=""/>
@@ -7906,14 +7735,14 @@
       </p:grpSpPr>
       <p:sp>
         <p:nvSpPr>
-          <p:cNvPr id="121" name="CustomShape 1"/>
+          <p:cNvPr id="122" name="CustomShape 1"/>
           <p:cNvSpPr/>
           <p:nvPr/>
         </p:nvSpPr>
         <p:spPr>
           <a:xfrm>
             <a:off x="502920" y="301320"/>
-            <a:ext cx="9068400" cy="1259280"/>
+            <a:ext cx="9068040" cy="1258920"/>
           </a:xfrm>
           <a:prstGeom prst="rect">
             <a:avLst/>
@@ -7943,14 +7772,14 @@
       </p:sp>
       <p:sp>
         <p:nvSpPr>
-          <p:cNvPr id="122" name="CustomShape 2"/>
+          <p:cNvPr id="123" name="CustomShape 2"/>
           <p:cNvSpPr/>
           <p:nvPr/>
         </p:nvSpPr>
         <p:spPr>
           <a:xfrm>
             <a:off x="502920" y="2165040"/>
-            <a:ext cx="9068400" cy="4381920"/>
+            <a:ext cx="9068040" cy="4381560"/>
           </a:xfrm>
           <a:prstGeom prst="rect">
             <a:avLst/>
@@ -8046,14 +7875,14 @@
       </p:sp>
       <p:sp>
         <p:nvSpPr>
-          <p:cNvPr id="123" name="CustomShape 3"/>
+          <p:cNvPr id="124" name="CustomShape 3"/>
           <p:cNvSpPr/>
           <p:nvPr/>
         </p:nvSpPr>
         <p:spPr>
           <a:xfrm>
             <a:off x="503280" y="2678400"/>
-            <a:ext cx="5399640" cy="344880"/>
+            <a:ext cx="5399280" cy="344520"/>
           </a:xfrm>
           <a:prstGeom prst="rect">
             <a:avLst/>
@@ -8085,7 +7914,71 @@
       </p:sp>
       <p:pic>
         <p:nvPicPr>
-          <p:cNvPr id="124" name="" descr=""/>
+          <p:cNvPr id="125" name="" descr=""/>
+          <p:cNvPicPr/>
+          <p:nvPr/>
+        </p:nvPicPr>
+        <p:blipFill>
+          <a:blip r:embed="rId1"/>
+          <a:stretch>
+            <a:fillRect/>
+          </a:stretch>
+        </p:blipFill>
+        <p:spPr>
+          <a:xfrm>
+            <a:off x="6311880" y="2927520"/>
+            <a:ext cx="3551400" cy="3551040"/>
+          </a:xfrm>
+          <a:prstGeom prst="rect">
+            <a:avLst/>
+          </a:prstGeom>
+          <a:ln>
+            <a:noFill/>
+          </a:ln>
+        </p:spPr>
+      </p:pic>
+      <p:sp>
+        <p:nvSpPr>
+          <p:cNvPr id="126" name="CustomShape 4"/>
+          <p:cNvSpPr/>
+          <p:nvPr/>
+        </p:nvSpPr>
+        <p:spPr>
+          <a:xfrm>
+            <a:off x="503280" y="3398400"/>
+            <a:ext cx="5399280" cy="344520"/>
+          </a:xfrm>
+          <a:prstGeom prst="rect">
+            <a:avLst/>
+          </a:prstGeom>
+          <a:solidFill>
+            <a:srgbClr val="ffffff"/>
+          </a:solidFill>
+          <a:ln>
+            <a:noFill/>
+          </a:ln>
+        </p:spPr>
+        <p:txBody>
+          <a:bodyPr lIns="90000" rIns="90000" tIns="45000" bIns="45000"/>
+          <a:p>
+            <a:pPr>
+              <a:lnSpc>
+                <a:spcPct val="100000"/>
+              </a:lnSpc>
+            </a:pPr>
+            <a:r>
+              <a:rPr lang="en-GB" sz="1400">
+                <a:latin typeface="Arial"/>
+              </a:rPr>
+              <a:t>tkmedit Maor brainmask.mgz -aux T1.mgz -surfs -aseg</a:t>
+            </a:r>
+            <a:endParaRPr/>
+          </a:p>
+        </p:txBody>
+      </p:sp>
+      <p:pic>
+        <p:nvPicPr>
+          <p:cNvPr id="127" name="" descr=""/>
           <p:cNvPicPr/>
           <p:nvPr/>
         </p:nvPicPr>
@@ -8097,72 +7990,8 @@
         </p:blipFill>
         <p:spPr>
           <a:xfrm>
-            <a:off x="6311880" y="2927520"/>
-            <a:ext cx="3551760" cy="3551400"/>
-          </a:xfrm>
-          <a:prstGeom prst="rect">
-            <a:avLst/>
-          </a:prstGeom>
-          <a:ln>
-            <a:noFill/>
-          </a:ln>
-        </p:spPr>
-      </p:pic>
-      <p:sp>
-        <p:nvSpPr>
-          <p:cNvPr id="125" name="CustomShape 4"/>
-          <p:cNvSpPr/>
-          <p:nvPr/>
-        </p:nvSpPr>
-        <p:spPr>
-          <a:xfrm>
-            <a:off x="503280" y="3398400"/>
-            <a:ext cx="5399640" cy="344880"/>
-          </a:xfrm>
-          <a:prstGeom prst="rect">
-            <a:avLst/>
-          </a:prstGeom>
-          <a:solidFill>
-            <a:srgbClr val="ffffff"/>
-          </a:solidFill>
-          <a:ln>
-            <a:noFill/>
-          </a:ln>
-        </p:spPr>
-        <p:txBody>
-          <a:bodyPr lIns="90000" rIns="90000" tIns="45000" bIns="45000"/>
-          <a:p>
-            <a:pPr>
-              <a:lnSpc>
-                <a:spcPct val="100000"/>
-              </a:lnSpc>
-            </a:pPr>
-            <a:r>
-              <a:rPr lang="en-GB" sz="1400">
-                <a:latin typeface="Arial"/>
-              </a:rPr>
-              <a:t>tkmedit Maor brainmask.mgz -aux T1.mgz -surfs -aseg</a:t>
-            </a:r>
-            <a:endParaRPr/>
-          </a:p>
-        </p:txBody>
-      </p:sp>
-      <p:pic>
-        <p:nvPicPr>
-          <p:cNvPr id="126" name="" descr=""/>
-          <p:cNvPicPr/>
-          <p:nvPr/>
-        </p:nvPicPr>
-        <p:blipFill>
-          <a:blip r:embed="rId3"/>
-          <a:stretch>
-            <a:fillRect/>
-          </a:stretch>
-        </p:blipFill>
-        <p:spPr>
-          <a:xfrm>
             <a:off x="3527280" y="5111640"/>
-            <a:ext cx="2518560" cy="1695960"/>
+            <a:ext cx="2518200" cy="1695600"/>
           </a:xfrm>
           <a:prstGeom prst="rect">
             <a:avLst/>
@@ -8207,16 +8036,6 @@
 <file path=ppt/slides/slide4.xml><?xml version="1.0" encoding="utf-8"?>
 <p:sld xmlns:a="http://schemas.openxmlformats.org/drawingml/2006/main" xmlns:p="http://schemas.openxmlformats.org/presentationml/2006/main" xmlns:r="http://schemas.openxmlformats.org/officeDocument/2006/relationships">
   <p:cSld>
-    <p:bg>
-      <p:bgPr>
-        <a:blipFill>
-          <a:blip r:embed="rId1"/>
-          <a:stretch>
-            <a:fillRect/>
-          </a:stretch>
-        </a:blipFill>
-      </p:bgPr>
-    </p:bg>
     <p:spTree>
       <p:nvGrpSpPr>
         <p:cNvPr id="1" name=""/>
@@ -8233,14 +8052,14 @@
       </p:grpSpPr>
       <p:sp>
         <p:nvSpPr>
-          <p:cNvPr id="127" name="CustomShape 1"/>
+          <p:cNvPr id="128" name="CustomShape 1"/>
           <p:cNvSpPr/>
           <p:nvPr/>
         </p:nvSpPr>
         <p:spPr>
           <a:xfrm>
             <a:off x="502920" y="301320"/>
-            <a:ext cx="9068400" cy="1259280"/>
+            <a:ext cx="9068040" cy="1258920"/>
           </a:xfrm>
           <a:prstGeom prst="rect">
             <a:avLst/>
@@ -8279,14 +8098,14 @@
       </p:sp>
       <p:sp>
         <p:nvSpPr>
-          <p:cNvPr id="128" name="CustomShape 2"/>
+          <p:cNvPr id="129" name="CustomShape 2"/>
           <p:cNvSpPr/>
           <p:nvPr/>
         </p:nvSpPr>
         <p:spPr>
           <a:xfrm>
             <a:off x="503280" y="3419640"/>
-            <a:ext cx="5399640" cy="898920"/>
+            <a:ext cx="5399280" cy="898560"/>
           </a:xfrm>
           <a:prstGeom prst="rect">
             <a:avLst/>
@@ -8346,14 +8165,14 @@
       </p:sp>
       <p:sp>
         <p:nvSpPr>
-          <p:cNvPr id="129" name="CustomShape 3"/>
+          <p:cNvPr id="130" name="CustomShape 3"/>
           <p:cNvSpPr/>
           <p:nvPr/>
         </p:nvSpPr>
         <p:spPr>
           <a:xfrm>
             <a:off x="503280" y="2165400"/>
-            <a:ext cx="9068400" cy="4381920"/>
+            <a:ext cx="9068040" cy="4381560"/>
           </a:xfrm>
           <a:prstGeom prst="rect">
             <a:avLst/>
@@ -8429,18 +8248,22 @@
       </p:sp>
       <p:sp>
         <p:nvSpPr>
-          <p:cNvPr id="130" name="TextShape 4"/>
-          <p:cNvSpPr txBox="1"/>
+          <p:cNvPr id="131" name="CustomShape 4"/>
+          <p:cNvSpPr/>
           <p:nvPr/>
         </p:nvSpPr>
         <p:spPr>
           <a:xfrm>
             <a:off x="432000" y="5544000"/>
-            <a:ext cx="9294120" cy="602640"/>
-          </a:xfrm>
-          <a:prstGeom prst="rect">
-            <a:avLst/>
-          </a:prstGeom>
+            <a:ext cx="9293760" cy="602280"/>
+          </a:xfrm>
+          <a:prstGeom prst="rect">
+            <a:avLst/>
+          </a:prstGeom>
+          <a:noFill/>
+          <a:ln>
+            <a:noFill/>
+          </a:ln>
         </p:spPr>
         <p:txBody>
           <a:bodyPr lIns="90000" rIns="90000" tIns="45000" bIns="45000"/>
@@ -8490,16 +8313,6 @@
 <file path=ppt/slides/slide5.xml><?xml version="1.0" encoding="utf-8"?>
 <p:sld xmlns:a="http://schemas.openxmlformats.org/drawingml/2006/main" xmlns:p="http://schemas.openxmlformats.org/presentationml/2006/main" xmlns:r="http://schemas.openxmlformats.org/officeDocument/2006/relationships">
   <p:cSld>
-    <p:bg>
-      <p:bgPr>
-        <a:blipFill>
-          <a:blip r:embed="rId1"/>
-          <a:stretch>
-            <a:fillRect/>
-          </a:stretch>
-        </a:blipFill>
-      </p:bgPr>
-    </p:bg>
     <p:spTree>
       <p:nvGrpSpPr>
         <p:cNvPr id="1" name=""/>
@@ -8516,14 +8329,14 @@
       </p:grpSpPr>
       <p:sp>
         <p:nvSpPr>
-          <p:cNvPr id="131" name="CustomShape 1"/>
+          <p:cNvPr id="132" name="CustomShape 1"/>
           <p:cNvSpPr/>
           <p:nvPr/>
         </p:nvSpPr>
         <p:spPr>
           <a:xfrm>
             <a:off x="502920" y="301320"/>
-            <a:ext cx="9068400" cy="1259280"/>
+            <a:ext cx="9068040" cy="1258920"/>
           </a:xfrm>
           <a:prstGeom prst="rect">
             <a:avLst/>
@@ -8562,14 +8375,14 @@
       </p:sp>
       <p:sp>
         <p:nvSpPr>
-          <p:cNvPr id="132" name="CustomShape 2"/>
+          <p:cNvPr id="133" name="CustomShape 2"/>
           <p:cNvSpPr/>
           <p:nvPr/>
         </p:nvSpPr>
         <p:spPr>
           <a:xfrm>
             <a:off x="502920" y="2165040"/>
-            <a:ext cx="9068400" cy="5281920"/>
+            <a:ext cx="9068040" cy="5281560"/>
           </a:xfrm>
           <a:prstGeom prst="rect">
             <a:avLst/>
@@ -8719,14 +8532,14 @@
       </p:sp>
       <p:sp>
         <p:nvSpPr>
-          <p:cNvPr id="133" name="CustomShape 3"/>
+          <p:cNvPr id="134" name="CustomShape 3"/>
           <p:cNvSpPr/>
           <p:nvPr/>
         </p:nvSpPr>
         <p:spPr>
           <a:xfrm>
             <a:off x="575280" y="4298040"/>
-            <a:ext cx="5399640" cy="344880"/>
+            <a:ext cx="5399280" cy="344520"/>
           </a:xfrm>
           <a:prstGeom prst="rect">
             <a:avLst/>
@@ -8791,16 +8604,6 @@
 <file path=ppt/slides/slide6.xml><?xml version="1.0" encoding="utf-8"?>
 <p:sld xmlns:a="http://schemas.openxmlformats.org/drawingml/2006/main" xmlns:p="http://schemas.openxmlformats.org/presentationml/2006/main" xmlns:r="http://schemas.openxmlformats.org/officeDocument/2006/relationships">
   <p:cSld>
-    <p:bg>
-      <p:bgPr>
-        <a:blipFill>
-          <a:blip r:embed="rId1"/>
-          <a:stretch>
-            <a:fillRect/>
-          </a:stretch>
-        </a:blipFill>
-      </p:bgPr>
-    </p:bg>
     <p:spTree>
       <p:nvGrpSpPr>
         <p:cNvPr id="1" name=""/>
@@ -8817,14 +8620,14 @@
       </p:grpSpPr>
       <p:sp>
         <p:nvSpPr>
-          <p:cNvPr id="134" name="CustomShape 1"/>
+          <p:cNvPr id="135" name="CustomShape 1"/>
           <p:cNvSpPr/>
           <p:nvPr/>
         </p:nvSpPr>
         <p:spPr>
           <a:xfrm>
             <a:off x="502920" y="301320"/>
-            <a:ext cx="9068400" cy="1259280"/>
+            <a:ext cx="9068040" cy="1258920"/>
           </a:xfrm>
           <a:prstGeom prst="rect">
             <a:avLst/>
@@ -8857,14 +8660,14 @@
       </p:sp>
       <p:sp>
         <p:nvSpPr>
-          <p:cNvPr id="135" name="CustomShape 2"/>
+          <p:cNvPr id="136" name="CustomShape 2"/>
           <p:cNvSpPr/>
           <p:nvPr/>
         </p:nvSpPr>
         <p:spPr>
           <a:xfrm>
             <a:off x="503280" y="3419640"/>
-            <a:ext cx="5399640" cy="898920"/>
+            <a:ext cx="5399280" cy="898560"/>
           </a:xfrm>
           <a:prstGeom prst="rect">
             <a:avLst/>
@@ -8932,14 +8735,14 @@
       </p:sp>
       <p:sp>
         <p:nvSpPr>
-          <p:cNvPr id="136" name="CustomShape 3"/>
+          <p:cNvPr id="137" name="CustomShape 3"/>
           <p:cNvSpPr/>
           <p:nvPr/>
         </p:nvSpPr>
         <p:spPr>
           <a:xfrm>
             <a:off x="503280" y="2165400"/>
-            <a:ext cx="9068400" cy="4381920"/>
+            <a:ext cx="9068040" cy="4381560"/>
           </a:xfrm>
           <a:prstGeom prst="rect">
             <a:avLst/>
@@ -9030,14 +8833,14 @@
       </p:sp>
       <p:sp>
         <p:nvSpPr>
-          <p:cNvPr id="137" name="CustomShape 4"/>
+          <p:cNvPr id="138" name="CustomShape 4"/>
           <p:cNvSpPr/>
           <p:nvPr/>
         </p:nvSpPr>
         <p:spPr>
           <a:xfrm>
             <a:off x="504000" y="5004720"/>
-            <a:ext cx="5399640" cy="898920"/>
+            <a:ext cx="5399280" cy="898560"/>
           </a:xfrm>
           <a:prstGeom prst="rect">
             <a:avLst/>
@@ -9102,16 +8905,6 @@
 <file path=ppt/slides/slide7.xml><?xml version="1.0" encoding="utf-8"?>
 <p:sld xmlns:a="http://schemas.openxmlformats.org/drawingml/2006/main" xmlns:p="http://schemas.openxmlformats.org/presentationml/2006/main" xmlns:r="http://schemas.openxmlformats.org/officeDocument/2006/relationships">
   <p:cSld>
-    <p:bg>
-      <p:bgPr>
-        <a:blipFill>
-          <a:blip r:embed="rId1"/>
-          <a:stretch>
-            <a:fillRect/>
-          </a:stretch>
-        </a:blipFill>
-      </p:bgPr>
-    </p:bg>
     <p:spTree>
       <p:nvGrpSpPr>
         <p:cNvPr id="1" name=""/>
@@ -9128,14 +8921,14 @@
       </p:grpSpPr>
       <p:sp>
         <p:nvSpPr>
-          <p:cNvPr id="138" name="CustomShape 1"/>
+          <p:cNvPr id="139" name="CustomShape 1"/>
           <p:cNvSpPr/>
           <p:nvPr/>
         </p:nvSpPr>
         <p:spPr>
           <a:xfrm>
             <a:off x="502920" y="301320"/>
-            <a:ext cx="9068400" cy="1259280"/>
+            <a:ext cx="9068040" cy="1258920"/>
           </a:xfrm>
           <a:prstGeom prst="rect">
             <a:avLst/>
@@ -9165,14 +8958,14 @@
       </p:sp>
       <p:sp>
         <p:nvSpPr>
-          <p:cNvPr id="139" name="CustomShape 2"/>
+          <p:cNvPr id="140" name="CustomShape 2"/>
           <p:cNvSpPr/>
           <p:nvPr/>
         </p:nvSpPr>
         <p:spPr>
           <a:xfrm>
             <a:off x="502920" y="2165040"/>
-            <a:ext cx="9068400" cy="4381920"/>
+            <a:ext cx="9068040" cy="4381560"/>
           </a:xfrm>
           <a:prstGeom prst="rect">
             <a:avLst/>
@@ -9392,14 +9185,14 @@
       </p:sp>
       <p:sp>
         <p:nvSpPr>
-          <p:cNvPr id="140" name="CustomShape 3"/>
+          <p:cNvPr id="141" name="CustomShape 3"/>
           <p:cNvSpPr/>
           <p:nvPr/>
         </p:nvSpPr>
         <p:spPr>
           <a:xfrm>
             <a:off x="503640" y="2700000"/>
-            <a:ext cx="5399280" cy="503640"/>
+            <a:ext cx="5398920" cy="503280"/>
           </a:xfrm>
           <a:prstGeom prst="rect">
             <a:avLst/>
@@ -9453,12 +9246,12 @@
       </p:sp>
       <p:pic>
         <p:nvPicPr>
-          <p:cNvPr id="141" name="" descr=""/>
+          <p:cNvPr id="142" name="" descr=""/>
           <p:cNvPicPr/>
           <p:nvPr/>
         </p:nvPicPr>
         <p:blipFill>
-          <a:blip r:embed="rId2"/>
+          <a:blip r:embed="rId1"/>
           <a:stretch>
             <a:fillRect/>
           </a:stretch>
@@ -9466,7 +9259,7 @@
         <p:spPr>
           <a:xfrm>
             <a:off x="4896000" y="4325760"/>
-            <a:ext cx="4999320" cy="2512080"/>
+            <a:ext cx="4998960" cy="2511720"/>
           </a:xfrm>
           <a:prstGeom prst="rect">
             <a:avLst/>
@@ -9511,16 +9304,6 @@
 <file path=ppt/slides/slide8.xml><?xml version="1.0" encoding="utf-8"?>
 <p:sld xmlns:a="http://schemas.openxmlformats.org/drawingml/2006/main" xmlns:p="http://schemas.openxmlformats.org/presentationml/2006/main" xmlns:r="http://schemas.openxmlformats.org/officeDocument/2006/relationships">
   <p:cSld>
-    <p:bg>
-      <p:bgPr>
-        <a:blipFill>
-          <a:blip r:embed="rId1"/>
-          <a:stretch>
-            <a:fillRect/>
-          </a:stretch>
-        </a:blipFill>
-      </p:bgPr>
-    </p:bg>
     <p:spTree>
       <p:nvGrpSpPr>
         <p:cNvPr id="1" name=""/>
@@ -9537,14 +9320,14 @@
       </p:grpSpPr>
       <p:sp>
         <p:nvSpPr>
-          <p:cNvPr id="142" name="CustomShape 1"/>
+          <p:cNvPr id="143" name="CustomShape 1"/>
           <p:cNvSpPr/>
           <p:nvPr/>
         </p:nvSpPr>
         <p:spPr>
           <a:xfrm>
             <a:off x="502920" y="301320"/>
-            <a:ext cx="9068400" cy="1259280"/>
+            <a:ext cx="9068040" cy="1258920"/>
           </a:xfrm>
           <a:prstGeom prst="rect">
             <a:avLst/>
@@ -9574,14 +9357,14 @@
       </p:sp>
       <p:sp>
         <p:nvSpPr>
-          <p:cNvPr id="143" name="CustomShape 2"/>
+          <p:cNvPr id="144" name="CustomShape 2"/>
           <p:cNvSpPr/>
           <p:nvPr/>
         </p:nvSpPr>
         <p:spPr>
           <a:xfrm>
             <a:off x="502920" y="2165040"/>
-            <a:ext cx="9068400" cy="4381920"/>
+            <a:ext cx="9068040" cy="4381560"/>
           </a:xfrm>
           <a:prstGeom prst="rect">
             <a:avLst/>
@@ -9804,12 +9587,12 @@
       </p:sp>
       <p:pic>
         <p:nvPicPr>
-          <p:cNvPr id="144" name="" descr=""/>
+          <p:cNvPr id="145" name="" descr=""/>
           <p:cNvPicPr/>
           <p:nvPr/>
         </p:nvPicPr>
         <p:blipFill>
-          <a:blip r:embed="rId2"/>
+          <a:blip r:embed="rId1"/>
           <a:stretch>
             <a:fillRect/>
           </a:stretch>
@@ -9817,7 +9600,7 @@
         <p:spPr>
           <a:xfrm>
             <a:off x="6336000" y="1728000"/>
-            <a:ext cx="3556800" cy="2807640"/>
+            <a:ext cx="3556440" cy="2807280"/>
           </a:xfrm>
           <a:prstGeom prst="rect">
             <a:avLst/>
@@ -9862,16 +9645,6 @@
 <file path=ppt/slides/slide9.xml><?xml version="1.0" encoding="utf-8"?>
 <p:sld xmlns:a="http://schemas.openxmlformats.org/drawingml/2006/main" xmlns:p="http://schemas.openxmlformats.org/presentationml/2006/main" xmlns:r="http://schemas.openxmlformats.org/officeDocument/2006/relationships">
   <p:cSld>
-    <p:bg>
-      <p:bgPr>
-        <a:blipFill>
-          <a:blip r:embed="rId1"/>
-          <a:stretch>
-            <a:fillRect/>
-          </a:stretch>
-        </a:blipFill>
-      </p:bgPr>
-    </p:bg>
     <p:spTree>
       <p:nvGrpSpPr>
         <p:cNvPr id="1" name=""/>
@@ -9888,14 +9661,14 @@
       </p:grpSpPr>
       <p:sp>
         <p:nvSpPr>
-          <p:cNvPr id="145" name="CustomShape 1"/>
+          <p:cNvPr id="146" name="CustomShape 1"/>
           <p:cNvSpPr/>
           <p:nvPr/>
         </p:nvSpPr>
         <p:spPr>
           <a:xfrm>
             <a:off x="502920" y="301320"/>
-            <a:ext cx="9068400" cy="1259280"/>
+            <a:ext cx="9068040" cy="1258920"/>
           </a:xfrm>
           <a:prstGeom prst="rect">
             <a:avLst/>
@@ -9925,14 +9698,14 @@
       </p:sp>
       <p:sp>
         <p:nvSpPr>
-          <p:cNvPr id="146" name="CustomShape 2"/>
+          <p:cNvPr id="147" name="CustomShape 2"/>
           <p:cNvSpPr/>
           <p:nvPr/>
         </p:nvSpPr>
         <p:spPr>
           <a:xfrm>
             <a:off x="502920" y="2165040"/>
-            <a:ext cx="9068400" cy="4381920"/>
+            <a:ext cx="9068040" cy="4381560"/>
           </a:xfrm>
           <a:prstGeom prst="rect">
             <a:avLst/>

--- a/docs/MNE_4D_data.pptx
+++ b/docs/MNE_4D_data.pptx
@@ -3,30 +3,28 @@
 <p:presentation xmlns:a="http://schemas.openxmlformats.org/drawingml/2006/main" xmlns:p="http://schemas.openxmlformats.org/presentationml/2006/main" xmlns:r="http://schemas.openxmlformats.org/officeDocument/2006/relationships">
   <p:sldMasterIdLst>
     <p:sldMasterId id="2147483648" r:id="rId2"/>
-    <p:sldMasterId id="2147483661" r:id="rId3"/>
-    <p:sldMasterId id="2147483674" r:id="rId4"/>
   </p:sldMasterIdLst>
   <p:notesMasterIdLst>
-    <p:notesMasterId r:id="rId5"/>
+    <p:notesMasterId r:id="rId3"/>
   </p:notesMasterIdLst>
   <p:sldIdLst>
-    <p:sldId id="256" r:id="rId6"/>
-    <p:sldId id="257" r:id="rId7"/>
-    <p:sldId id="258" r:id="rId8"/>
-    <p:sldId id="259" r:id="rId9"/>
-    <p:sldId id="260" r:id="rId10"/>
-    <p:sldId id="261" r:id="rId11"/>
-    <p:sldId id="262" r:id="rId12"/>
-    <p:sldId id="263" r:id="rId13"/>
-    <p:sldId id="264" r:id="rId14"/>
-    <p:sldId id="265" r:id="rId15"/>
-    <p:sldId id="266" r:id="rId16"/>
-    <p:sldId id="267" r:id="rId17"/>
-    <p:sldId id="268" r:id="rId18"/>
-    <p:sldId id="269" r:id="rId19"/>
-    <p:sldId id="270" r:id="rId20"/>
-    <p:sldId id="271" r:id="rId21"/>
-    <p:sldId id="272" r:id="rId22"/>
+    <p:sldId id="256" r:id="rId4"/>
+    <p:sldId id="257" r:id="rId5"/>
+    <p:sldId id="258" r:id="rId6"/>
+    <p:sldId id="259" r:id="rId7"/>
+    <p:sldId id="260" r:id="rId8"/>
+    <p:sldId id="261" r:id="rId9"/>
+    <p:sldId id="262" r:id="rId10"/>
+    <p:sldId id="263" r:id="rId11"/>
+    <p:sldId id="264" r:id="rId12"/>
+    <p:sldId id="265" r:id="rId13"/>
+    <p:sldId id="266" r:id="rId14"/>
+    <p:sldId id="267" r:id="rId15"/>
+    <p:sldId id="268" r:id="rId16"/>
+    <p:sldId id="269" r:id="rId17"/>
+    <p:sldId id="270" r:id="rId18"/>
+    <p:sldId id="271" r:id="rId19"/>
+    <p:sldId id="272" r:id="rId20"/>
   </p:sldIdLst>
   <p:sldSz cx="10080625" cy="7559675"/>
   <p:notesSz cx="7772400" cy="10058400"/>
@@ -52,7 +50,7 @@
       </p:grpSpPr>
       <p:sp>
         <p:nvSpPr>
-          <p:cNvPr id="112" name="PlaceHolder 1"/>
+          <p:cNvPr id="37" name="PlaceHolder 1"/>
           <p:cNvSpPr>
             <a:spLocks noGrp="1"/>
           </p:cNvSpPr>
@@ -62,8 +60,8 @@
         </p:nvSpPr>
         <p:spPr>
           <a:xfrm>
-            <a:off x="740160" y="4402440"/>
-            <a:ext cx="6292080" cy="4741200"/>
+            <a:off x="777240" y="4777560"/>
+            <a:ext cx="6217560" cy="4525920"/>
           </a:xfrm>
           <a:prstGeom prst="rect">
             <a:avLst/>
@@ -73,7 +71,7 @@
           <a:bodyPr lIns="0" rIns="0" tIns="0" bIns="0"/>
           <a:p>
             <a:r>
-              <a:rPr lang="en-GB" sz="2770">
+              <a:rPr lang="en-GB" sz="2000">
                 <a:latin typeface="Arial"/>
               </a:rPr>
               <a:t>Click to edit the notes' format</a:t>
@@ -84,7 +82,7 @@
       </p:sp>
       <p:sp>
         <p:nvSpPr>
-          <p:cNvPr id="113" name="PlaceHolder 2"/>
+          <p:cNvPr id="38" name="PlaceHolder 2"/>
           <p:cNvSpPr>
             <a:spLocks noGrp="1"/>
           </p:cNvSpPr>
@@ -116,7 +114,7 @@
       </p:sp>
       <p:sp>
         <p:nvSpPr>
-          <p:cNvPr id="114" name="PlaceHolder 3"/>
+          <p:cNvPr id="39" name="PlaceHolder 3"/>
           <p:cNvSpPr>
             <a:spLocks noGrp="1"/>
           </p:cNvSpPr>
@@ -126,7 +124,7 @@
         </p:nvSpPr>
         <p:spPr>
           <a:xfrm>
-            <a:off x="4398840" y="0"/>
+            <a:off x="4399200" y="0"/>
             <a:ext cx="3372840" cy="502560"/>
           </a:xfrm>
           <a:prstGeom prst="rect">
@@ -149,7 +147,7 @@
       </p:sp>
       <p:sp>
         <p:nvSpPr>
-          <p:cNvPr id="115" name="PlaceHolder 4"/>
+          <p:cNvPr id="40" name="PlaceHolder 4"/>
           <p:cNvSpPr>
             <a:spLocks noGrp="1"/>
           </p:cNvSpPr>
@@ -181,7 +179,7 @@
       </p:sp>
       <p:sp>
         <p:nvSpPr>
-          <p:cNvPr id="116" name="PlaceHolder 5"/>
+          <p:cNvPr id="41" name="PlaceHolder 5"/>
           <p:cNvSpPr>
             <a:spLocks noGrp="1"/>
           </p:cNvSpPr>
@@ -191,7 +189,7 @@
         </p:nvSpPr>
         <p:spPr>
           <a:xfrm>
-            <a:off x="4398840" y="9555480"/>
+            <a:off x="4399200" y="9555480"/>
             <a:ext cx="3372840" cy="502560"/>
           </a:xfrm>
           <a:prstGeom prst="rect">
@@ -202,7 +200,7 @@
           <a:bodyPr lIns="0" rIns="0" tIns="0" bIns="0" anchor="b"/>
           <a:p>
             <a:pPr algn="r"/>
-            <a:fld id="{7C77F46B-DC24-40B8-B4A8-B62F66D85867}" type="slidenum">
+            <a:fld id="{39FEF90C-7787-4BD6-A615-E0DA88063E37}" type="slidenum">
               <a:rPr lang="en-GB" sz="1400">
                 <a:latin typeface="Times New Roman"/>
               </a:rPr>
@@ -237,14 +235,14 @@
       </p:grpSpPr>
       <p:sp>
         <p:nvSpPr>
-          <p:cNvPr id="172" name="CustomShape 1"/>
+          <p:cNvPr id="98" name="CustomShape 1"/>
           <p:cNvSpPr/>
           <p:nvPr/>
         </p:nvSpPr>
         <p:spPr>
           <a:xfrm>
             <a:off x="777600" y="4776840"/>
-            <a:ext cx="6216840" cy="4524480"/>
+            <a:ext cx="6216480" cy="4524120"/>
           </a:xfrm>
           <a:prstGeom prst="rect">
             <a:avLst/>
@@ -279,14 +277,14 @@
       </p:grpSpPr>
       <p:sp>
         <p:nvSpPr>
-          <p:cNvPr id="181" name="CustomShape 1"/>
+          <p:cNvPr id="107" name="CustomShape 1"/>
           <p:cNvSpPr/>
           <p:nvPr/>
         </p:nvSpPr>
         <p:spPr>
           <a:xfrm>
             <a:off x="777960" y="4776840"/>
-            <a:ext cx="6215040" cy="4524480"/>
+            <a:ext cx="6214680" cy="4524120"/>
           </a:xfrm>
           <a:prstGeom prst="rect">
             <a:avLst/>
@@ -321,14 +319,14 @@
       </p:grpSpPr>
       <p:sp>
         <p:nvSpPr>
-          <p:cNvPr id="182" name="CustomShape 1"/>
+          <p:cNvPr id="108" name="CustomShape 1"/>
           <p:cNvSpPr/>
           <p:nvPr/>
         </p:nvSpPr>
         <p:spPr>
           <a:xfrm>
             <a:off x="777960" y="4776840"/>
-            <a:ext cx="6215040" cy="4524480"/>
+            <a:ext cx="6214680" cy="4524120"/>
           </a:xfrm>
           <a:prstGeom prst="rect">
             <a:avLst/>
@@ -363,14 +361,14 @@
       </p:grpSpPr>
       <p:sp>
         <p:nvSpPr>
-          <p:cNvPr id="183" name="CustomShape 1"/>
+          <p:cNvPr id="109" name="CustomShape 1"/>
           <p:cNvSpPr/>
           <p:nvPr/>
         </p:nvSpPr>
         <p:spPr>
           <a:xfrm>
             <a:off x="777960" y="4776840"/>
-            <a:ext cx="6215040" cy="4524480"/>
+            <a:ext cx="6214680" cy="4524120"/>
           </a:xfrm>
           <a:prstGeom prst="rect">
             <a:avLst/>
@@ -405,14 +403,14 @@
       </p:grpSpPr>
       <p:sp>
         <p:nvSpPr>
-          <p:cNvPr id="184" name="CustomShape 1"/>
+          <p:cNvPr id="110" name="CustomShape 1"/>
           <p:cNvSpPr/>
           <p:nvPr/>
         </p:nvSpPr>
         <p:spPr>
           <a:xfrm>
             <a:off x="777960" y="4776840"/>
-            <a:ext cx="6215040" cy="4524480"/>
+            <a:ext cx="6214680" cy="4524120"/>
           </a:xfrm>
           <a:prstGeom prst="rect">
             <a:avLst/>
@@ -447,14 +445,14 @@
       </p:grpSpPr>
       <p:sp>
         <p:nvSpPr>
-          <p:cNvPr id="185" name="CustomShape 1"/>
+          <p:cNvPr id="111" name="CustomShape 1"/>
           <p:cNvSpPr/>
           <p:nvPr/>
         </p:nvSpPr>
         <p:spPr>
           <a:xfrm>
             <a:off x="777960" y="4776840"/>
-            <a:ext cx="6215040" cy="4524480"/>
+            <a:ext cx="6214680" cy="4524120"/>
           </a:xfrm>
           <a:prstGeom prst="rect">
             <a:avLst/>
@@ -489,14 +487,14 @@
       </p:grpSpPr>
       <p:sp>
         <p:nvSpPr>
-          <p:cNvPr id="186" name="CustomShape 1"/>
+          <p:cNvPr id="112" name="CustomShape 1"/>
           <p:cNvSpPr/>
           <p:nvPr/>
         </p:nvSpPr>
         <p:spPr>
           <a:xfrm>
             <a:off x="777960" y="4776840"/>
-            <a:ext cx="6215040" cy="4524480"/>
+            <a:ext cx="6214680" cy="4524120"/>
           </a:xfrm>
           <a:prstGeom prst="rect">
             <a:avLst/>
@@ -531,14 +529,14 @@
       </p:grpSpPr>
       <p:sp>
         <p:nvSpPr>
-          <p:cNvPr id="187" name="CustomShape 1"/>
+          <p:cNvPr id="113" name="CustomShape 1"/>
           <p:cNvSpPr/>
           <p:nvPr/>
         </p:nvSpPr>
         <p:spPr>
           <a:xfrm>
             <a:off x="777960" y="4776840"/>
-            <a:ext cx="6215040" cy="4524480"/>
+            <a:ext cx="6214680" cy="4524120"/>
           </a:xfrm>
           <a:prstGeom prst="rect">
             <a:avLst/>
@@ -573,14 +571,14 @@
       </p:grpSpPr>
       <p:sp>
         <p:nvSpPr>
-          <p:cNvPr id="188" name="CustomShape 1"/>
+          <p:cNvPr id="114" name="CustomShape 1"/>
           <p:cNvSpPr/>
           <p:nvPr/>
         </p:nvSpPr>
         <p:spPr>
           <a:xfrm>
             <a:off x="777960" y="4776840"/>
-            <a:ext cx="6215040" cy="4524480"/>
+            <a:ext cx="6214680" cy="4524120"/>
           </a:xfrm>
           <a:prstGeom prst="rect">
             <a:avLst/>
@@ -615,14 +613,14 @@
       </p:grpSpPr>
       <p:sp>
         <p:nvSpPr>
-          <p:cNvPr id="173" name="CustomShape 1"/>
+          <p:cNvPr id="99" name="CustomShape 1"/>
           <p:cNvSpPr/>
           <p:nvPr/>
         </p:nvSpPr>
         <p:spPr>
           <a:xfrm>
             <a:off x="777960" y="4776840"/>
-            <a:ext cx="6215040" cy="4524480"/>
+            <a:ext cx="6214680" cy="4524120"/>
           </a:xfrm>
           <a:prstGeom prst="rect">
             <a:avLst/>
@@ -657,14 +655,14 @@
       </p:grpSpPr>
       <p:sp>
         <p:nvSpPr>
-          <p:cNvPr id="174" name="CustomShape 1"/>
+          <p:cNvPr id="100" name="CustomShape 1"/>
           <p:cNvSpPr/>
           <p:nvPr/>
         </p:nvSpPr>
         <p:spPr>
           <a:xfrm>
             <a:off x="777960" y="4776840"/>
-            <a:ext cx="6215040" cy="4524480"/>
+            <a:ext cx="6214680" cy="4524120"/>
           </a:xfrm>
           <a:prstGeom prst="rect">
             <a:avLst/>
@@ -699,14 +697,14 @@
       </p:grpSpPr>
       <p:sp>
         <p:nvSpPr>
-          <p:cNvPr id="175" name="CustomShape 1"/>
+          <p:cNvPr id="101" name="CustomShape 1"/>
           <p:cNvSpPr/>
           <p:nvPr/>
         </p:nvSpPr>
         <p:spPr>
           <a:xfrm>
             <a:off x="777960" y="4776840"/>
-            <a:ext cx="6215040" cy="4524480"/>
+            <a:ext cx="6214680" cy="4524120"/>
           </a:xfrm>
           <a:prstGeom prst="rect">
             <a:avLst/>
@@ -741,14 +739,14 @@
       </p:grpSpPr>
       <p:sp>
         <p:nvSpPr>
-          <p:cNvPr id="176" name="CustomShape 1"/>
+          <p:cNvPr id="102" name="CustomShape 1"/>
           <p:cNvSpPr/>
           <p:nvPr/>
         </p:nvSpPr>
         <p:spPr>
           <a:xfrm>
             <a:off x="777960" y="4776840"/>
-            <a:ext cx="6215040" cy="4524480"/>
+            <a:ext cx="6214680" cy="4524120"/>
           </a:xfrm>
           <a:prstGeom prst="rect">
             <a:avLst/>
@@ -783,14 +781,14 @@
       </p:grpSpPr>
       <p:sp>
         <p:nvSpPr>
-          <p:cNvPr id="177" name="CustomShape 1"/>
+          <p:cNvPr id="103" name="CustomShape 1"/>
           <p:cNvSpPr/>
           <p:nvPr/>
         </p:nvSpPr>
         <p:spPr>
           <a:xfrm>
             <a:off x="777960" y="4776840"/>
-            <a:ext cx="6215040" cy="4524480"/>
+            <a:ext cx="6214680" cy="4524120"/>
           </a:xfrm>
           <a:prstGeom prst="rect">
             <a:avLst/>
@@ -825,14 +823,14 @@
       </p:grpSpPr>
       <p:sp>
         <p:nvSpPr>
-          <p:cNvPr id="178" name="CustomShape 1"/>
+          <p:cNvPr id="104" name="CustomShape 1"/>
           <p:cNvSpPr/>
           <p:nvPr/>
         </p:nvSpPr>
         <p:spPr>
           <a:xfrm>
             <a:off x="777960" y="4776840"/>
-            <a:ext cx="6215040" cy="4524480"/>
+            <a:ext cx="6214680" cy="4524120"/>
           </a:xfrm>
           <a:prstGeom prst="rect">
             <a:avLst/>
@@ -867,14 +865,14 @@
       </p:grpSpPr>
       <p:sp>
         <p:nvSpPr>
-          <p:cNvPr id="179" name="CustomShape 1"/>
+          <p:cNvPr id="105" name="CustomShape 1"/>
           <p:cNvSpPr/>
           <p:nvPr/>
         </p:nvSpPr>
         <p:spPr>
           <a:xfrm>
             <a:off x="777960" y="4776840"/>
-            <a:ext cx="6215040" cy="4524480"/>
+            <a:ext cx="6214680" cy="4524120"/>
           </a:xfrm>
           <a:prstGeom prst="rect">
             <a:avLst/>
@@ -909,14 +907,14 @@
       </p:grpSpPr>
       <p:sp>
         <p:nvSpPr>
-          <p:cNvPr id="180" name="CustomShape 1"/>
+          <p:cNvPr id="106" name="CustomShape 1"/>
           <p:cNvSpPr/>
           <p:nvPr/>
         </p:nvSpPr>
         <p:spPr>
           <a:xfrm>
             <a:off x="777960" y="4776840"/>
-            <a:ext cx="6215040" cy="4524480"/>
+            <a:ext cx="6214680" cy="4524120"/>
           </a:xfrm>
           <a:prstGeom prst="rect">
             <a:avLst/>
@@ -973,7 +971,7 @@
       </p:grpSpPr>
       <p:sp>
         <p:nvSpPr>
-          <p:cNvPr id="23" name="PlaceHolder 1"/>
+          <p:cNvPr id="24" name="PlaceHolder 1"/>
           <p:cNvSpPr>
             <a:spLocks noGrp="1"/>
           </p:cNvSpPr>
@@ -983,8 +981,8 @@
         </p:nvSpPr>
         <p:spPr>
           <a:xfrm>
-            <a:off x="504000" y="287640"/>
-            <a:ext cx="8100720" cy="1104480"/>
+            <a:off x="504000" y="301320"/>
+            <a:ext cx="9072000" cy="1262160"/>
           </a:xfrm>
           <a:prstGeom prst="rect">
             <a:avLst/>
@@ -1000,7 +998,7 @@
       </p:sp>
       <p:sp>
         <p:nvSpPr>
-          <p:cNvPr id="24" name="PlaceHolder 2"/>
+          <p:cNvPr id="25" name="PlaceHolder 2"/>
           <p:cNvSpPr>
             <a:spLocks noGrp="1"/>
           </p:cNvSpPr>
@@ -1010,8 +1008,8 @@
         </p:nvSpPr>
         <p:spPr>
           <a:xfrm>
-            <a:off x="504000" y="1823760"/>
-            <a:ext cx="9072720" cy="2090880"/>
+            <a:off x="504000" y="1768680"/>
+            <a:ext cx="9072000" cy="2090880"/>
           </a:xfrm>
           <a:prstGeom prst="rect">
             <a:avLst/>
@@ -1026,7 +1024,7 @@
       </p:sp>
       <p:sp>
         <p:nvSpPr>
-          <p:cNvPr id="25" name="PlaceHolder 3"/>
+          <p:cNvPr id="26" name="PlaceHolder 3"/>
           <p:cNvSpPr>
             <a:spLocks noGrp="1"/>
           </p:cNvSpPr>
@@ -1036,8 +1034,8 @@
         </p:nvSpPr>
         <p:spPr>
           <a:xfrm>
-            <a:off x="504000" y="4113720"/>
-            <a:ext cx="9072720" cy="2090880"/>
+            <a:off x="504000" y="4058640"/>
+            <a:ext cx="9072000" cy="2090880"/>
           </a:xfrm>
           <a:prstGeom prst="rect">
             <a:avLst/>
@@ -1074,7 +1072,7 @@
       </p:grpSpPr>
       <p:sp>
         <p:nvSpPr>
-          <p:cNvPr id="26" name="PlaceHolder 1"/>
+          <p:cNvPr id="27" name="PlaceHolder 1"/>
           <p:cNvSpPr>
             <a:spLocks noGrp="1"/>
           </p:cNvSpPr>
@@ -1084,8 +1082,8 @@
         </p:nvSpPr>
         <p:spPr>
           <a:xfrm>
-            <a:off x="504000" y="287640"/>
-            <a:ext cx="8100720" cy="1104480"/>
+            <a:off x="504000" y="301320"/>
+            <a:ext cx="9072000" cy="1262160"/>
           </a:xfrm>
           <a:prstGeom prst="rect">
             <a:avLst/>
@@ -1101,7 +1099,7 @@
       </p:sp>
       <p:sp>
         <p:nvSpPr>
-          <p:cNvPr id="27" name="PlaceHolder 2"/>
+          <p:cNvPr id="28" name="PlaceHolder 2"/>
           <p:cNvSpPr>
             <a:spLocks noGrp="1"/>
           </p:cNvSpPr>
@@ -1111,8 +1109,8 @@
         </p:nvSpPr>
         <p:spPr>
           <a:xfrm>
-            <a:off x="504000" y="1823760"/>
-            <a:ext cx="4427280" cy="2090880"/>
+            <a:off x="504000" y="1768680"/>
+            <a:ext cx="4426920" cy="2090880"/>
           </a:xfrm>
           <a:prstGeom prst="rect">
             <a:avLst/>
@@ -1127,7 +1125,7 @@
       </p:sp>
       <p:sp>
         <p:nvSpPr>
-          <p:cNvPr id="28" name="PlaceHolder 3"/>
+          <p:cNvPr id="29" name="PlaceHolder 3"/>
           <p:cNvSpPr>
             <a:spLocks noGrp="1"/>
           </p:cNvSpPr>
@@ -1137,8 +1135,8 @@
         </p:nvSpPr>
         <p:spPr>
           <a:xfrm>
-            <a:off x="5153040" y="1823760"/>
-            <a:ext cx="4427280" cy="2090880"/>
+            <a:off x="5152680" y="1768680"/>
+            <a:ext cx="4426920" cy="2090880"/>
           </a:xfrm>
           <a:prstGeom prst="rect">
             <a:avLst/>
@@ -1153,7 +1151,7 @@
       </p:sp>
       <p:sp>
         <p:nvSpPr>
-          <p:cNvPr id="29" name="PlaceHolder 4"/>
+          <p:cNvPr id="30" name="PlaceHolder 4"/>
           <p:cNvSpPr>
             <a:spLocks noGrp="1"/>
           </p:cNvSpPr>
@@ -1163,8 +1161,8 @@
         </p:nvSpPr>
         <p:spPr>
           <a:xfrm>
-            <a:off x="5153040" y="4113720"/>
-            <a:ext cx="4427280" cy="2090880"/>
+            <a:off x="5152680" y="4058640"/>
+            <a:ext cx="4426920" cy="2090880"/>
           </a:xfrm>
           <a:prstGeom prst="rect">
             <a:avLst/>
@@ -1179,7 +1177,7 @@
       </p:sp>
       <p:sp>
         <p:nvSpPr>
-          <p:cNvPr id="30" name="PlaceHolder 5"/>
+          <p:cNvPr id="31" name="PlaceHolder 5"/>
           <p:cNvSpPr>
             <a:spLocks noGrp="1"/>
           </p:cNvSpPr>
@@ -1189,8 +1187,8 @@
         </p:nvSpPr>
         <p:spPr>
           <a:xfrm>
-            <a:off x="504000" y="4113720"/>
-            <a:ext cx="4427280" cy="2090880"/>
+            <a:off x="504000" y="4058640"/>
+            <a:ext cx="4426920" cy="2090880"/>
           </a:xfrm>
           <a:prstGeom prst="rect">
             <a:avLst/>
@@ -1227,7 +1225,7 @@
       </p:grpSpPr>
       <p:sp>
         <p:nvSpPr>
-          <p:cNvPr id="31" name="PlaceHolder 1"/>
+          <p:cNvPr id="32" name="PlaceHolder 1"/>
           <p:cNvSpPr>
             <a:spLocks noGrp="1"/>
           </p:cNvSpPr>
@@ -1237,8 +1235,8 @@
         </p:nvSpPr>
         <p:spPr>
           <a:xfrm>
-            <a:off x="504000" y="287640"/>
-            <a:ext cx="8100720" cy="1104480"/>
+            <a:off x="504000" y="301320"/>
+            <a:ext cx="9072000" cy="1262160"/>
           </a:xfrm>
           <a:prstGeom prst="rect">
             <a:avLst/>
@@ -1254,7 +1252,7 @@
       </p:sp>
       <p:sp>
         <p:nvSpPr>
-          <p:cNvPr id="32" name="PlaceHolder 2"/>
+          <p:cNvPr id="33" name="PlaceHolder 2"/>
           <p:cNvSpPr>
             <a:spLocks noGrp="1"/>
           </p:cNvSpPr>
@@ -1264,8 +1262,8 @@
         </p:nvSpPr>
         <p:spPr>
           <a:xfrm>
-            <a:off x="504000" y="1823760"/>
-            <a:ext cx="9072720" cy="4384080"/>
+            <a:off x="504000" y="1768680"/>
+            <a:ext cx="9072000" cy="4384080"/>
           </a:xfrm>
           <a:prstGeom prst="rect">
             <a:avLst/>
@@ -1280,7 +1278,7 @@
       </p:sp>
       <p:sp>
         <p:nvSpPr>
-          <p:cNvPr id="33" name="PlaceHolder 3"/>
+          <p:cNvPr id="34" name="PlaceHolder 3"/>
           <p:cNvSpPr>
             <a:spLocks noGrp="1"/>
           </p:cNvSpPr>
@@ -1290,8 +1288,8 @@
         </p:nvSpPr>
         <p:spPr>
           <a:xfrm>
-            <a:off x="504000" y="1823760"/>
-            <a:ext cx="9072720" cy="4384080"/>
+            <a:off x="504000" y="1768680"/>
+            <a:ext cx="9072000" cy="4384080"/>
           </a:xfrm>
           <a:prstGeom prst="rect">
             <a:avLst/>
@@ -1306,7 +1304,7 @@
       </p:sp>
       <p:pic>
         <p:nvPicPr>
-          <p:cNvPr id="34" name="" descr=""/>
+          <p:cNvPr id="35" name="" descr=""/>
           <p:cNvPicPr/>
           <p:nvPr/>
         </p:nvPicPr>
@@ -1318,7 +1316,7 @@
         </p:blipFill>
         <p:spPr>
           <a:xfrm>
-            <a:off x="2292840" y="1823760"/>
+            <a:off x="2292480" y="1768680"/>
             <a:ext cx="5494680" cy="4384080"/>
           </a:xfrm>
           <a:prstGeom prst="rect">
@@ -1331,7 +1329,7 @@
       </p:pic>
       <p:pic>
         <p:nvPicPr>
-          <p:cNvPr id="35" name="" descr=""/>
+          <p:cNvPr id="36" name="" descr=""/>
           <p:cNvPicPr/>
           <p:nvPr/>
         </p:nvPicPr>
@@ -1343,7 +1341,7 @@
         </p:blipFill>
         <p:spPr>
           <a:xfrm>
-            <a:off x="2292840" y="1823760"/>
+            <a:off x="2292480" y="1768680"/>
             <a:ext cx="5494680" cy="4384080"/>
           </a:xfrm>
           <a:prstGeom prst="rect">
@@ -1354,505 +1352,6 @@
           </a:ln>
         </p:spPr>
       </p:pic>
-    </p:spTree>
-  </p:cSld>
-</p:sldLayout>
-</file>
-
-<file path=ppt/slideLayouts/slideLayout13.xml><?xml version="1.0" encoding="utf-8"?>
-<p:sldLayout xmlns:a="http://schemas.openxmlformats.org/drawingml/2006/main" xmlns:p="http://schemas.openxmlformats.org/presentationml/2006/main" xmlns:r="http://schemas.openxmlformats.org/officeDocument/2006/relationships" type="blank" preserve="1">
-  <p:cSld name="Blank Slide">
-    <p:spTree>
-      <p:nvGrpSpPr>
-        <p:cNvPr id="1" name=""/>
-        <p:cNvGrpSpPr/>
-        <p:nvPr/>
-      </p:nvGrpSpPr>
-      <p:grpSpPr>
-        <a:xfrm>
-          <a:off x="0" y="0"/>
-          <a:ext cx="0" cy="0"/>
-          <a:chOff x="0" y="0"/>
-          <a:chExt cx="0" cy="0"/>
-        </a:xfrm>
-      </p:grpSpPr>
-    </p:spTree>
-  </p:cSld>
-</p:sldLayout>
-</file>
-
-<file path=ppt/slideLayouts/slideLayout14.xml><?xml version="1.0" encoding="utf-8"?>
-<p:sldLayout xmlns:a="http://schemas.openxmlformats.org/drawingml/2006/main" xmlns:p="http://schemas.openxmlformats.org/presentationml/2006/main" xmlns:r="http://schemas.openxmlformats.org/officeDocument/2006/relationships" type="tx" preserve="1">
-  <p:cSld name="Title Slide">
-    <p:spTree>
-      <p:nvGrpSpPr>
-        <p:cNvPr id="1" name=""/>
-        <p:cNvGrpSpPr/>
-        <p:nvPr/>
-      </p:nvGrpSpPr>
-      <p:grpSpPr>
-        <a:xfrm>
-          <a:off x="0" y="0"/>
-          <a:ext cx="0" cy="0"/>
-          <a:chOff x="0" y="0"/>
-          <a:chExt cx="0" cy="0"/>
-        </a:xfrm>
-      </p:grpSpPr>
-      <p:sp>
-        <p:nvSpPr>
-          <p:cNvPr id="38" name="PlaceHolder 1"/>
-          <p:cNvSpPr>
-            <a:spLocks noGrp="1"/>
-          </p:cNvSpPr>
-          <p:nvPr>
-            <p:ph type="title"/>
-          </p:nvPr>
-        </p:nvSpPr>
-        <p:spPr>
-          <a:xfrm>
-            <a:off x="504000" y="287640"/>
-            <a:ext cx="8100720" cy="1104480"/>
-          </a:xfrm>
-          <a:prstGeom prst="rect">
-            <a:avLst/>
-          </a:prstGeom>
-        </p:spPr>
-        <p:txBody>
-          <a:bodyPr lIns="0" rIns="0" tIns="0" bIns="0" anchor="ctr"/>
-          <a:p>
-            <a:pPr algn="ctr"/>
-            <a:endParaRPr/>
-          </a:p>
-        </p:txBody>
-      </p:sp>
-      <p:sp>
-        <p:nvSpPr>
-          <p:cNvPr id="39" name="PlaceHolder 2"/>
-          <p:cNvSpPr>
-            <a:spLocks noGrp="1"/>
-          </p:cNvSpPr>
-          <p:nvPr>
-            <p:ph type="subTitle"/>
-          </p:nvPr>
-        </p:nvSpPr>
-        <p:spPr>
-          <a:xfrm>
-            <a:off x="504000" y="1823760"/>
-            <a:ext cx="9072720" cy="4384440"/>
-          </a:xfrm>
-          <a:prstGeom prst="rect">
-            <a:avLst/>
-          </a:prstGeom>
-        </p:spPr>
-        <p:txBody>
-          <a:bodyPr lIns="0" rIns="0" tIns="0" bIns="0" anchor="ctr"/>
-          <a:p>
-            <a:pPr algn="ctr"/>
-            <a:endParaRPr/>
-          </a:p>
-        </p:txBody>
-      </p:sp>
-    </p:spTree>
-  </p:cSld>
-</p:sldLayout>
-</file>
-
-<file path=ppt/slideLayouts/slideLayout15.xml><?xml version="1.0" encoding="utf-8"?>
-<p:sldLayout xmlns:a="http://schemas.openxmlformats.org/drawingml/2006/main" xmlns:p="http://schemas.openxmlformats.org/presentationml/2006/main" xmlns:r="http://schemas.openxmlformats.org/officeDocument/2006/relationships" type="obj" preserve="1">
-  <p:cSld name="Title, Content">
-    <p:spTree>
-      <p:nvGrpSpPr>
-        <p:cNvPr id="1" name=""/>
-        <p:cNvGrpSpPr/>
-        <p:nvPr/>
-      </p:nvGrpSpPr>
-      <p:grpSpPr>
-        <a:xfrm>
-          <a:off x="0" y="0"/>
-          <a:ext cx="0" cy="0"/>
-          <a:chOff x="0" y="0"/>
-          <a:chExt cx="0" cy="0"/>
-        </a:xfrm>
-      </p:grpSpPr>
-      <p:sp>
-        <p:nvSpPr>
-          <p:cNvPr id="40" name="PlaceHolder 1"/>
-          <p:cNvSpPr>
-            <a:spLocks noGrp="1"/>
-          </p:cNvSpPr>
-          <p:nvPr>
-            <p:ph type="title"/>
-          </p:nvPr>
-        </p:nvSpPr>
-        <p:spPr>
-          <a:xfrm>
-            <a:off x="504000" y="287640"/>
-            <a:ext cx="8100720" cy="1104480"/>
-          </a:xfrm>
-          <a:prstGeom prst="rect">
-            <a:avLst/>
-          </a:prstGeom>
-        </p:spPr>
-        <p:txBody>
-          <a:bodyPr lIns="0" rIns="0" tIns="0" bIns="0" anchor="ctr"/>
-          <a:p>
-            <a:pPr algn="ctr"/>
-            <a:endParaRPr/>
-          </a:p>
-        </p:txBody>
-      </p:sp>
-      <p:sp>
-        <p:nvSpPr>
-          <p:cNvPr id="41" name="PlaceHolder 2"/>
-          <p:cNvSpPr>
-            <a:spLocks noGrp="1"/>
-          </p:cNvSpPr>
-          <p:nvPr>
-            <p:ph type="body"/>
-          </p:nvPr>
-        </p:nvSpPr>
-        <p:spPr>
-          <a:xfrm>
-            <a:off x="504000" y="1823760"/>
-            <a:ext cx="9072720" cy="4384080"/>
-          </a:xfrm>
-          <a:prstGeom prst="rect">
-            <a:avLst/>
-          </a:prstGeom>
-        </p:spPr>
-        <p:txBody>
-          <a:bodyPr lIns="0" rIns="0" tIns="0" bIns="0"/>
-          <a:p>
-            <a:endParaRPr/>
-          </a:p>
-        </p:txBody>
-      </p:sp>
-    </p:spTree>
-  </p:cSld>
-</p:sldLayout>
-</file>
-
-<file path=ppt/slideLayouts/slideLayout16.xml><?xml version="1.0" encoding="utf-8"?>
-<p:sldLayout xmlns:a="http://schemas.openxmlformats.org/drawingml/2006/main" xmlns:p="http://schemas.openxmlformats.org/presentationml/2006/main" xmlns:r="http://schemas.openxmlformats.org/officeDocument/2006/relationships" type="twoObj" preserve="1">
-  <p:cSld name="Title, 2 Content">
-    <p:spTree>
-      <p:nvGrpSpPr>
-        <p:cNvPr id="1" name=""/>
-        <p:cNvGrpSpPr/>
-        <p:nvPr/>
-      </p:nvGrpSpPr>
-      <p:grpSpPr>
-        <a:xfrm>
-          <a:off x="0" y="0"/>
-          <a:ext cx="0" cy="0"/>
-          <a:chOff x="0" y="0"/>
-          <a:chExt cx="0" cy="0"/>
-        </a:xfrm>
-      </p:grpSpPr>
-      <p:sp>
-        <p:nvSpPr>
-          <p:cNvPr id="42" name="PlaceHolder 1"/>
-          <p:cNvSpPr>
-            <a:spLocks noGrp="1"/>
-          </p:cNvSpPr>
-          <p:nvPr>
-            <p:ph type="title"/>
-          </p:nvPr>
-        </p:nvSpPr>
-        <p:spPr>
-          <a:xfrm>
-            <a:off x="504000" y="287640"/>
-            <a:ext cx="8100720" cy="1104480"/>
-          </a:xfrm>
-          <a:prstGeom prst="rect">
-            <a:avLst/>
-          </a:prstGeom>
-        </p:spPr>
-        <p:txBody>
-          <a:bodyPr lIns="0" rIns="0" tIns="0" bIns="0" anchor="ctr"/>
-          <a:p>
-            <a:pPr algn="ctr"/>
-            <a:endParaRPr/>
-          </a:p>
-        </p:txBody>
-      </p:sp>
-      <p:sp>
-        <p:nvSpPr>
-          <p:cNvPr id="43" name="PlaceHolder 2"/>
-          <p:cNvSpPr>
-            <a:spLocks noGrp="1"/>
-          </p:cNvSpPr>
-          <p:nvPr>
-            <p:ph type="body"/>
-          </p:nvPr>
-        </p:nvSpPr>
-        <p:spPr>
-          <a:xfrm>
-            <a:off x="504000" y="1823760"/>
-            <a:ext cx="4427280" cy="4384080"/>
-          </a:xfrm>
-          <a:prstGeom prst="rect">
-            <a:avLst/>
-          </a:prstGeom>
-        </p:spPr>
-        <p:txBody>
-          <a:bodyPr lIns="0" rIns="0" tIns="0" bIns="0"/>
-          <a:p>
-            <a:endParaRPr/>
-          </a:p>
-        </p:txBody>
-      </p:sp>
-      <p:sp>
-        <p:nvSpPr>
-          <p:cNvPr id="44" name="PlaceHolder 3"/>
-          <p:cNvSpPr>
-            <a:spLocks noGrp="1"/>
-          </p:cNvSpPr>
-          <p:nvPr>
-            <p:ph type="body"/>
-          </p:nvPr>
-        </p:nvSpPr>
-        <p:spPr>
-          <a:xfrm>
-            <a:off x="5153040" y="1823760"/>
-            <a:ext cx="4427280" cy="4384080"/>
-          </a:xfrm>
-          <a:prstGeom prst="rect">
-            <a:avLst/>
-          </a:prstGeom>
-        </p:spPr>
-        <p:txBody>
-          <a:bodyPr lIns="0" rIns="0" tIns="0" bIns="0"/>
-          <a:p>
-            <a:endParaRPr/>
-          </a:p>
-        </p:txBody>
-      </p:sp>
-    </p:spTree>
-  </p:cSld>
-</p:sldLayout>
-</file>
-
-<file path=ppt/slideLayouts/slideLayout17.xml><?xml version="1.0" encoding="utf-8"?>
-<p:sldLayout xmlns:a="http://schemas.openxmlformats.org/drawingml/2006/main" xmlns:p="http://schemas.openxmlformats.org/presentationml/2006/main" xmlns:r="http://schemas.openxmlformats.org/officeDocument/2006/relationships" type="titleOnly" preserve="1">
-  <p:cSld name="Title Only">
-    <p:spTree>
-      <p:nvGrpSpPr>
-        <p:cNvPr id="1" name=""/>
-        <p:cNvGrpSpPr/>
-        <p:nvPr/>
-      </p:nvGrpSpPr>
-      <p:grpSpPr>
-        <a:xfrm>
-          <a:off x="0" y="0"/>
-          <a:ext cx="0" cy="0"/>
-          <a:chOff x="0" y="0"/>
-          <a:chExt cx="0" cy="0"/>
-        </a:xfrm>
-      </p:grpSpPr>
-      <p:sp>
-        <p:nvSpPr>
-          <p:cNvPr id="45" name="PlaceHolder 1"/>
-          <p:cNvSpPr>
-            <a:spLocks noGrp="1"/>
-          </p:cNvSpPr>
-          <p:nvPr>
-            <p:ph type="title"/>
-          </p:nvPr>
-        </p:nvSpPr>
-        <p:spPr>
-          <a:xfrm>
-            <a:off x="504000" y="287640"/>
-            <a:ext cx="8100720" cy="1104480"/>
-          </a:xfrm>
-          <a:prstGeom prst="rect">
-            <a:avLst/>
-          </a:prstGeom>
-        </p:spPr>
-        <p:txBody>
-          <a:bodyPr lIns="0" rIns="0" tIns="0" bIns="0" anchor="ctr"/>
-          <a:p>
-            <a:pPr algn="ctr"/>
-            <a:endParaRPr/>
-          </a:p>
-        </p:txBody>
-      </p:sp>
-    </p:spTree>
-  </p:cSld>
-</p:sldLayout>
-</file>
-
-<file path=ppt/slideLayouts/slideLayout18.xml><?xml version="1.0" encoding="utf-8"?>
-<p:sldLayout xmlns:a="http://schemas.openxmlformats.org/drawingml/2006/main" xmlns:p="http://schemas.openxmlformats.org/presentationml/2006/main" xmlns:r="http://schemas.openxmlformats.org/officeDocument/2006/relationships" type="objOnly" preserve="1">
-  <p:cSld name="Centered Text">
-    <p:spTree>
-      <p:nvGrpSpPr>
-        <p:cNvPr id="1" name=""/>
-        <p:cNvGrpSpPr/>
-        <p:nvPr/>
-      </p:nvGrpSpPr>
-      <p:grpSpPr>
-        <a:xfrm>
-          <a:off x="0" y="0"/>
-          <a:ext cx="0" cy="0"/>
-          <a:chOff x="0" y="0"/>
-          <a:chExt cx="0" cy="0"/>
-        </a:xfrm>
-      </p:grpSpPr>
-      <p:sp>
-        <p:nvSpPr>
-          <p:cNvPr id="46" name="PlaceHolder 1"/>
-          <p:cNvSpPr>
-            <a:spLocks noGrp="1"/>
-          </p:cNvSpPr>
-          <p:nvPr>
-            <p:ph type="subTitle"/>
-          </p:nvPr>
-        </p:nvSpPr>
-        <p:spPr>
-          <a:xfrm>
-            <a:off x="504000" y="287640"/>
-            <a:ext cx="8100720" cy="5119560"/>
-          </a:xfrm>
-          <a:prstGeom prst="rect">
-            <a:avLst/>
-          </a:prstGeom>
-        </p:spPr>
-        <p:txBody>
-          <a:bodyPr lIns="0" rIns="0" tIns="0" bIns="0" anchor="ctr"/>
-          <a:p>
-            <a:pPr algn="ctr"/>
-            <a:endParaRPr/>
-          </a:p>
-        </p:txBody>
-      </p:sp>
-    </p:spTree>
-  </p:cSld>
-</p:sldLayout>
-</file>
-
-<file path=ppt/slideLayouts/slideLayout19.xml><?xml version="1.0" encoding="utf-8"?>
-<p:sldLayout xmlns:a="http://schemas.openxmlformats.org/drawingml/2006/main" xmlns:p="http://schemas.openxmlformats.org/presentationml/2006/main" xmlns:r="http://schemas.openxmlformats.org/officeDocument/2006/relationships" type="twoObjAndObj" preserve="1">
-  <p:cSld name="Title, 2 Content and Content">
-    <p:spTree>
-      <p:nvGrpSpPr>
-        <p:cNvPr id="1" name=""/>
-        <p:cNvGrpSpPr/>
-        <p:nvPr/>
-      </p:nvGrpSpPr>
-      <p:grpSpPr>
-        <a:xfrm>
-          <a:off x="0" y="0"/>
-          <a:ext cx="0" cy="0"/>
-          <a:chOff x="0" y="0"/>
-          <a:chExt cx="0" cy="0"/>
-        </a:xfrm>
-      </p:grpSpPr>
-      <p:sp>
-        <p:nvSpPr>
-          <p:cNvPr id="47" name="PlaceHolder 1"/>
-          <p:cNvSpPr>
-            <a:spLocks noGrp="1"/>
-          </p:cNvSpPr>
-          <p:nvPr>
-            <p:ph type="title"/>
-          </p:nvPr>
-        </p:nvSpPr>
-        <p:spPr>
-          <a:xfrm>
-            <a:off x="504000" y="287640"/>
-            <a:ext cx="8100720" cy="1104480"/>
-          </a:xfrm>
-          <a:prstGeom prst="rect">
-            <a:avLst/>
-          </a:prstGeom>
-        </p:spPr>
-        <p:txBody>
-          <a:bodyPr lIns="0" rIns="0" tIns="0" bIns="0" anchor="ctr"/>
-          <a:p>
-            <a:pPr algn="ctr"/>
-            <a:endParaRPr/>
-          </a:p>
-        </p:txBody>
-      </p:sp>
-      <p:sp>
-        <p:nvSpPr>
-          <p:cNvPr id="48" name="PlaceHolder 2"/>
-          <p:cNvSpPr>
-            <a:spLocks noGrp="1"/>
-          </p:cNvSpPr>
-          <p:nvPr>
-            <p:ph type="body"/>
-          </p:nvPr>
-        </p:nvSpPr>
-        <p:spPr>
-          <a:xfrm>
-            <a:off x="504000" y="1823760"/>
-            <a:ext cx="4427280" cy="2090880"/>
-          </a:xfrm>
-          <a:prstGeom prst="rect">
-            <a:avLst/>
-          </a:prstGeom>
-        </p:spPr>
-        <p:txBody>
-          <a:bodyPr lIns="0" rIns="0" tIns="0" bIns="0"/>
-          <a:p>
-            <a:endParaRPr/>
-          </a:p>
-        </p:txBody>
-      </p:sp>
-      <p:sp>
-        <p:nvSpPr>
-          <p:cNvPr id="49" name="PlaceHolder 3"/>
-          <p:cNvSpPr>
-            <a:spLocks noGrp="1"/>
-          </p:cNvSpPr>
-          <p:nvPr>
-            <p:ph type="body"/>
-          </p:nvPr>
-        </p:nvSpPr>
-        <p:spPr>
-          <a:xfrm>
-            <a:off x="504000" y="4113720"/>
-            <a:ext cx="4427280" cy="2090880"/>
-          </a:xfrm>
-          <a:prstGeom prst="rect">
-            <a:avLst/>
-          </a:prstGeom>
-        </p:spPr>
-        <p:txBody>
-          <a:bodyPr lIns="0" rIns="0" tIns="0" bIns="0"/>
-          <a:p>
-            <a:endParaRPr/>
-          </a:p>
-        </p:txBody>
-      </p:sp>
-      <p:sp>
-        <p:nvSpPr>
-          <p:cNvPr id="50" name="PlaceHolder 4"/>
-          <p:cNvSpPr>
-            <a:spLocks noGrp="1"/>
-          </p:cNvSpPr>
-          <p:nvPr>
-            <p:ph type="body"/>
-          </p:nvPr>
-        </p:nvSpPr>
-        <p:spPr>
-          <a:xfrm>
-            <a:off x="5153040" y="1823760"/>
-            <a:ext cx="4427280" cy="4384080"/>
-          </a:xfrm>
-          <a:prstGeom prst="rect">
-            <a:avLst/>
-          </a:prstGeom>
-        </p:spPr>
-        <p:txBody>
-          <a:bodyPr lIns="0" rIns="0" tIns="0" bIns="0"/>
-          <a:p>
-            <a:endParaRPr/>
-          </a:p>
-        </p:txBody>
-      </p:sp>
     </p:spTree>
   </p:cSld>
 </p:sldLayout>
@@ -1877,7 +1376,7 @@
       </p:grpSpPr>
       <p:sp>
         <p:nvSpPr>
-          <p:cNvPr id="2" name="PlaceHolder 1"/>
+          <p:cNvPr id="3" name="PlaceHolder 1"/>
           <p:cNvSpPr>
             <a:spLocks noGrp="1"/>
           </p:cNvSpPr>
@@ -1887,8 +1386,8 @@
         </p:nvSpPr>
         <p:spPr>
           <a:xfrm>
-            <a:off x="504000" y="287640"/>
-            <a:ext cx="8100720" cy="1104480"/>
+            <a:off x="504000" y="301320"/>
+            <a:ext cx="9072000" cy="1262160"/>
           </a:xfrm>
           <a:prstGeom prst="rect">
             <a:avLst/>
@@ -1904,7 +1403,7 @@
       </p:sp>
       <p:sp>
         <p:nvSpPr>
-          <p:cNvPr id="3" name="PlaceHolder 2"/>
+          <p:cNvPr id="4" name="PlaceHolder 2"/>
           <p:cNvSpPr>
             <a:spLocks noGrp="1"/>
           </p:cNvSpPr>
@@ -1914,990 +1413,8 @@
         </p:nvSpPr>
         <p:spPr>
           <a:xfrm>
-            <a:off x="504000" y="1823760"/>
-            <a:ext cx="9072720" cy="4384440"/>
-          </a:xfrm>
-          <a:prstGeom prst="rect">
-            <a:avLst/>
-          </a:prstGeom>
-        </p:spPr>
-        <p:txBody>
-          <a:bodyPr lIns="0" rIns="0" tIns="0" bIns="0" anchor="ctr"/>
-          <a:p>
-            <a:pPr algn="ctr"/>
-            <a:endParaRPr/>
-          </a:p>
-        </p:txBody>
-      </p:sp>
-    </p:spTree>
-  </p:cSld>
-</p:sldLayout>
-</file>
-
-<file path=ppt/slideLayouts/slideLayout20.xml><?xml version="1.0" encoding="utf-8"?>
-<p:sldLayout xmlns:a="http://schemas.openxmlformats.org/drawingml/2006/main" xmlns:p="http://schemas.openxmlformats.org/presentationml/2006/main" xmlns:r="http://schemas.openxmlformats.org/officeDocument/2006/relationships" type="objAndTwoObj" preserve="1">
-  <p:cSld name="Title Content and 2 Content">
-    <p:spTree>
-      <p:nvGrpSpPr>
-        <p:cNvPr id="1" name=""/>
-        <p:cNvGrpSpPr/>
-        <p:nvPr/>
-      </p:nvGrpSpPr>
-      <p:grpSpPr>
-        <a:xfrm>
-          <a:off x="0" y="0"/>
-          <a:ext cx="0" cy="0"/>
-          <a:chOff x="0" y="0"/>
-          <a:chExt cx="0" cy="0"/>
-        </a:xfrm>
-      </p:grpSpPr>
-      <p:sp>
-        <p:nvSpPr>
-          <p:cNvPr id="51" name="PlaceHolder 1"/>
-          <p:cNvSpPr>
-            <a:spLocks noGrp="1"/>
-          </p:cNvSpPr>
-          <p:nvPr>
-            <p:ph type="title"/>
-          </p:nvPr>
-        </p:nvSpPr>
-        <p:spPr>
-          <a:xfrm>
-            <a:off x="504000" y="287640"/>
-            <a:ext cx="8100720" cy="1104480"/>
-          </a:xfrm>
-          <a:prstGeom prst="rect">
-            <a:avLst/>
-          </a:prstGeom>
-        </p:spPr>
-        <p:txBody>
-          <a:bodyPr lIns="0" rIns="0" tIns="0" bIns="0" anchor="ctr"/>
-          <a:p>
-            <a:pPr algn="ctr"/>
-            <a:endParaRPr/>
-          </a:p>
-        </p:txBody>
-      </p:sp>
-      <p:sp>
-        <p:nvSpPr>
-          <p:cNvPr id="52" name="PlaceHolder 2"/>
-          <p:cNvSpPr>
-            <a:spLocks noGrp="1"/>
-          </p:cNvSpPr>
-          <p:nvPr>
-            <p:ph type="body"/>
-          </p:nvPr>
-        </p:nvSpPr>
-        <p:spPr>
-          <a:xfrm>
-            <a:off x="504000" y="1823760"/>
-            <a:ext cx="4427280" cy="4384080"/>
-          </a:xfrm>
-          <a:prstGeom prst="rect">
-            <a:avLst/>
-          </a:prstGeom>
-        </p:spPr>
-        <p:txBody>
-          <a:bodyPr lIns="0" rIns="0" tIns="0" bIns="0"/>
-          <a:p>
-            <a:endParaRPr/>
-          </a:p>
-        </p:txBody>
-      </p:sp>
-      <p:sp>
-        <p:nvSpPr>
-          <p:cNvPr id="53" name="PlaceHolder 3"/>
-          <p:cNvSpPr>
-            <a:spLocks noGrp="1"/>
-          </p:cNvSpPr>
-          <p:nvPr>
-            <p:ph type="body"/>
-          </p:nvPr>
-        </p:nvSpPr>
-        <p:spPr>
-          <a:xfrm>
-            <a:off x="5153040" y="1823760"/>
-            <a:ext cx="4427280" cy="2090880"/>
-          </a:xfrm>
-          <a:prstGeom prst="rect">
-            <a:avLst/>
-          </a:prstGeom>
-        </p:spPr>
-        <p:txBody>
-          <a:bodyPr lIns="0" rIns="0" tIns="0" bIns="0"/>
-          <a:p>
-            <a:endParaRPr/>
-          </a:p>
-        </p:txBody>
-      </p:sp>
-      <p:sp>
-        <p:nvSpPr>
-          <p:cNvPr id="54" name="PlaceHolder 4"/>
-          <p:cNvSpPr>
-            <a:spLocks noGrp="1"/>
-          </p:cNvSpPr>
-          <p:nvPr>
-            <p:ph type="body"/>
-          </p:nvPr>
-        </p:nvSpPr>
-        <p:spPr>
-          <a:xfrm>
-            <a:off x="5153040" y="4113720"/>
-            <a:ext cx="4427280" cy="2090880"/>
-          </a:xfrm>
-          <a:prstGeom prst="rect">
-            <a:avLst/>
-          </a:prstGeom>
-        </p:spPr>
-        <p:txBody>
-          <a:bodyPr lIns="0" rIns="0" tIns="0" bIns="0"/>
-          <a:p>
-            <a:endParaRPr/>
-          </a:p>
-        </p:txBody>
-      </p:sp>
-    </p:spTree>
-  </p:cSld>
-</p:sldLayout>
-</file>
-
-<file path=ppt/slideLayouts/slideLayout21.xml><?xml version="1.0" encoding="utf-8"?>
-<p:sldLayout xmlns:a="http://schemas.openxmlformats.org/drawingml/2006/main" xmlns:p="http://schemas.openxmlformats.org/presentationml/2006/main" xmlns:r="http://schemas.openxmlformats.org/officeDocument/2006/relationships" type="twoObjOverTx" preserve="1">
-  <p:cSld name="Title, 2 Content over Content">
-    <p:spTree>
-      <p:nvGrpSpPr>
-        <p:cNvPr id="1" name=""/>
-        <p:cNvGrpSpPr/>
-        <p:nvPr/>
-      </p:nvGrpSpPr>
-      <p:grpSpPr>
-        <a:xfrm>
-          <a:off x="0" y="0"/>
-          <a:ext cx="0" cy="0"/>
-          <a:chOff x="0" y="0"/>
-          <a:chExt cx="0" cy="0"/>
-        </a:xfrm>
-      </p:grpSpPr>
-      <p:sp>
-        <p:nvSpPr>
-          <p:cNvPr id="55" name="PlaceHolder 1"/>
-          <p:cNvSpPr>
-            <a:spLocks noGrp="1"/>
-          </p:cNvSpPr>
-          <p:nvPr>
-            <p:ph type="title"/>
-          </p:nvPr>
-        </p:nvSpPr>
-        <p:spPr>
-          <a:xfrm>
-            <a:off x="504000" y="287640"/>
-            <a:ext cx="8100720" cy="1104480"/>
-          </a:xfrm>
-          <a:prstGeom prst="rect">
-            <a:avLst/>
-          </a:prstGeom>
-        </p:spPr>
-        <p:txBody>
-          <a:bodyPr lIns="0" rIns="0" tIns="0" bIns="0" anchor="ctr"/>
-          <a:p>
-            <a:pPr algn="ctr"/>
-            <a:endParaRPr/>
-          </a:p>
-        </p:txBody>
-      </p:sp>
-      <p:sp>
-        <p:nvSpPr>
-          <p:cNvPr id="56" name="PlaceHolder 2"/>
-          <p:cNvSpPr>
-            <a:spLocks noGrp="1"/>
-          </p:cNvSpPr>
-          <p:nvPr>
-            <p:ph type="body"/>
-          </p:nvPr>
-        </p:nvSpPr>
-        <p:spPr>
-          <a:xfrm>
-            <a:off x="504000" y="1823760"/>
-            <a:ext cx="4427280" cy="2090880"/>
-          </a:xfrm>
-          <a:prstGeom prst="rect">
-            <a:avLst/>
-          </a:prstGeom>
-        </p:spPr>
-        <p:txBody>
-          <a:bodyPr lIns="0" rIns="0" tIns="0" bIns="0"/>
-          <a:p>
-            <a:endParaRPr/>
-          </a:p>
-        </p:txBody>
-      </p:sp>
-      <p:sp>
-        <p:nvSpPr>
-          <p:cNvPr id="57" name="PlaceHolder 3"/>
-          <p:cNvSpPr>
-            <a:spLocks noGrp="1"/>
-          </p:cNvSpPr>
-          <p:nvPr>
-            <p:ph type="body"/>
-          </p:nvPr>
-        </p:nvSpPr>
-        <p:spPr>
-          <a:xfrm>
-            <a:off x="5153040" y="1823760"/>
-            <a:ext cx="4427280" cy="2090880"/>
-          </a:xfrm>
-          <a:prstGeom prst="rect">
-            <a:avLst/>
-          </a:prstGeom>
-        </p:spPr>
-        <p:txBody>
-          <a:bodyPr lIns="0" rIns="0" tIns="0" bIns="0"/>
-          <a:p>
-            <a:endParaRPr/>
-          </a:p>
-        </p:txBody>
-      </p:sp>
-      <p:sp>
-        <p:nvSpPr>
-          <p:cNvPr id="58" name="PlaceHolder 4"/>
-          <p:cNvSpPr>
-            <a:spLocks noGrp="1"/>
-          </p:cNvSpPr>
-          <p:nvPr>
-            <p:ph type="body"/>
-          </p:nvPr>
-        </p:nvSpPr>
-        <p:spPr>
-          <a:xfrm>
-            <a:off x="504000" y="4113720"/>
-            <a:ext cx="9072720" cy="2090880"/>
-          </a:xfrm>
-          <a:prstGeom prst="rect">
-            <a:avLst/>
-          </a:prstGeom>
-        </p:spPr>
-        <p:txBody>
-          <a:bodyPr lIns="0" rIns="0" tIns="0" bIns="0"/>
-          <a:p>
-            <a:endParaRPr/>
-          </a:p>
-        </p:txBody>
-      </p:sp>
-    </p:spTree>
-  </p:cSld>
-</p:sldLayout>
-</file>
-
-<file path=ppt/slideLayouts/slideLayout22.xml><?xml version="1.0" encoding="utf-8"?>
-<p:sldLayout xmlns:a="http://schemas.openxmlformats.org/drawingml/2006/main" xmlns:p="http://schemas.openxmlformats.org/presentationml/2006/main" xmlns:r="http://schemas.openxmlformats.org/officeDocument/2006/relationships" type="objOverTx" preserve="1">
-  <p:cSld name="Title, Content over Content">
-    <p:spTree>
-      <p:nvGrpSpPr>
-        <p:cNvPr id="1" name=""/>
-        <p:cNvGrpSpPr/>
-        <p:nvPr/>
-      </p:nvGrpSpPr>
-      <p:grpSpPr>
-        <a:xfrm>
-          <a:off x="0" y="0"/>
-          <a:ext cx="0" cy="0"/>
-          <a:chOff x="0" y="0"/>
-          <a:chExt cx="0" cy="0"/>
-        </a:xfrm>
-      </p:grpSpPr>
-      <p:sp>
-        <p:nvSpPr>
-          <p:cNvPr id="59" name="PlaceHolder 1"/>
-          <p:cNvSpPr>
-            <a:spLocks noGrp="1"/>
-          </p:cNvSpPr>
-          <p:nvPr>
-            <p:ph type="title"/>
-          </p:nvPr>
-        </p:nvSpPr>
-        <p:spPr>
-          <a:xfrm>
-            <a:off x="504000" y="287640"/>
-            <a:ext cx="8100720" cy="1104480"/>
-          </a:xfrm>
-          <a:prstGeom prst="rect">
-            <a:avLst/>
-          </a:prstGeom>
-        </p:spPr>
-        <p:txBody>
-          <a:bodyPr lIns="0" rIns="0" tIns="0" bIns="0" anchor="ctr"/>
-          <a:p>
-            <a:pPr algn="ctr"/>
-            <a:endParaRPr/>
-          </a:p>
-        </p:txBody>
-      </p:sp>
-      <p:sp>
-        <p:nvSpPr>
-          <p:cNvPr id="60" name="PlaceHolder 2"/>
-          <p:cNvSpPr>
-            <a:spLocks noGrp="1"/>
-          </p:cNvSpPr>
-          <p:nvPr>
-            <p:ph type="body"/>
-          </p:nvPr>
-        </p:nvSpPr>
-        <p:spPr>
-          <a:xfrm>
-            <a:off x="504000" y="1823760"/>
-            <a:ext cx="9072720" cy="2090880"/>
-          </a:xfrm>
-          <a:prstGeom prst="rect">
-            <a:avLst/>
-          </a:prstGeom>
-        </p:spPr>
-        <p:txBody>
-          <a:bodyPr lIns="0" rIns="0" tIns="0" bIns="0"/>
-          <a:p>
-            <a:endParaRPr/>
-          </a:p>
-        </p:txBody>
-      </p:sp>
-      <p:sp>
-        <p:nvSpPr>
-          <p:cNvPr id="61" name="PlaceHolder 3"/>
-          <p:cNvSpPr>
-            <a:spLocks noGrp="1"/>
-          </p:cNvSpPr>
-          <p:nvPr>
-            <p:ph type="body"/>
-          </p:nvPr>
-        </p:nvSpPr>
-        <p:spPr>
-          <a:xfrm>
-            <a:off x="504000" y="4113720"/>
-            <a:ext cx="9072720" cy="2090880"/>
-          </a:xfrm>
-          <a:prstGeom prst="rect">
-            <a:avLst/>
-          </a:prstGeom>
-        </p:spPr>
-        <p:txBody>
-          <a:bodyPr lIns="0" rIns="0" tIns="0" bIns="0"/>
-          <a:p>
-            <a:endParaRPr/>
-          </a:p>
-        </p:txBody>
-      </p:sp>
-    </p:spTree>
-  </p:cSld>
-</p:sldLayout>
-</file>
-
-<file path=ppt/slideLayouts/slideLayout23.xml><?xml version="1.0" encoding="utf-8"?>
-<p:sldLayout xmlns:a="http://schemas.openxmlformats.org/drawingml/2006/main" xmlns:p="http://schemas.openxmlformats.org/presentationml/2006/main" xmlns:r="http://schemas.openxmlformats.org/officeDocument/2006/relationships" type="fourObj" preserve="1">
-  <p:cSld name="Title, 4 Content">
-    <p:spTree>
-      <p:nvGrpSpPr>
-        <p:cNvPr id="1" name=""/>
-        <p:cNvGrpSpPr/>
-        <p:nvPr/>
-      </p:nvGrpSpPr>
-      <p:grpSpPr>
-        <a:xfrm>
-          <a:off x="0" y="0"/>
-          <a:ext cx="0" cy="0"/>
-          <a:chOff x="0" y="0"/>
-          <a:chExt cx="0" cy="0"/>
-        </a:xfrm>
-      </p:grpSpPr>
-      <p:sp>
-        <p:nvSpPr>
-          <p:cNvPr id="62" name="PlaceHolder 1"/>
-          <p:cNvSpPr>
-            <a:spLocks noGrp="1"/>
-          </p:cNvSpPr>
-          <p:nvPr>
-            <p:ph type="title"/>
-          </p:nvPr>
-        </p:nvSpPr>
-        <p:spPr>
-          <a:xfrm>
-            <a:off x="504000" y="287640"/>
-            <a:ext cx="8100720" cy="1104480"/>
-          </a:xfrm>
-          <a:prstGeom prst="rect">
-            <a:avLst/>
-          </a:prstGeom>
-        </p:spPr>
-        <p:txBody>
-          <a:bodyPr lIns="0" rIns="0" tIns="0" bIns="0" anchor="ctr"/>
-          <a:p>
-            <a:pPr algn="ctr"/>
-            <a:endParaRPr/>
-          </a:p>
-        </p:txBody>
-      </p:sp>
-      <p:sp>
-        <p:nvSpPr>
-          <p:cNvPr id="63" name="PlaceHolder 2"/>
-          <p:cNvSpPr>
-            <a:spLocks noGrp="1"/>
-          </p:cNvSpPr>
-          <p:nvPr>
-            <p:ph type="body"/>
-          </p:nvPr>
-        </p:nvSpPr>
-        <p:spPr>
-          <a:xfrm>
-            <a:off x="504000" y="1823760"/>
-            <a:ext cx="4427280" cy="2090880"/>
-          </a:xfrm>
-          <a:prstGeom prst="rect">
-            <a:avLst/>
-          </a:prstGeom>
-        </p:spPr>
-        <p:txBody>
-          <a:bodyPr lIns="0" rIns="0" tIns="0" bIns="0"/>
-          <a:p>
-            <a:endParaRPr/>
-          </a:p>
-        </p:txBody>
-      </p:sp>
-      <p:sp>
-        <p:nvSpPr>
-          <p:cNvPr id="64" name="PlaceHolder 3"/>
-          <p:cNvSpPr>
-            <a:spLocks noGrp="1"/>
-          </p:cNvSpPr>
-          <p:nvPr>
-            <p:ph type="body"/>
-          </p:nvPr>
-        </p:nvSpPr>
-        <p:spPr>
-          <a:xfrm>
-            <a:off x="5153040" y="1823760"/>
-            <a:ext cx="4427280" cy="2090880"/>
-          </a:xfrm>
-          <a:prstGeom prst="rect">
-            <a:avLst/>
-          </a:prstGeom>
-        </p:spPr>
-        <p:txBody>
-          <a:bodyPr lIns="0" rIns="0" tIns="0" bIns="0"/>
-          <a:p>
-            <a:endParaRPr/>
-          </a:p>
-        </p:txBody>
-      </p:sp>
-      <p:sp>
-        <p:nvSpPr>
-          <p:cNvPr id="65" name="PlaceHolder 4"/>
-          <p:cNvSpPr>
-            <a:spLocks noGrp="1"/>
-          </p:cNvSpPr>
-          <p:nvPr>
-            <p:ph type="body"/>
-          </p:nvPr>
-        </p:nvSpPr>
-        <p:spPr>
-          <a:xfrm>
-            <a:off x="5153040" y="4113720"/>
-            <a:ext cx="4427280" cy="2090880"/>
-          </a:xfrm>
-          <a:prstGeom prst="rect">
-            <a:avLst/>
-          </a:prstGeom>
-        </p:spPr>
-        <p:txBody>
-          <a:bodyPr lIns="0" rIns="0" tIns="0" bIns="0"/>
-          <a:p>
-            <a:endParaRPr/>
-          </a:p>
-        </p:txBody>
-      </p:sp>
-      <p:sp>
-        <p:nvSpPr>
-          <p:cNvPr id="66" name="PlaceHolder 5"/>
-          <p:cNvSpPr>
-            <a:spLocks noGrp="1"/>
-          </p:cNvSpPr>
-          <p:nvPr>
-            <p:ph type="body"/>
-          </p:nvPr>
-        </p:nvSpPr>
-        <p:spPr>
-          <a:xfrm>
-            <a:off x="504000" y="4113720"/>
-            <a:ext cx="4427280" cy="2090880"/>
-          </a:xfrm>
-          <a:prstGeom prst="rect">
-            <a:avLst/>
-          </a:prstGeom>
-        </p:spPr>
-        <p:txBody>
-          <a:bodyPr lIns="0" rIns="0" tIns="0" bIns="0"/>
-          <a:p>
-            <a:endParaRPr/>
-          </a:p>
-        </p:txBody>
-      </p:sp>
-    </p:spTree>
-  </p:cSld>
-</p:sldLayout>
-</file>
-
-<file path=ppt/slideLayouts/slideLayout24.xml><?xml version="1.0" encoding="utf-8"?>
-<p:sldLayout xmlns:a="http://schemas.openxmlformats.org/drawingml/2006/main" xmlns:p="http://schemas.openxmlformats.org/presentationml/2006/main" xmlns:r="http://schemas.openxmlformats.org/officeDocument/2006/relationships" type="blank" preserve="1">
-  <p:cSld name="Title, 6 Content">
-    <p:spTree>
-      <p:nvGrpSpPr>
-        <p:cNvPr id="1" name=""/>
-        <p:cNvGrpSpPr/>
-        <p:nvPr/>
-      </p:nvGrpSpPr>
-      <p:grpSpPr>
-        <a:xfrm>
-          <a:off x="0" y="0"/>
-          <a:ext cx="0" cy="0"/>
-          <a:chOff x="0" y="0"/>
-          <a:chExt cx="0" cy="0"/>
-        </a:xfrm>
-      </p:grpSpPr>
-      <p:sp>
-        <p:nvSpPr>
-          <p:cNvPr id="67" name="PlaceHolder 1"/>
-          <p:cNvSpPr>
-            <a:spLocks noGrp="1"/>
-          </p:cNvSpPr>
-          <p:nvPr>
-            <p:ph type="title"/>
-          </p:nvPr>
-        </p:nvSpPr>
-        <p:spPr>
-          <a:xfrm>
-            <a:off x="504000" y="287640"/>
-            <a:ext cx="8100720" cy="1104480"/>
-          </a:xfrm>
-          <a:prstGeom prst="rect">
-            <a:avLst/>
-          </a:prstGeom>
-        </p:spPr>
-        <p:txBody>
-          <a:bodyPr lIns="0" rIns="0" tIns="0" bIns="0" anchor="ctr"/>
-          <a:p>
-            <a:pPr algn="ctr"/>
-            <a:endParaRPr/>
-          </a:p>
-        </p:txBody>
-      </p:sp>
-      <p:sp>
-        <p:nvSpPr>
-          <p:cNvPr id="68" name="PlaceHolder 2"/>
-          <p:cNvSpPr>
-            <a:spLocks noGrp="1"/>
-          </p:cNvSpPr>
-          <p:nvPr>
-            <p:ph type="body"/>
-          </p:nvPr>
-        </p:nvSpPr>
-        <p:spPr>
-          <a:xfrm>
-            <a:off x="504000" y="1823760"/>
-            <a:ext cx="9072720" cy="4384080"/>
-          </a:xfrm>
-          <a:prstGeom prst="rect">
-            <a:avLst/>
-          </a:prstGeom>
-        </p:spPr>
-        <p:txBody>
-          <a:bodyPr lIns="0" rIns="0" tIns="0" bIns="0"/>
-          <a:p>
-            <a:endParaRPr/>
-          </a:p>
-        </p:txBody>
-      </p:sp>
-      <p:sp>
-        <p:nvSpPr>
-          <p:cNvPr id="69" name="PlaceHolder 3"/>
-          <p:cNvSpPr>
-            <a:spLocks noGrp="1"/>
-          </p:cNvSpPr>
-          <p:nvPr>
-            <p:ph type="body"/>
-          </p:nvPr>
-        </p:nvSpPr>
-        <p:spPr>
-          <a:xfrm>
-            <a:off x="504000" y="1823760"/>
-            <a:ext cx="9072720" cy="4384080"/>
-          </a:xfrm>
-          <a:prstGeom prst="rect">
-            <a:avLst/>
-          </a:prstGeom>
-        </p:spPr>
-        <p:txBody>
-          <a:bodyPr lIns="0" rIns="0" tIns="0" bIns="0"/>
-          <a:p>
-            <a:endParaRPr/>
-          </a:p>
-        </p:txBody>
-      </p:sp>
-      <p:pic>
-        <p:nvPicPr>
-          <p:cNvPr id="70" name="" descr=""/>
-          <p:cNvPicPr/>
-          <p:nvPr/>
-        </p:nvPicPr>
-        <p:blipFill>
-          <a:blip r:embed="rId2"/>
-          <a:stretch>
-            <a:fillRect/>
-          </a:stretch>
-        </p:blipFill>
-        <p:spPr>
-          <a:xfrm>
-            <a:off x="2292840" y="1823760"/>
-            <a:ext cx="5494680" cy="4384080"/>
-          </a:xfrm>
-          <a:prstGeom prst="rect">
-            <a:avLst/>
-          </a:prstGeom>
-          <a:ln>
-            <a:noFill/>
-          </a:ln>
-        </p:spPr>
-      </p:pic>
-      <p:pic>
-        <p:nvPicPr>
-          <p:cNvPr id="71" name="" descr=""/>
-          <p:cNvPicPr/>
-          <p:nvPr/>
-        </p:nvPicPr>
-        <p:blipFill>
-          <a:blip r:embed="rId3"/>
-          <a:stretch>
-            <a:fillRect/>
-          </a:stretch>
-        </p:blipFill>
-        <p:spPr>
-          <a:xfrm>
-            <a:off x="2292840" y="1823760"/>
-            <a:ext cx="5494680" cy="4384080"/>
-          </a:xfrm>
-          <a:prstGeom prst="rect">
-            <a:avLst/>
-          </a:prstGeom>
-          <a:ln>
-            <a:noFill/>
-          </a:ln>
-        </p:spPr>
-      </p:pic>
-    </p:spTree>
-  </p:cSld>
-</p:sldLayout>
-</file>
-
-<file path=ppt/slideLayouts/slideLayout25.xml><?xml version="1.0" encoding="utf-8"?>
-<p:sldLayout xmlns:a="http://schemas.openxmlformats.org/drawingml/2006/main" xmlns:p="http://schemas.openxmlformats.org/presentationml/2006/main" xmlns:r="http://schemas.openxmlformats.org/officeDocument/2006/relationships" type="blank" preserve="1">
-  <p:cSld name="Blank Slide">
-    <p:spTree>
-      <p:nvGrpSpPr>
-        <p:cNvPr id="1" name=""/>
-        <p:cNvGrpSpPr/>
-        <p:nvPr/>
-      </p:nvGrpSpPr>
-      <p:grpSpPr>
-        <a:xfrm>
-          <a:off x="0" y="0"/>
-          <a:ext cx="0" cy="0"/>
-          <a:chOff x="0" y="0"/>
-          <a:chExt cx="0" cy="0"/>
-        </a:xfrm>
-      </p:grpSpPr>
-    </p:spTree>
-  </p:cSld>
-</p:sldLayout>
-</file>
-
-<file path=ppt/slideLayouts/slideLayout26.xml><?xml version="1.0" encoding="utf-8"?>
-<p:sldLayout xmlns:a="http://schemas.openxmlformats.org/drawingml/2006/main" xmlns:p="http://schemas.openxmlformats.org/presentationml/2006/main" xmlns:r="http://schemas.openxmlformats.org/officeDocument/2006/relationships" type="tx" preserve="1">
-  <p:cSld name="Title Slide">
-    <p:spTree>
-      <p:nvGrpSpPr>
-        <p:cNvPr id="1" name=""/>
-        <p:cNvGrpSpPr/>
-        <p:nvPr/>
-      </p:nvGrpSpPr>
-      <p:grpSpPr>
-        <a:xfrm>
-          <a:off x="0" y="0"/>
-          <a:ext cx="0" cy="0"/>
-          <a:chOff x="0" y="0"/>
-          <a:chExt cx="0" cy="0"/>
-        </a:xfrm>
-      </p:grpSpPr>
-      <p:sp>
-        <p:nvSpPr>
-          <p:cNvPr id="78" name="PlaceHolder 1"/>
-          <p:cNvSpPr>
-            <a:spLocks noGrp="1"/>
-          </p:cNvSpPr>
-          <p:nvPr>
-            <p:ph type="title"/>
-          </p:nvPr>
-        </p:nvSpPr>
-        <p:spPr>
-          <a:xfrm>
-            <a:off x="504000" y="287640"/>
-            <a:ext cx="8100720" cy="1104480"/>
-          </a:xfrm>
-          <a:prstGeom prst="rect">
-            <a:avLst/>
-          </a:prstGeom>
-        </p:spPr>
-        <p:txBody>
-          <a:bodyPr lIns="0" rIns="0" tIns="0" bIns="0" anchor="ctr"/>
-          <a:p>
-            <a:pPr algn="ctr"/>
-            <a:endParaRPr/>
-          </a:p>
-        </p:txBody>
-      </p:sp>
-      <p:sp>
-        <p:nvSpPr>
-          <p:cNvPr id="79" name="PlaceHolder 2"/>
-          <p:cNvSpPr>
-            <a:spLocks noGrp="1"/>
-          </p:cNvSpPr>
-          <p:nvPr>
-            <p:ph type="subTitle"/>
-          </p:nvPr>
-        </p:nvSpPr>
-        <p:spPr>
-          <a:xfrm>
-            <a:off x="504000" y="1823760"/>
-            <a:ext cx="9072720" cy="4384440"/>
-          </a:xfrm>
-          <a:prstGeom prst="rect">
-            <a:avLst/>
-          </a:prstGeom>
-        </p:spPr>
-        <p:txBody>
-          <a:bodyPr lIns="0" rIns="0" tIns="0" bIns="0" anchor="ctr"/>
-          <a:p>
-            <a:pPr algn="ctr"/>
-            <a:endParaRPr/>
-          </a:p>
-        </p:txBody>
-      </p:sp>
-    </p:spTree>
-  </p:cSld>
-</p:sldLayout>
-</file>
-
-<file path=ppt/slideLayouts/slideLayout27.xml><?xml version="1.0" encoding="utf-8"?>
-<p:sldLayout xmlns:a="http://schemas.openxmlformats.org/drawingml/2006/main" xmlns:p="http://schemas.openxmlformats.org/presentationml/2006/main" xmlns:r="http://schemas.openxmlformats.org/officeDocument/2006/relationships" type="obj" preserve="1">
-  <p:cSld name="Title, Content">
-    <p:spTree>
-      <p:nvGrpSpPr>
-        <p:cNvPr id="1" name=""/>
-        <p:cNvGrpSpPr/>
-        <p:nvPr/>
-      </p:nvGrpSpPr>
-      <p:grpSpPr>
-        <a:xfrm>
-          <a:off x="0" y="0"/>
-          <a:ext cx="0" cy="0"/>
-          <a:chOff x="0" y="0"/>
-          <a:chExt cx="0" cy="0"/>
-        </a:xfrm>
-      </p:grpSpPr>
-      <p:sp>
-        <p:nvSpPr>
-          <p:cNvPr id="80" name="PlaceHolder 1"/>
-          <p:cNvSpPr>
-            <a:spLocks noGrp="1"/>
-          </p:cNvSpPr>
-          <p:nvPr>
-            <p:ph type="title"/>
-          </p:nvPr>
-        </p:nvSpPr>
-        <p:spPr>
-          <a:xfrm>
-            <a:off x="504000" y="287640"/>
-            <a:ext cx="8100720" cy="1104480"/>
-          </a:xfrm>
-          <a:prstGeom prst="rect">
-            <a:avLst/>
-          </a:prstGeom>
-        </p:spPr>
-        <p:txBody>
-          <a:bodyPr lIns="0" rIns="0" tIns="0" bIns="0" anchor="ctr"/>
-          <a:p>
-            <a:pPr algn="ctr"/>
-            <a:endParaRPr/>
-          </a:p>
-        </p:txBody>
-      </p:sp>
-      <p:sp>
-        <p:nvSpPr>
-          <p:cNvPr id="81" name="PlaceHolder 2"/>
-          <p:cNvSpPr>
-            <a:spLocks noGrp="1"/>
-          </p:cNvSpPr>
-          <p:nvPr>
-            <p:ph type="body"/>
-          </p:nvPr>
-        </p:nvSpPr>
-        <p:spPr>
-          <a:xfrm>
-            <a:off x="504000" y="1823760"/>
-            <a:ext cx="9072720" cy="4384080"/>
-          </a:xfrm>
-          <a:prstGeom prst="rect">
-            <a:avLst/>
-          </a:prstGeom>
-        </p:spPr>
-        <p:txBody>
-          <a:bodyPr lIns="0" rIns="0" tIns="0" bIns="0"/>
-          <a:p>
-            <a:endParaRPr/>
-          </a:p>
-        </p:txBody>
-      </p:sp>
-    </p:spTree>
-  </p:cSld>
-</p:sldLayout>
-</file>
-
-<file path=ppt/slideLayouts/slideLayout28.xml><?xml version="1.0" encoding="utf-8"?>
-<p:sldLayout xmlns:a="http://schemas.openxmlformats.org/drawingml/2006/main" xmlns:p="http://schemas.openxmlformats.org/presentationml/2006/main" xmlns:r="http://schemas.openxmlformats.org/officeDocument/2006/relationships" type="twoObj" preserve="1">
-  <p:cSld name="Title, 2 Content">
-    <p:spTree>
-      <p:nvGrpSpPr>
-        <p:cNvPr id="1" name=""/>
-        <p:cNvGrpSpPr/>
-        <p:nvPr/>
-      </p:nvGrpSpPr>
-      <p:grpSpPr>
-        <a:xfrm>
-          <a:off x="0" y="0"/>
-          <a:ext cx="0" cy="0"/>
-          <a:chOff x="0" y="0"/>
-          <a:chExt cx="0" cy="0"/>
-        </a:xfrm>
-      </p:grpSpPr>
-      <p:sp>
-        <p:nvSpPr>
-          <p:cNvPr id="82" name="PlaceHolder 1"/>
-          <p:cNvSpPr>
-            <a:spLocks noGrp="1"/>
-          </p:cNvSpPr>
-          <p:nvPr>
-            <p:ph type="title"/>
-          </p:nvPr>
-        </p:nvSpPr>
-        <p:spPr>
-          <a:xfrm>
-            <a:off x="504000" y="287640"/>
-            <a:ext cx="8100720" cy="1104480"/>
-          </a:xfrm>
-          <a:prstGeom prst="rect">
-            <a:avLst/>
-          </a:prstGeom>
-        </p:spPr>
-        <p:txBody>
-          <a:bodyPr lIns="0" rIns="0" tIns="0" bIns="0" anchor="ctr"/>
-          <a:p>
-            <a:pPr algn="ctr"/>
-            <a:endParaRPr/>
-          </a:p>
-        </p:txBody>
-      </p:sp>
-      <p:sp>
-        <p:nvSpPr>
-          <p:cNvPr id="83" name="PlaceHolder 2"/>
-          <p:cNvSpPr>
-            <a:spLocks noGrp="1"/>
-          </p:cNvSpPr>
-          <p:nvPr>
-            <p:ph type="body"/>
-          </p:nvPr>
-        </p:nvSpPr>
-        <p:spPr>
-          <a:xfrm>
-            <a:off x="504000" y="1823760"/>
-            <a:ext cx="4427280" cy="4384080"/>
-          </a:xfrm>
-          <a:prstGeom prst="rect">
-            <a:avLst/>
-          </a:prstGeom>
-        </p:spPr>
-        <p:txBody>
-          <a:bodyPr lIns="0" rIns="0" tIns="0" bIns="0"/>
-          <a:p>
-            <a:endParaRPr/>
-          </a:p>
-        </p:txBody>
-      </p:sp>
-      <p:sp>
-        <p:nvSpPr>
-          <p:cNvPr id="84" name="PlaceHolder 3"/>
-          <p:cNvSpPr>
-            <a:spLocks noGrp="1"/>
-          </p:cNvSpPr>
-          <p:nvPr>
-            <p:ph type="body"/>
-          </p:nvPr>
-        </p:nvSpPr>
-        <p:spPr>
-          <a:xfrm>
-            <a:off x="5153040" y="1823760"/>
-            <a:ext cx="4427280" cy="4384080"/>
-          </a:xfrm>
-          <a:prstGeom prst="rect">
-            <a:avLst/>
-          </a:prstGeom>
-        </p:spPr>
-        <p:txBody>
-          <a:bodyPr lIns="0" rIns="0" tIns="0" bIns="0"/>
-          <a:p>
-            <a:endParaRPr/>
-          </a:p>
-        </p:txBody>
-      </p:sp>
-    </p:spTree>
-  </p:cSld>
-</p:sldLayout>
-</file>
-
-<file path=ppt/slideLayouts/slideLayout29.xml><?xml version="1.0" encoding="utf-8"?>
-<p:sldLayout xmlns:a="http://schemas.openxmlformats.org/drawingml/2006/main" xmlns:p="http://schemas.openxmlformats.org/presentationml/2006/main" xmlns:r="http://schemas.openxmlformats.org/officeDocument/2006/relationships" type="titleOnly" preserve="1">
-  <p:cSld name="Title Only">
-    <p:spTree>
-      <p:nvGrpSpPr>
-        <p:cNvPr id="1" name=""/>
-        <p:cNvGrpSpPr/>
-        <p:nvPr/>
-      </p:nvGrpSpPr>
-      <p:grpSpPr>
-        <a:xfrm>
-          <a:off x="0" y="0"/>
-          <a:ext cx="0" cy="0"/>
-          <a:chOff x="0" y="0"/>
-          <a:chExt cx="0" cy="0"/>
-        </a:xfrm>
-      </p:grpSpPr>
-      <p:sp>
-        <p:nvSpPr>
-          <p:cNvPr id="85" name="PlaceHolder 1"/>
-          <p:cNvSpPr>
-            <a:spLocks noGrp="1"/>
-          </p:cNvSpPr>
-          <p:nvPr>
-            <p:ph type="title"/>
-          </p:nvPr>
-        </p:nvSpPr>
-        <p:spPr>
-          <a:xfrm>
-            <a:off x="504000" y="287640"/>
-            <a:ext cx="8100720" cy="1104480"/>
+            <a:off x="504000" y="1768680"/>
+            <a:ext cx="9072000" cy="4384440"/>
           </a:xfrm>
           <a:prstGeom prst="rect">
             <a:avLst/>
@@ -2935,7 +1452,7 @@
       </p:grpSpPr>
       <p:sp>
         <p:nvSpPr>
-          <p:cNvPr id="4" name="PlaceHolder 1"/>
+          <p:cNvPr id="5" name="PlaceHolder 1"/>
           <p:cNvSpPr>
             <a:spLocks noGrp="1"/>
           </p:cNvSpPr>
@@ -2945,8 +1462,8 @@
         </p:nvSpPr>
         <p:spPr>
           <a:xfrm>
-            <a:off x="504000" y="287640"/>
-            <a:ext cx="8100720" cy="1104480"/>
+            <a:off x="504000" y="301320"/>
+            <a:ext cx="9072000" cy="1262160"/>
           </a:xfrm>
           <a:prstGeom prst="rect">
             <a:avLst/>
@@ -2962,7 +1479,7 @@
       </p:sp>
       <p:sp>
         <p:nvSpPr>
-          <p:cNvPr id="5" name="PlaceHolder 2"/>
+          <p:cNvPr id="6" name="PlaceHolder 2"/>
           <p:cNvSpPr>
             <a:spLocks noGrp="1"/>
           </p:cNvSpPr>
@@ -2972,8 +1489,8 @@
         </p:nvSpPr>
         <p:spPr>
           <a:xfrm>
-            <a:off x="504000" y="1823760"/>
-            <a:ext cx="9072720" cy="4384080"/>
+            <a:off x="504000" y="1768680"/>
+            <a:ext cx="9072000" cy="4384080"/>
           </a:xfrm>
           <a:prstGeom prst="rect">
             <a:avLst/>
@@ -2986,841 +1503,6 @@
           </a:p>
         </p:txBody>
       </p:sp>
-    </p:spTree>
-  </p:cSld>
-</p:sldLayout>
-</file>
-
-<file path=ppt/slideLayouts/slideLayout30.xml><?xml version="1.0" encoding="utf-8"?>
-<p:sldLayout xmlns:a="http://schemas.openxmlformats.org/drawingml/2006/main" xmlns:p="http://schemas.openxmlformats.org/presentationml/2006/main" xmlns:r="http://schemas.openxmlformats.org/officeDocument/2006/relationships" type="objOnly" preserve="1">
-  <p:cSld name="Centered Text">
-    <p:spTree>
-      <p:nvGrpSpPr>
-        <p:cNvPr id="1" name=""/>
-        <p:cNvGrpSpPr/>
-        <p:nvPr/>
-      </p:nvGrpSpPr>
-      <p:grpSpPr>
-        <a:xfrm>
-          <a:off x="0" y="0"/>
-          <a:ext cx="0" cy="0"/>
-          <a:chOff x="0" y="0"/>
-          <a:chExt cx="0" cy="0"/>
-        </a:xfrm>
-      </p:grpSpPr>
-      <p:sp>
-        <p:nvSpPr>
-          <p:cNvPr id="86" name="PlaceHolder 1"/>
-          <p:cNvSpPr>
-            <a:spLocks noGrp="1"/>
-          </p:cNvSpPr>
-          <p:nvPr>
-            <p:ph type="subTitle"/>
-          </p:nvPr>
-        </p:nvSpPr>
-        <p:spPr>
-          <a:xfrm>
-            <a:off x="504000" y="287640"/>
-            <a:ext cx="8100720" cy="5119560"/>
-          </a:xfrm>
-          <a:prstGeom prst="rect">
-            <a:avLst/>
-          </a:prstGeom>
-        </p:spPr>
-        <p:txBody>
-          <a:bodyPr lIns="0" rIns="0" tIns="0" bIns="0" anchor="ctr"/>
-          <a:p>
-            <a:pPr algn="ctr"/>
-            <a:endParaRPr/>
-          </a:p>
-        </p:txBody>
-      </p:sp>
-    </p:spTree>
-  </p:cSld>
-</p:sldLayout>
-</file>
-
-<file path=ppt/slideLayouts/slideLayout31.xml><?xml version="1.0" encoding="utf-8"?>
-<p:sldLayout xmlns:a="http://schemas.openxmlformats.org/drawingml/2006/main" xmlns:p="http://schemas.openxmlformats.org/presentationml/2006/main" xmlns:r="http://schemas.openxmlformats.org/officeDocument/2006/relationships" type="twoObjAndObj" preserve="1">
-  <p:cSld name="Title, 2 Content and Content">
-    <p:spTree>
-      <p:nvGrpSpPr>
-        <p:cNvPr id="1" name=""/>
-        <p:cNvGrpSpPr/>
-        <p:nvPr/>
-      </p:nvGrpSpPr>
-      <p:grpSpPr>
-        <a:xfrm>
-          <a:off x="0" y="0"/>
-          <a:ext cx="0" cy="0"/>
-          <a:chOff x="0" y="0"/>
-          <a:chExt cx="0" cy="0"/>
-        </a:xfrm>
-      </p:grpSpPr>
-      <p:sp>
-        <p:nvSpPr>
-          <p:cNvPr id="87" name="PlaceHolder 1"/>
-          <p:cNvSpPr>
-            <a:spLocks noGrp="1"/>
-          </p:cNvSpPr>
-          <p:nvPr>
-            <p:ph type="title"/>
-          </p:nvPr>
-        </p:nvSpPr>
-        <p:spPr>
-          <a:xfrm>
-            <a:off x="504000" y="287640"/>
-            <a:ext cx="8100720" cy="1104480"/>
-          </a:xfrm>
-          <a:prstGeom prst="rect">
-            <a:avLst/>
-          </a:prstGeom>
-        </p:spPr>
-        <p:txBody>
-          <a:bodyPr lIns="0" rIns="0" tIns="0" bIns="0" anchor="ctr"/>
-          <a:p>
-            <a:pPr algn="ctr"/>
-            <a:endParaRPr/>
-          </a:p>
-        </p:txBody>
-      </p:sp>
-      <p:sp>
-        <p:nvSpPr>
-          <p:cNvPr id="88" name="PlaceHolder 2"/>
-          <p:cNvSpPr>
-            <a:spLocks noGrp="1"/>
-          </p:cNvSpPr>
-          <p:nvPr>
-            <p:ph type="body"/>
-          </p:nvPr>
-        </p:nvSpPr>
-        <p:spPr>
-          <a:xfrm>
-            <a:off x="504000" y="1823760"/>
-            <a:ext cx="4427280" cy="2090880"/>
-          </a:xfrm>
-          <a:prstGeom prst="rect">
-            <a:avLst/>
-          </a:prstGeom>
-        </p:spPr>
-        <p:txBody>
-          <a:bodyPr lIns="0" rIns="0" tIns="0" bIns="0"/>
-          <a:p>
-            <a:endParaRPr/>
-          </a:p>
-        </p:txBody>
-      </p:sp>
-      <p:sp>
-        <p:nvSpPr>
-          <p:cNvPr id="89" name="PlaceHolder 3"/>
-          <p:cNvSpPr>
-            <a:spLocks noGrp="1"/>
-          </p:cNvSpPr>
-          <p:nvPr>
-            <p:ph type="body"/>
-          </p:nvPr>
-        </p:nvSpPr>
-        <p:spPr>
-          <a:xfrm>
-            <a:off x="504000" y="4113720"/>
-            <a:ext cx="4427280" cy="2090880"/>
-          </a:xfrm>
-          <a:prstGeom prst="rect">
-            <a:avLst/>
-          </a:prstGeom>
-        </p:spPr>
-        <p:txBody>
-          <a:bodyPr lIns="0" rIns="0" tIns="0" bIns="0"/>
-          <a:p>
-            <a:endParaRPr/>
-          </a:p>
-        </p:txBody>
-      </p:sp>
-      <p:sp>
-        <p:nvSpPr>
-          <p:cNvPr id="90" name="PlaceHolder 4"/>
-          <p:cNvSpPr>
-            <a:spLocks noGrp="1"/>
-          </p:cNvSpPr>
-          <p:nvPr>
-            <p:ph type="body"/>
-          </p:nvPr>
-        </p:nvSpPr>
-        <p:spPr>
-          <a:xfrm>
-            <a:off x="5153040" y="1823760"/>
-            <a:ext cx="4427280" cy="4384080"/>
-          </a:xfrm>
-          <a:prstGeom prst="rect">
-            <a:avLst/>
-          </a:prstGeom>
-        </p:spPr>
-        <p:txBody>
-          <a:bodyPr lIns="0" rIns="0" tIns="0" bIns="0"/>
-          <a:p>
-            <a:endParaRPr/>
-          </a:p>
-        </p:txBody>
-      </p:sp>
-    </p:spTree>
-  </p:cSld>
-</p:sldLayout>
-</file>
-
-<file path=ppt/slideLayouts/slideLayout32.xml><?xml version="1.0" encoding="utf-8"?>
-<p:sldLayout xmlns:a="http://schemas.openxmlformats.org/drawingml/2006/main" xmlns:p="http://schemas.openxmlformats.org/presentationml/2006/main" xmlns:r="http://schemas.openxmlformats.org/officeDocument/2006/relationships" type="objAndTwoObj" preserve="1">
-  <p:cSld name="Title Content and 2 Content">
-    <p:spTree>
-      <p:nvGrpSpPr>
-        <p:cNvPr id="1" name=""/>
-        <p:cNvGrpSpPr/>
-        <p:nvPr/>
-      </p:nvGrpSpPr>
-      <p:grpSpPr>
-        <a:xfrm>
-          <a:off x="0" y="0"/>
-          <a:ext cx="0" cy="0"/>
-          <a:chOff x="0" y="0"/>
-          <a:chExt cx="0" cy="0"/>
-        </a:xfrm>
-      </p:grpSpPr>
-      <p:sp>
-        <p:nvSpPr>
-          <p:cNvPr id="91" name="PlaceHolder 1"/>
-          <p:cNvSpPr>
-            <a:spLocks noGrp="1"/>
-          </p:cNvSpPr>
-          <p:nvPr>
-            <p:ph type="title"/>
-          </p:nvPr>
-        </p:nvSpPr>
-        <p:spPr>
-          <a:xfrm>
-            <a:off x="504000" y="287640"/>
-            <a:ext cx="8100720" cy="1104480"/>
-          </a:xfrm>
-          <a:prstGeom prst="rect">
-            <a:avLst/>
-          </a:prstGeom>
-        </p:spPr>
-        <p:txBody>
-          <a:bodyPr lIns="0" rIns="0" tIns="0" bIns="0" anchor="ctr"/>
-          <a:p>
-            <a:pPr algn="ctr"/>
-            <a:endParaRPr/>
-          </a:p>
-        </p:txBody>
-      </p:sp>
-      <p:sp>
-        <p:nvSpPr>
-          <p:cNvPr id="92" name="PlaceHolder 2"/>
-          <p:cNvSpPr>
-            <a:spLocks noGrp="1"/>
-          </p:cNvSpPr>
-          <p:nvPr>
-            <p:ph type="body"/>
-          </p:nvPr>
-        </p:nvSpPr>
-        <p:spPr>
-          <a:xfrm>
-            <a:off x="504000" y="1823760"/>
-            <a:ext cx="4427280" cy="4384080"/>
-          </a:xfrm>
-          <a:prstGeom prst="rect">
-            <a:avLst/>
-          </a:prstGeom>
-        </p:spPr>
-        <p:txBody>
-          <a:bodyPr lIns="0" rIns="0" tIns="0" bIns="0"/>
-          <a:p>
-            <a:endParaRPr/>
-          </a:p>
-        </p:txBody>
-      </p:sp>
-      <p:sp>
-        <p:nvSpPr>
-          <p:cNvPr id="93" name="PlaceHolder 3"/>
-          <p:cNvSpPr>
-            <a:spLocks noGrp="1"/>
-          </p:cNvSpPr>
-          <p:nvPr>
-            <p:ph type="body"/>
-          </p:nvPr>
-        </p:nvSpPr>
-        <p:spPr>
-          <a:xfrm>
-            <a:off x="5153040" y="1823760"/>
-            <a:ext cx="4427280" cy="2090880"/>
-          </a:xfrm>
-          <a:prstGeom prst="rect">
-            <a:avLst/>
-          </a:prstGeom>
-        </p:spPr>
-        <p:txBody>
-          <a:bodyPr lIns="0" rIns="0" tIns="0" bIns="0"/>
-          <a:p>
-            <a:endParaRPr/>
-          </a:p>
-        </p:txBody>
-      </p:sp>
-      <p:sp>
-        <p:nvSpPr>
-          <p:cNvPr id="94" name="PlaceHolder 4"/>
-          <p:cNvSpPr>
-            <a:spLocks noGrp="1"/>
-          </p:cNvSpPr>
-          <p:nvPr>
-            <p:ph type="body"/>
-          </p:nvPr>
-        </p:nvSpPr>
-        <p:spPr>
-          <a:xfrm>
-            <a:off x="5153040" y="4113720"/>
-            <a:ext cx="4427280" cy="2090880"/>
-          </a:xfrm>
-          <a:prstGeom prst="rect">
-            <a:avLst/>
-          </a:prstGeom>
-        </p:spPr>
-        <p:txBody>
-          <a:bodyPr lIns="0" rIns="0" tIns="0" bIns="0"/>
-          <a:p>
-            <a:endParaRPr/>
-          </a:p>
-        </p:txBody>
-      </p:sp>
-    </p:spTree>
-  </p:cSld>
-</p:sldLayout>
-</file>
-
-<file path=ppt/slideLayouts/slideLayout33.xml><?xml version="1.0" encoding="utf-8"?>
-<p:sldLayout xmlns:a="http://schemas.openxmlformats.org/drawingml/2006/main" xmlns:p="http://schemas.openxmlformats.org/presentationml/2006/main" xmlns:r="http://schemas.openxmlformats.org/officeDocument/2006/relationships" type="twoObjOverTx" preserve="1">
-  <p:cSld name="Title, 2 Content over Content">
-    <p:spTree>
-      <p:nvGrpSpPr>
-        <p:cNvPr id="1" name=""/>
-        <p:cNvGrpSpPr/>
-        <p:nvPr/>
-      </p:nvGrpSpPr>
-      <p:grpSpPr>
-        <a:xfrm>
-          <a:off x="0" y="0"/>
-          <a:ext cx="0" cy="0"/>
-          <a:chOff x="0" y="0"/>
-          <a:chExt cx="0" cy="0"/>
-        </a:xfrm>
-      </p:grpSpPr>
-      <p:sp>
-        <p:nvSpPr>
-          <p:cNvPr id="95" name="PlaceHolder 1"/>
-          <p:cNvSpPr>
-            <a:spLocks noGrp="1"/>
-          </p:cNvSpPr>
-          <p:nvPr>
-            <p:ph type="title"/>
-          </p:nvPr>
-        </p:nvSpPr>
-        <p:spPr>
-          <a:xfrm>
-            <a:off x="504000" y="287640"/>
-            <a:ext cx="8100720" cy="1104480"/>
-          </a:xfrm>
-          <a:prstGeom prst="rect">
-            <a:avLst/>
-          </a:prstGeom>
-        </p:spPr>
-        <p:txBody>
-          <a:bodyPr lIns="0" rIns="0" tIns="0" bIns="0" anchor="ctr"/>
-          <a:p>
-            <a:pPr algn="ctr"/>
-            <a:endParaRPr/>
-          </a:p>
-        </p:txBody>
-      </p:sp>
-      <p:sp>
-        <p:nvSpPr>
-          <p:cNvPr id="96" name="PlaceHolder 2"/>
-          <p:cNvSpPr>
-            <a:spLocks noGrp="1"/>
-          </p:cNvSpPr>
-          <p:nvPr>
-            <p:ph type="body"/>
-          </p:nvPr>
-        </p:nvSpPr>
-        <p:spPr>
-          <a:xfrm>
-            <a:off x="504000" y="1823760"/>
-            <a:ext cx="4427280" cy="2090880"/>
-          </a:xfrm>
-          <a:prstGeom prst="rect">
-            <a:avLst/>
-          </a:prstGeom>
-        </p:spPr>
-        <p:txBody>
-          <a:bodyPr lIns="0" rIns="0" tIns="0" bIns="0"/>
-          <a:p>
-            <a:endParaRPr/>
-          </a:p>
-        </p:txBody>
-      </p:sp>
-      <p:sp>
-        <p:nvSpPr>
-          <p:cNvPr id="97" name="PlaceHolder 3"/>
-          <p:cNvSpPr>
-            <a:spLocks noGrp="1"/>
-          </p:cNvSpPr>
-          <p:nvPr>
-            <p:ph type="body"/>
-          </p:nvPr>
-        </p:nvSpPr>
-        <p:spPr>
-          <a:xfrm>
-            <a:off x="5153040" y="1823760"/>
-            <a:ext cx="4427280" cy="2090880"/>
-          </a:xfrm>
-          <a:prstGeom prst="rect">
-            <a:avLst/>
-          </a:prstGeom>
-        </p:spPr>
-        <p:txBody>
-          <a:bodyPr lIns="0" rIns="0" tIns="0" bIns="0"/>
-          <a:p>
-            <a:endParaRPr/>
-          </a:p>
-        </p:txBody>
-      </p:sp>
-      <p:sp>
-        <p:nvSpPr>
-          <p:cNvPr id="98" name="PlaceHolder 4"/>
-          <p:cNvSpPr>
-            <a:spLocks noGrp="1"/>
-          </p:cNvSpPr>
-          <p:nvPr>
-            <p:ph type="body"/>
-          </p:nvPr>
-        </p:nvSpPr>
-        <p:spPr>
-          <a:xfrm>
-            <a:off x="504000" y="4113720"/>
-            <a:ext cx="9072720" cy="2090880"/>
-          </a:xfrm>
-          <a:prstGeom prst="rect">
-            <a:avLst/>
-          </a:prstGeom>
-        </p:spPr>
-        <p:txBody>
-          <a:bodyPr lIns="0" rIns="0" tIns="0" bIns="0"/>
-          <a:p>
-            <a:endParaRPr/>
-          </a:p>
-        </p:txBody>
-      </p:sp>
-    </p:spTree>
-  </p:cSld>
-</p:sldLayout>
-</file>
-
-<file path=ppt/slideLayouts/slideLayout34.xml><?xml version="1.0" encoding="utf-8"?>
-<p:sldLayout xmlns:a="http://schemas.openxmlformats.org/drawingml/2006/main" xmlns:p="http://schemas.openxmlformats.org/presentationml/2006/main" xmlns:r="http://schemas.openxmlformats.org/officeDocument/2006/relationships" type="objOverTx" preserve="1">
-  <p:cSld name="Title, Content over Content">
-    <p:spTree>
-      <p:nvGrpSpPr>
-        <p:cNvPr id="1" name=""/>
-        <p:cNvGrpSpPr/>
-        <p:nvPr/>
-      </p:nvGrpSpPr>
-      <p:grpSpPr>
-        <a:xfrm>
-          <a:off x="0" y="0"/>
-          <a:ext cx="0" cy="0"/>
-          <a:chOff x="0" y="0"/>
-          <a:chExt cx="0" cy="0"/>
-        </a:xfrm>
-      </p:grpSpPr>
-      <p:sp>
-        <p:nvSpPr>
-          <p:cNvPr id="99" name="PlaceHolder 1"/>
-          <p:cNvSpPr>
-            <a:spLocks noGrp="1"/>
-          </p:cNvSpPr>
-          <p:nvPr>
-            <p:ph type="title"/>
-          </p:nvPr>
-        </p:nvSpPr>
-        <p:spPr>
-          <a:xfrm>
-            <a:off x="504000" y="287640"/>
-            <a:ext cx="8100720" cy="1104480"/>
-          </a:xfrm>
-          <a:prstGeom prst="rect">
-            <a:avLst/>
-          </a:prstGeom>
-        </p:spPr>
-        <p:txBody>
-          <a:bodyPr lIns="0" rIns="0" tIns="0" bIns="0" anchor="ctr"/>
-          <a:p>
-            <a:pPr algn="ctr"/>
-            <a:endParaRPr/>
-          </a:p>
-        </p:txBody>
-      </p:sp>
-      <p:sp>
-        <p:nvSpPr>
-          <p:cNvPr id="100" name="PlaceHolder 2"/>
-          <p:cNvSpPr>
-            <a:spLocks noGrp="1"/>
-          </p:cNvSpPr>
-          <p:nvPr>
-            <p:ph type="body"/>
-          </p:nvPr>
-        </p:nvSpPr>
-        <p:spPr>
-          <a:xfrm>
-            <a:off x="504000" y="1823760"/>
-            <a:ext cx="9072720" cy="2090880"/>
-          </a:xfrm>
-          <a:prstGeom prst="rect">
-            <a:avLst/>
-          </a:prstGeom>
-        </p:spPr>
-        <p:txBody>
-          <a:bodyPr lIns="0" rIns="0" tIns="0" bIns="0"/>
-          <a:p>
-            <a:endParaRPr/>
-          </a:p>
-        </p:txBody>
-      </p:sp>
-      <p:sp>
-        <p:nvSpPr>
-          <p:cNvPr id="101" name="PlaceHolder 3"/>
-          <p:cNvSpPr>
-            <a:spLocks noGrp="1"/>
-          </p:cNvSpPr>
-          <p:nvPr>
-            <p:ph type="body"/>
-          </p:nvPr>
-        </p:nvSpPr>
-        <p:spPr>
-          <a:xfrm>
-            <a:off x="504000" y="4113720"/>
-            <a:ext cx="9072720" cy="2090880"/>
-          </a:xfrm>
-          <a:prstGeom prst="rect">
-            <a:avLst/>
-          </a:prstGeom>
-        </p:spPr>
-        <p:txBody>
-          <a:bodyPr lIns="0" rIns="0" tIns="0" bIns="0"/>
-          <a:p>
-            <a:endParaRPr/>
-          </a:p>
-        </p:txBody>
-      </p:sp>
-    </p:spTree>
-  </p:cSld>
-</p:sldLayout>
-</file>
-
-<file path=ppt/slideLayouts/slideLayout35.xml><?xml version="1.0" encoding="utf-8"?>
-<p:sldLayout xmlns:a="http://schemas.openxmlformats.org/drawingml/2006/main" xmlns:p="http://schemas.openxmlformats.org/presentationml/2006/main" xmlns:r="http://schemas.openxmlformats.org/officeDocument/2006/relationships" type="fourObj" preserve="1">
-  <p:cSld name="Title, 4 Content">
-    <p:spTree>
-      <p:nvGrpSpPr>
-        <p:cNvPr id="1" name=""/>
-        <p:cNvGrpSpPr/>
-        <p:nvPr/>
-      </p:nvGrpSpPr>
-      <p:grpSpPr>
-        <a:xfrm>
-          <a:off x="0" y="0"/>
-          <a:ext cx="0" cy="0"/>
-          <a:chOff x="0" y="0"/>
-          <a:chExt cx="0" cy="0"/>
-        </a:xfrm>
-      </p:grpSpPr>
-      <p:sp>
-        <p:nvSpPr>
-          <p:cNvPr id="102" name="PlaceHolder 1"/>
-          <p:cNvSpPr>
-            <a:spLocks noGrp="1"/>
-          </p:cNvSpPr>
-          <p:nvPr>
-            <p:ph type="title"/>
-          </p:nvPr>
-        </p:nvSpPr>
-        <p:spPr>
-          <a:xfrm>
-            <a:off x="504000" y="287640"/>
-            <a:ext cx="8100720" cy="1104480"/>
-          </a:xfrm>
-          <a:prstGeom prst="rect">
-            <a:avLst/>
-          </a:prstGeom>
-        </p:spPr>
-        <p:txBody>
-          <a:bodyPr lIns="0" rIns="0" tIns="0" bIns="0" anchor="ctr"/>
-          <a:p>
-            <a:pPr algn="ctr"/>
-            <a:endParaRPr/>
-          </a:p>
-        </p:txBody>
-      </p:sp>
-      <p:sp>
-        <p:nvSpPr>
-          <p:cNvPr id="103" name="PlaceHolder 2"/>
-          <p:cNvSpPr>
-            <a:spLocks noGrp="1"/>
-          </p:cNvSpPr>
-          <p:nvPr>
-            <p:ph type="body"/>
-          </p:nvPr>
-        </p:nvSpPr>
-        <p:spPr>
-          <a:xfrm>
-            <a:off x="504000" y="1823760"/>
-            <a:ext cx="4427280" cy="2090880"/>
-          </a:xfrm>
-          <a:prstGeom prst="rect">
-            <a:avLst/>
-          </a:prstGeom>
-        </p:spPr>
-        <p:txBody>
-          <a:bodyPr lIns="0" rIns="0" tIns="0" bIns="0"/>
-          <a:p>
-            <a:endParaRPr/>
-          </a:p>
-        </p:txBody>
-      </p:sp>
-      <p:sp>
-        <p:nvSpPr>
-          <p:cNvPr id="104" name="PlaceHolder 3"/>
-          <p:cNvSpPr>
-            <a:spLocks noGrp="1"/>
-          </p:cNvSpPr>
-          <p:nvPr>
-            <p:ph type="body"/>
-          </p:nvPr>
-        </p:nvSpPr>
-        <p:spPr>
-          <a:xfrm>
-            <a:off x="5153040" y="1823760"/>
-            <a:ext cx="4427280" cy="2090880"/>
-          </a:xfrm>
-          <a:prstGeom prst="rect">
-            <a:avLst/>
-          </a:prstGeom>
-        </p:spPr>
-        <p:txBody>
-          <a:bodyPr lIns="0" rIns="0" tIns="0" bIns="0"/>
-          <a:p>
-            <a:endParaRPr/>
-          </a:p>
-        </p:txBody>
-      </p:sp>
-      <p:sp>
-        <p:nvSpPr>
-          <p:cNvPr id="105" name="PlaceHolder 4"/>
-          <p:cNvSpPr>
-            <a:spLocks noGrp="1"/>
-          </p:cNvSpPr>
-          <p:nvPr>
-            <p:ph type="body"/>
-          </p:nvPr>
-        </p:nvSpPr>
-        <p:spPr>
-          <a:xfrm>
-            <a:off x="5153040" y="4113720"/>
-            <a:ext cx="4427280" cy="2090880"/>
-          </a:xfrm>
-          <a:prstGeom prst="rect">
-            <a:avLst/>
-          </a:prstGeom>
-        </p:spPr>
-        <p:txBody>
-          <a:bodyPr lIns="0" rIns="0" tIns="0" bIns="0"/>
-          <a:p>
-            <a:endParaRPr/>
-          </a:p>
-        </p:txBody>
-      </p:sp>
-      <p:sp>
-        <p:nvSpPr>
-          <p:cNvPr id="106" name="PlaceHolder 5"/>
-          <p:cNvSpPr>
-            <a:spLocks noGrp="1"/>
-          </p:cNvSpPr>
-          <p:nvPr>
-            <p:ph type="body"/>
-          </p:nvPr>
-        </p:nvSpPr>
-        <p:spPr>
-          <a:xfrm>
-            <a:off x="504000" y="4113720"/>
-            <a:ext cx="4427280" cy="2090880"/>
-          </a:xfrm>
-          <a:prstGeom prst="rect">
-            <a:avLst/>
-          </a:prstGeom>
-        </p:spPr>
-        <p:txBody>
-          <a:bodyPr lIns="0" rIns="0" tIns="0" bIns="0"/>
-          <a:p>
-            <a:endParaRPr/>
-          </a:p>
-        </p:txBody>
-      </p:sp>
-    </p:spTree>
-  </p:cSld>
-</p:sldLayout>
-</file>
-
-<file path=ppt/slideLayouts/slideLayout36.xml><?xml version="1.0" encoding="utf-8"?>
-<p:sldLayout xmlns:a="http://schemas.openxmlformats.org/drawingml/2006/main" xmlns:p="http://schemas.openxmlformats.org/presentationml/2006/main" xmlns:r="http://schemas.openxmlformats.org/officeDocument/2006/relationships" type="blank" preserve="1">
-  <p:cSld name="Title, 6 Content">
-    <p:spTree>
-      <p:nvGrpSpPr>
-        <p:cNvPr id="1" name=""/>
-        <p:cNvGrpSpPr/>
-        <p:nvPr/>
-      </p:nvGrpSpPr>
-      <p:grpSpPr>
-        <a:xfrm>
-          <a:off x="0" y="0"/>
-          <a:ext cx="0" cy="0"/>
-          <a:chOff x="0" y="0"/>
-          <a:chExt cx="0" cy="0"/>
-        </a:xfrm>
-      </p:grpSpPr>
-      <p:sp>
-        <p:nvSpPr>
-          <p:cNvPr id="107" name="PlaceHolder 1"/>
-          <p:cNvSpPr>
-            <a:spLocks noGrp="1"/>
-          </p:cNvSpPr>
-          <p:nvPr>
-            <p:ph type="title"/>
-          </p:nvPr>
-        </p:nvSpPr>
-        <p:spPr>
-          <a:xfrm>
-            <a:off x="504000" y="287640"/>
-            <a:ext cx="8100720" cy="1104480"/>
-          </a:xfrm>
-          <a:prstGeom prst="rect">
-            <a:avLst/>
-          </a:prstGeom>
-        </p:spPr>
-        <p:txBody>
-          <a:bodyPr lIns="0" rIns="0" tIns="0" bIns="0" anchor="ctr"/>
-          <a:p>
-            <a:pPr algn="ctr"/>
-            <a:endParaRPr/>
-          </a:p>
-        </p:txBody>
-      </p:sp>
-      <p:sp>
-        <p:nvSpPr>
-          <p:cNvPr id="108" name="PlaceHolder 2"/>
-          <p:cNvSpPr>
-            <a:spLocks noGrp="1"/>
-          </p:cNvSpPr>
-          <p:nvPr>
-            <p:ph type="body"/>
-          </p:nvPr>
-        </p:nvSpPr>
-        <p:spPr>
-          <a:xfrm>
-            <a:off x="504000" y="1823760"/>
-            <a:ext cx="9072720" cy="4384080"/>
-          </a:xfrm>
-          <a:prstGeom prst="rect">
-            <a:avLst/>
-          </a:prstGeom>
-        </p:spPr>
-        <p:txBody>
-          <a:bodyPr lIns="0" rIns="0" tIns="0" bIns="0"/>
-          <a:p>
-            <a:endParaRPr/>
-          </a:p>
-        </p:txBody>
-      </p:sp>
-      <p:sp>
-        <p:nvSpPr>
-          <p:cNvPr id="109" name="PlaceHolder 3"/>
-          <p:cNvSpPr>
-            <a:spLocks noGrp="1"/>
-          </p:cNvSpPr>
-          <p:nvPr>
-            <p:ph type="body"/>
-          </p:nvPr>
-        </p:nvSpPr>
-        <p:spPr>
-          <a:xfrm>
-            <a:off x="504000" y="1823760"/>
-            <a:ext cx="9072720" cy="4384080"/>
-          </a:xfrm>
-          <a:prstGeom prst="rect">
-            <a:avLst/>
-          </a:prstGeom>
-        </p:spPr>
-        <p:txBody>
-          <a:bodyPr lIns="0" rIns="0" tIns="0" bIns="0"/>
-          <a:p>
-            <a:endParaRPr/>
-          </a:p>
-        </p:txBody>
-      </p:sp>
-      <p:pic>
-        <p:nvPicPr>
-          <p:cNvPr id="110" name="" descr=""/>
-          <p:cNvPicPr/>
-          <p:nvPr/>
-        </p:nvPicPr>
-        <p:blipFill>
-          <a:blip r:embed="rId2"/>
-          <a:stretch>
-            <a:fillRect/>
-          </a:stretch>
-        </p:blipFill>
-        <p:spPr>
-          <a:xfrm>
-            <a:off x="2292840" y="1823760"/>
-            <a:ext cx="5494680" cy="4384080"/>
-          </a:xfrm>
-          <a:prstGeom prst="rect">
-            <a:avLst/>
-          </a:prstGeom>
-          <a:ln>
-            <a:noFill/>
-          </a:ln>
-        </p:spPr>
-      </p:pic>
-      <p:pic>
-        <p:nvPicPr>
-          <p:cNvPr id="111" name="" descr=""/>
-          <p:cNvPicPr/>
-          <p:nvPr/>
-        </p:nvPicPr>
-        <p:blipFill>
-          <a:blip r:embed="rId3"/>
-          <a:stretch>
-            <a:fillRect/>
-          </a:stretch>
-        </p:blipFill>
-        <p:spPr>
-          <a:xfrm>
-            <a:off x="2292840" y="1823760"/>
-            <a:ext cx="5494680" cy="4384080"/>
-          </a:xfrm>
-          <a:prstGeom prst="rect">
-            <a:avLst/>
-          </a:prstGeom>
-          <a:ln>
-            <a:noFill/>
-          </a:ln>
-        </p:spPr>
-      </p:pic>
     </p:spTree>
   </p:cSld>
 </p:sldLayout>
@@ -3845,7 +1527,7 @@
       </p:grpSpPr>
       <p:sp>
         <p:nvSpPr>
-          <p:cNvPr id="6" name="PlaceHolder 1"/>
+          <p:cNvPr id="7" name="PlaceHolder 1"/>
           <p:cNvSpPr>
             <a:spLocks noGrp="1"/>
           </p:cNvSpPr>
@@ -3855,8 +1537,8 @@
         </p:nvSpPr>
         <p:spPr>
           <a:xfrm>
-            <a:off x="504000" y="287640"/>
-            <a:ext cx="8100720" cy="1104480"/>
+            <a:off x="504000" y="301320"/>
+            <a:ext cx="9072000" cy="1262160"/>
           </a:xfrm>
           <a:prstGeom prst="rect">
             <a:avLst/>
@@ -3872,7 +1554,7 @@
       </p:sp>
       <p:sp>
         <p:nvSpPr>
-          <p:cNvPr id="7" name="PlaceHolder 2"/>
+          <p:cNvPr id="8" name="PlaceHolder 2"/>
           <p:cNvSpPr>
             <a:spLocks noGrp="1"/>
           </p:cNvSpPr>
@@ -3882,8 +1564,8 @@
         </p:nvSpPr>
         <p:spPr>
           <a:xfrm>
-            <a:off x="504000" y="1823760"/>
-            <a:ext cx="4427280" cy="4384080"/>
+            <a:off x="504000" y="1768680"/>
+            <a:ext cx="4426920" cy="4384080"/>
           </a:xfrm>
           <a:prstGeom prst="rect">
             <a:avLst/>
@@ -3898,7 +1580,7 @@
       </p:sp>
       <p:sp>
         <p:nvSpPr>
-          <p:cNvPr id="8" name="PlaceHolder 3"/>
+          <p:cNvPr id="9" name="PlaceHolder 3"/>
           <p:cNvSpPr>
             <a:spLocks noGrp="1"/>
           </p:cNvSpPr>
@@ -3908,8 +1590,8 @@
         </p:nvSpPr>
         <p:spPr>
           <a:xfrm>
-            <a:off x="5153040" y="1823760"/>
-            <a:ext cx="4427280" cy="4384080"/>
+            <a:off x="5152680" y="1768680"/>
+            <a:ext cx="4426920" cy="4384080"/>
           </a:xfrm>
           <a:prstGeom prst="rect">
             <a:avLst/>
@@ -3946,7 +1628,7 @@
       </p:grpSpPr>
       <p:sp>
         <p:nvSpPr>
-          <p:cNvPr id="9" name="PlaceHolder 1"/>
+          <p:cNvPr id="10" name="PlaceHolder 1"/>
           <p:cNvSpPr>
             <a:spLocks noGrp="1"/>
           </p:cNvSpPr>
@@ -3956,8 +1638,8 @@
         </p:nvSpPr>
         <p:spPr>
           <a:xfrm>
-            <a:off x="504000" y="287640"/>
-            <a:ext cx="8100720" cy="1104480"/>
+            <a:off x="504000" y="301320"/>
+            <a:ext cx="9072000" cy="1262160"/>
           </a:xfrm>
           <a:prstGeom prst="rect">
             <a:avLst/>
@@ -3995,7 +1677,7 @@
       </p:grpSpPr>
       <p:sp>
         <p:nvSpPr>
-          <p:cNvPr id="10" name="PlaceHolder 1"/>
+          <p:cNvPr id="11" name="PlaceHolder 1"/>
           <p:cNvSpPr>
             <a:spLocks noGrp="1"/>
           </p:cNvSpPr>
@@ -4005,8 +1687,8 @@
         </p:nvSpPr>
         <p:spPr>
           <a:xfrm>
-            <a:off x="504000" y="287640"/>
-            <a:ext cx="8100720" cy="5119560"/>
+            <a:off x="504000" y="301320"/>
+            <a:ext cx="9072000" cy="5850720"/>
           </a:xfrm>
           <a:prstGeom prst="rect">
             <a:avLst/>
@@ -4044,7 +1726,7 @@
       </p:grpSpPr>
       <p:sp>
         <p:nvSpPr>
-          <p:cNvPr id="11" name="PlaceHolder 1"/>
+          <p:cNvPr id="12" name="PlaceHolder 1"/>
           <p:cNvSpPr>
             <a:spLocks noGrp="1"/>
           </p:cNvSpPr>
@@ -4054,8 +1736,8 @@
         </p:nvSpPr>
         <p:spPr>
           <a:xfrm>
-            <a:off x="504000" y="287640"/>
-            <a:ext cx="8100720" cy="1104480"/>
+            <a:off x="504000" y="301320"/>
+            <a:ext cx="9072000" cy="1262160"/>
           </a:xfrm>
           <a:prstGeom prst="rect">
             <a:avLst/>
@@ -4071,7 +1753,7 @@
       </p:sp>
       <p:sp>
         <p:nvSpPr>
-          <p:cNvPr id="12" name="PlaceHolder 2"/>
+          <p:cNvPr id="13" name="PlaceHolder 2"/>
           <p:cNvSpPr>
             <a:spLocks noGrp="1"/>
           </p:cNvSpPr>
@@ -4081,8 +1763,8 @@
         </p:nvSpPr>
         <p:spPr>
           <a:xfrm>
-            <a:off x="504000" y="1823760"/>
-            <a:ext cx="4427280" cy="2090880"/>
+            <a:off x="504000" y="1768680"/>
+            <a:ext cx="4426920" cy="2090880"/>
           </a:xfrm>
           <a:prstGeom prst="rect">
             <a:avLst/>
@@ -4097,7 +1779,7 @@
       </p:sp>
       <p:sp>
         <p:nvSpPr>
-          <p:cNvPr id="13" name="PlaceHolder 3"/>
+          <p:cNvPr id="14" name="PlaceHolder 3"/>
           <p:cNvSpPr>
             <a:spLocks noGrp="1"/>
           </p:cNvSpPr>
@@ -4107,8 +1789,8 @@
         </p:nvSpPr>
         <p:spPr>
           <a:xfrm>
-            <a:off x="504000" y="4113720"/>
-            <a:ext cx="4427280" cy="2090880"/>
+            <a:off x="504000" y="4058640"/>
+            <a:ext cx="4426920" cy="2090880"/>
           </a:xfrm>
           <a:prstGeom prst="rect">
             <a:avLst/>
@@ -4123,7 +1805,7 @@
       </p:sp>
       <p:sp>
         <p:nvSpPr>
-          <p:cNvPr id="14" name="PlaceHolder 4"/>
+          <p:cNvPr id="15" name="PlaceHolder 4"/>
           <p:cNvSpPr>
             <a:spLocks noGrp="1"/>
           </p:cNvSpPr>
@@ -4133,8 +1815,8 @@
         </p:nvSpPr>
         <p:spPr>
           <a:xfrm>
-            <a:off x="5153040" y="1823760"/>
-            <a:ext cx="4427280" cy="4384080"/>
+            <a:off x="5152680" y="1768680"/>
+            <a:ext cx="4426920" cy="4384080"/>
           </a:xfrm>
           <a:prstGeom prst="rect">
             <a:avLst/>
@@ -4171,7 +1853,7 @@
       </p:grpSpPr>
       <p:sp>
         <p:nvSpPr>
-          <p:cNvPr id="15" name="PlaceHolder 1"/>
+          <p:cNvPr id="16" name="PlaceHolder 1"/>
           <p:cNvSpPr>
             <a:spLocks noGrp="1"/>
           </p:cNvSpPr>
@@ -4181,8 +1863,8 @@
         </p:nvSpPr>
         <p:spPr>
           <a:xfrm>
-            <a:off x="504000" y="287640"/>
-            <a:ext cx="8100720" cy="1104480"/>
+            <a:off x="504000" y="301320"/>
+            <a:ext cx="9072000" cy="1262160"/>
           </a:xfrm>
           <a:prstGeom prst="rect">
             <a:avLst/>
@@ -4198,7 +1880,7 @@
       </p:sp>
       <p:sp>
         <p:nvSpPr>
-          <p:cNvPr id="16" name="PlaceHolder 2"/>
+          <p:cNvPr id="17" name="PlaceHolder 2"/>
           <p:cNvSpPr>
             <a:spLocks noGrp="1"/>
           </p:cNvSpPr>
@@ -4208,8 +1890,8 @@
         </p:nvSpPr>
         <p:spPr>
           <a:xfrm>
-            <a:off x="504000" y="1823760"/>
-            <a:ext cx="4427280" cy="4384080"/>
+            <a:off x="504000" y="1768680"/>
+            <a:ext cx="4426920" cy="4384080"/>
           </a:xfrm>
           <a:prstGeom prst="rect">
             <a:avLst/>
@@ -4224,7 +1906,7 @@
       </p:sp>
       <p:sp>
         <p:nvSpPr>
-          <p:cNvPr id="17" name="PlaceHolder 3"/>
+          <p:cNvPr id="18" name="PlaceHolder 3"/>
           <p:cNvSpPr>
             <a:spLocks noGrp="1"/>
           </p:cNvSpPr>
@@ -4234,8 +1916,8 @@
         </p:nvSpPr>
         <p:spPr>
           <a:xfrm>
-            <a:off x="5153040" y="1823760"/>
-            <a:ext cx="4427280" cy="2090880"/>
+            <a:off x="5152680" y="1768680"/>
+            <a:ext cx="4426920" cy="2090880"/>
           </a:xfrm>
           <a:prstGeom prst="rect">
             <a:avLst/>
@@ -4250,7 +1932,7 @@
       </p:sp>
       <p:sp>
         <p:nvSpPr>
-          <p:cNvPr id="18" name="PlaceHolder 4"/>
+          <p:cNvPr id="19" name="PlaceHolder 4"/>
           <p:cNvSpPr>
             <a:spLocks noGrp="1"/>
           </p:cNvSpPr>
@@ -4260,8 +1942,8 @@
         </p:nvSpPr>
         <p:spPr>
           <a:xfrm>
-            <a:off x="5153040" y="4113720"/>
-            <a:ext cx="4427280" cy="2090880"/>
+            <a:off x="5152680" y="4058640"/>
+            <a:ext cx="4426920" cy="2090880"/>
           </a:xfrm>
           <a:prstGeom prst="rect">
             <a:avLst/>
@@ -4298,7 +1980,7 @@
       </p:grpSpPr>
       <p:sp>
         <p:nvSpPr>
-          <p:cNvPr id="19" name="PlaceHolder 1"/>
+          <p:cNvPr id="20" name="PlaceHolder 1"/>
           <p:cNvSpPr>
             <a:spLocks noGrp="1"/>
           </p:cNvSpPr>
@@ -4308,8 +1990,8 @@
         </p:nvSpPr>
         <p:spPr>
           <a:xfrm>
-            <a:off x="504000" y="287640"/>
-            <a:ext cx="8100720" cy="1104480"/>
+            <a:off x="504000" y="301320"/>
+            <a:ext cx="9072000" cy="1262160"/>
           </a:xfrm>
           <a:prstGeom prst="rect">
             <a:avLst/>
@@ -4325,7 +2007,7 @@
       </p:sp>
       <p:sp>
         <p:nvSpPr>
-          <p:cNvPr id="20" name="PlaceHolder 2"/>
+          <p:cNvPr id="21" name="PlaceHolder 2"/>
           <p:cNvSpPr>
             <a:spLocks noGrp="1"/>
           </p:cNvSpPr>
@@ -4335,8 +2017,8 @@
         </p:nvSpPr>
         <p:spPr>
           <a:xfrm>
-            <a:off x="504000" y="1823760"/>
-            <a:ext cx="4427280" cy="2090880"/>
+            <a:off x="504000" y="1768680"/>
+            <a:ext cx="4426920" cy="2090880"/>
           </a:xfrm>
           <a:prstGeom prst="rect">
             <a:avLst/>
@@ -4351,7 +2033,7 @@
       </p:sp>
       <p:sp>
         <p:nvSpPr>
-          <p:cNvPr id="21" name="PlaceHolder 3"/>
+          <p:cNvPr id="22" name="PlaceHolder 3"/>
           <p:cNvSpPr>
             <a:spLocks noGrp="1"/>
           </p:cNvSpPr>
@@ -4361,8 +2043,8 @@
         </p:nvSpPr>
         <p:spPr>
           <a:xfrm>
-            <a:off x="5153040" y="1823760"/>
-            <a:ext cx="4427280" cy="2090880"/>
+            <a:off x="5152680" y="1768680"/>
+            <a:ext cx="4426920" cy="2090880"/>
           </a:xfrm>
           <a:prstGeom prst="rect">
             <a:avLst/>
@@ -4377,7 +2059,7 @@
       </p:sp>
       <p:sp>
         <p:nvSpPr>
-          <p:cNvPr id="22" name="PlaceHolder 4"/>
+          <p:cNvPr id="23" name="PlaceHolder 4"/>
           <p:cNvSpPr>
             <a:spLocks noGrp="1"/>
           </p:cNvSpPr>
@@ -4387,8 +2069,8 @@
         </p:nvSpPr>
         <p:spPr>
           <a:xfrm>
-            <a:off x="504000" y="4113720"/>
-            <a:ext cx="9072720" cy="2090880"/>
+            <a:off x="504000" y="4058640"/>
+            <a:ext cx="9072000" cy="2090880"/>
           </a:xfrm>
           <a:prstGeom prst="rect">
             <a:avLst/>
@@ -4407,408 +2089,6 @@
 </file>
 
 <file path=ppt/slideMasters/slideMaster1.xml><?xml version="1.0" encoding="utf-8"?>
-<p:sldMaster xmlns:a="http://schemas.openxmlformats.org/drawingml/2006/main" xmlns:p="http://schemas.openxmlformats.org/presentationml/2006/main" xmlns:r="http://schemas.openxmlformats.org/officeDocument/2006/relationships">
-  <p:cSld>
-    <p:bg>
-      <p:bgPr>
-        <a:blipFill>
-          <a:blip r:embed="rId2"/>
-          <a:stretch>
-            <a:fillRect/>
-          </a:stretch>
-        </a:blipFill>
-      </p:bgPr>
-    </p:bg>
-    <p:spTree>
-      <p:nvGrpSpPr>
-        <p:cNvPr id="1" name=""/>
-        <p:cNvGrpSpPr/>
-        <p:nvPr/>
-      </p:nvGrpSpPr>
-      <p:grpSpPr>
-        <a:xfrm>
-          <a:off x="0" y="0"/>
-          <a:ext cx="0" cy="0"/>
-          <a:chOff x="0" y="0"/>
-          <a:chExt cx="0" cy="0"/>
-        </a:xfrm>
-      </p:grpSpPr>
-      <p:sp>
-        <p:nvSpPr>
-          <p:cNvPr id="0" name="PlaceHolder 1"/>
-          <p:cNvSpPr>
-            <a:spLocks noGrp="1"/>
-          </p:cNvSpPr>
-          <p:nvPr>
-            <p:ph type="title"/>
-          </p:nvPr>
-        </p:nvSpPr>
-        <p:spPr>
-          <a:xfrm>
-            <a:off x="504000" y="301320"/>
-            <a:ext cx="9072000" cy="1261800"/>
-          </a:xfrm>
-          <a:prstGeom prst="rect">
-            <a:avLst/>
-          </a:prstGeom>
-        </p:spPr>
-        <p:txBody>
-          <a:bodyPr lIns="0" rIns="0" tIns="0" bIns="0" anchor="ctr"/>
-          <a:p>
-            <a:pPr algn="ctr"/>
-            <a:r>
-              <a:rPr lang="en-GB" sz="4400">
-                <a:latin typeface="Arial"/>
-              </a:rPr>
-              <a:t>Click to edit the title text format</a:t>
-            </a:r>
-            <a:endParaRPr/>
-          </a:p>
-        </p:txBody>
-      </p:sp>
-      <p:sp>
-        <p:nvSpPr>
-          <p:cNvPr id="1" name="PlaceHolder 2"/>
-          <p:cNvSpPr>
-            <a:spLocks noGrp="1"/>
-          </p:cNvSpPr>
-          <p:nvPr>
-            <p:ph type="body"/>
-          </p:nvPr>
-        </p:nvSpPr>
-        <p:spPr>
-          <a:xfrm>
-            <a:off x="504000" y="1768680"/>
-            <a:ext cx="9072000" cy="4384080"/>
-          </a:xfrm>
-          <a:prstGeom prst="rect">
-            <a:avLst/>
-          </a:prstGeom>
-        </p:spPr>
-        <p:txBody>
-          <a:bodyPr lIns="0" rIns="0" tIns="0" bIns="0"/>
-          <a:p>
-            <a:pPr>
-              <a:buSzPct val="45000"/>
-              <a:buFont typeface="StarSymbol"/>
-              <a:buChar char=""/>
-            </a:pPr>
-            <a:r>
-              <a:rPr lang="en-GB" sz="3200">
-                <a:latin typeface="Arial"/>
-              </a:rPr>
-              <a:t>Click to edit the outline text format</a:t>
-            </a:r>
-            <a:endParaRPr/>
-          </a:p>
-          <a:p>
-            <a:pPr lvl="1">
-              <a:buSzPct val="75000"/>
-              <a:buFont typeface="StarSymbol"/>
-              <a:buChar char=""/>
-            </a:pPr>
-            <a:r>
-              <a:rPr lang="en-GB" sz="2800">
-                <a:latin typeface="Arial"/>
-              </a:rPr>
-              <a:t>Second Outline Level</a:t>
-            </a:r>
-            <a:endParaRPr/>
-          </a:p>
-          <a:p>
-            <a:pPr lvl="2">
-              <a:buSzPct val="45000"/>
-              <a:buFont typeface="StarSymbol"/>
-              <a:buChar char=""/>
-            </a:pPr>
-            <a:r>
-              <a:rPr lang="en-GB" sz="2400">
-                <a:latin typeface="Arial"/>
-              </a:rPr>
-              <a:t>Third Outline Level</a:t>
-            </a:r>
-            <a:endParaRPr/>
-          </a:p>
-          <a:p>
-            <a:pPr lvl="3">
-              <a:buSzPct val="75000"/>
-              <a:buFont typeface="StarSymbol"/>
-              <a:buChar char=""/>
-            </a:pPr>
-            <a:r>
-              <a:rPr lang="en-GB" sz="2000">
-                <a:latin typeface="Arial"/>
-              </a:rPr>
-              <a:t>Fourth Outline Level</a:t>
-            </a:r>
-            <a:endParaRPr/>
-          </a:p>
-          <a:p>
-            <a:pPr lvl="4">
-              <a:buSzPct val="45000"/>
-              <a:buFont typeface="StarSymbol"/>
-              <a:buChar char=""/>
-            </a:pPr>
-            <a:r>
-              <a:rPr lang="en-GB" sz="2000">
-                <a:latin typeface="Arial"/>
-              </a:rPr>
-              <a:t>Fifth Outline Level</a:t>
-            </a:r>
-            <a:endParaRPr/>
-          </a:p>
-          <a:p>
-            <a:pPr lvl="5">
-              <a:buSzPct val="45000"/>
-              <a:buFont typeface="StarSymbol"/>
-              <a:buChar char=""/>
-            </a:pPr>
-            <a:r>
-              <a:rPr lang="en-GB" sz="2000">
-                <a:latin typeface="Arial"/>
-              </a:rPr>
-              <a:t>Sixth Outline Level</a:t>
-            </a:r>
-            <a:endParaRPr/>
-          </a:p>
-          <a:p>
-            <a:pPr lvl="6">
-              <a:buSzPct val="45000"/>
-              <a:buFont typeface="StarSymbol"/>
-              <a:buChar char=""/>
-            </a:pPr>
-            <a:r>
-              <a:rPr lang="en-GB" sz="2000">
-                <a:latin typeface="Arial"/>
-              </a:rPr>
-              <a:t>Seventh Outline Level</a:t>
-            </a:r>
-            <a:endParaRPr/>
-          </a:p>
-        </p:txBody>
-      </p:sp>
-    </p:spTree>
-  </p:cSld>
-  <p:clrMap bg1="lt1" bg2="lt2" tx1="dk1" tx2="dk2" accent1="accent1" accent2="accent2" accent3="accent3" accent4="accent4" accent5="accent5" accent6="accent6" hlink="hlink" folHlink="folHlink"/>
-  <p:sldLayoutIdLst>
-    <p:sldLayoutId id="2147483649" r:id="rId3"/>
-    <p:sldLayoutId id="2147483650" r:id="rId4"/>
-    <p:sldLayoutId id="2147483651" r:id="rId5"/>
-    <p:sldLayoutId id="2147483652" r:id="rId6"/>
-    <p:sldLayoutId id="2147483653" r:id="rId7"/>
-    <p:sldLayoutId id="2147483654" r:id="rId8"/>
-    <p:sldLayoutId id="2147483655" r:id="rId9"/>
-    <p:sldLayoutId id="2147483656" r:id="rId10"/>
-    <p:sldLayoutId id="2147483657" r:id="rId11"/>
-    <p:sldLayoutId id="2147483658" r:id="rId12"/>
-    <p:sldLayoutId id="2147483659" r:id="rId13"/>
-    <p:sldLayoutId id="2147483660" r:id="rId14"/>
-  </p:sldLayoutIdLst>
-</p:sldMaster>
-</file>
-
-<file path=ppt/slideMasters/slideMaster2.xml><?xml version="1.0" encoding="utf-8"?>
-<p:sldMaster xmlns:a="http://schemas.openxmlformats.org/drawingml/2006/main" xmlns:p="http://schemas.openxmlformats.org/presentationml/2006/main" xmlns:r="http://schemas.openxmlformats.org/officeDocument/2006/relationships">
-  <p:cSld>
-    <p:bg>
-      <p:bgPr>
-        <a:blipFill>
-          <a:blip r:embed="rId2"/>
-          <a:stretch>
-            <a:fillRect/>
-          </a:stretch>
-        </a:blipFill>
-      </p:bgPr>
-    </p:bg>
-    <p:spTree>
-      <p:nvGrpSpPr>
-        <p:cNvPr id="1" name=""/>
-        <p:cNvGrpSpPr/>
-        <p:nvPr/>
-      </p:nvGrpSpPr>
-      <p:grpSpPr>
-        <a:xfrm>
-          <a:off x="0" y="0"/>
-          <a:ext cx="0" cy="0"/>
-          <a:chOff x="0" y="0"/>
-          <a:chExt cx="0" cy="0"/>
-        </a:xfrm>
-      </p:grpSpPr>
-      <p:sp>
-        <p:nvSpPr>
-          <p:cNvPr id="36" name="PlaceHolder 1"/>
-          <p:cNvSpPr>
-            <a:spLocks noGrp="1"/>
-          </p:cNvSpPr>
-          <p:nvPr>
-            <p:ph type="title"/>
-          </p:nvPr>
-        </p:nvSpPr>
-        <p:spPr>
-          <a:xfrm>
-            <a:off x="504000" y="301320"/>
-            <a:ext cx="9072000" cy="1261800"/>
-          </a:xfrm>
-          <a:prstGeom prst="rect">
-            <a:avLst/>
-          </a:prstGeom>
-        </p:spPr>
-        <p:txBody>
-          <a:bodyPr lIns="0" rIns="0" tIns="0" bIns="0" anchor="ctr"/>
-          <a:p>
-            <a:pPr algn="ctr"/>
-            <a:r>
-              <a:rPr lang="en-GB" sz="4400">
-                <a:latin typeface="Arial"/>
-              </a:rPr>
-              <a:t>Click to edit the title text format</a:t>
-            </a:r>
-            <a:endParaRPr/>
-          </a:p>
-        </p:txBody>
-      </p:sp>
-      <p:sp>
-        <p:nvSpPr>
-          <p:cNvPr id="37" name="PlaceHolder 2"/>
-          <p:cNvSpPr>
-            <a:spLocks noGrp="1"/>
-          </p:cNvSpPr>
-          <p:nvPr>
-            <p:ph type="body"/>
-          </p:nvPr>
-        </p:nvSpPr>
-        <p:spPr>
-          <a:xfrm>
-            <a:off x="504000" y="1768680"/>
-            <a:ext cx="9072000" cy="4384080"/>
-          </a:xfrm>
-          <a:prstGeom prst="rect">
-            <a:avLst/>
-          </a:prstGeom>
-        </p:spPr>
-        <p:txBody>
-          <a:bodyPr lIns="0" rIns="0" tIns="0" bIns="0"/>
-          <a:p>
-            <a:pPr>
-              <a:buSzPct val="45000"/>
-              <a:buFont typeface="StarSymbol"/>
-              <a:buChar char=""/>
-            </a:pPr>
-            <a:r>
-              <a:rPr lang="en-GB" sz="3200">
-                <a:latin typeface="Arial"/>
-              </a:rPr>
-              <a:t>Click to edit the outline text format</a:t>
-            </a:r>
-            <a:endParaRPr/>
-          </a:p>
-          <a:p>
-            <a:pPr lvl="1">
-              <a:buSzPct val="75000"/>
-              <a:buFont typeface="StarSymbol"/>
-              <a:buChar char=""/>
-            </a:pPr>
-            <a:r>
-              <a:rPr lang="en-GB" sz="2800">
-                <a:latin typeface="Arial"/>
-              </a:rPr>
-              <a:t>Second Outline Level</a:t>
-            </a:r>
-            <a:endParaRPr/>
-          </a:p>
-          <a:p>
-            <a:pPr lvl="2">
-              <a:buSzPct val="45000"/>
-              <a:buFont typeface="StarSymbol"/>
-              <a:buChar char=""/>
-            </a:pPr>
-            <a:r>
-              <a:rPr lang="en-GB" sz="2400">
-                <a:latin typeface="Arial"/>
-              </a:rPr>
-              <a:t>Third Outline Level</a:t>
-            </a:r>
-            <a:endParaRPr/>
-          </a:p>
-          <a:p>
-            <a:pPr lvl="3">
-              <a:buSzPct val="75000"/>
-              <a:buFont typeface="StarSymbol"/>
-              <a:buChar char=""/>
-            </a:pPr>
-            <a:r>
-              <a:rPr lang="en-GB" sz="2000">
-                <a:latin typeface="Arial"/>
-              </a:rPr>
-              <a:t>Fourth Outline Level</a:t>
-            </a:r>
-            <a:endParaRPr/>
-          </a:p>
-          <a:p>
-            <a:pPr lvl="4">
-              <a:buSzPct val="45000"/>
-              <a:buFont typeface="StarSymbol"/>
-              <a:buChar char=""/>
-            </a:pPr>
-            <a:r>
-              <a:rPr lang="en-GB" sz="2000">
-                <a:latin typeface="Arial"/>
-              </a:rPr>
-              <a:t>Fifth Outline Level</a:t>
-            </a:r>
-            <a:endParaRPr/>
-          </a:p>
-          <a:p>
-            <a:pPr lvl="5">
-              <a:buSzPct val="45000"/>
-              <a:buFont typeface="StarSymbol"/>
-              <a:buChar char=""/>
-            </a:pPr>
-            <a:r>
-              <a:rPr lang="en-GB" sz="2000">
-                <a:latin typeface="Arial"/>
-              </a:rPr>
-              <a:t>Sixth Outline Level</a:t>
-            </a:r>
-            <a:endParaRPr/>
-          </a:p>
-          <a:p>
-            <a:pPr lvl="6">
-              <a:buSzPct val="45000"/>
-              <a:buFont typeface="StarSymbol"/>
-              <a:buChar char=""/>
-            </a:pPr>
-            <a:r>
-              <a:rPr lang="en-GB" sz="2000">
-                <a:latin typeface="Arial"/>
-              </a:rPr>
-              <a:t>Seventh Outline Level</a:t>
-            </a:r>
-            <a:endParaRPr/>
-          </a:p>
-        </p:txBody>
-      </p:sp>
-    </p:spTree>
-  </p:cSld>
-  <p:clrMap bg1="lt1" bg2="lt2" tx1="dk1" tx2="dk2" accent1="accent1" accent2="accent2" accent3="accent3" accent4="accent4" accent5="accent5" accent6="accent6" hlink="hlink" folHlink="folHlink"/>
-  <p:sldLayoutIdLst>
-    <p:sldLayoutId id="2147483662" r:id="rId3"/>
-    <p:sldLayoutId id="2147483663" r:id="rId4"/>
-    <p:sldLayoutId id="2147483664" r:id="rId5"/>
-    <p:sldLayoutId id="2147483665" r:id="rId6"/>
-    <p:sldLayoutId id="2147483666" r:id="rId7"/>
-    <p:sldLayoutId id="2147483667" r:id="rId8"/>
-    <p:sldLayoutId id="2147483668" r:id="rId9"/>
-    <p:sldLayoutId id="2147483669" r:id="rId10"/>
-    <p:sldLayoutId id="2147483670" r:id="rId11"/>
-    <p:sldLayoutId id="2147483671" r:id="rId12"/>
-    <p:sldLayoutId id="2147483672" r:id="rId13"/>
-    <p:sldLayoutId id="2147483673" r:id="rId14"/>
-  </p:sldLayoutIdLst>
-</p:sldMaster>
-</file>
-
-<file path=ppt/slideMasters/slideMaster3.xml><?xml version="1.0" encoding="utf-8"?>
 <p:sldMaster xmlns:a="http://schemas.openxmlformats.org/drawingml/2006/main" xmlns:p="http://schemas.openxmlformats.org/presentationml/2006/main" xmlns:r="http://schemas.openxmlformats.org/officeDocument/2006/relationships">
   <p:cSld>
     <p:spTree>
@@ -4827,7 +2107,7 @@
       </p:grpSpPr>
       <p:pic>
         <p:nvPicPr>
-          <p:cNvPr id="72" name="" descr=""/>
+          <p:cNvPr id="0" name="" descr=""/>
           <p:cNvPicPr/>
           <p:nvPr/>
         </p:nvPicPr>
@@ -4840,7 +2120,7 @@
         <p:spPr>
           <a:xfrm>
             <a:off x="0" y="0"/>
-            <a:ext cx="10080360" cy="7555320"/>
+            <a:ext cx="10080000" cy="7554960"/>
           </a:xfrm>
           <a:prstGeom prst="rect">
             <a:avLst/>
@@ -4852,7 +2132,7 @@
       </p:pic>
       <p:sp>
         <p:nvSpPr>
-          <p:cNvPr id="73" name="PlaceHolder 1"/>
+          <p:cNvPr id="1" name="PlaceHolder 1"/>
           <p:cNvSpPr>
             <a:spLocks noGrp="1"/>
           </p:cNvSpPr>
@@ -4862,8 +2142,8 @@
         </p:nvSpPr>
         <p:spPr>
           <a:xfrm>
-            <a:off x="504000" y="287640"/>
-            <a:ext cx="8100720" cy="1104120"/>
+            <a:off x="504000" y="301320"/>
+            <a:ext cx="9072000" cy="1261800"/>
           </a:xfrm>
           <a:prstGeom prst="rect">
             <a:avLst/>
@@ -4874,8 +2154,8 @@
           <a:p>
             <a:pPr algn="ctr"/>
             <a:r>
-              <a:rPr lang="en-GB" sz="5190">
-                <a:latin typeface="Times New Roman"/>
+              <a:rPr lang="en-GB" sz="4400">
+                <a:latin typeface="Arial"/>
               </a:rPr>
               <a:t>Click to edit the title text format</a:t>
             </a:r>
@@ -4885,7 +2165,7 @@
       </p:sp>
       <p:sp>
         <p:nvSpPr>
-          <p:cNvPr id="74" name="PlaceHolder 2"/>
+          <p:cNvPr id="2" name="PlaceHolder 2"/>
           <p:cNvSpPr>
             <a:spLocks noGrp="1"/>
           </p:cNvSpPr>
@@ -4895,8 +2175,8 @@
         </p:nvSpPr>
         <p:spPr>
           <a:xfrm>
-            <a:off x="504000" y="1823760"/>
-            <a:ext cx="9072720" cy="4384080"/>
+            <a:off x="504000" y="1768680"/>
+            <a:ext cx="9072000" cy="4384080"/>
           </a:xfrm>
           <a:prstGeom prst="rect">
             <a:avLst/>
@@ -4911,8 +2191,8 @@
               <a:buChar char=""/>
             </a:pPr>
             <a:r>
-              <a:rPr lang="en-GB" sz="4270">
-                <a:latin typeface="Times New Roman"/>
+              <a:rPr lang="en-GB" sz="3200">
+                <a:latin typeface="Arial"/>
               </a:rPr>
               <a:t>Click to edit the outline text format</a:t>
             </a:r>
@@ -4925,8 +2205,8 @@
               <a:buChar char=""/>
             </a:pPr>
             <a:r>
-              <a:rPr lang="en-GB" sz="3730">
-                <a:latin typeface="Times New Roman"/>
+              <a:rPr lang="en-GB" sz="2800">
+                <a:latin typeface="Arial"/>
               </a:rPr>
               <a:t>Second Outline Level</a:t>
             </a:r>
@@ -4939,8 +2219,8 @@
               <a:buChar char=""/>
             </a:pPr>
             <a:r>
-              <a:rPr lang="en-GB" sz="3200">
-                <a:latin typeface="Times New Roman"/>
+              <a:rPr lang="en-GB" sz="2400">
+                <a:latin typeface="Arial"/>
               </a:rPr>
               <a:t>Third Outline Level</a:t>
             </a:r>
@@ -4953,8 +2233,8 @@
               <a:buChar char=""/>
             </a:pPr>
             <a:r>
-              <a:rPr lang="en-GB" sz="2660">
-                <a:latin typeface="Times New Roman"/>
+              <a:rPr lang="en-GB" sz="2000">
+                <a:latin typeface="Arial"/>
               </a:rPr>
               <a:t>Fourth Outline Level</a:t>
             </a:r>
@@ -4967,8 +2247,8 @@
               <a:buChar char=""/>
             </a:pPr>
             <a:r>
-              <a:rPr lang="en-GB" sz="2660">
-                <a:latin typeface="Times New Roman"/>
+              <a:rPr lang="en-GB" sz="2000">
+                <a:latin typeface="Arial"/>
               </a:rPr>
               <a:t>Fifth Outline Level</a:t>
             </a:r>
@@ -4981,8 +2261,8 @@
               <a:buChar char=""/>
             </a:pPr>
             <a:r>
-              <a:rPr lang="en-GB" sz="2660">
-                <a:latin typeface="Times New Roman"/>
+              <a:rPr lang="en-GB" sz="2000">
+                <a:latin typeface="Arial"/>
               </a:rPr>
               <a:t>Sixth Outline Level</a:t>
             </a:r>
@@ -4995,109 +2275,11 @@
               <a:buChar char=""/>
             </a:pPr>
             <a:r>
-              <a:rPr lang="en-GB" sz="2660">
-                <a:latin typeface="Times New Roman"/>
+              <a:rPr lang="en-GB" sz="2000">
+                <a:latin typeface="Arial"/>
               </a:rPr>
               <a:t>Seventh Outline Level</a:t>
             </a:r>
-            <a:endParaRPr/>
-          </a:p>
-        </p:txBody>
-      </p:sp>
-      <p:sp>
-        <p:nvSpPr>
-          <p:cNvPr id="75" name="PlaceHolder 3"/>
-          <p:cNvSpPr>
-            <a:spLocks noGrp="1"/>
-          </p:cNvSpPr>
-          <p:nvPr>
-            <p:ph type="dt"/>
-          </p:nvPr>
-        </p:nvSpPr>
-        <p:spPr>
-          <a:xfrm>
-            <a:off x="504000" y="6886440"/>
-            <a:ext cx="2348280" cy="521280"/>
-          </a:xfrm>
-          <a:prstGeom prst="rect">
-            <a:avLst/>
-          </a:prstGeom>
-        </p:spPr>
-        <p:txBody>
-          <a:bodyPr lIns="0" rIns="0" tIns="0" bIns="0"/>
-          <a:p>
-            <a:r>
-              <a:rPr lang="en-GB" sz="1400">
-                <a:latin typeface="Times New Roman"/>
-              </a:rPr>
-              <a:t>&lt;date/time&gt;</a:t>
-            </a:r>
-            <a:endParaRPr/>
-          </a:p>
-        </p:txBody>
-      </p:sp>
-      <p:sp>
-        <p:nvSpPr>
-          <p:cNvPr id="76" name="PlaceHolder 4"/>
-          <p:cNvSpPr>
-            <a:spLocks noGrp="1"/>
-          </p:cNvSpPr>
-          <p:nvPr>
-            <p:ph type="ftr"/>
-          </p:nvPr>
-        </p:nvSpPr>
-        <p:spPr>
-          <a:xfrm>
-            <a:off x="3447360" y="6886440"/>
-            <a:ext cx="3195360" cy="521280"/>
-          </a:xfrm>
-          <a:prstGeom prst="rect">
-            <a:avLst/>
-          </a:prstGeom>
-        </p:spPr>
-        <p:txBody>
-          <a:bodyPr lIns="0" rIns="0" tIns="0" bIns="0"/>
-          <a:p>
-            <a:pPr algn="ctr"/>
-            <a:r>
-              <a:rPr lang="en-GB" sz="1400">
-                <a:latin typeface="Times New Roman"/>
-              </a:rPr>
-              <a:t>&lt;footer&gt;</a:t>
-            </a:r>
-            <a:endParaRPr/>
-          </a:p>
-        </p:txBody>
-      </p:sp>
-      <p:sp>
-        <p:nvSpPr>
-          <p:cNvPr id="77" name="PlaceHolder 5"/>
-          <p:cNvSpPr>
-            <a:spLocks noGrp="1"/>
-          </p:cNvSpPr>
-          <p:nvPr>
-            <p:ph type="sldNum"/>
-          </p:nvPr>
-        </p:nvSpPr>
-        <p:spPr>
-          <a:xfrm>
-            <a:off x="7227720" y="6886440"/>
-            <a:ext cx="2348280" cy="521280"/>
-          </a:xfrm>
-          <a:prstGeom prst="rect">
-            <a:avLst/>
-          </a:prstGeom>
-        </p:spPr>
-        <p:txBody>
-          <a:bodyPr lIns="0" rIns="0" tIns="0" bIns="0"/>
-          <a:p>
-            <a:pPr algn="r"/>
-            <a:fld id="{D40F18DA-85E0-4F3B-A94D-8FB987D55B71}" type="slidenum">
-              <a:rPr lang="en-GB" sz="1400">
-                <a:latin typeface="Times New Roman"/>
-              </a:rPr>
-              <a:t>&lt;number&gt;</a:t>
-            </a:fld>
             <a:endParaRPr/>
           </a:p>
         </p:txBody>
@@ -5106,18 +2288,18 @@
   </p:cSld>
   <p:clrMap bg1="lt1" bg2="lt2" tx1="dk1" tx2="dk2" accent1="accent1" accent2="accent2" accent3="accent3" accent4="accent4" accent5="accent5" accent6="accent6" hlink="hlink" folHlink="folHlink"/>
   <p:sldLayoutIdLst>
-    <p:sldLayoutId id="2147483675" r:id="rId3"/>
-    <p:sldLayoutId id="2147483676" r:id="rId4"/>
-    <p:sldLayoutId id="2147483677" r:id="rId5"/>
-    <p:sldLayoutId id="2147483678" r:id="rId6"/>
-    <p:sldLayoutId id="2147483679" r:id="rId7"/>
-    <p:sldLayoutId id="2147483680" r:id="rId8"/>
-    <p:sldLayoutId id="2147483681" r:id="rId9"/>
-    <p:sldLayoutId id="2147483682" r:id="rId10"/>
-    <p:sldLayoutId id="2147483683" r:id="rId11"/>
-    <p:sldLayoutId id="2147483684" r:id="rId12"/>
-    <p:sldLayoutId id="2147483685" r:id="rId13"/>
-    <p:sldLayoutId id="2147483686" r:id="rId14"/>
+    <p:sldLayoutId id="2147483649" r:id="rId3"/>
+    <p:sldLayoutId id="2147483650" r:id="rId4"/>
+    <p:sldLayoutId id="2147483651" r:id="rId5"/>
+    <p:sldLayoutId id="2147483652" r:id="rId6"/>
+    <p:sldLayoutId id="2147483653" r:id="rId7"/>
+    <p:sldLayoutId id="2147483654" r:id="rId8"/>
+    <p:sldLayoutId id="2147483655" r:id="rId9"/>
+    <p:sldLayoutId id="2147483656" r:id="rId10"/>
+    <p:sldLayoutId id="2147483657" r:id="rId11"/>
+    <p:sldLayoutId id="2147483658" r:id="rId12"/>
+    <p:sldLayoutId id="2147483659" r:id="rId13"/>
+    <p:sldLayoutId id="2147483660" r:id="rId14"/>
   </p:sldLayoutIdLst>
 </p:sldMaster>
 </file>
@@ -5141,14 +2323,14 @@
       </p:grpSpPr>
       <p:sp>
         <p:nvSpPr>
-          <p:cNvPr id="117" name="CustomShape 1"/>
+          <p:cNvPr id="42" name="CustomShape 1"/>
           <p:cNvSpPr/>
           <p:nvPr/>
         </p:nvSpPr>
         <p:spPr>
           <a:xfrm>
             <a:off x="502920" y="345960"/>
-            <a:ext cx="9069480" cy="1262160"/>
+            <a:ext cx="9069120" cy="1261800"/>
           </a:xfrm>
           <a:prstGeom prst="rect">
             <a:avLst/>
@@ -5178,14 +2360,14 @@
       </p:sp>
       <p:sp>
         <p:nvSpPr>
-          <p:cNvPr id="118" name="CustomShape 2"/>
+          <p:cNvPr id="43" name="CustomShape 2"/>
           <p:cNvSpPr/>
           <p:nvPr/>
         </p:nvSpPr>
         <p:spPr>
           <a:xfrm>
             <a:off x="7343640" y="6191280"/>
-            <a:ext cx="2229120" cy="401760"/>
+            <a:ext cx="2228760" cy="401400"/>
           </a:xfrm>
           <a:prstGeom prst="rect">
             <a:avLst/>
@@ -5215,7 +2397,7 @@
       </p:sp>
       <p:pic>
         <p:nvPicPr>
-          <p:cNvPr id="119" name="" descr=""/>
+          <p:cNvPr id="44" name="" descr=""/>
           <p:cNvPicPr/>
           <p:nvPr/>
         </p:nvPicPr>
@@ -5228,7 +2410,7 @@
         <p:spPr>
           <a:xfrm>
             <a:off x="-9360" y="1778040"/>
-            <a:ext cx="10077480" cy="4003920"/>
+            <a:ext cx="10077120" cy="4003560"/>
           </a:xfrm>
           <a:prstGeom prst="rect">
             <a:avLst/>
@@ -5289,14 +2471,14 @@
       </p:grpSpPr>
       <p:sp>
         <p:nvSpPr>
-          <p:cNvPr id="148" name="CustomShape 1"/>
+          <p:cNvPr id="73" name="CustomShape 1"/>
           <p:cNvSpPr/>
           <p:nvPr/>
         </p:nvSpPr>
         <p:spPr>
           <a:xfrm>
             <a:off x="502920" y="301320"/>
-            <a:ext cx="9068040" cy="1258920"/>
+            <a:ext cx="9067680" cy="1258560"/>
           </a:xfrm>
           <a:prstGeom prst="rect">
             <a:avLst/>
@@ -5326,14 +2508,14 @@
       </p:sp>
       <p:sp>
         <p:nvSpPr>
-          <p:cNvPr id="149" name="CustomShape 2"/>
+          <p:cNvPr id="74" name="CustomShape 2"/>
           <p:cNvSpPr/>
           <p:nvPr/>
         </p:nvSpPr>
         <p:spPr>
           <a:xfrm>
             <a:off x="502920" y="2165400"/>
-            <a:ext cx="9068040" cy="4673520"/>
+            <a:ext cx="9067680" cy="4673160"/>
           </a:xfrm>
           <a:prstGeom prst="rect">
             <a:avLst/>
@@ -5456,36 +2638,22 @@
               <a:rPr lang="en-GB" sz="2200">
                 <a:latin typeface="Arial"/>
               </a:rPr>
-              <a:t>Whitening – unit independent. Allows eeg + meg model</a:t>
-            </a:r>
-            <a:endParaRPr/>
-          </a:p>
-          <a:p>
-            <a:pPr>
-              <a:lnSpc>
-                <a:spcPct val="100000"/>
-              </a:lnSpc>
-            </a:pPr>
-            <a:r>
-              <a:rPr lang="en-GB" sz="2200">
-                <a:latin typeface="Arial"/>
-              </a:rPr>
-              <a:t>Inverse solution is depends on noise cov only</a:t>
-            </a:r>
-            <a:endParaRPr/>
-          </a:p>
-        </p:txBody>
-      </p:sp>
-      <p:sp>
-        <p:nvSpPr>
-          <p:cNvPr id="150" name="CustomShape 3"/>
+              <a:t>Inverse solution is depends on noise cov only. I sometimes use empty room noise cov, as in this example</a:t>
+            </a:r>
+            <a:endParaRPr/>
+          </a:p>
+        </p:txBody>
+      </p:sp>
+      <p:sp>
+        <p:nvSpPr>
+          <p:cNvPr id="75" name="CustomShape 3"/>
           <p:cNvSpPr/>
           <p:nvPr/>
         </p:nvSpPr>
         <p:spPr>
           <a:xfrm>
             <a:off x="503280" y="4320000"/>
-            <a:ext cx="8712360" cy="1295640"/>
+            <a:ext cx="8712000" cy="1295280"/>
           </a:xfrm>
           <a:prstGeom prst="rect">
             <a:avLst/>
@@ -5559,14 +2727,14 @@
       </p:sp>
       <p:sp>
         <p:nvSpPr>
-          <p:cNvPr id="151" name="CustomShape 4"/>
+          <p:cNvPr id="76" name="CustomShape 4"/>
           <p:cNvSpPr/>
           <p:nvPr/>
         </p:nvSpPr>
         <p:spPr>
           <a:xfrm>
             <a:off x="504360" y="2987640"/>
-            <a:ext cx="5399280" cy="576000"/>
+            <a:ext cx="5398920" cy="575640"/>
           </a:xfrm>
           <a:prstGeom prst="rect">
             <a:avLst/>
@@ -5605,6 +2773,34 @@
                 <a:latin typeface="Arial"/>
               </a:rPr>
               <a:t>cov.save('maorf_raw-cov.fif')</a:t>
+            </a:r>
+            <a:endParaRPr/>
+          </a:p>
+        </p:txBody>
+      </p:sp>
+      <p:sp>
+        <p:nvSpPr>
+          <p:cNvPr id="77" name="TextShape 5"/>
+          <p:cNvSpPr txBox="1"/>
+          <p:nvPr/>
+        </p:nvSpPr>
+        <p:spPr>
+          <a:xfrm>
+            <a:off x="1152000" y="6696000"/>
+            <a:ext cx="7488000" cy="602640"/>
+          </a:xfrm>
+          <a:prstGeom prst="rect">
+            <a:avLst/>
+          </a:prstGeom>
+        </p:spPr>
+        <p:txBody>
+          <a:bodyPr lIns="90000" rIns="90000" tIns="45000" bIns="45000"/>
+          <a:p>
+            <a:r>
+              <a:rPr lang="en-GB" sz="1400">
+                <a:latin typeface="Arial"/>
+              </a:rPr>
+              <a:t>mne_do_inverse_operator --fwd maor_raw-oct-6-fwd.fif --deep --loose 0.2 --meg --noisecov ~/Data/emptyRoom/empty-cov.fif</a:t>
             </a:r>
             <a:endParaRPr/>
           </a:p>
@@ -5661,14 +2857,14 @@
       </p:grpSpPr>
       <p:sp>
         <p:nvSpPr>
-          <p:cNvPr id="152" name="CustomShape 1"/>
+          <p:cNvPr id="78" name="CustomShape 1"/>
           <p:cNvSpPr/>
           <p:nvPr/>
         </p:nvSpPr>
         <p:spPr>
           <a:xfrm>
             <a:off x="502920" y="301320"/>
-            <a:ext cx="9068040" cy="1258920"/>
+            <a:ext cx="9067680" cy="1258560"/>
           </a:xfrm>
           <a:prstGeom prst="rect">
             <a:avLst/>
@@ -5698,14 +2894,14 @@
       </p:sp>
       <p:sp>
         <p:nvSpPr>
-          <p:cNvPr id="153" name="CustomShape 2"/>
+          <p:cNvPr id="79" name="CustomShape 2"/>
           <p:cNvSpPr/>
           <p:nvPr/>
         </p:nvSpPr>
         <p:spPr>
           <a:xfrm>
             <a:off x="502920" y="2165400"/>
-            <a:ext cx="9068040" cy="4673520"/>
+            <a:ext cx="9067680" cy="4673160"/>
           </a:xfrm>
           <a:prstGeom prst="rect">
             <a:avLst/>
@@ -5751,14 +2947,14 @@
       </p:sp>
       <p:sp>
         <p:nvSpPr>
-          <p:cNvPr id="154" name="CustomShape 3"/>
+          <p:cNvPr id="80" name="CustomShape 3"/>
           <p:cNvSpPr/>
           <p:nvPr/>
         </p:nvSpPr>
         <p:spPr>
           <a:xfrm>
             <a:off x="432360" y="2627640"/>
-            <a:ext cx="6983280" cy="3708000"/>
+            <a:ext cx="6982920" cy="3707640"/>
           </a:xfrm>
           <a:prstGeom prst="rect">
             <a:avLst/>
@@ -6037,14 +3233,14 @@
       </p:grpSpPr>
       <p:sp>
         <p:nvSpPr>
-          <p:cNvPr id="155" name="CustomShape 1"/>
+          <p:cNvPr id="81" name="CustomShape 1"/>
           <p:cNvSpPr/>
           <p:nvPr/>
         </p:nvSpPr>
         <p:spPr>
           <a:xfrm>
             <a:off x="502920" y="301320"/>
-            <a:ext cx="9068040" cy="1258920"/>
+            <a:ext cx="9067680" cy="1258560"/>
           </a:xfrm>
           <a:prstGeom prst="rect">
             <a:avLst/>
@@ -6074,14 +3270,14 @@
       </p:sp>
       <p:sp>
         <p:nvSpPr>
-          <p:cNvPr id="156" name="CustomShape 2"/>
+          <p:cNvPr id="82" name="CustomShape 2"/>
           <p:cNvSpPr/>
           <p:nvPr/>
         </p:nvSpPr>
         <p:spPr>
           <a:xfrm>
             <a:off x="502920" y="2165400"/>
-            <a:ext cx="9068040" cy="4673520"/>
+            <a:ext cx="9067680" cy="4673160"/>
           </a:xfrm>
           <a:prstGeom prst="rect">
             <a:avLst/>
@@ -6127,14 +3323,14 @@
       </p:sp>
       <p:sp>
         <p:nvSpPr>
-          <p:cNvPr id="157" name="CustomShape 3"/>
+          <p:cNvPr id="83" name="CustomShape 3"/>
           <p:cNvSpPr/>
           <p:nvPr/>
         </p:nvSpPr>
         <p:spPr>
           <a:xfrm>
             <a:off x="432360" y="2627640"/>
-            <a:ext cx="6983280" cy="2916000"/>
+            <a:ext cx="6982920" cy="2915640"/>
           </a:xfrm>
           <a:prstGeom prst="rect">
             <a:avLst/>
@@ -6341,14 +3537,14 @@
       </p:grpSpPr>
       <p:sp>
         <p:nvSpPr>
-          <p:cNvPr id="158" name="CustomShape 1"/>
+          <p:cNvPr id="84" name="CustomShape 1"/>
           <p:cNvSpPr/>
           <p:nvPr/>
         </p:nvSpPr>
         <p:spPr>
           <a:xfrm>
             <a:off x="502920" y="301320"/>
-            <a:ext cx="9068040" cy="1258920"/>
+            <a:ext cx="9067680" cy="1258560"/>
           </a:xfrm>
           <a:prstGeom prst="rect">
             <a:avLst/>
@@ -6378,14 +3574,14 @@
       </p:sp>
       <p:sp>
         <p:nvSpPr>
-          <p:cNvPr id="159" name="CustomShape 2"/>
+          <p:cNvPr id="85" name="CustomShape 2"/>
           <p:cNvSpPr/>
           <p:nvPr/>
         </p:nvSpPr>
         <p:spPr>
           <a:xfrm>
             <a:off x="502920" y="2165400"/>
-            <a:ext cx="9068040" cy="4673520"/>
+            <a:ext cx="9067680" cy="4673160"/>
           </a:xfrm>
           <a:prstGeom prst="rect">
             <a:avLst/>
@@ -6431,14 +3627,14 @@
       </p:sp>
       <p:sp>
         <p:nvSpPr>
-          <p:cNvPr id="160" name="CustomShape 3"/>
+          <p:cNvPr id="86" name="CustomShape 3"/>
           <p:cNvSpPr/>
           <p:nvPr/>
         </p:nvSpPr>
         <p:spPr>
           <a:xfrm>
             <a:off x="432360" y="2627640"/>
-            <a:ext cx="6983280" cy="4068000"/>
+            <a:ext cx="6982920" cy="4067640"/>
           </a:xfrm>
           <a:prstGeom prst="rect">
             <a:avLst/>
@@ -6947,14 +4143,14 @@
       </p:grpSpPr>
       <p:sp>
         <p:nvSpPr>
-          <p:cNvPr id="161" name="CustomShape 1"/>
+          <p:cNvPr id="87" name="CustomShape 1"/>
           <p:cNvSpPr/>
           <p:nvPr/>
         </p:nvSpPr>
         <p:spPr>
           <a:xfrm>
             <a:off x="502920" y="301320"/>
-            <a:ext cx="9068040" cy="1258920"/>
+            <a:ext cx="9067680" cy="1258560"/>
           </a:xfrm>
           <a:prstGeom prst="rect">
             <a:avLst/>
@@ -6984,14 +4180,14 @@
       </p:sp>
       <p:sp>
         <p:nvSpPr>
-          <p:cNvPr id="162" name="CustomShape 2"/>
+          <p:cNvPr id="88" name="CustomShape 2"/>
           <p:cNvSpPr/>
           <p:nvPr/>
         </p:nvSpPr>
         <p:spPr>
           <a:xfrm>
             <a:off x="502920" y="2165400"/>
-            <a:ext cx="9068040" cy="4673520"/>
+            <a:ext cx="9067680" cy="4673160"/>
           </a:xfrm>
           <a:prstGeom prst="rect">
             <a:avLst/>
@@ -7037,7 +4233,7 @@
       </p:sp>
       <p:pic>
         <p:nvPicPr>
-          <p:cNvPr id="163" name="" descr=""/>
+          <p:cNvPr id="89" name="" descr=""/>
           <p:cNvPicPr/>
           <p:nvPr/>
         </p:nvPicPr>
@@ -7050,7 +4246,7 @@
         <p:spPr>
           <a:xfrm>
             <a:off x="2346840" y="2664000"/>
-            <a:ext cx="4420800" cy="4067280"/>
+            <a:ext cx="4420440" cy="4066920"/>
           </a:xfrm>
           <a:prstGeom prst="rect">
             <a:avLst/>
@@ -7111,14 +4307,14 @@
       </p:grpSpPr>
       <p:sp>
         <p:nvSpPr>
-          <p:cNvPr id="164" name="CustomShape 1"/>
+          <p:cNvPr id="90" name="CustomShape 1"/>
           <p:cNvSpPr/>
           <p:nvPr/>
         </p:nvSpPr>
         <p:spPr>
           <a:xfrm>
             <a:off x="502920" y="301320"/>
-            <a:ext cx="9068040" cy="1258920"/>
+            <a:ext cx="9067680" cy="1258560"/>
           </a:xfrm>
           <a:prstGeom prst="rect">
             <a:avLst/>
@@ -7148,14 +4344,14 @@
       </p:sp>
       <p:sp>
         <p:nvSpPr>
-          <p:cNvPr id="165" name="CustomShape 2"/>
+          <p:cNvPr id="91" name="CustomShape 2"/>
           <p:cNvSpPr/>
           <p:nvPr/>
         </p:nvSpPr>
         <p:spPr>
           <a:xfrm>
             <a:off x="506520" y="1875960"/>
-            <a:ext cx="9067680" cy="1721160"/>
+            <a:ext cx="9067320" cy="1720800"/>
           </a:xfrm>
           <a:prstGeom prst="rect">
             <a:avLst/>
@@ -7185,7 +4381,7 @@
       </p:sp>
       <p:pic>
         <p:nvPicPr>
-          <p:cNvPr id="166" name="" descr=""/>
+          <p:cNvPr id="92" name="" descr=""/>
           <p:cNvPicPr/>
           <p:nvPr/>
         </p:nvPicPr>
@@ -7198,7 +4394,7 @@
         <p:spPr>
           <a:xfrm>
             <a:off x="26640" y="3059640"/>
-            <a:ext cx="10077480" cy="4546440"/>
+            <a:ext cx="10077120" cy="4546080"/>
           </a:xfrm>
           <a:prstGeom prst="rect">
             <a:avLst/>
@@ -7259,14 +4455,14 @@
       </p:grpSpPr>
       <p:sp>
         <p:nvSpPr>
-          <p:cNvPr id="167" name="CustomShape 1"/>
+          <p:cNvPr id="93" name="CustomShape 1"/>
           <p:cNvSpPr/>
           <p:nvPr/>
         </p:nvSpPr>
         <p:spPr>
           <a:xfrm>
             <a:off x="502920" y="301320"/>
-            <a:ext cx="9068040" cy="1258920"/>
+            <a:ext cx="9067680" cy="1258560"/>
           </a:xfrm>
           <a:prstGeom prst="rect">
             <a:avLst/>
@@ -7296,14 +4492,14 @@
       </p:sp>
       <p:sp>
         <p:nvSpPr>
-          <p:cNvPr id="168" name="CustomShape 2"/>
+          <p:cNvPr id="94" name="CustomShape 2"/>
           <p:cNvSpPr/>
           <p:nvPr/>
         </p:nvSpPr>
         <p:spPr>
           <a:xfrm>
             <a:off x="506520" y="1800000"/>
-            <a:ext cx="9067680" cy="4381560"/>
+            <a:ext cx="9067320" cy="4381200"/>
           </a:xfrm>
           <a:prstGeom prst="rect">
             <a:avLst/>
@@ -7333,7 +4529,7 @@
       </p:sp>
       <p:pic>
         <p:nvPicPr>
-          <p:cNvPr id="169" name="" descr=""/>
+          <p:cNvPr id="95" name="" descr=""/>
           <p:cNvPicPr/>
           <p:nvPr/>
         </p:nvPicPr>
@@ -7346,7 +4542,7 @@
         <p:spPr>
           <a:xfrm>
             <a:off x="-9360" y="2284560"/>
-            <a:ext cx="10077480" cy="4521240"/>
+            <a:ext cx="10077120" cy="4520880"/>
           </a:xfrm>
           <a:prstGeom prst="rect">
             <a:avLst/>
@@ -7407,14 +4603,14 @@
       </p:grpSpPr>
       <p:sp>
         <p:nvSpPr>
-          <p:cNvPr id="170" name="CustomShape 1"/>
+          <p:cNvPr id="96" name="CustomShape 1"/>
           <p:cNvSpPr/>
           <p:nvPr/>
         </p:nvSpPr>
         <p:spPr>
           <a:xfrm>
             <a:off x="502920" y="301320"/>
-            <a:ext cx="9068040" cy="1258920"/>
+            <a:ext cx="9067680" cy="1258560"/>
           </a:xfrm>
           <a:prstGeom prst="rect">
             <a:avLst/>
@@ -7444,14 +4640,14 @@
       </p:sp>
       <p:sp>
         <p:nvSpPr>
-          <p:cNvPr id="171" name="CustomShape 2"/>
+          <p:cNvPr id="97" name="CustomShape 2"/>
           <p:cNvSpPr/>
           <p:nvPr/>
         </p:nvSpPr>
         <p:spPr>
           <a:xfrm>
             <a:off x="502920" y="2165040"/>
-            <a:ext cx="9068040" cy="4381560"/>
+            <a:ext cx="9067680" cy="4381200"/>
           </a:xfrm>
           <a:prstGeom prst="rect">
             <a:avLst/>
@@ -7552,14 +4748,14 @@
       </p:grpSpPr>
       <p:sp>
         <p:nvSpPr>
-          <p:cNvPr id="120" name="CustomShape 1"/>
+          <p:cNvPr id="45" name="CustomShape 1"/>
           <p:cNvSpPr/>
           <p:nvPr/>
         </p:nvSpPr>
         <p:spPr>
           <a:xfrm>
             <a:off x="502920" y="301320"/>
-            <a:ext cx="9068040" cy="1258920"/>
+            <a:ext cx="9067680" cy="1258560"/>
           </a:xfrm>
           <a:prstGeom prst="rect">
             <a:avLst/>
@@ -7589,14 +4785,14 @@
       </p:sp>
       <p:sp>
         <p:nvSpPr>
-          <p:cNvPr id="121" name="CustomShape 2"/>
+          <p:cNvPr id="46" name="CustomShape 2"/>
           <p:cNvSpPr/>
           <p:nvPr/>
         </p:nvSpPr>
         <p:spPr>
           <a:xfrm>
             <a:off x="502920" y="2165040"/>
-            <a:ext cx="9068040" cy="4381560"/>
+            <a:ext cx="9067680" cy="4381200"/>
           </a:xfrm>
           <a:prstGeom prst="rect">
             <a:avLst/>
@@ -7735,14 +4931,14 @@
       </p:grpSpPr>
       <p:sp>
         <p:nvSpPr>
-          <p:cNvPr id="122" name="CustomShape 1"/>
+          <p:cNvPr id="47" name="CustomShape 1"/>
           <p:cNvSpPr/>
           <p:nvPr/>
         </p:nvSpPr>
         <p:spPr>
           <a:xfrm>
             <a:off x="502920" y="301320"/>
-            <a:ext cx="9068040" cy="1258920"/>
+            <a:ext cx="9067680" cy="1258560"/>
           </a:xfrm>
           <a:prstGeom prst="rect">
             <a:avLst/>
@@ -7772,14 +4968,14 @@
       </p:sp>
       <p:sp>
         <p:nvSpPr>
-          <p:cNvPr id="123" name="CustomShape 2"/>
+          <p:cNvPr id="48" name="CustomShape 2"/>
           <p:cNvSpPr/>
           <p:nvPr/>
         </p:nvSpPr>
         <p:spPr>
           <a:xfrm>
             <a:off x="502920" y="2165040"/>
-            <a:ext cx="9068040" cy="4381560"/>
+            <a:ext cx="9067680" cy="4381200"/>
           </a:xfrm>
           <a:prstGeom prst="rect">
             <a:avLst/>
@@ -7875,14 +5071,14 @@
       </p:sp>
       <p:sp>
         <p:nvSpPr>
-          <p:cNvPr id="124" name="CustomShape 3"/>
+          <p:cNvPr id="49" name="CustomShape 3"/>
           <p:cNvSpPr/>
           <p:nvPr/>
         </p:nvSpPr>
         <p:spPr>
           <a:xfrm>
             <a:off x="503280" y="2678400"/>
-            <a:ext cx="5399280" cy="344520"/>
+            <a:ext cx="5398920" cy="344160"/>
           </a:xfrm>
           <a:prstGeom prst="rect">
             <a:avLst/>
@@ -7914,7 +5110,7 @@
       </p:sp>
       <p:pic>
         <p:nvPicPr>
-          <p:cNvPr id="125" name="" descr=""/>
+          <p:cNvPr id="50" name="" descr=""/>
           <p:cNvPicPr/>
           <p:nvPr/>
         </p:nvPicPr>
@@ -7927,7 +5123,7 @@
         <p:spPr>
           <a:xfrm>
             <a:off x="6311880" y="2927520"/>
-            <a:ext cx="3551400" cy="3551040"/>
+            <a:ext cx="3551040" cy="3550680"/>
           </a:xfrm>
           <a:prstGeom prst="rect">
             <a:avLst/>
@@ -7939,14 +5135,14 @@
       </p:pic>
       <p:sp>
         <p:nvSpPr>
-          <p:cNvPr id="126" name="CustomShape 4"/>
+          <p:cNvPr id="51" name="CustomShape 4"/>
           <p:cNvSpPr/>
           <p:nvPr/>
         </p:nvSpPr>
         <p:spPr>
           <a:xfrm>
             <a:off x="503280" y="3398400"/>
-            <a:ext cx="5399280" cy="344520"/>
+            <a:ext cx="5398920" cy="344160"/>
           </a:xfrm>
           <a:prstGeom prst="rect">
             <a:avLst/>
@@ -7978,7 +5174,7 @@
       </p:sp>
       <p:pic>
         <p:nvPicPr>
-          <p:cNvPr id="127" name="" descr=""/>
+          <p:cNvPr id="52" name="" descr=""/>
           <p:cNvPicPr/>
           <p:nvPr/>
         </p:nvPicPr>
@@ -7991,7 +5187,7 @@
         <p:spPr>
           <a:xfrm>
             <a:off x="3527280" y="5111640"/>
-            <a:ext cx="2518200" cy="1695600"/>
+            <a:ext cx="2517840" cy="1695240"/>
           </a:xfrm>
           <a:prstGeom prst="rect">
             <a:avLst/>
@@ -8052,14 +5248,14 @@
       </p:grpSpPr>
       <p:sp>
         <p:nvSpPr>
-          <p:cNvPr id="128" name="CustomShape 1"/>
+          <p:cNvPr id="53" name="CustomShape 1"/>
           <p:cNvSpPr/>
           <p:nvPr/>
         </p:nvSpPr>
         <p:spPr>
           <a:xfrm>
             <a:off x="502920" y="301320"/>
-            <a:ext cx="9068040" cy="1258920"/>
+            <a:ext cx="9067680" cy="1258560"/>
           </a:xfrm>
           <a:prstGeom prst="rect">
             <a:avLst/>
@@ -8098,14 +5294,14 @@
       </p:sp>
       <p:sp>
         <p:nvSpPr>
-          <p:cNvPr id="129" name="CustomShape 2"/>
+          <p:cNvPr id="54" name="CustomShape 2"/>
           <p:cNvSpPr/>
           <p:nvPr/>
         </p:nvSpPr>
         <p:spPr>
           <a:xfrm>
             <a:off x="503280" y="3419640"/>
-            <a:ext cx="5399280" cy="898560"/>
+            <a:ext cx="5398920" cy="898200"/>
           </a:xfrm>
           <a:prstGeom prst="rect">
             <a:avLst/>
@@ -8165,14 +5361,14 @@
       </p:sp>
       <p:sp>
         <p:nvSpPr>
-          <p:cNvPr id="130" name="CustomShape 3"/>
+          <p:cNvPr id="55" name="CustomShape 3"/>
           <p:cNvSpPr/>
           <p:nvPr/>
         </p:nvSpPr>
         <p:spPr>
           <a:xfrm>
             <a:off x="503280" y="2165400"/>
-            <a:ext cx="9068040" cy="4381560"/>
+            <a:ext cx="9067680" cy="4381200"/>
           </a:xfrm>
           <a:prstGeom prst="rect">
             <a:avLst/>
@@ -8240,22 +5436,22 @@
               <a:rPr lang="en-GB" sz="2600">
                 <a:latin typeface="Arial"/>
               </a:rPr>
-              <a:t>There is a naming issue, so after watershed make a link so you have a *.surf file</a:t>
-            </a:r>
-            <a:endParaRPr/>
-          </a:p>
-        </p:txBody>
-      </p:sp>
-      <p:sp>
-        <p:nvSpPr>
-          <p:cNvPr id="131" name="CustomShape 4"/>
+              <a:t>There is a naming issue, so after watershed make a link so you have a *.surf file. Presuming free surfer is at usr/local:</a:t>
+            </a:r>
+            <a:endParaRPr/>
+          </a:p>
+        </p:txBody>
+      </p:sp>
+      <p:sp>
+        <p:nvSpPr>
+          <p:cNvPr id="56" name="CustomShape 4"/>
           <p:cNvSpPr/>
           <p:nvPr/>
         </p:nvSpPr>
         <p:spPr>
           <a:xfrm>
             <a:off x="432000" y="5544000"/>
-            <a:ext cx="9293760" cy="602280"/>
+            <a:ext cx="9293400" cy="601920"/>
           </a:xfrm>
           <a:prstGeom prst="rect">
             <a:avLst/>
@@ -8272,7 +5468,7 @@
               <a:rPr lang="en-GB" sz="1200">
                 <a:latin typeface="Arial"/>
               </a:rPr>
-              <a:t>ln -s /usr/local/freesurfer/subjects/Maor/bem/watershed/Maor_inner_skull_surface /usr/local/freesurfer/subjects/Maor/bem/Maor-inner_skull.surf</a:t>
+              <a:t>ln -s /usr/local/freesurfer/subjects/${SUBJECT}/bem/watershed/${SUBJECT}_inner_skull_surface /usr/local/freesurfer/subjects/${SUBJECT}/bem/${SUBJECT}-inner_skull.surf</a:t>
             </a:r>
             <a:endParaRPr/>
           </a:p>
@@ -8329,14 +5525,14 @@
       </p:grpSpPr>
       <p:sp>
         <p:nvSpPr>
-          <p:cNvPr id="132" name="CustomShape 1"/>
+          <p:cNvPr id="57" name="CustomShape 1"/>
           <p:cNvSpPr/>
           <p:nvPr/>
         </p:nvSpPr>
         <p:spPr>
           <a:xfrm>
             <a:off x="502920" y="301320"/>
-            <a:ext cx="9068040" cy="1258920"/>
+            <a:ext cx="9067680" cy="1258560"/>
           </a:xfrm>
           <a:prstGeom prst="rect">
             <a:avLst/>
@@ -8375,14 +5571,14 @@
       </p:sp>
       <p:sp>
         <p:nvSpPr>
-          <p:cNvPr id="133" name="CustomShape 2"/>
+          <p:cNvPr id="58" name="CustomShape 2"/>
           <p:cNvSpPr/>
           <p:nvPr/>
         </p:nvSpPr>
         <p:spPr>
           <a:xfrm>
             <a:off x="502920" y="2165040"/>
-            <a:ext cx="9068040" cy="5281560"/>
+            <a:ext cx="9067680" cy="5281200"/>
           </a:xfrm>
           <a:prstGeom prst="rect">
             <a:avLst/>
@@ -8532,14 +5728,14 @@
       </p:sp>
       <p:sp>
         <p:nvSpPr>
-          <p:cNvPr id="134" name="CustomShape 3"/>
+          <p:cNvPr id="59" name="CustomShape 3"/>
           <p:cNvSpPr/>
           <p:nvPr/>
         </p:nvSpPr>
         <p:spPr>
           <a:xfrm>
             <a:off x="575280" y="4298040"/>
-            <a:ext cx="5399280" cy="344520"/>
+            <a:ext cx="5398920" cy="344160"/>
           </a:xfrm>
           <a:prstGeom prst="rect">
             <a:avLst/>
@@ -8620,14 +5816,14 @@
       </p:grpSpPr>
       <p:sp>
         <p:nvSpPr>
-          <p:cNvPr id="135" name="CustomShape 1"/>
+          <p:cNvPr id="60" name="CustomShape 1"/>
           <p:cNvSpPr/>
           <p:nvPr/>
         </p:nvSpPr>
         <p:spPr>
           <a:xfrm>
             <a:off x="502920" y="301320"/>
-            <a:ext cx="9068040" cy="1258920"/>
+            <a:ext cx="9067680" cy="1258560"/>
           </a:xfrm>
           <a:prstGeom prst="rect">
             <a:avLst/>
@@ -8660,14 +5856,14 @@
       </p:sp>
       <p:sp>
         <p:nvSpPr>
-          <p:cNvPr id="136" name="CustomShape 2"/>
+          <p:cNvPr id="61" name="CustomShape 2"/>
           <p:cNvSpPr/>
           <p:nvPr/>
         </p:nvSpPr>
         <p:spPr>
           <a:xfrm>
             <a:off x="503280" y="3419640"/>
-            <a:ext cx="5399280" cy="898560"/>
+            <a:ext cx="5398920" cy="898200"/>
           </a:xfrm>
           <a:prstGeom prst="rect">
             <a:avLst/>
@@ -8735,14 +5931,14 @@
       </p:sp>
       <p:sp>
         <p:nvSpPr>
-          <p:cNvPr id="137" name="CustomShape 3"/>
+          <p:cNvPr id="62" name="CustomShape 3"/>
           <p:cNvSpPr/>
           <p:nvPr/>
         </p:nvSpPr>
         <p:spPr>
           <a:xfrm>
             <a:off x="503280" y="2165400"/>
-            <a:ext cx="9068040" cy="4381560"/>
+            <a:ext cx="9067680" cy="4381200"/>
           </a:xfrm>
           <a:prstGeom prst="rect">
             <a:avLst/>
@@ -8833,14 +6029,14 @@
       </p:sp>
       <p:sp>
         <p:nvSpPr>
-          <p:cNvPr id="138" name="CustomShape 4"/>
+          <p:cNvPr id="63" name="CustomShape 4"/>
           <p:cNvSpPr/>
           <p:nvPr/>
         </p:nvSpPr>
         <p:spPr>
           <a:xfrm>
             <a:off x="504000" y="5004720"/>
-            <a:ext cx="5399280" cy="898560"/>
+            <a:ext cx="5398920" cy="898200"/>
           </a:xfrm>
           <a:prstGeom prst="rect">
             <a:avLst/>
@@ -8921,14 +6117,14 @@
       </p:grpSpPr>
       <p:sp>
         <p:nvSpPr>
-          <p:cNvPr id="139" name="CustomShape 1"/>
+          <p:cNvPr id="64" name="CustomShape 1"/>
           <p:cNvSpPr/>
           <p:nvPr/>
         </p:nvSpPr>
         <p:spPr>
           <a:xfrm>
             <a:off x="502920" y="301320"/>
-            <a:ext cx="9068040" cy="1258920"/>
+            <a:ext cx="9067680" cy="1258560"/>
           </a:xfrm>
           <a:prstGeom prst="rect">
             <a:avLst/>
@@ -8958,14 +6154,14 @@
       </p:sp>
       <p:sp>
         <p:nvSpPr>
-          <p:cNvPr id="140" name="CustomShape 2"/>
+          <p:cNvPr id="65" name="CustomShape 2"/>
           <p:cNvSpPr/>
           <p:nvPr/>
         </p:nvSpPr>
         <p:spPr>
           <a:xfrm>
             <a:off x="502920" y="2165040"/>
-            <a:ext cx="9068040" cy="4381560"/>
+            <a:ext cx="9067680" cy="4381200"/>
           </a:xfrm>
           <a:prstGeom prst="rect">
             <a:avLst/>
@@ -9004,7 +6200,7 @@
               </a:lnSpc>
             </a:pPr>
             <a:r>
-              <a:rPr lang="en-GB" sz="2000">
+              <a:rPr lang="en-GB">
                 <a:latin typeface="Arial"/>
               </a:rPr>
               <a:t>Load the digitization points from the *raw.fif file</a:t>
@@ -9018,7 +6214,7 @@
               </a:lnSpc>
             </a:pPr>
             <a:r>
-              <a:rPr lang="en-GB" sz="2000">
+              <a:rPr lang="en-GB">
                 <a:latin typeface="Arial"/>
               </a:rPr>
               <a:t>Load the surface (I use pial, doesn't mater which one)</a:t>
@@ -9040,7 +6236,7 @@
               </a:lnSpc>
             </a:pPr>
             <a:r>
-              <a:rPr lang="en-GB" sz="2000">
+              <a:rPr lang="en-GB">
                 <a:latin typeface="Arial"/>
               </a:rPr>
               <a:t>In View tab you open viewer and MRI viewer.</a:t>
@@ -9054,7 +6250,7 @@
               </a:lnSpc>
             </a:pPr>
             <a:r>
-              <a:rPr lang="en-GB" sz="2000">
+              <a:rPr lang="en-GB">
                 <a:latin typeface="Arial"/>
               </a:rPr>
               <a:t>For both you should look for options – </a:t>
@@ -9068,7 +6264,7 @@
               </a:lnSpc>
             </a:pPr>
             <a:r>
-              <a:rPr lang="en-GB" sz="2000">
+              <a:rPr lang="en-GB">
                 <a:latin typeface="Arial"/>
               </a:rPr>
               <a:t>show digitizer data</a:t>
@@ -9082,7 +6278,7 @@
               </a:lnSpc>
             </a:pPr>
             <a:r>
-              <a:rPr lang="en-GB" sz="2000">
+              <a:rPr lang="en-GB">
                 <a:latin typeface="Arial"/>
               </a:rPr>
               <a:t>Choose    Adjust – Coordinate Alignment</a:t>
@@ -9104,7 +6300,7 @@
               </a:lnSpc>
             </a:pPr>
             <a:r>
-              <a:rPr lang="en-GB" sz="2000">
+              <a:rPr lang="en-GB">
                 <a:latin typeface="Arial"/>
               </a:rPr>
               <a:t>You have to mark fiducials on the</a:t>
@@ -9118,7 +6314,7 @@
               </a:lnSpc>
             </a:pPr>
             <a:r>
-              <a:rPr lang="en-GB" sz="2000">
+              <a:rPr lang="en-GB">
                 <a:latin typeface="Arial"/>
               </a:rPr>
               <a:t>scalp (white), then nudge or use</a:t>
@@ -9132,7 +6328,7 @@
               </a:lnSpc>
             </a:pPr>
             <a:r>
-              <a:rPr lang="en-GB" sz="2000">
+              <a:rPr lang="en-GB">
                 <a:latin typeface="Arial"/>
               </a:rPr>
               <a:t>automatic alignment. Here the</a:t>
@@ -9146,7 +6342,7 @@
               </a:lnSpc>
             </a:pPr>
             <a:r>
-              <a:rPr lang="en-GB" sz="2000">
+              <a:rPr lang="en-GB">
                 <a:latin typeface="Arial"/>
               </a:rPr>
               <a:t>nose is off by a few degrees. When done </a:t>
@@ -9160,7 +6356,7 @@
               </a:lnSpc>
             </a:pPr>
             <a:r>
-              <a:rPr lang="en-GB" sz="2000">
+              <a:rPr lang="en-GB">
                 <a:latin typeface="Arial"/>
               </a:rPr>
               <a:t>save transformation matrix using the button </a:t>
@@ -9174,7 +6370,7 @@
               </a:lnSpc>
             </a:pPr>
             <a:r>
-              <a:rPr lang="en-GB" sz="2000">
+              <a:rPr lang="en-GB">
                 <a:latin typeface="Arial"/>
               </a:rPr>
               <a:t>Save default (Maor_raw-trans.fif)</a:t>
@@ -9185,14 +6381,14 @@
       </p:sp>
       <p:sp>
         <p:nvSpPr>
-          <p:cNvPr id="141" name="CustomShape 3"/>
+          <p:cNvPr id="66" name="CustomShape 3"/>
           <p:cNvSpPr/>
           <p:nvPr/>
         </p:nvSpPr>
         <p:spPr>
           <a:xfrm>
             <a:off x="503640" y="2700000"/>
-            <a:ext cx="5398920" cy="503280"/>
+            <a:ext cx="5398560" cy="502920"/>
           </a:xfrm>
           <a:prstGeom prst="rect">
             <a:avLst/>
@@ -9246,7 +6442,7 @@
       </p:sp>
       <p:pic>
         <p:nvPicPr>
-          <p:cNvPr id="142" name="" descr=""/>
+          <p:cNvPr id="67" name="" descr=""/>
           <p:cNvPicPr/>
           <p:nvPr/>
         </p:nvPicPr>
@@ -9259,7 +6455,7 @@
         <p:spPr>
           <a:xfrm>
             <a:off x="4896000" y="4325760"/>
-            <a:ext cx="4998960" cy="2511720"/>
+            <a:ext cx="4998600" cy="2511360"/>
           </a:xfrm>
           <a:prstGeom prst="rect">
             <a:avLst/>
@@ -9320,14 +6516,14 @@
       </p:grpSpPr>
       <p:sp>
         <p:nvSpPr>
-          <p:cNvPr id="143" name="CustomShape 1"/>
+          <p:cNvPr id="68" name="CustomShape 1"/>
           <p:cNvSpPr/>
           <p:nvPr/>
         </p:nvSpPr>
         <p:spPr>
           <a:xfrm>
             <a:off x="502920" y="301320"/>
-            <a:ext cx="9068040" cy="1258920"/>
+            <a:ext cx="9067680" cy="1258560"/>
           </a:xfrm>
           <a:prstGeom prst="rect">
             <a:avLst/>
@@ -9357,14 +6553,14 @@
       </p:sp>
       <p:sp>
         <p:nvSpPr>
-          <p:cNvPr id="144" name="CustomShape 2"/>
+          <p:cNvPr id="69" name="CustomShape 2"/>
           <p:cNvSpPr/>
           <p:nvPr/>
         </p:nvSpPr>
         <p:spPr>
           <a:xfrm>
             <a:off x="502920" y="2165040"/>
-            <a:ext cx="9068040" cy="4381560"/>
+            <a:ext cx="9067680" cy="4381200"/>
           </a:xfrm>
           <a:prstGeom prst="rect">
             <a:avLst/>
@@ -9587,7 +6783,7 @@
       </p:sp>
       <p:pic>
         <p:nvPicPr>
-          <p:cNvPr id="145" name="" descr=""/>
+          <p:cNvPr id="70" name="" descr=""/>
           <p:cNvPicPr/>
           <p:nvPr/>
         </p:nvPicPr>
@@ -9600,7 +6796,7 @@
         <p:spPr>
           <a:xfrm>
             <a:off x="6336000" y="1728000"/>
-            <a:ext cx="3556440" cy="2807280"/>
+            <a:ext cx="3556080" cy="2806920"/>
           </a:xfrm>
           <a:prstGeom prst="rect">
             <a:avLst/>
@@ -9661,14 +6857,14 @@
       </p:grpSpPr>
       <p:sp>
         <p:nvSpPr>
-          <p:cNvPr id="146" name="CustomShape 1"/>
+          <p:cNvPr id="71" name="CustomShape 1"/>
           <p:cNvSpPr/>
           <p:nvPr/>
         </p:nvSpPr>
         <p:spPr>
           <a:xfrm>
             <a:off x="502920" y="301320"/>
-            <a:ext cx="9068040" cy="1258920"/>
+            <a:ext cx="9067680" cy="1258560"/>
           </a:xfrm>
           <a:prstGeom prst="rect">
             <a:avLst/>
@@ -9698,14 +6894,14 @@
       </p:sp>
       <p:sp>
         <p:nvSpPr>
-          <p:cNvPr id="147" name="CustomShape 2"/>
+          <p:cNvPr id="72" name="CustomShape 2"/>
           <p:cNvSpPr/>
           <p:nvPr/>
         </p:nvSpPr>
         <p:spPr>
           <a:xfrm>
             <a:off x="502920" y="2165040"/>
-            <a:ext cx="9068040" cy="4381560"/>
+            <a:ext cx="9067680" cy="4381200"/>
           </a:xfrm>
           <a:prstGeom prst="rect">
             <a:avLst/>
@@ -10294,450 +7490,4 @@
     </a:fmtScheme>
   </a:themeElements>
 </a:theme>
-</file>
-
-<file path=ppt/theme/theme3.xml><?xml version="1.0" encoding="utf-8"?>
-<a:theme xmlns:a="http://schemas.openxmlformats.org/drawingml/2006/main" name="Office Theme">
-  <a:themeElements>
-    <a:clrScheme name="Office">
-      <a:dk1>
-        <a:sysClr val="windowText" lastClr="000000"/>
-      </a:dk1>
-      <a:lt1>
-        <a:sysClr val="window" lastClr="FFFFFF"/>
-      </a:lt1>
-      <a:dk2>
-        <a:srgbClr val="1F497D"/>
-      </a:dk2>
-      <a:lt2>
-        <a:srgbClr val="EEECE1"/>
-      </a:lt2>
-      <a:accent1>
-        <a:srgbClr val="4F81BD"/>
-      </a:accent1>
-      <a:accent2>
-        <a:srgbClr val="C0504D"/>
-      </a:accent2>
-      <a:accent3>
-        <a:srgbClr val="9BBB59"/>
-      </a:accent3>
-      <a:accent4>
-        <a:srgbClr val="8064A2"/>
-      </a:accent4>
-      <a:accent5>
-        <a:srgbClr val="4BACC6"/>
-      </a:accent5>
-      <a:accent6>
-        <a:srgbClr val="F79646"/>
-      </a:accent6>
-      <a:hlink>
-        <a:srgbClr val="0000FF"/>
-      </a:hlink>
-      <a:folHlink>
-        <a:srgbClr val="800080"/>
-      </a:folHlink>
-    </a:clrScheme>
-    <a:fontScheme name="Office">
-      <a:majorFont>
-        <a:latin typeface="Arial"/>
-        <a:ea typeface="DejaVu Sans"/>
-        <a:cs typeface="DejaVu Sans"/>
-      </a:majorFont>
-      <a:minorFont>
-        <a:latin typeface="Arial"/>
-        <a:ea typeface="DejaVu Sans"/>
-        <a:cs typeface="DejaVu Sans"/>
-      </a:minorFont>
-    </a:fontScheme>
-    <a:fmtScheme name="Office">
-      <a:fillStyleLst>
-        <a:solidFill>
-          <a:schemeClr val="phClr"/>
-        </a:solidFill>
-        <a:gradFill rotWithShape="1">
-          <a:gsLst>
-            <a:gs pos="0">
-              <a:schemeClr val="phClr">
-                <a:tint val="50000"/>
-                <a:satMod val="300000"/>
-              </a:schemeClr>
-            </a:gs>
-            <a:gs pos="35000">
-              <a:schemeClr val="phClr">
-                <a:tint val="37000"/>
-                <a:satMod val="300000"/>
-              </a:schemeClr>
-            </a:gs>
-            <a:gs pos="100000">
-              <a:schemeClr val="phClr">
-                <a:tint val="15000"/>
-                <a:satMod val="350000"/>
-              </a:schemeClr>
-            </a:gs>
-          </a:gsLst>
-          <a:lin ang="16200000" scaled="1"/>
-        </a:gradFill>
-        <a:gradFill rotWithShape="1">
-          <a:gsLst>
-            <a:gs pos="0">
-              <a:schemeClr val="phClr">
-                <a:shade val="51000"/>
-                <a:satMod val="130000"/>
-              </a:schemeClr>
-            </a:gs>
-            <a:gs pos="80000">
-              <a:schemeClr val="phClr">
-                <a:shade val="93000"/>
-                <a:satMod val="130000"/>
-              </a:schemeClr>
-            </a:gs>
-            <a:gs pos="100000">
-              <a:schemeClr val="phClr">
-                <a:shade val="94000"/>
-                <a:satMod val="135000"/>
-              </a:schemeClr>
-            </a:gs>
-          </a:gsLst>
-          <a:lin ang="16200000" scaled="0"/>
-        </a:gradFill>
-      </a:fillStyleLst>
-      <a:lnStyleLst>
-        <a:ln w="9525" cap="flat" cmpd="sng" algn="ctr">
-          <a:solidFill>
-            <a:schemeClr val="phClr">
-              <a:shade val="95000"/>
-              <a:satMod val="105000"/>
-            </a:schemeClr>
-          </a:solidFill>
-          <a:prstDash val="solid"/>
-        </a:ln>
-        <a:ln w="25400" cap="flat" cmpd="sng" algn="ctr">
-          <a:solidFill>
-            <a:schemeClr val="phClr"/>
-          </a:solidFill>
-          <a:prstDash val="solid"/>
-        </a:ln>
-        <a:ln w="38100" cap="flat" cmpd="sng" algn="ctr">
-          <a:solidFill>
-            <a:schemeClr val="phClr"/>
-          </a:solidFill>
-          <a:prstDash val="solid"/>
-        </a:ln>
-      </a:lnStyleLst>
-      <a:effectStyleLst>
-        <a:effectStyle>
-          <a:effectLst>
-            <a:outerShdw blurRad="40000" dist="20000" dir="5400000" rotWithShape="0">
-              <a:srgbClr val="000000">
-                <a:alpha val="38000"/>
-              </a:srgbClr>
-            </a:outerShdw>
-          </a:effectLst>
-        </a:effectStyle>
-        <a:effectStyle>
-          <a:effectLst>
-            <a:outerShdw blurRad="40000" dist="23000" dir="5400000" rotWithShape="0">
-              <a:srgbClr val="000000">
-                <a:alpha val="35000"/>
-              </a:srgbClr>
-            </a:outerShdw>
-          </a:effectLst>
-        </a:effectStyle>
-        <a:effectStyle>
-          <a:effectLst>
-            <a:outerShdw blurRad="40000" dist="23000" dir="5400000" rotWithShape="0">
-              <a:srgbClr val="000000">
-                <a:alpha val="35000"/>
-              </a:srgbClr>
-            </a:outerShdw>
-          </a:effectLst>
-          <a:scene3d>
-            <a:camera prst="orthographicFront">
-              <a:rot lat="0" lon="0" rev="0"/>
-            </a:camera>
-            <a:lightRig rig="threePt" dir="t">
-              <a:rot lat="0" lon="0" rev="1200000"/>
-            </a:lightRig>
-          </a:scene3d>
-          <a:sp3d>
-            <a:bevelT w="63500" h="25400"/>
-          </a:sp3d>
-        </a:effectStyle>
-      </a:effectStyleLst>
-      <a:bgFillStyleLst>
-        <a:solidFill>
-          <a:schemeClr val="phClr"/>
-        </a:solidFill>
-        <a:gradFill rotWithShape="1">
-          <a:gsLst>
-            <a:gs pos="0">
-              <a:schemeClr val="phClr">
-                <a:tint val="40000"/>
-                <a:satMod val="350000"/>
-              </a:schemeClr>
-            </a:gs>
-            <a:gs pos="40000">
-              <a:schemeClr val="phClr">
-                <a:tint val="45000"/>
-                <a:shade val="99000"/>
-                <a:satMod val="350000"/>
-              </a:schemeClr>
-            </a:gs>
-            <a:gs pos="100000">
-              <a:schemeClr val="phClr">
-                <a:shade val="20000"/>
-                <a:satMod val="255000"/>
-              </a:schemeClr>
-            </a:gs>
-          </a:gsLst>
-          <a:path path="circle">
-            <a:fillToRect l="50000" t="-80000" r="50000" b="180000"/>
-          </a:path>
-        </a:gradFill>
-        <a:gradFill rotWithShape="1">
-          <a:gsLst>
-            <a:gs pos="0">
-              <a:schemeClr val="phClr">
-                <a:tint val="80000"/>
-                <a:satMod val="300000"/>
-              </a:schemeClr>
-            </a:gs>
-            <a:gs pos="100000">
-              <a:schemeClr val="phClr">
-                <a:shade val="30000"/>
-                <a:satMod val="200000"/>
-              </a:schemeClr>
-            </a:gs>
-          </a:gsLst>
-          <a:path path="circle">
-            <a:fillToRect l="50000" t="50000" r="50000" b="50000"/>
-          </a:path>
-        </a:gradFill>
-      </a:bgFillStyleLst>
-    </a:fmtScheme>
-  </a:themeElements>
-</a:theme>
-</file>
-
-<file path=ppt/theme/theme4.xml><?xml version="1.0" encoding="utf-8"?>
-<a:theme xmlns:a="http://schemas.openxmlformats.org/drawingml/2006/main" name="Office Theme">
-  <a:themeElements>
-    <a:clrScheme name="Office">
-      <a:dk1>
-        <a:sysClr val="windowText" lastClr="000000"/>
-      </a:dk1>
-      <a:lt1>
-        <a:sysClr val="window" lastClr="FFFFFF"/>
-      </a:lt1>
-      <a:dk2>
-        <a:srgbClr val="1F497D"/>
-      </a:dk2>
-      <a:lt2>
-        <a:srgbClr val="EEECE1"/>
-      </a:lt2>
-      <a:accent1>
-        <a:srgbClr val="4F81BD"/>
-      </a:accent1>
-      <a:accent2>
-        <a:srgbClr val="C0504D"/>
-      </a:accent2>
-      <a:accent3>
-        <a:srgbClr val="9BBB59"/>
-      </a:accent3>
-      <a:accent4>
-        <a:srgbClr val="8064A2"/>
-      </a:accent4>
-      <a:accent5>
-        <a:srgbClr val="4BACC6"/>
-      </a:accent5>
-      <a:accent6>
-        <a:srgbClr val="F79646"/>
-      </a:accent6>
-      <a:hlink>
-        <a:srgbClr val="0000FF"/>
-      </a:hlink>
-      <a:folHlink>
-        <a:srgbClr val="800080"/>
-      </a:folHlink>
-    </a:clrScheme>
-    <a:fontScheme name="Office">
-      <a:majorFont>
-        <a:latin typeface="Arial"/>
-        <a:ea typeface="DejaVu Sans"/>
-        <a:cs typeface="DejaVu Sans"/>
-      </a:majorFont>
-      <a:minorFont>
-        <a:latin typeface="Arial"/>
-        <a:ea typeface="DejaVu Sans"/>
-        <a:cs typeface="DejaVu Sans"/>
-      </a:minorFont>
-    </a:fontScheme>
-    <a:fmtScheme name="Office">
-      <a:fillStyleLst>
-        <a:solidFill>
-          <a:schemeClr val="phClr"/>
-        </a:solidFill>
-        <a:gradFill rotWithShape="1">
-          <a:gsLst>
-            <a:gs pos="0">
-              <a:schemeClr val="phClr">
-                <a:tint val="50000"/>
-                <a:satMod val="300000"/>
-              </a:schemeClr>
-            </a:gs>
-            <a:gs pos="35000">
-              <a:schemeClr val="phClr">
-                <a:tint val="37000"/>
-                <a:satMod val="300000"/>
-              </a:schemeClr>
-            </a:gs>
-            <a:gs pos="100000">
-              <a:schemeClr val="phClr">
-                <a:tint val="15000"/>
-                <a:satMod val="350000"/>
-              </a:schemeClr>
-            </a:gs>
-          </a:gsLst>
-          <a:lin ang="16200000" scaled="1"/>
-        </a:gradFill>
-        <a:gradFill rotWithShape="1">
-          <a:gsLst>
-            <a:gs pos="0">
-              <a:schemeClr val="phClr">
-                <a:shade val="51000"/>
-                <a:satMod val="130000"/>
-              </a:schemeClr>
-            </a:gs>
-            <a:gs pos="80000">
-              <a:schemeClr val="phClr">
-                <a:shade val="93000"/>
-                <a:satMod val="130000"/>
-              </a:schemeClr>
-            </a:gs>
-            <a:gs pos="100000">
-              <a:schemeClr val="phClr">
-                <a:shade val="94000"/>
-                <a:satMod val="135000"/>
-              </a:schemeClr>
-            </a:gs>
-          </a:gsLst>
-          <a:lin ang="16200000" scaled="0"/>
-        </a:gradFill>
-      </a:fillStyleLst>
-      <a:lnStyleLst>
-        <a:ln w="9525" cap="flat" cmpd="sng" algn="ctr">
-          <a:solidFill>
-            <a:schemeClr val="phClr">
-              <a:shade val="95000"/>
-              <a:satMod val="105000"/>
-            </a:schemeClr>
-          </a:solidFill>
-          <a:prstDash val="solid"/>
-        </a:ln>
-        <a:ln w="25400" cap="flat" cmpd="sng" algn="ctr">
-          <a:solidFill>
-            <a:schemeClr val="phClr"/>
-          </a:solidFill>
-          <a:prstDash val="solid"/>
-        </a:ln>
-        <a:ln w="38100" cap="flat" cmpd="sng" algn="ctr">
-          <a:solidFill>
-            <a:schemeClr val="phClr"/>
-          </a:solidFill>
-          <a:prstDash val="solid"/>
-        </a:ln>
-      </a:lnStyleLst>
-      <a:effectStyleLst>
-        <a:effectStyle>
-          <a:effectLst>
-            <a:outerShdw blurRad="40000" dist="20000" dir="5400000" rotWithShape="0">
-              <a:srgbClr val="000000">
-                <a:alpha val="38000"/>
-              </a:srgbClr>
-            </a:outerShdw>
-          </a:effectLst>
-        </a:effectStyle>
-        <a:effectStyle>
-          <a:effectLst>
-            <a:outerShdw blurRad="40000" dist="23000" dir="5400000" rotWithShape="0">
-              <a:srgbClr val="000000">
-                <a:alpha val="35000"/>
-              </a:srgbClr>
-            </a:outerShdw>
-          </a:effectLst>
-        </a:effectStyle>
-        <a:effectStyle>
-          <a:effectLst>
-            <a:outerShdw blurRad="40000" dist="23000" dir="5400000" rotWithShape="0">
-              <a:srgbClr val="000000">
-                <a:alpha val="35000"/>
-              </a:srgbClr>
-            </a:outerShdw>
-          </a:effectLst>
-          <a:scene3d>
-            <a:camera prst="orthographicFront">
-              <a:rot lat="0" lon="0" rev="0"/>
-            </a:camera>
-            <a:lightRig rig="threePt" dir="t">
-              <a:rot lat="0" lon="0" rev="1200000"/>
-            </a:lightRig>
-          </a:scene3d>
-          <a:sp3d>
-            <a:bevelT w="63500" h="25400"/>
-          </a:sp3d>
-        </a:effectStyle>
-      </a:effectStyleLst>
-      <a:bgFillStyleLst>
-        <a:solidFill>
-          <a:schemeClr val="phClr"/>
-        </a:solidFill>
-        <a:gradFill rotWithShape="1">
-          <a:gsLst>
-            <a:gs pos="0">
-              <a:schemeClr val="phClr">
-                <a:tint val="40000"/>
-                <a:satMod val="350000"/>
-              </a:schemeClr>
-            </a:gs>
-            <a:gs pos="40000">
-              <a:schemeClr val="phClr">
-                <a:tint val="45000"/>
-                <a:shade val="99000"/>
-                <a:satMod val="350000"/>
-              </a:schemeClr>
-            </a:gs>
-            <a:gs pos="100000">
-              <a:schemeClr val="phClr">
-                <a:shade val="20000"/>
-                <a:satMod val="255000"/>
-              </a:schemeClr>
-            </a:gs>
-          </a:gsLst>
-          <a:path path="circle">
-            <a:fillToRect l="50000" t="-80000" r="50000" b="180000"/>
-          </a:path>
-        </a:gradFill>
-        <a:gradFill rotWithShape="1">
-          <a:gsLst>
-            <a:gs pos="0">
-              <a:schemeClr val="phClr">
-                <a:tint val="80000"/>
-                <a:satMod val="300000"/>
-              </a:schemeClr>
-            </a:gs>
-            <a:gs pos="100000">
-              <a:schemeClr val="phClr">
-                <a:shade val="30000"/>
-                <a:satMod val="200000"/>
-              </a:schemeClr>
-            </a:gs>
-          </a:gsLst>
-          <a:path path="circle">
-            <a:fillToRect l="50000" t="50000" r="50000" b="50000"/>
-          </a:path>
-        </a:gradFill>
-      </a:bgFillStyleLst>
-    </a:fmtScheme>
-  </a:themeElements>
-</a:theme>
 </file>
--- a/docs/MNE_4D_data.pptx
+++ b/docs/MNE_4D_data.pptx
@@ -24,7 +24,6 @@
     <p:sldId id="269" r:id="rId17"/>
     <p:sldId id="270" r:id="rId18"/>
     <p:sldId id="271" r:id="rId19"/>
-    <p:sldId id="272" r:id="rId20"/>
   </p:sldIdLst>
   <p:sldSz cx="10080625" cy="7559675"/>
   <p:notesSz cx="7772400" cy="10058400"/>
@@ -200,7 +199,7 @@
           <a:bodyPr lIns="0" rIns="0" tIns="0" bIns="0" anchor="b"/>
           <a:p>
             <a:pPr algn="r"/>
-            <a:fld id="{39FEF90C-7787-4BD6-A615-E0DA88063E37}" type="slidenum">
+            <a:fld id="{98A9DA76-05AD-4C84-88AE-27C23709940C}" type="slidenum">
               <a:rPr lang="en-GB" sz="1400">
                 <a:latin typeface="Times New Roman"/>
               </a:rPr>
@@ -235,14 +234,14 @@
       </p:grpSpPr>
       <p:sp>
         <p:nvSpPr>
-          <p:cNvPr id="98" name="CustomShape 1"/>
+          <p:cNvPr id="94" name="CustomShape 1"/>
           <p:cNvSpPr/>
           <p:nvPr/>
         </p:nvSpPr>
         <p:spPr>
           <a:xfrm>
             <a:off x="777600" y="4776840"/>
-            <a:ext cx="6216480" cy="4524120"/>
+            <a:ext cx="6216120" cy="4523760"/>
           </a:xfrm>
           <a:prstGeom prst="rect">
             <a:avLst/>
@@ -277,14 +276,14 @@
       </p:grpSpPr>
       <p:sp>
         <p:nvSpPr>
-          <p:cNvPr id="107" name="CustomShape 1"/>
+          <p:cNvPr id="103" name="CustomShape 1"/>
           <p:cNvSpPr/>
           <p:nvPr/>
         </p:nvSpPr>
         <p:spPr>
           <a:xfrm>
             <a:off x="777960" y="4776840"/>
-            <a:ext cx="6214680" cy="4524120"/>
+            <a:ext cx="6214320" cy="4523760"/>
           </a:xfrm>
           <a:prstGeom prst="rect">
             <a:avLst/>
@@ -319,14 +318,14 @@
       </p:grpSpPr>
       <p:sp>
         <p:nvSpPr>
-          <p:cNvPr id="108" name="CustomShape 1"/>
+          <p:cNvPr id="104" name="CustomShape 1"/>
           <p:cNvSpPr/>
           <p:nvPr/>
         </p:nvSpPr>
         <p:spPr>
           <a:xfrm>
             <a:off x="777960" y="4776840"/>
-            <a:ext cx="6214680" cy="4524120"/>
+            <a:ext cx="6214320" cy="4523760"/>
           </a:xfrm>
           <a:prstGeom prst="rect">
             <a:avLst/>
@@ -361,14 +360,14 @@
       </p:grpSpPr>
       <p:sp>
         <p:nvSpPr>
-          <p:cNvPr id="109" name="CustomShape 1"/>
+          <p:cNvPr id="105" name="CustomShape 1"/>
           <p:cNvSpPr/>
           <p:nvPr/>
         </p:nvSpPr>
         <p:spPr>
           <a:xfrm>
             <a:off x="777960" y="4776840"/>
-            <a:ext cx="6214680" cy="4524120"/>
+            <a:ext cx="6214320" cy="4523760"/>
           </a:xfrm>
           <a:prstGeom prst="rect">
             <a:avLst/>
@@ -403,14 +402,14 @@
       </p:grpSpPr>
       <p:sp>
         <p:nvSpPr>
-          <p:cNvPr id="110" name="CustomShape 1"/>
+          <p:cNvPr id="106" name="CustomShape 1"/>
           <p:cNvSpPr/>
           <p:nvPr/>
         </p:nvSpPr>
         <p:spPr>
           <a:xfrm>
             <a:off x="777960" y="4776840"/>
-            <a:ext cx="6214680" cy="4524120"/>
+            <a:ext cx="6214320" cy="4523760"/>
           </a:xfrm>
           <a:prstGeom prst="rect">
             <a:avLst/>
@@ -445,14 +444,14 @@
       </p:grpSpPr>
       <p:sp>
         <p:nvSpPr>
-          <p:cNvPr id="111" name="CustomShape 1"/>
+          <p:cNvPr id="107" name="CustomShape 1"/>
           <p:cNvSpPr/>
           <p:nvPr/>
         </p:nvSpPr>
         <p:spPr>
           <a:xfrm>
             <a:off x="777960" y="4776840"/>
-            <a:ext cx="6214680" cy="4524120"/>
+            <a:ext cx="6214320" cy="4523760"/>
           </a:xfrm>
           <a:prstGeom prst="rect">
             <a:avLst/>
@@ -487,14 +486,14 @@
       </p:grpSpPr>
       <p:sp>
         <p:nvSpPr>
-          <p:cNvPr id="112" name="CustomShape 1"/>
+          <p:cNvPr id="108" name="CustomShape 1"/>
           <p:cNvSpPr/>
           <p:nvPr/>
         </p:nvSpPr>
         <p:spPr>
           <a:xfrm>
             <a:off x="777960" y="4776840"/>
-            <a:ext cx="6214680" cy="4524120"/>
+            <a:ext cx="6214320" cy="4523760"/>
           </a:xfrm>
           <a:prstGeom prst="rect">
             <a:avLst/>
@@ -529,56 +528,14 @@
       </p:grpSpPr>
       <p:sp>
         <p:nvSpPr>
-          <p:cNvPr id="113" name="CustomShape 1"/>
+          <p:cNvPr id="109" name="CustomShape 1"/>
           <p:cNvSpPr/>
           <p:nvPr/>
         </p:nvSpPr>
         <p:spPr>
           <a:xfrm>
             <a:off x="777960" y="4776840"/>
-            <a:ext cx="6214680" cy="4524120"/>
-          </a:xfrm>
-          <a:prstGeom prst="rect">
-            <a:avLst/>
-          </a:prstGeom>
-          <a:noFill/>
-          <a:ln>
-            <a:noFill/>
-          </a:ln>
-        </p:spPr>
-      </p:sp>
-    </p:spTree>
-  </p:cSld>
-</p:notes>
-</file>
-
-<file path=ppt/notesSlides/notesSlide17.xml><?xml version="1.0" encoding="utf-8"?>
-<p:notes xmlns:a="http://schemas.openxmlformats.org/drawingml/2006/main" xmlns:p="http://schemas.openxmlformats.org/presentationml/2006/main" xmlns:r="http://schemas.openxmlformats.org/officeDocument/2006/relationships">
-  <p:cSld>
-    <p:spTree>
-      <p:nvGrpSpPr>
-        <p:cNvPr id="1" name=""/>
-        <p:cNvGrpSpPr/>
-        <p:nvPr/>
-      </p:nvGrpSpPr>
-      <p:grpSpPr>
-        <a:xfrm>
-          <a:off x="0" y="0"/>
-          <a:ext cx="0" cy="0"/>
-          <a:chOff x="0" y="0"/>
-          <a:chExt cx="0" cy="0"/>
-        </a:xfrm>
-      </p:grpSpPr>
-      <p:sp>
-        <p:nvSpPr>
-          <p:cNvPr id="114" name="CustomShape 1"/>
-          <p:cNvSpPr/>
-          <p:nvPr/>
-        </p:nvSpPr>
-        <p:spPr>
-          <a:xfrm>
-            <a:off x="777960" y="4776840"/>
-            <a:ext cx="6214680" cy="4524120"/>
+            <a:ext cx="6214320" cy="4523760"/>
           </a:xfrm>
           <a:prstGeom prst="rect">
             <a:avLst/>
@@ -613,14 +570,14 @@
       </p:grpSpPr>
       <p:sp>
         <p:nvSpPr>
-          <p:cNvPr id="99" name="CustomShape 1"/>
+          <p:cNvPr id="95" name="CustomShape 1"/>
           <p:cNvSpPr/>
           <p:nvPr/>
         </p:nvSpPr>
         <p:spPr>
           <a:xfrm>
             <a:off x="777960" y="4776840"/>
-            <a:ext cx="6214680" cy="4524120"/>
+            <a:ext cx="6214320" cy="4523760"/>
           </a:xfrm>
           <a:prstGeom prst="rect">
             <a:avLst/>
@@ -655,14 +612,14 @@
       </p:grpSpPr>
       <p:sp>
         <p:nvSpPr>
-          <p:cNvPr id="100" name="CustomShape 1"/>
+          <p:cNvPr id="96" name="CustomShape 1"/>
           <p:cNvSpPr/>
           <p:nvPr/>
         </p:nvSpPr>
         <p:spPr>
           <a:xfrm>
             <a:off x="777960" y="4776840"/>
-            <a:ext cx="6214680" cy="4524120"/>
+            <a:ext cx="6214320" cy="4523760"/>
           </a:xfrm>
           <a:prstGeom prst="rect">
             <a:avLst/>
@@ -697,14 +654,14 @@
       </p:grpSpPr>
       <p:sp>
         <p:nvSpPr>
-          <p:cNvPr id="101" name="CustomShape 1"/>
+          <p:cNvPr id="97" name="CustomShape 1"/>
           <p:cNvSpPr/>
           <p:nvPr/>
         </p:nvSpPr>
         <p:spPr>
           <a:xfrm>
             <a:off x="777960" y="4776840"/>
-            <a:ext cx="6214680" cy="4524120"/>
+            <a:ext cx="6214320" cy="4523760"/>
           </a:xfrm>
           <a:prstGeom prst="rect">
             <a:avLst/>
@@ -739,14 +696,14 @@
       </p:grpSpPr>
       <p:sp>
         <p:nvSpPr>
-          <p:cNvPr id="102" name="CustomShape 1"/>
+          <p:cNvPr id="98" name="CustomShape 1"/>
           <p:cNvSpPr/>
           <p:nvPr/>
         </p:nvSpPr>
         <p:spPr>
           <a:xfrm>
             <a:off x="777960" y="4776840"/>
-            <a:ext cx="6214680" cy="4524120"/>
+            <a:ext cx="6214320" cy="4523760"/>
           </a:xfrm>
           <a:prstGeom prst="rect">
             <a:avLst/>
@@ -781,14 +738,14 @@
       </p:grpSpPr>
       <p:sp>
         <p:nvSpPr>
-          <p:cNvPr id="103" name="CustomShape 1"/>
+          <p:cNvPr id="99" name="CustomShape 1"/>
           <p:cNvSpPr/>
           <p:nvPr/>
         </p:nvSpPr>
         <p:spPr>
           <a:xfrm>
             <a:off x="777960" y="4776840"/>
-            <a:ext cx="6214680" cy="4524120"/>
+            <a:ext cx="6214320" cy="4523760"/>
           </a:xfrm>
           <a:prstGeom prst="rect">
             <a:avLst/>
@@ -823,14 +780,14 @@
       </p:grpSpPr>
       <p:sp>
         <p:nvSpPr>
-          <p:cNvPr id="104" name="CustomShape 1"/>
+          <p:cNvPr id="100" name="CustomShape 1"/>
           <p:cNvSpPr/>
           <p:nvPr/>
         </p:nvSpPr>
         <p:spPr>
           <a:xfrm>
             <a:off x="777960" y="4776840"/>
-            <a:ext cx="6214680" cy="4524120"/>
+            <a:ext cx="6214320" cy="4523760"/>
           </a:xfrm>
           <a:prstGeom prst="rect">
             <a:avLst/>
@@ -865,14 +822,14 @@
       </p:grpSpPr>
       <p:sp>
         <p:nvSpPr>
-          <p:cNvPr id="105" name="CustomShape 1"/>
+          <p:cNvPr id="101" name="CustomShape 1"/>
           <p:cNvSpPr/>
           <p:nvPr/>
         </p:nvSpPr>
         <p:spPr>
           <a:xfrm>
             <a:off x="777960" y="4776840"/>
-            <a:ext cx="6214680" cy="4524120"/>
+            <a:ext cx="6214320" cy="4523760"/>
           </a:xfrm>
           <a:prstGeom prst="rect">
             <a:avLst/>
@@ -907,14 +864,14 @@
       </p:grpSpPr>
       <p:sp>
         <p:nvSpPr>
-          <p:cNvPr id="106" name="CustomShape 1"/>
+          <p:cNvPr id="102" name="CustomShape 1"/>
           <p:cNvSpPr/>
           <p:nvPr/>
         </p:nvSpPr>
         <p:spPr>
           <a:xfrm>
             <a:off x="777960" y="4776840"/>
-            <a:ext cx="6214680" cy="4524120"/>
+            <a:ext cx="6214320" cy="4523760"/>
           </a:xfrm>
           <a:prstGeom prst="rect">
             <a:avLst/>
@@ -2120,7 +2077,7 @@
         <p:spPr>
           <a:xfrm>
             <a:off x="0" y="0"/>
-            <a:ext cx="10080000" cy="7554960"/>
+            <a:ext cx="10079640" cy="7554600"/>
           </a:xfrm>
           <a:prstGeom prst="rect">
             <a:avLst/>
@@ -2330,7 +2287,7 @@
         <p:spPr>
           <a:xfrm>
             <a:off x="502920" y="345960"/>
-            <a:ext cx="9069120" cy="1261800"/>
+            <a:ext cx="9068760" cy="1261440"/>
           </a:xfrm>
           <a:prstGeom prst="rect">
             <a:avLst/>
@@ -2367,7 +2324,7 @@
         <p:spPr>
           <a:xfrm>
             <a:off x="7343640" y="6191280"/>
-            <a:ext cx="2228760" cy="401400"/>
+            <a:ext cx="2228400" cy="401040"/>
           </a:xfrm>
           <a:prstGeom prst="rect">
             <a:avLst/>
@@ -2410,7 +2367,7 @@
         <p:spPr>
           <a:xfrm>
             <a:off x="-9360" y="1778040"/>
-            <a:ext cx="10077120" cy="4003560"/>
+            <a:ext cx="10076760" cy="4003200"/>
           </a:xfrm>
           <a:prstGeom prst="rect">
             <a:avLst/>
@@ -2471,14 +2428,14 @@
       </p:grpSpPr>
       <p:sp>
         <p:nvSpPr>
-          <p:cNvPr id="73" name="CustomShape 1"/>
+          <p:cNvPr id="74" name="CustomShape 1"/>
           <p:cNvSpPr/>
           <p:nvPr/>
         </p:nvSpPr>
         <p:spPr>
           <a:xfrm>
             <a:off x="502920" y="301320"/>
-            <a:ext cx="9067680" cy="1258560"/>
+            <a:ext cx="9067320" cy="1258200"/>
           </a:xfrm>
           <a:prstGeom prst="rect">
             <a:avLst/>
@@ -2508,14 +2465,14 @@
       </p:sp>
       <p:sp>
         <p:nvSpPr>
-          <p:cNvPr id="74" name="CustomShape 2"/>
+          <p:cNvPr id="75" name="CustomShape 2"/>
           <p:cNvSpPr/>
           <p:nvPr/>
         </p:nvSpPr>
         <p:spPr>
           <a:xfrm>
             <a:off x="502920" y="2165400"/>
-            <a:ext cx="9067680" cy="4673160"/>
+            <a:ext cx="9067320" cy="4672800"/>
           </a:xfrm>
           <a:prstGeom prst="rect">
             <a:avLst/>
@@ -2528,132 +2485,47 @@
         <p:txBody>
           <a:bodyPr lIns="0" rIns="0" tIns="28080" bIns="0"/>
           <a:p>
+            <a:pPr>
+              <a:lnSpc>
+                <a:spcPct val="100000"/>
+              </a:lnSpc>
+            </a:pPr>
             <a:r>
               <a:rPr lang="en-GB" sz="2200">
                 <a:latin typeface="Arial"/>
               </a:rPr>
-              <a:t>calculate noise covariance, forward and inverse solution</a:t>
-            </a:r>
-            <a:endParaRPr/>
-          </a:p>
-          <a:p>
-            <a:pPr>
-              <a:lnSpc>
-                <a:spcPct val="100000"/>
-              </a:lnSpc>
-            </a:pPr>
-            <a:r>
-              <a:rPr lang="en-GB" sz="2200">
-                <a:latin typeface="Arial"/>
-              </a:rPr>
-              <a:t>python:</a:t>
-            </a:r>
-            <a:endParaRPr/>
-          </a:p>
-          <a:p>
-            <a:pPr>
-              <a:lnSpc>
-                <a:spcPct val="100000"/>
-              </a:lnSpc>
-            </a:pPr>
-            <a:endParaRPr/>
-          </a:p>
-          <a:p>
-            <a:pPr>
-              <a:lnSpc>
-                <a:spcPct val="100000"/>
-              </a:lnSpc>
-            </a:pPr>
-            <a:endParaRPr/>
-          </a:p>
-          <a:p>
-            <a:pPr>
-              <a:lnSpc>
-                <a:spcPct val="100000"/>
-              </a:lnSpc>
-            </a:pPr>
-            <a:endParaRPr/>
-          </a:p>
-          <a:p>
-            <a:pPr>
-              <a:lnSpc>
-                <a:spcPct val="100000"/>
-              </a:lnSpc>
-            </a:pPr>
-            <a:r>
-              <a:rPr lang="en-GB" sz="2200">
-                <a:latin typeface="Arial"/>
-              </a:rPr>
-              <a:t>Bash (terminal):</a:t>
-            </a:r>
-            <a:endParaRPr/>
-          </a:p>
-          <a:p>
-            <a:pPr>
-              <a:lnSpc>
-                <a:spcPct val="100000"/>
-              </a:lnSpc>
-            </a:pPr>
-            <a:endParaRPr/>
-          </a:p>
-          <a:p>
-            <a:pPr>
-              <a:lnSpc>
-                <a:spcPct val="100000"/>
-              </a:lnSpc>
-            </a:pPr>
-            <a:endParaRPr/>
-          </a:p>
-          <a:p>
-            <a:pPr>
-              <a:lnSpc>
-                <a:spcPct val="100000"/>
-              </a:lnSpc>
-            </a:pPr>
-            <a:endParaRPr/>
-          </a:p>
-          <a:p>
-            <a:pPr>
-              <a:lnSpc>
-                <a:spcPct val="100000"/>
-              </a:lnSpc>
-            </a:pPr>
-            <a:endParaRPr/>
-          </a:p>
-          <a:p>
-            <a:pPr>
-              <a:lnSpc>
-                <a:spcPct val="100000"/>
-              </a:lnSpc>
-            </a:pPr>
-            <a:endParaRPr/>
-          </a:p>
-          <a:p>
-            <a:pPr>
-              <a:lnSpc>
-                <a:spcPct val="100000"/>
-              </a:lnSpc>
-            </a:pPr>
-            <a:r>
-              <a:rPr lang="en-GB" sz="2200">
-                <a:latin typeface="Arial"/>
-              </a:rPr>
-              <a:t>Inverse solution is depends on noise cov only. I sometimes use empty room noise cov, as in this example</a:t>
-            </a:r>
-            <a:endParaRPr/>
-          </a:p>
-        </p:txBody>
-      </p:sp>
-      <p:sp>
-        <p:nvSpPr>
-          <p:cNvPr id="75" name="CustomShape 3"/>
+              <a:t>Get source activity (virtual sensors)</a:t>
+            </a:r>
+            <a:endParaRPr/>
+          </a:p>
+          <a:p>
+            <a:pPr>
+              <a:lnSpc>
+                <a:spcPct val="100000"/>
+              </a:lnSpc>
+            </a:pPr>
+            <a:endParaRPr/>
+          </a:p>
+          <a:p>
+            <a:pPr>
+              <a:lnSpc>
+                <a:spcPct val="100000"/>
+              </a:lnSpc>
+            </a:pPr>
+            <a:endParaRPr/>
+          </a:p>
+        </p:txBody>
+      </p:sp>
+      <p:sp>
+        <p:nvSpPr>
+          <p:cNvPr id="76" name="CustomShape 3"/>
           <p:cNvSpPr/>
           <p:nvPr/>
         </p:nvSpPr>
         <p:spPr>
           <a:xfrm>
-            <a:off x="503280" y="4320000"/>
-            <a:ext cx="8712000" cy="1295280"/>
+            <a:off x="432360" y="2627640"/>
+            <a:ext cx="6982560" cy="3707280"/>
           </a:xfrm>
           <a:prstGeom prst="rect">
             <a:avLst/>
@@ -2677,7 +2549,7 @@
               <a:rPr lang="en-GB" sz="1400">
                 <a:latin typeface="Arial"/>
               </a:rPr>
-              <a:t>mne_setup_source_space --ico -6 --overwrite</a:t>
+              <a:t>from mne.datasets import sample</a:t>
             </a:r>
             <a:endParaRPr/>
           </a:p>
@@ -2691,7 +2563,7 @@
               <a:rPr lang="en-GB" sz="1400">
                 <a:latin typeface="Arial"/>
               </a:rPr>
-              <a:t>mne_setup_forward_model --homog --surf --ico 4 --overwrite</a:t>
+              <a:t>from mne.minimum_norm import read_inverse_operator</a:t>
             </a:r>
             <a:endParaRPr/>
           </a:p>
@@ -2705,7 +2577,7 @@
               <a:rPr lang="en-GB" sz="1400">
                 <a:latin typeface="Arial"/>
               </a:rPr>
-              <a:t>mne_do_forward_solution --spacing oct-6 mindist --overwrite --meas maor_raw.fif --megonly --noisecov </a:t>
+              <a:t>from mne import read_evokeds</a:t>
             </a:r>
             <a:endParaRPr/>
           </a:p>
@@ -2719,35 +2591,10 @@
               <a:rPr lang="en-GB" sz="1400">
                 <a:latin typeface="Arial"/>
               </a:rPr>
-              <a:t>mne_do_inverse_operator --fwd maor_raw-oct-6-fwd.fif --deep --loose 0.2 --meg</a:t>
-            </a:r>
-            <a:endParaRPr/>
-          </a:p>
-        </p:txBody>
-      </p:sp>
-      <p:sp>
-        <p:nvSpPr>
-          <p:cNvPr id="76" name="CustomShape 4"/>
-          <p:cNvSpPr/>
-          <p:nvPr/>
-        </p:nvSpPr>
-        <p:spPr>
-          <a:xfrm>
-            <a:off x="504360" y="2987640"/>
-            <a:ext cx="5398920" cy="575640"/>
-          </a:xfrm>
-          <a:prstGeom prst="rect">
-            <a:avLst/>
-          </a:prstGeom>
-          <a:solidFill>
-            <a:srgbClr val="ffffff"/>
-          </a:solidFill>
-          <a:ln>
-            <a:noFill/>
-          </a:ln>
-        </p:spPr>
-        <p:txBody>
-          <a:bodyPr lIns="90000" rIns="90000" tIns="45000" bIns="45000"/>
+              <a:t>from mne.minimum_norm import apply_inverse, read_inverse_operator</a:t>
+            </a:r>
+            <a:endParaRPr/>
+          </a:p>
           <a:p>
             <a:pPr>
               <a:lnSpc>
@@ -2758,7 +2605,7 @@
               <a:rPr lang="en-GB" sz="1400">
                 <a:latin typeface="Arial"/>
               </a:rPr>
-              <a:t>cov = mne.compute_covariance(epochs, tmin=None, tmax=0)</a:t>
+              <a:t>fname_evoked='ft_WbW-ave.fif'</a:t>
             </a:r>
             <a:endParaRPr/>
           </a:p>
@@ -2772,35 +2619,135 @@
               <a:rPr lang="en-GB" sz="1400">
                 <a:latin typeface="Arial"/>
               </a:rPr>
-              <a:t>cov.save('maorf_raw-cov.fif')</a:t>
-            </a:r>
-            <a:endParaRPr/>
-          </a:p>
-        </p:txBody>
-      </p:sp>
-      <p:sp>
-        <p:nvSpPr>
-          <p:cNvPr id="77" name="TextShape 5"/>
-          <p:cNvSpPr txBox="1"/>
-          <p:nvPr/>
-        </p:nvSpPr>
-        <p:spPr>
-          <a:xfrm>
-            <a:off x="1152000" y="6696000"/>
-            <a:ext cx="7488000" cy="602640"/>
-          </a:xfrm>
-          <a:prstGeom prst="rect">
-            <a:avLst/>
-          </a:prstGeom>
-        </p:spPr>
-        <p:txBody>
-          <a:bodyPr lIns="90000" rIns="90000" tIns="45000" bIns="45000"/>
-          <a:p>
+              <a:t>fname_inv = 'ohad_raw-oct-6-meg-inv.fif' </a:t>
+            </a:r>
+            <a:endParaRPr/>
+          </a:p>
+          <a:p>
+            <a:pPr>
+              <a:lnSpc>
+                <a:spcPct val="100000"/>
+              </a:lnSpc>
+            </a:pPr>
             <a:r>
               <a:rPr lang="en-GB" sz="1400">
                 <a:latin typeface="Arial"/>
               </a:rPr>
-              <a:t>mne_do_inverse_operator --fwd maor_raw-oct-6-fwd.fif --deep --loose 0.2 --meg --noisecov ~/Data/emptyRoom/empty-cov.fif</a:t>
+              <a:t>snr = 3.0</a:t>
+            </a:r>
+            <a:endParaRPr/>
+          </a:p>
+          <a:p>
+            <a:pPr>
+              <a:lnSpc>
+                <a:spcPct val="100000"/>
+              </a:lnSpc>
+            </a:pPr>
+            <a:r>
+              <a:rPr lang="en-GB" sz="1400">
+                <a:latin typeface="Arial"/>
+              </a:rPr>
+              <a:t>lambda2 = 1.0 / snr ** 2</a:t>
+            </a:r>
+            <a:endParaRPr/>
+          </a:p>
+          <a:p>
+            <a:pPr>
+              <a:lnSpc>
+                <a:spcPct val="100000"/>
+              </a:lnSpc>
+            </a:pPr>
+            <a:r>
+              <a:rPr lang="en-GB" sz="1400">
+                <a:latin typeface="Arial"/>
+              </a:rPr>
+              <a:t>method = "dSPM"  # use dSPM method (could also be MNE or sLORETA)</a:t>
+            </a:r>
+            <a:endParaRPr/>
+          </a:p>
+          <a:p>
+            <a:pPr>
+              <a:lnSpc>
+                <a:spcPct val="100000"/>
+              </a:lnSpc>
+            </a:pPr>
+            <a:endParaRPr/>
+          </a:p>
+          <a:p>
+            <a:pPr>
+              <a:lnSpc>
+                <a:spcPct val="100000"/>
+              </a:lnSpc>
+            </a:pPr>
+            <a:r>
+              <a:rPr lang="en-GB" sz="1400">
+                <a:latin typeface="Arial"/>
+              </a:rPr>
+              <a:t># Load data</a:t>
+            </a:r>
+            <a:endParaRPr/>
+          </a:p>
+          <a:p>
+            <a:pPr>
+              <a:lnSpc>
+                <a:spcPct val="100000"/>
+              </a:lnSpc>
+            </a:pPr>
+            <a:r>
+              <a:rPr lang="en-GB" sz="1400">
+                <a:latin typeface="Arial"/>
+              </a:rPr>
+              <a:t>evoked = read_evokeds(fname_evoked, condition=0, baseline=(None, 0))</a:t>
+            </a:r>
+            <a:endParaRPr/>
+          </a:p>
+          <a:p>
+            <a:pPr>
+              <a:lnSpc>
+                <a:spcPct val="100000"/>
+              </a:lnSpc>
+            </a:pPr>
+            <a:r>
+              <a:rPr lang="en-GB" sz="1400">
+                <a:latin typeface="Arial"/>
+              </a:rPr>
+              <a:t>inverse_operator = read_inverse_operator(fname_inv)</a:t>
+            </a:r>
+            <a:endParaRPr/>
+          </a:p>
+          <a:p>
+            <a:pPr>
+              <a:lnSpc>
+                <a:spcPct val="100000"/>
+              </a:lnSpc>
+            </a:pPr>
+            <a:endParaRPr/>
+          </a:p>
+          <a:p>
+            <a:pPr>
+              <a:lnSpc>
+                <a:spcPct val="100000"/>
+              </a:lnSpc>
+            </a:pPr>
+            <a:r>
+              <a:rPr lang="en-GB" sz="1400">
+                <a:latin typeface="Arial"/>
+              </a:rPr>
+              <a:t>stc = apply_inverse(evoked, inverse_operator, lambda2, method, pick_ori=None)</a:t>
+            </a:r>
+            <a:endParaRPr/>
+          </a:p>
+          <a:p>
+            <a:pPr>
+              <a:lnSpc>
+                <a:spcPct val="100000"/>
+              </a:lnSpc>
+            </a:pPr>
+            <a:r>
+              <a:rPr lang="en-GB" sz="1400">
+                <a:latin typeface="Arial"/>
+              </a:rPr>
+              <a:t>stc.save('mne_%s_inverse' % method)</a:t>
             </a:r>
             <a:endParaRPr/>
           </a:p>
@@ -2857,14 +2804,14 @@
       </p:grpSpPr>
       <p:sp>
         <p:nvSpPr>
-          <p:cNvPr id="78" name="CustomShape 1"/>
+          <p:cNvPr id="77" name="CustomShape 1"/>
           <p:cNvSpPr/>
           <p:nvPr/>
         </p:nvSpPr>
         <p:spPr>
           <a:xfrm>
             <a:off x="502920" y="301320"/>
-            <a:ext cx="9067680" cy="1258560"/>
+            <a:ext cx="9067320" cy="1258200"/>
           </a:xfrm>
           <a:prstGeom prst="rect">
             <a:avLst/>
@@ -2894,14 +2841,14 @@
       </p:sp>
       <p:sp>
         <p:nvSpPr>
-          <p:cNvPr id="79" name="CustomShape 2"/>
+          <p:cNvPr id="78" name="CustomShape 2"/>
           <p:cNvSpPr/>
           <p:nvPr/>
         </p:nvSpPr>
         <p:spPr>
           <a:xfrm>
             <a:off x="502920" y="2165400"/>
-            <a:ext cx="9067680" cy="4673160"/>
+            <a:ext cx="9067320" cy="4672800"/>
           </a:xfrm>
           <a:prstGeom prst="rect">
             <a:avLst/>
@@ -2923,38 +2870,38 @@
               <a:rPr lang="en-GB" sz="2200">
                 <a:latin typeface="Arial"/>
               </a:rPr>
-              <a:t>Get source activity (virtual sensors)</a:t>
-            </a:r>
-            <a:endParaRPr/>
-          </a:p>
-          <a:p>
-            <a:pPr>
-              <a:lnSpc>
-                <a:spcPct val="100000"/>
-              </a:lnSpc>
-            </a:pPr>
-            <a:endParaRPr/>
-          </a:p>
-          <a:p>
-            <a:pPr>
-              <a:lnSpc>
-                <a:spcPct val="100000"/>
-              </a:lnSpc>
-            </a:pPr>
-            <a:endParaRPr/>
-          </a:p>
-        </p:txBody>
-      </p:sp>
-      <p:sp>
-        <p:nvSpPr>
-          <p:cNvPr id="80" name="CustomShape 3"/>
+              <a:t>Morph – move subject data to average subject “fsaverage”</a:t>
+            </a:r>
+            <a:endParaRPr/>
+          </a:p>
+          <a:p>
+            <a:pPr>
+              <a:lnSpc>
+                <a:spcPct val="100000"/>
+              </a:lnSpc>
+            </a:pPr>
+            <a:endParaRPr/>
+          </a:p>
+          <a:p>
+            <a:pPr>
+              <a:lnSpc>
+                <a:spcPct val="100000"/>
+              </a:lnSpc>
+            </a:pPr>
+            <a:endParaRPr/>
+          </a:p>
+        </p:txBody>
+      </p:sp>
+      <p:sp>
+        <p:nvSpPr>
+          <p:cNvPr id="79" name="CustomShape 3"/>
           <p:cNvSpPr/>
           <p:nvPr/>
         </p:nvSpPr>
         <p:spPr>
           <a:xfrm>
             <a:off x="432360" y="2627640"/>
-            <a:ext cx="6982920" cy="3707640"/>
+            <a:ext cx="6982560" cy="2915280"/>
           </a:xfrm>
           <a:prstGeom prst="rect">
             <a:avLst/>
@@ -2978,6 +2925,34 @@
               <a:rPr lang="en-GB" sz="1400">
                 <a:latin typeface="Arial"/>
               </a:rPr>
+              <a:t>import mne</a:t>
+            </a:r>
+            <a:endParaRPr/>
+          </a:p>
+          <a:p>
+            <a:pPr>
+              <a:lnSpc>
+                <a:spcPct val="100000"/>
+              </a:lnSpc>
+            </a:pPr>
+            <a:r>
+              <a:rPr lang="en-GB" sz="1400">
+                <a:latin typeface="Arial"/>
+              </a:rPr>
+              <a:t>import numpy as np</a:t>
+            </a:r>
+            <a:endParaRPr/>
+          </a:p>
+          <a:p>
+            <a:pPr>
+              <a:lnSpc>
+                <a:spcPct val="100000"/>
+              </a:lnSpc>
+            </a:pPr>
+            <a:r>
+              <a:rPr lang="en-GB" sz="1400">
+                <a:latin typeface="Arial"/>
+              </a:rPr>
               <a:t>from mne.datasets import sample</a:t>
             </a:r>
             <a:endParaRPr/>
@@ -2992,7 +2967,7 @@
               <a:rPr lang="en-GB" sz="1400">
                 <a:latin typeface="Arial"/>
               </a:rPr>
-              <a:t>from mne.minimum_norm import read_inverse_operator</a:t>
+              <a:t>subject_from = 'aliceOhad'</a:t>
             </a:r>
             <a:endParaRPr/>
           </a:p>
@@ -3006,7 +2981,7 @@
               <a:rPr lang="en-GB" sz="1400">
                 <a:latin typeface="Arial"/>
               </a:rPr>
-              <a:t>from mne import read_evokeds</a:t>
+              <a:t>subject_to = 'fsaverage'</a:t>
             </a:r>
             <a:endParaRPr/>
           </a:p>
@@ -3020,7 +2995,7 @@
               <a:rPr lang="en-GB" sz="1400">
                 <a:latin typeface="Arial"/>
               </a:rPr>
-              <a:t>from mne.minimum_norm import apply_inverse, read_inverse_operator</a:t>
+              <a:t>fname='mne_dSPM_inverse'</a:t>
             </a:r>
             <a:endParaRPr/>
           </a:p>
@@ -3034,7 +3009,7 @@
               <a:rPr lang="en-GB" sz="1400">
                 <a:latin typeface="Arial"/>
               </a:rPr>
-              <a:t>fname_evoked='ft_WbW-ave.fif'</a:t>
+              <a:t>stc_from = mne.read_source_estimate(fname)</a:t>
             </a:r>
             <a:endParaRPr/>
           </a:p>
@@ -3048,7 +3023,7 @@
               <a:rPr lang="en-GB" sz="1400">
                 <a:latin typeface="Arial"/>
               </a:rPr>
-              <a:t>fname_inv = 'ohad_raw-oct-6-meg-inv.fif' </a:t>
+              <a:t>vertices_to = [np.arange(10242), np.arange(10242)]</a:t>
             </a:r>
             <a:endParaRPr/>
           </a:p>
@@ -3062,7 +3037,7 @@
               <a:rPr lang="en-GB" sz="1400">
                 <a:latin typeface="Arial"/>
               </a:rPr>
-              <a:t>snr = 3.0</a:t>
+              <a:t>stc_to = mne.morph_data(subject_from, subject_to, stc_from, n_jobs=1, grade=vertices_to)</a:t>
             </a:r>
             <a:endParaRPr/>
           </a:p>
@@ -3076,107 +3051,7 @@
               <a:rPr lang="en-GB" sz="1400">
                 <a:latin typeface="Arial"/>
               </a:rPr>
-              <a:t>lambda2 = 1.0 / snr ** 2</a:t>
-            </a:r>
-            <a:endParaRPr/>
-          </a:p>
-          <a:p>
-            <a:pPr>
-              <a:lnSpc>
-                <a:spcPct val="100000"/>
-              </a:lnSpc>
-            </a:pPr>
-            <a:r>
-              <a:rPr lang="en-GB" sz="1400">
-                <a:latin typeface="Arial"/>
-              </a:rPr>
-              <a:t>method = "dSPM"  # use dSPM method (could also be MNE or sLORETA)</a:t>
-            </a:r>
-            <a:endParaRPr/>
-          </a:p>
-          <a:p>
-            <a:pPr>
-              <a:lnSpc>
-                <a:spcPct val="100000"/>
-              </a:lnSpc>
-            </a:pPr>
-            <a:endParaRPr/>
-          </a:p>
-          <a:p>
-            <a:pPr>
-              <a:lnSpc>
-                <a:spcPct val="100000"/>
-              </a:lnSpc>
-            </a:pPr>
-            <a:r>
-              <a:rPr lang="en-GB" sz="1400">
-                <a:latin typeface="Arial"/>
-              </a:rPr>
-              <a:t># Load data</a:t>
-            </a:r>
-            <a:endParaRPr/>
-          </a:p>
-          <a:p>
-            <a:pPr>
-              <a:lnSpc>
-                <a:spcPct val="100000"/>
-              </a:lnSpc>
-            </a:pPr>
-            <a:r>
-              <a:rPr lang="en-GB" sz="1400">
-                <a:latin typeface="Arial"/>
-              </a:rPr>
-              <a:t>evoked = read_evokeds(fname_evoked, condition=0, baseline=(None, 0))</a:t>
-            </a:r>
-            <a:endParaRPr/>
-          </a:p>
-          <a:p>
-            <a:pPr>
-              <a:lnSpc>
-                <a:spcPct val="100000"/>
-              </a:lnSpc>
-            </a:pPr>
-            <a:r>
-              <a:rPr lang="en-GB" sz="1400">
-                <a:latin typeface="Arial"/>
-              </a:rPr>
-              <a:t>inverse_operator = read_inverse_operator(fname_inv)</a:t>
-            </a:r>
-            <a:endParaRPr/>
-          </a:p>
-          <a:p>
-            <a:pPr>
-              <a:lnSpc>
-                <a:spcPct val="100000"/>
-              </a:lnSpc>
-            </a:pPr>
-            <a:endParaRPr/>
-          </a:p>
-          <a:p>
-            <a:pPr>
-              <a:lnSpc>
-                <a:spcPct val="100000"/>
-              </a:lnSpc>
-            </a:pPr>
-            <a:r>
-              <a:rPr lang="en-GB" sz="1400">
-                <a:latin typeface="Arial"/>
-              </a:rPr>
-              <a:t>stc = apply_inverse(evoked, inverse_operator, lambda2, method, pick_ori=None)</a:t>
-            </a:r>
-            <a:endParaRPr/>
-          </a:p>
-          <a:p>
-            <a:pPr>
-              <a:lnSpc>
-                <a:spcPct val="100000"/>
-              </a:lnSpc>
-            </a:pPr>
-            <a:r>
-              <a:rPr lang="en-GB" sz="1400">
-                <a:latin typeface="Arial"/>
-              </a:rPr>
-              <a:t>stc.save('mne_%s_inverse' % method)</a:t>
+              <a:t>stc_to.save('%s_wbw-meg' % subject_to)</a:t>
             </a:r>
             <a:endParaRPr/>
           </a:p>
@@ -3233,14 +3108,14 @@
       </p:grpSpPr>
       <p:sp>
         <p:nvSpPr>
-          <p:cNvPr id="81" name="CustomShape 1"/>
+          <p:cNvPr id="80" name="CustomShape 1"/>
           <p:cNvSpPr/>
           <p:nvPr/>
         </p:nvSpPr>
         <p:spPr>
           <a:xfrm>
             <a:off x="502920" y="301320"/>
-            <a:ext cx="9067680" cy="1258560"/>
+            <a:ext cx="9067320" cy="1258200"/>
           </a:xfrm>
           <a:prstGeom prst="rect">
             <a:avLst/>
@@ -3270,14 +3145,14 @@
       </p:sp>
       <p:sp>
         <p:nvSpPr>
-          <p:cNvPr id="82" name="CustomShape 2"/>
+          <p:cNvPr id="81" name="CustomShape 2"/>
           <p:cNvSpPr/>
           <p:nvPr/>
         </p:nvSpPr>
         <p:spPr>
           <a:xfrm>
             <a:off x="502920" y="2165400"/>
-            <a:ext cx="9067680" cy="4673160"/>
+            <a:ext cx="9067320" cy="4672800"/>
           </a:xfrm>
           <a:prstGeom prst="rect">
             <a:avLst/>
@@ -3299,38 +3174,38 @@
               <a:rPr lang="en-GB" sz="2200">
                 <a:latin typeface="Arial"/>
               </a:rPr>
-              <a:t>Morph – move subject data to average subject “fsaverage”</a:t>
-            </a:r>
-            <a:endParaRPr/>
-          </a:p>
-          <a:p>
-            <a:pPr>
-              <a:lnSpc>
-                <a:spcPct val="100000"/>
-              </a:lnSpc>
-            </a:pPr>
-            <a:endParaRPr/>
-          </a:p>
-          <a:p>
-            <a:pPr>
-              <a:lnSpc>
-                <a:spcPct val="100000"/>
-              </a:lnSpc>
-            </a:pPr>
-            <a:endParaRPr/>
-          </a:p>
-        </p:txBody>
-      </p:sp>
-      <p:sp>
-        <p:nvSpPr>
-          <p:cNvPr id="83" name="CustomShape 3"/>
+              <a:t>Use PySurfer to view the results</a:t>
+            </a:r>
+            <a:endParaRPr/>
+          </a:p>
+          <a:p>
+            <a:pPr>
+              <a:lnSpc>
+                <a:spcPct val="100000"/>
+              </a:lnSpc>
+            </a:pPr>
+            <a:endParaRPr/>
+          </a:p>
+          <a:p>
+            <a:pPr>
+              <a:lnSpc>
+                <a:spcPct val="100000"/>
+              </a:lnSpc>
+            </a:pPr>
+            <a:endParaRPr/>
+          </a:p>
+        </p:txBody>
+      </p:sp>
+      <p:sp>
+        <p:nvSpPr>
+          <p:cNvPr id="82" name="CustomShape 3"/>
           <p:cNvSpPr/>
           <p:nvPr/>
         </p:nvSpPr>
         <p:spPr>
           <a:xfrm>
             <a:off x="432360" y="2627640"/>
-            <a:ext cx="6982920" cy="2915640"/>
+            <a:ext cx="6982560" cy="4067280"/>
           </a:xfrm>
           <a:prstGeom prst="rect">
             <a:avLst/>
@@ -3351,21 +3226,86 @@
               </a:lnSpc>
             </a:pPr>
             <a:r>
-              <a:rPr lang="en-GB" sz="1400">
-                <a:latin typeface="Arial"/>
-              </a:rPr>
-              <a:t>import mne</a:t>
-            </a:r>
-            <a:endParaRPr/>
-          </a:p>
-          <a:p>
-            <a:pPr>
-              <a:lnSpc>
-                <a:spcPct val="100000"/>
-              </a:lnSpc>
-            </a:pPr>
-            <a:r>
-              <a:rPr lang="en-GB" sz="1400">
+              <a:rPr lang="en-GB" sz="1000">
+                <a:solidFill>
+                  <a:srgbClr val="0000ff"/>
+                </a:solidFill>
+                <a:latin typeface="Arial"/>
+              </a:rPr>
+              <a:t># for the figure to open well run this script</a:t>
+            </a:r>
+            <a:endParaRPr/>
+          </a:p>
+          <a:p>
+            <a:pPr>
+              <a:lnSpc>
+                <a:spcPct val="100000"/>
+              </a:lnSpc>
+            </a:pPr>
+            <a:r>
+              <a:rPr lang="en-GB" sz="1000">
+                <a:solidFill>
+                  <a:srgbClr val="0000ff"/>
+                </a:solidFill>
+                <a:latin typeface="Arial"/>
+              </a:rPr>
+              <a:t># in ipython, call it like this:  </a:t>
+            </a:r>
+            <a:r>
+              <a:rPr lang="en-GB" sz="1000">
+                <a:solidFill>
+                  <a:srgbClr val="ff3333"/>
+                </a:solidFill>
+                <a:latin typeface="Arial"/>
+              </a:rPr>
+              <a:t> ipython --gui=wx</a:t>
+            </a:r>
+            <a:endParaRPr/>
+          </a:p>
+          <a:p>
+            <a:pPr>
+              <a:lnSpc>
+                <a:spcPct val="100000"/>
+              </a:lnSpc>
+            </a:pPr>
+            <a:endParaRPr/>
+          </a:p>
+          <a:p>
+            <a:pPr>
+              <a:lnSpc>
+                <a:spcPct val="100000"/>
+              </a:lnSpc>
+            </a:pPr>
+            <a:r>
+              <a:rPr lang="en-GB" sz="1000">
+                <a:solidFill>
+                  <a:srgbClr val="0000ff"/>
+                </a:solidFill>
+                <a:latin typeface="Arial"/>
+              </a:rPr>
+              <a:t>#taken from http://pysurfer.github.io/auto_examples/plot_meg_inverse_solution.html</a:t>
+            </a:r>
+            <a:endParaRPr/>
+          </a:p>
+          <a:p>
+            <a:pPr>
+              <a:lnSpc>
+                <a:spcPct val="100000"/>
+              </a:lnSpc>
+            </a:pPr>
+            <a:endParaRPr/>
+          </a:p>
+          <a:p>
+            <a:pPr>
+              <a:lnSpc>
+                <a:spcPct val="100000"/>
+              </a:lnSpc>
+            </a:pPr>
+            <a:r>
+              <a:rPr lang="en-GB" sz="1000">
+                <a:solidFill>
+                  <a:srgbClr val="000000"/>
+                </a:solidFill>
                 <a:latin typeface="Arial"/>
               </a:rPr>
               <a:t>import numpy as np</a:t>
@@ -3379,109 +3319,346 @@
               </a:lnSpc>
             </a:pPr>
             <a:r>
-              <a:rPr lang="en-GB" sz="1400">
-                <a:latin typeface="Arial"/>
-              </a:rPr>
-              <a:t>from mne.datasets import sample</a:t>
-            </a:r>
-            <a:endParaRPr/>
-          </a:p>
-          <a:p>
-            <a:pPr>
-              <a:lnSpc>
-                <a:spcPct val="100000"/>
-              </a:lnSpc>
-            </a:pPr>
-            <a:r>
-              <a:rPr lang="en-GB" sz="1400">
-                <a:latin typeface="Arial"/>
-              </a:rPr>
-              <a:t>subject_from = 'aliceOhad'</a:t>
-            </a:r>
-            <a:endParaRPr/>
-          </a:p>
-          <a:p>
-            <a:pPr>
-              <a:lnSpc>
-                <a:spcPct val="100000"/>
-              </a:lnSpc>
-            </a:pPr>
-            <a:r>
-              <a:rPr lang="en-GB" sz="1400">
-                <a:latin typeface="Arial"/>
-              </a:rPr>
-              <a:t>subject_to = 'fsaverage'</a:t>
-            </a:r>
-            <a:endParaRPr/>
-          </a:p>
-          <a:p>
-            <a:pPr>
-              <a:lnSpc>
-                <a:spcPct val="100000"/>
-              </a:lnSpc>
-            </a:pPr>
-            <a:r>
-              <a:rPr lang="en-GB" sz="1400">
-                <a:latin typeface="Arial"/>
-              </a:rPr>
-              <a:t>fname='mne_dSPM_inverse'</a:t>
-            </a:r>
-            <a:endParaRPr/>
-          </a:p>
-          <a:p>
-            <a:pPr>
-              <a:lnSpc>
-                <a:spcPct val="100000"/>
-              </a:lnSpc>
-            </a:pPr>
-            <a:r>
-              <a:rPr lang="en-GB" sz="1400">
-                <a:latin typeface="Arial"/>
-              </a:rPr>
-              <a:t>stc_from = mne.read_source_estimate(fname)</a:t>
-            </a:r>
-            <a:endParaRPr/>
-          </a:p>
-          <a:p>
-            <a:pPr>
-              <a:lnSpc>
-                <a:spcPct val="100000"/>
-              </a:lnSpc>
-            </a:pPr>
-            <a:r>
-              <a:rPr lang="en-GB" sz="1400">
-                <a:latin typeface="Arial"/>
-              </a:rPr>
-              <a:t>vertices_to = [np.arange(10242), np.arange(10242)]</a:t>
-            </a:r>
-            <a:endParaRPr/>
-          </a:p>
-          <a:p>
-            <a:pPr>
-              <a:lnSpc>
-                <a:spcPct val="100000"/>
-              </a:lnSpc>
-            </a:pPr>
-            <a:r>
-              <a:rPr lang="en-GB" sz="1400">
-                <a:latin typeface="Arial"/>
-              </a:rPr>
-              <a:t>stc_to = mne.morph_data(subject_from, subject_to, stc_from, n_jobs=1, grade=vertices_to)</a:t>
-            </a:r>
-            <a:endParaRPr/>
-          </a:p>
-          <a:p>
-            <a:pPr>
-              <a:lnSpc>
-                <a:spcPct val="100000"/>
-              </a:lnSpc>
-            </a:pPr>
-            <a:r>
-              <a:rPr lang="en-GB" sz="1400">
-                <a:latin typeface="Arial"/>
-              </a:rPr>
-              <a:t>stc_to.save('%s_wbw-meg' % subject_to)</a:t>
-            </a:r>
+              <a:rPr lang="en-GB" sz="1000">
+                <a:solidFill>
+                  <a:srgbClr val="000000"/>
+                </a:solidFill>
+                <a:latin typeface="Arial"/>
+              </a:rPr>
+              <a:t>from surfer import Brain, TimeViewer</a:t>
+            </a:r>
+            <a:endParaRPr/>
+          </a:p>
+          <a:p>
+            <a:pPr>
+              <a:lnSpc>
+                <a:spcPct val="100000"/>
+              </a:lnSpc>
+            </a:pPr>
+            <a:r>
+              <a:rPr lang="en-GB" sz="1000">
+                <a:solidFill>
+                  <a:srgbClr val="000000"/>
+                </a:solidFill>
+                <a:latin typeface="Arial"/>
+              </a:rPr>
+              <a:t>from surfer.io import read_stc</a:t>
+            </a:r>
+            <a:endParaRPr/>
+          </a:p>
+          <a:p>
+            <a:pPr>
+              <a:lnSpc>
+                <a:spcPct val="100000"/>
+              </a:lnSpc>
+            </a:pPr>
+            <a:r>
+              <a:rPr lang="en-GB" sz="1000">
+                <a:solidFill>
+                  <a:srgbClr val="000000"/>
+                </a:solidFill>
+                <a:latin typeface="Arial"/>
+              </a:rPr>
+              <a:t>brain = Brain('fsaverage', 'both', 'pial', views='caudal')</a:t>
+            </a:r>
+            <a:endParaRPr/>
+          </a:p>
+          <a:p>
+            <a:pPr>
+              <a:lnSpc>
+                <a:spcPct val="100000"/>
+              </a:lnSpc>
+            </a:pPr>
+            <a:r>
+              <a:rPr lang="en-GB" sz="1000">
+                <a:solidFill>
+                  <a:srgbClr val="000000"/>
+                </a:solidFill>
+                <a:latin typeface="Arial"/>
+              </a:rPr>
+              <a:t>stc = read_stc('fsaverage_wbw-meg-lh.stc')</a:t>
+            </a:r>
+            <a:endParaRPr/>
+          </a:p>
+          <a:p>
+            <a:pPr>
+              <a:lnSpc>
+                <a:spcPct val="100000"/>
+              </a:lnSpc>
+            </a:pPr>
+            <a:r>
+              <a:rPr lang="en-GB" sz="1000">
+                <a:solidFill>
+                  <a:srgbClr val="000000"/>
+                </a:solidFill>
+                <a:latin typeface="Arial"/>
+              </a:rPr>
+              <a:t>data = stc['data']</a:t>
+            </a:r>
+            <a:endParaRPr/>
+          </a:p>
+          <a:p>
+            <a:pPr>
+              <a:lnSpc>
+                <a:spcPct val="100000"/>
+              </a:lnSpc>
+            </a:pPr>
+            <a:r>
+              <a:rPr lang="en-GB" sz="1000">
+                <a:solidFill>
+                  <a:srgbClr val="000000"/>
+                </a:solidFill>
+                <a:latin typeface="Arial"/>
+              </a:rPr>
+              <a:t>vertices = stc['vertices']</a:t>
+            </a:r>
+            <a:endParaRPr/>
+          </a:p>
+          <a:p>
+            <a:pPr>
+              <a:lnSpc>
+                <a:spcPct val="100000"/>
+              </a:lnSpc>
+            </a:pPr>
+            <a:r>
+              <a:rPr lang="en-GB" sz="1000">
+                <a:solidFill>
+                  <a:srgbClr val="000000"/>
+                </a:solidFill>
+                <a:latin typeface="Arial"/>
+              </a:rPr>
+              <a:t>time = 1e3 * np.linspace(stc['tmin'], stc['tmin'] + data.shape[1] * stc['tstep'], data.shape[1])</a:t>
+            </a:r>
+            <a:endParaRPr/>
+          </a:p>
+          <a:p>
+            <a:pPr>
+              <a:lnSpc>
+                <a:spcPct val="100000"/>
+              </a:lnSpc>
+            </a:pPr>
+            <a:r>
+              <a:rPr lang="en-GB" sz="1000">
+                <a:solidFill>
+                  <a:srgbClr val="000000"/>
+                </a:solidFill>
+                <a:latin typeface="Arial"/>
+              </a:rPr>
+              <a:t>colormap = 'hot'</a:t>
+            </a:r>
+            <a:endParaRPr/>
+          </a:p>
+          <a:p>
+            <a:pPr>
+              <a:lnSpc>
+                <a:spcPct val="100000"/>
+              </a:lnSpc>
+            </a:pPr>
+            <a:r>
+              <a:rPr lang="en-GB" sz="1000">
+                <a:solidFill>
+                  <a:srgbClr val="000000"/>
+                </a:solidFill>
+                <a:latin typeface="Arial"/>
+              </a:rPr>
+              <a:t>time_label = 'time=%0.2f ms'</a:t>
+            </a:r>
+            <a:endParaRPr/>
+          </a:p>
+          <a:p>
+            <a:pPr>
+              <a:lnSpc>
+                <a:spcPct val="100000"/>
+              </a:lnSpc>
+            </a:pPr>
+            <a:r>
+              <a:rPr lang="en-GB" sz="1000">
+                <a:solidFill>
+                  <a:srgbClr val="000000"/>
+                </a:solidFill>
+                <a:latin typeface="Arial"/>
+              </a:rPr>
+              <a:t>brain.add_data(data, colormap=colormap, vertices=vertices, smoothing_steps=10,</a:t>
+            </a:r>
+            <a:endParaRPr/>
+          </a:p>
+          <a:p>
+            <a:pPr>
+              <a:lnSpc>
+                <a:spcPct val="100000"/>
+              </a:lnSpc>
+            </a:pPr>
+            <a:r>
+              <a:rPr lang="en-GB" sz="1000">
+                <a:solidFill>
+                  <a:srgbClr val="000000"/>
+                </a:solidFill>
+                <a:latin typeface="Arial"/>
+              </a:rPr>
+              <a:t>               </a:t>
+            </a:r>
+            <a:r>
+              <a:rPr lang="en-GB" sz="1000">
+                <a:solidFill>
+                  <a:srgbClr val="000000"/>
+                </a:solidFill>
+                <a:latin typeface="Arial"/>
+              </a:rPr>
+              <a:t>time=time, time_label=time_label, hemi='lh')</a:t>
+            </a:r>
+            <a:endParaRPr/>
+          </a:p>
+          <a:p>
+            <a:pPr>
+              <a:lnSpc>
+                <a:spcPct val="100000"/>
+              </a:lnSpc>
+            </a:pPr>
+            <a:r>
+              <a:rPr lang="en-GB" sz="1000">
+                <a:solidFill>
+                  <a:srgbClr val="000000"/>
+                </a:solidFill>
+                <a:latin typeface="Arial"/>
+              </a:rPr>
+              <a:t>stc = read_stc('fsaverage_wbw-meg-rh.stc')</a:t>
+            </a:r>
+            <a:endParaRPr/>
+          </a:p>
+          <a:p>
+            <a:pPr>
+              <a:lnSpc>
+                <a:spcPct val="100000"/>
+              </a:lnSpc>
+            </a:pPr>
+            <a:r>
+              <a:rPr lang="en-GB" sz="1000">
+                <a:solidFill>
+                  <a:srgbClr val="000000"/>
+                </a:solidFill>
+                <a:latin typeface="Arial"/>
+              </a:rPr>
+              <a:t>data = stc['data']</a:t>
+            </a:r>
+            <a:endParaRPr/>
+          </a:p>
+          <a:p>
+            <a:pPr>
+              <a:lnSpc>
+                <a:spcPct val="100000"/>
+              </a:lnSpc>
+            </a:pPr>
+            <a:r>
+              <a:rPr lang="en-GB" sz="1000">
+                <a:solidFill>
+                  <a:srgbClr val="000000"/>
+                </a:solidFill>
+                <a:latin typeface="Arial"/>
+              </a:rPr>
+              <a:t>vertices = stc['vertices']</a:t>
+            </a:r>
+            <a:endParaRPr/>
+          </a:p>
+          <a:p>
+            <a:pPr>
+              <a:lnSpc>
+                <a:spcPct val="100000"/>
+              </a:lnSpc>
+            </a:pPr>
+            <a:r>
+              <a:rPr lang="en-GB" sz="1000">
+                <a:solidFill>
+                  <a:srgbClr val="000000"/>
+                </a:solidFill>
+                <a:latin typeface="Arial"/>
+              </a:rPr>
+              <a:t>brain.add_data(data, colormap=colormap, vertices=vertices, smoothing_steps=10,</a:t>
+            </a:r>
+            <a:endParaRPr/>
+          </a:p>
+          <a:p>
+            <a:pPr>
+              <a:lnSpc>
+                <a:spcPct val="100000"/>
+              </a:lnSpc>
+            </a:pPr>
+            <a:r>
+              <a:rPr lang="en-GB" sz="1000">
+                <a:solidFill>
+                  <a:srgbClr val="000000"/>
+                </a:solidFill>
+                <a:latin typeface="Arial"/>
+              </a:rPr>
+              <a:t>               </a:t>
+            </a:r>
+            <a:r>
+              <a:rPr lang="en-GB" sz="1000">
+                <a:solidFill>
+                  <a:srgbClr val="000000"/>
+                </a:solidFill>
+                <a:latin typeface="Arial"/>
+              </a:rPr>
+              <a:t>time=time, time_label=time_label, hemi='rh')</a:t>
+            </a:r>
+            <a:endParaRPr/>
+          </a:p>
+          <a:p>
+            <a:pPr>
+              <a:lnSpc>
+                <a:spcPct val="100000"/>
+              </a:lnSpc>
+            </a:pPr>
+            <a:r>
+              <a:rPr lang="en-GB" sz="1000">
+                <a:solidFill>
+                  <a:srgbClr val="0000ff"/>
+                </a:solidFill>
+                <a:latin typeface="Arial"/>
+              </a:rPr>
+              <a:t>#brain.set_data_time_index(2)</a:t>
+            </a:r>
+            <a:endParaRPr/>
+          </a:p>
+          <a:p>
+            <a:pPr>
+              <a:lnSpc>
+                <a:spcPct val="100000"/>
+              </a:lnSpc>
+            </a:pPr>
+            <a:r>
+              <a:rPr lang="en-GB" sz="1000">
+                <a:solidFill>
+                  <a:srgbClr val="0000ff"/>
+                </a:solidFill>
+                <a:latin typeface="Arial"/>
+              </a:rPr>
+              <a:t>#brain.scale_data_colormap(fmin=13, fmid=18, fmax=22, transparent=True)</a:t>
+            </a:r>
+            <a:endParaRPr/>
+          </a:p>
+          <a:p>
+            <a:pPr>
+              <a:lnSpc>
+                <a:spcPct val="100000"/>
+              </a:lnSpc>
+            </a:pPr>
+            <a:r>
+              <a:rPr lang="en-GB" sz="1000">
+                <a:solidFill>
+                  <a:srgbClr val="000000"/>
+                </a:solidFill>
+                <a:latin typeface="Arial"/>
+              </a:rPr>
+              <a:t>viewer = TimeViewer(brain)</a:t>
+            </a:r>
+            <a:endParaRPr/>
+          </a:p>
+          <a:p>
+            <a:pPr>
+              <a:lnSpc>
+                <a:spcPct val="100000"/>
+              </a:lnSpc>
+            </a:pPr>
             <a:endParaRPr/>
           </a:p>
         </p:txBody>
@@ -3537,14 +3714,14 @@
       </p:grpSpPr>
       <p:sp>
         <p:nvSpPr>
-          <p:cNvPr id="84" name="CustomShape 1"/>
+          <p:cNvPr id="83" name="CustomShape 1"/>
           <p:cNvSpPr/>
           <p:nvPr/>
         </p:nvSpPr>
         <p:spPr>
           <a:xfrm>
             <a:off x="502920" y="301320"/>
-            <a:ext cx="9067680" cy="1258560"/>
+            <a:ext cx="9067320" cy="1258200"/>
           </a:xfrm>
           <a:prstGeom prst="rect">
             <a:avLst/>
@@ -3574,14 +3751,14 @@
       </p:sp>
       <p:sp>
         <p:nvSpPr>
-          <p:cNvPr id="85" name="CustomShape 2"/>
+          <p:cNvPr id="84" name="CustomShape 2"/>
           <p:cNvSpPr/>
           <p:nvPr/>
         </p:nvSpPr>
         <p:spPr>
           <a:xfrm>
             <a:off x="502920" y="2165400"/>
-            <a:ext cx="9067680" cy="4673160"/>
+            <a:ext cx="9067320" cy="4672800"/>
           </a:xfrm>
           <a:prstGeom prst="rect">
             <a:avLst/>
@@ -3603,495 +3780,53 @@
               <a:rPr lang="en-GB" sz="2200">
                 <a:latin typeface="Arial"/>
               </a:rPr>
-              <a:t>Use PySurfer to view the results</a:t>
-            </a:r>
-            <a:endParaRPr/>
-          </a:p>
-          <a:p>
-            <a:pPr>
-              <a:lnSpc>
-                <a:spcPct val="100000"/>
-              </a:lnSpc>
-            </a:pPr>
-            <a:endParaRPr/>
-          </a:p>
-          <a:p>
-            <a:pPr>
-              <a:lnSpc>
-                <a:spcPct val="100000"/>
-              </a:lnSpc>
-            </a:pPr>
-            <a:endParaRPr/>
-          </a:p>
-        </p:txBody>
-      </p:sp>
-      <p:sp>
-        <p:nvSpPr>
-          <p:cNvPr id="86" name="CustomShape 3"/>
-          <p:cNvSpPr/>
+              <a:t>See activity by the millisecond</a:t>
+            </a:r>
+            <a:endParaRPr/>
+          </a:p>
+          <a:p>
+            <a:pPr>
+              <a:lnSpc>
+                <a:spcPct val="100000"/>
+              </a:lnSpc>
+            </a:pPr>
+            <a:endParaRPr/>
+          </a:p>
+          <a:p>
+            <a:pPr>
+              <a:lnSpc>
+                <a:spcPct val="100000"/>
+              </a:lnSpc>
+            </a:pPr>
+            <a:endParaRPr/>
+          </a:p>
+        </p:txBody>
+      </p:sp>
+      <p:pic>
+        <p:nvPicPr>
+          <p:cNvPr id="85" name="" descr=""/>
+          <p:cNvPicPr/>
           <p:nvPr/>
-        </p:nvSpPr>
-        <p:spPr>
-          <a:xfrm>
-            <a:off x="432360" y="2627640"/>
-            <a:ext cx="6982920" cy="4067640"/>
-          </a:xfrm>
-          <a:prstGeom prst="rect">
-            <a:avLst/>
-          </a:prstGeom>
-          <a:solidFill>
-            <a:srgbClr val="ffffff"/>
-          </a:solidFill>
+        </p:nvPicPr>
+        <p:blipFill>
+          <a:blip r:embed="rId1"/>
+          <a:stretch>
+            <a:fillRect/>
+          </a:stretch>
+        </p:blipFill>
+        <p:spPr>
+          <a:xfrm>
+            <a:off x="2346840" y="2664000"/>
+            <a:ext cx="4420080" cy="4066560"/>
+          </a:xfrm>
+          <a:prstGeom prst="rect">
+            <a:avLst/>
+          </a:prstGeom>
           <a:ln>
             <a:noFill/>
           </a:ln>
         </p:spPr>
-        <p:txBody>
-          <a:bodyPr lIns="90000" rIns="90000" tIns="45000" bIns="45000"/>
-          <a:p>
-            <a:pPr>
-              <a:lnSpc>
-                <a:spcPct val="100000"/>
-              </a:lnSpc>
-            </a:pPr>
-            <a:r>
-              <a:rPr lang="en-GB" sz="1000">
-                <a:solidFill>
-                  <a:srgbClr val="0000ff"/>
-                </a:solidFill>
-                <a:latin typeface="Arial"/>
-              </a:rPr>
-              <a:t># for the figure to open well run this script</a:t>
-            </a:r>
-            <a:endParaRPr/>
-          </a:p>
-          <a:p>
-            <a:pPr>
-              <a:lnSpc>
-                <a:spcPct val="100000"/>
-              </a:lnSpc>
-            </a:pPr>
-            <a:r>
-              <a:rPr lang="en-GB" sz="1000">
-                <a:solidFill>
-                  <a:srgbClr val="0000ff"/>
-                </a:solidFill>
-                <a:latin typeface="Arial"/>
-              </a:rPr>
-              <a:t># in ipython, call it like this:  </a:t>
-            </a:r>
-            <a:r>
-              <a:rPr lang="en-GB" sz="1000">
-                <a:solidFill>
-                  <a:srgbClr val="ff3333"/>
-                </a:solidFill>
-                <a:latin typeface="Arial"/>
-              </a:rPr>
-              <a:t> ipython --gui=wx</a:t>
-            </a:r>
-            <a:endParaRPr/>
-          </a:p>
-          <a:p>
-            <a:pPr>
-              <a:lnSpc>
-                <a:spcPct val="100000"/>
-              </a:lnSpc>
-            </a:pPr>
-            <a:endParaRPr/>
-          </a:p>
-          <a:p>
-            <a:pPr>
-              <a:lnSpc>
-                <a:spcPct val="100000"/>
-              </a:lnSpc>
-            </a:pPr>
-            <a:r>
-              <a:rPr lang="en-GB" sz="1000">
-                <a:solidFill>
-                  <a:srgbClr val="0000ff"/>
-                </a:solidFill>
-                <a:latin typeface="Arial"/>
-              </a:rPr>
-              <a:t>#taken from http://pysurfer.github.io/auto_examples/plot_meg_inverse_solution.html</a:t>
-            </a:r>
-            <a:endParaRPr/>
-          </a:p>
-          <a:p>
-            <a:pPr>
-              <a:lnSpc>
-                <a:spcPct val="100000"/>
-              </a:lnSpc>
-            </a:pPr>
-            <a:endParaRPr/>
-          </a:p>
-          <a:p>
-            <a:pPr>
-              <a:lnSpc>
-                <a:spcPct val="100000"/>
-              </a:lnSpc>
-            </a:pPr>
-            <a:r>
-              <a:rPr lang="en-GB" sz="1000">
-                <a:solidFill>
-                  <a:srgbClr val="000000"/>
-                </a:solidFill>
-                <a:latin typeface="Arial"/>
-              </a:rPr>
-              <a:t>import numpy as np</a:t>
-            </a:r>
-            <a:endParaRPr/>
-          </a:p>
-          <a:p>
-            <a:pPr>
-              <a:lnSpc>
-                <a:spcPct val="100000"/>
-              </a:lnSpc>
-            </a:pPr>
-            <a:r>
-              <a:rPr lang="en-GB" sz="1000">
-                <a:solidFill>
-                  <a:srgbClr val="000000"/>
-                </a:solidFill>
-                <a:latin typeface="Arial"/>
-              </a:rPr>
-              <a:t>from surfer import Brain, TimeViewer</a:t>
-            </a:r>
-            <a:endParaRPr/>
-          </a:p>
-          <a:p>
-            <a:pPr>
-              <a:lnSpc>
-                <a:spcPct val="100000"/>
-              </a:lnSpc>
-            </a:pPr>
-            <a:r>
-              <a:rPr lang="en-GB" sz="1000">
-                <a:solidFill>
-                  <a:srgbClr val="000000"/>
-                </a:solidFill>
-                <a:latin typeface="Arial"/>
-              </a:rPr>
-              <a:t>from surfer.io import read_stc</a:t>
-            </a:r>
-            <a:endParaRPr/>
-          </a:p>
-          <a:p>
-            <a:pPr>
-              <a:lnSpc>
-                <a:spcPct val="100000"/>
-              </a:lnSpc>
-            </a:pPr>
-            <a:r>
-              <a:rPr lang="en-GB" sz="1000">
-                <a:solidFill>
-                  <a:srgbClr val="000000"/>
-                </a:solidFill>
-                <a:latin typeface="Arial"/>
-              </a:rPr>
-              <a:t>brain = Brain('fsaverage', 'both', 'pial', views='caudal')</a:t>
-            </a:r>
-            <a:endParaRPr/>
-          </a:p>
-          <a:p>
-            <a:pPr>
-              <a:lnSpc>
-                <a:spcPct val="100000"/>
-              </a:lnSpc>
-            </a:pPr>
-            <a:r>
-              <a:rPr lang="en-GB" sz="1000">
-                <a:solidFill>
-                  <a:srgbClr val="000000"/>
-                </a:solidFill>
-                <a:latin typeface="Arial"/>
-              </a:rPr>
-              <a:t>stc = read_stc('fsaverage_wbw-meg-lh.stc')</a:t>
-            </a:r>
-            <a:endParaRPr/>
-          </a:p>
-          <a:p>
-            <a:pPr>
-              <a:lnSpc>
-                <a:spcPct val="100000"/>
-              </a:lnSpc>
-            </a:pPr>
-            <a:r>
-              <a:rPr lang="en-GB" sz="1000">
-                <a:solidFill>
-                  <a:srgbClr val="000000"/>
-                </a:solidFill>
-                <a:latin typeface="Arial"/>
-              </a:rPr>
-              <a:t>data = stc['data']</a:t>
-            </a:r>
-            <a:endParaRPr/>
-          </a:p>
-          <a:p>
-            <a:pPr>
-              <a:lnSpc>
-                <a:spcPct val="100000"/>
-              </a:lnSpc>
-            </a:pPr>
-            <a:r>
-              <a:rPr lang="en-GB" sz="1000">
-                <a:solidFill>
-                  <a:srgbClr val="000000"/>
-                </a:solidFill>
-                <a:latin typeface="Arial"/>
-              </a:rPr>
-              <a:t>vertices = stc['vertices']</a:t>
-            </a:r>
-            <a:endParaRPr/>
-          </a:p>
-          <a:p>
-            <a:pPr>
-              <a:lnSpc>
-                <a:spcPct val="100000"/>
-              </a:lnSpc>
-            </a:pPr>
-            <a:r>
-              <a:rPr lang="en-GB" sz="1000">
-                <a:solidFill>
-                  <a:srgbClr val="000000"/>
-                </a:solidFill>
-                <a:latin typeface="Arial"/>
-              </a:rPr>
-              <a:t>time = 1e3 * np.linspace(stc['tmin'], stc['tmin'] + data.shape[1] * stc['tstep'], data.shape[1])</a:t>
-            </a:r>
-            <a:endParaRPr/>
-          </a:p>
-          <a:p>
-            <a:pPr>
-              <a:lnSpc>
-                <a:spcPct val="100000"/>
-              </a:lnSpc>
-            </a:pPr>
-            <a:r>
-              <a:rPr lang="en-GB" sz="1000">
-                <a:solidFill>
-                  <a:srgbClr val="000000"/>
-                </a:solidFill>
-                <a:latin typeface="Arial"/>
-              </a:rPr>
-              <a:t>colormap = 'hot'</a:t>
-            </a:r>
-            <a:endParaRPr/>
-          </a:p>
-          <a:p>
-            <a:pPr>
-              <a:lnSpc>
-                <a:spcPct val="100000"/>
-              </a:lnSpc>
-            </a:pPr>
-            <a:r>
-              <a:rPr lang="en-GB" sz="1000">
-                <a:solidFill>
-                  <a:srgbClr val="000000"/>
-                </a:solidFill>
-                <a:latin typeface="Arial"/>
-              </a:rPr>
-              <a:t>time_label = 'time=%0.2f ms'</a:t>
-            </a:r>
-            <a:endParaRPr/>
-          </a:p>
-          <a:p>
-            <a:pPr>
-              <a:lnSpc>
-                <a:spcPct val="100000"/>
-              </a:lnSpc>
-            </a:pPr>
-            <a:r>
-              <a:rPr lang="en-GB" sz="1000">
-                <a:solidFill>
-                  <a:srgbClr val="000000"/>
-                </a:solidFill>
-                <a:latin typeface="Arial"/>
-              </a:rPr>
-              <a:t>brain.add_data(data, colormap=colormap, vertices=vertices, smoothing_steps=10,</a:t>
-            </a:r>
-            <a:endParaRPr/>
-          </a:p>
-          <a:p>
-            <a:pPr>
-              <a:lnSpc>
-                <a:spcPct val="100000"/>
-              </a:lnSpc>
-            </a:pPr>
-            <a:r>
-              <a:rPr lang="en-GB" sz="1000">
-                <a:solidFill>
-                  <a:srgbClr val="000000"/>
-                </a:solidFill>
-                <a:latin typeface="Arial"/>
-              </a:rPr>
-              <a:t>               </a:t>
-            </a:r>
-            <a:r>
-              <a:rPr lang="en-GB" sz="1000">
-                <a:solidFill>
-                  <a:srgbClr val="000000"/>
-                </a:solidFill>
-                <a:latin typeface="Arial"/>
-              </a:rPr>
-              <a:t>time=time, time_label=time_label, hemi='lh')</a:t>
-            </a:r>
-            <a:endParaRPr/>
-          </a:p>
-          <a:p>
-            <a:pPr>
-              <a:lnSpc>
-                <a:spcPct val="100000"/>
-              </a:lnSpc>
-            </a:pPr>
-            <a:r>
-              <a:rPr lang="en-GB" sz="1000">
-                <a:solidFill>
-                  <a:srgbClr val="000000"/>
-                </a:solidFill>
-                <a:latin typeface="Arial"/>
-              </a:rPr>
-              <a:t>stc = read_stc('fsaverage_wbw-meg-rh.stc')</a:t>
-            </a:r>
-            <a:endParaRPr/>
-          </a:p>
-          <a:p>
-            <a:pPr>
-              <a:lnSpc>
-                <a:spcPct val="100000"/>
-              </a:lnSpc>
-            </a:pPr>
-            <a:r>
-              <a:rPr lang="en-GB" sz="1000">
-                <a:solidFill>
-                  <a:srgbClr val="000000"/>
-                </a:solidFill>
-                <a:latin typeface="Arial"/>
-              </a:rPr>
-              <a:t>data = stc['data']</a:t>
-            </a:r>
-            <a:endParaRPr/>
-          </a:p>
-          <a:p>
-            <a:pPr>
-              <a:lnSpc>
-                <a:spcPct val="100000"/>
-              </a:lnSpc>
-            </a:pPr>
-            <a:r>
-              <a:rPr lang="en-GB" sz="1000">
-                <a:solidFill>
-                  <a:srgbClr val="000000"/>
-                </a:solidFill>
-                <a:latin typeface="Arial"/>
-              </a:rPr>
-              <a:t>vertices = stc['vertices']</a:t>
-            </a:r>
-            <a:endParaRPr/>
-          </a:p>
-          <a:p>
-            <a:pPr>
-              <a:lnSpc>
-                <a:spcPct val="100000"/>
-              </a:lnSpc>
-            </a:pPr>
-            <a:r>
-              <a:rPr lang="en-GB" sz="1000">
-                <a:solidFill>
-                  <a:srgbClr val="000000"/>
-                </a:solidFill>
-                <a:latin typeface="Arial"/>
-              </a:rPr>
-              <a:t>brain.add_data(data, colormap=colormap, vertices=vertices, smoothing_steps=10,</a:t>
-            </a:r>
-            <a:endParaRPr/>
-          </a:p>
-          <a:p>
-            <a:pPr>
-              <a:lnSpc>
-                <a:spcPct val="100000"/>
-              </a:lnSpc>
-            </a:pPr>
-            <a:r>
-              <a:rPr lang="en-GB" sz="1000">
-                <a:solidFill>
-                  <a:srgbClr val="000000"/>
-                </a:solidFill>
-                <a:latin typeface="Arial"/>
-              </a:rPr>
-              <a:t>               </a:t>
-            </a:r>
-            <a:r>
-              <a:rPr lang="en-GB" sz="1000">
-                <a:solidFill>
-                  <a:srgbClr val="000000"/>
-                </a:solidFill>
-                <a:latin typeface="Arial"/>
-              </a:rPr>
-              <a:t>time=time, time_label=time_label, hemi='rh')</a:t>
-            </a:r>
-            <a:endParaRPr/>
-          </a:p>
-          <a:p>
-            <a:pPr>
-              <a:lnSpc>
-                <a:spcPct val="100000"/>
-              </a:lnSpc>
-            </a:pPr>
-            <a:r>
-              <a:rPr lang="en-GB" sz="1000">
-                <a:solidFill>
-                  <a:srgbClr val="0000ff"/>
-                </a:solidFill>
-                <a:latin typeface="Arial"/>
-              </a:rPr>
-              <a:t>#brain.set_data_time_index(2)</a:t>
-            </a:r>
-            <a:endParaRPr/>
-          </a:p>
-          <a:p>
-            <a:pPr>
-              <a:lnSpc>
-                <a:spcPct val="100000"/>
-              </a:lnSpc>
-            </a:pPr>
-            <a:r>
-              <a:rPr lang="en-GB" sz="1000">
-                <a:solidFill>
-                  <a:srgbClr val="0000ff"/>
-                </a:solidFill>
-                <a:latin typeface="Arial"/>
-              </a:rPr>
-              <a:t>#brain.scale_data_colormap(fmin=13, fmid=18, fmax=22, transparent=True)</a:t>
-            </a:r>
-            <a:endParaRPr/>
-          </a:p>
-          <a:p>
-            <a:pPr>
-              <a:lnSpc>
-                <a:spcPct val="100000"/>
-              </a:lnSpc>
-            </a:pPr>
-            <a:r>
-              <a:rPr lang="en-GB" sz="1000">
-                <a:solidFill>
-                  <a:srgbClr val="000000"/>
-                </a:solidFill>
-                <a:latin typeface="Arial"/>
-              </a:rPr>
-              <a:t>viewer = TimeViewer(brain)</a:t>
-            </a:r>
-            <a:endParaRPr/>
-          </a:p>
-          <a:p>
-            <a:pPr>
-              <a:lnSpc>
-                <a:spcPct val="100000"/>
-              </a:lnSpc>
-            </a:pPr>
-            <a:endParaRPr/>
-          </a:p>
-        </p:txBody>
-      </p:sp>
+      </p:pic>
     </p:spTree>
   </p:cSld>
   <p:timing>
@@ -4143,14 +3878,14 @@
       </p:grpSpPr>
       <p:sp>
         <p:nvSpPr>
-          <p:cNvPr id="87" name="CustomShape 1"/>
+          <p:cNvPr id="86" name="CustomShape 1"/>
           <p:cNvSpPr/>
           <p:nvPr/>
         </p:nvSpPr>
         <p:spPr>
           <a:xfrm>
             <a:off x="502920" y="301320"/>
-            <a:ext cx="9067680" cy="1258560"/>
+            <a:ext cx="9067320" cy="1258200"/>
           </a:xfrm>
           <a:prstGeom prst="rect">
             <a:avLst/>
@@ -4172,22 +3907,22 @@
               <a:rPr b="1" lang="en-GB" sz="4100">
                 <a:latin typeface="Arial"/>
               </a:rPr>
-              <a:t>MNE pipeline</a:t>
-            </a:r>
-            <a:endParaRPr/>
-          </a:p>
-        </p:txBody>
-      </p:sp>
-      <p:sp>
-        <p:nvSpPr>
-          <p:cNvPr id="88" name="CustomShape 2"/>
+              <a:t>mne_analyze</a:t>
+            </a:r>
+            <a:endParaRPr/>
+          </a:p>
+        </p:txBody>
+      </p:sp>
+      <p:sp>
+        <p:nvSpPr>
+          <p:cNvPr id="87" name="CustomShape 2"/>
           <p:cNvSpPr/>
           <p:nvPr/>
         </p:nvSpPr>
         <p:spPr>
           <a:xfrm>
-            <a:off x="502920" y="2165400"/>
-            <a:ext cx="9067680" cy="4673160"/>
+            <a:off x="506520" y="1875960"/>
+            <a:ext cx="9066960" cy="1720440"/>
           </a:xfrm>
           <a:prstGeom prst="rect">
             <a:avLst/>
@@ -4206,34 +3941,18 @@
               </a:lnSpc>
             </a:pPr>
             <a:r>
-              <a:rPr lang="en-GB" sz="2200">
-                <a:latin typeface="Arial"/>
-              </a:rPr>
-              <a:t>See activity by the millisecond</a:t>
-            </a:r>
-            <a:endParaRPr/>
-          </a:p>
-          <a:p>
-            <a:pPr>
-              <a:lnSpc>
-                <a:spcPct val="100000"/>
-              </a:lnSpc>
-            </a:pPr>
-            <a:endParaRPr/>
-          </a:p>
-          <a:p>
-            <a:pPr>
-              <a:lnSpc>
-                <a:spcPct val="100000"/>
-              </a:lnSpc>
-            </a:pPr>
+              <a:rPr lang="en-GB" sz="2600">
+                <a:latin typeface="Arial"/>
+              </a:rPr>
+              <a:t>You can use mne_analyze command line tool. We used it for corregistration, now for visualizing sources</a:t>
+            </a:r>
             <a:endParaRPr/>
           </a:p>
         </p:txBody>
       </p:sp>
       <p:pic>
         <p:nvPicPr>
-          <p:cNvPr id="89" name="" descr=""/>
+          <p:cNvPr id="88" name="" descr=""/>
           <p:cNvPicPr/>
           <p:nvPr/>
         </p:nvPicPr>
@@ -4245,8 +3964,8 @@
         </p:blipFill>
         <p:spPr>
           <a:xfrm>
-            <a:off x="2346840" y="2664000"/>
-            <a:ext cx="4420440" cy="4066920"/>
+            <a:off x="26640" y="3059640"/>
+            <a:ext cx="10076760" cy="4545720"/>
           </a:xfrm>
           <a:prstGeom prst="rect">
             <a:avLst/>
@@ -4307,14 +4026,14 @@
       </p:grpSpPr>
       <p:sp>
         <p:nvSpPr>
-          <p:cNvPr id="90" name="CustomShape 1"/>
+          <p:cNvPr id="89" name="CustomShape 1"/>
           <p:cNvSpPr/>
           <p:nvPr/>
         </p:nvSpPr>
         <p:spPr>
           <a:xfrm>
             <a:off x="502920" y="301320"/>
-            <a:ext cx="9067680" cy="1258560"/>
+            <a:ext cx="9067320" cy="1258200"/>
           </a:xfrm>
           <a:prstGeom prst="rect">
             <a:avLst/>
@@ -4344,14 +4063,14 @@
       </p:sp>
       <p:sp>
         <p:nvSpPr>
-          <p:cNvPr id="91" name="CustomShape 2"/>
+          <p:cNvPr id="90" name="CustomShape 2"/>
           <p:cNvSpPr/>
           <p:nvPr/>
         </p:nvSpPr>
         <p:spPr>
           <a:xfrm>
-            <a:off x="506520" y="1875960"/>
-            <a:ext cx="9067320" cy="1720800"/>
+            <a:off x="506520" y="1800000"/>
+            <a:ext cx="9066960" cy="4380840"/>
           </a:xfrm>
           <a:prstGeom prst="rect">
             <a:avLst/>
@@ -4370,10 +4089,10 @@
               </a:lnSpc>
             </a:pPr>
             <a:r>
-              <a:rPr lang="en-GB" sz="2600">
-                <a:latin typeface="Arial"/>
-              </a:rPr>
-              <a:t>You can use mne_analyze command line tool. We used it for corregistration, now for visualizing sources</a:t>
+              <a:rPr lang="en-GB" sz="3200">
+                <a:latin typeface="Arial"/>
+              </a:rPr>
+              <a:t>SLORETA, inflated brain, all sorts</a:t>
             </a:r>
             <a:endParaRPr/>
           </a:p>
@@ -4381,7 +4100,7 @@
       </p:sp>
       <p:pic>
         <p:nvPicPr>
-          <p:cNvPr id="92" name="" descr=""/>
+          <p:cNvPr id="91" name="" descr=""/>
           <p:cNvPicPr/>
           <p:nvPr/>
         </p:nvPicPr>
@@ -4393,8 +4112,8 @@
         </p:blipFill>
         <p:spPr>
           <a:xfrm>
-            <a:off x="26640" y="3059640"/>
-            <a:ext cx="10077120" cy="4546080"/>
+            <a:off x="-9360" y="2284560"/>
+            <a:ext cx="10076760" cy="4520520"/>
           </a:xfrm>
           <a:prstGeom prst="rect">
             <a:avLst/>
@@ -4455,14 +4174,14 @@
       </p:grpSpPr>
       <p:sp>
         <p:nvSpPr>
-          <p:cNvPr id="93" name="CustomShape 1"/>
+          <p:cNvPr id="92" name="CustomShape 1"/>
           <p:cNvSpPr/>
           <p:nvPr/>
         </p:nvSpPr>
         <p:spPr>
           <a:xfrm>
             <a:off x="502920" y="301320"/>
-            <a:ext cx="9067680" cy="1258560"/>
+            <a:ext cx="9067320" cy="1258200"/>
           </a:xfrm>
           <a:prstGeom prst="rect">
             <a:avLst/>
@@ -4484,22 +4203,22 @@
               <a:rPr b="1" lang="en-GB" sz="4100">
                 <a:latin typeface="Arial"/>
               </a:rPr>
-              <a:t>mne_analyze</a:t>
-            </a:r>
-            <a:endParaRPr/>
-          </a:p>
-        </p:txBody>
-      </p:sp>
-      <p:sp>
-        <p:nvSpPr>
-          <p:cNvPr id="94" name="CustomShape 2"/>
+              <a:t>Did I thank Denis?</a:t>
+            </a:r>
+            <a:endParaRPr/>
+          </a:p>
+        </p:txBody>
+      </p:sp>
+      <p:sp>
+        <p:nvSpPr>
+          <p:cNvPr id="93" name="CustomShape 2"/>
           <p:cNvSpPr/>
           <p:nvPr/>
         </p:nvSpPr>
         <p:spPr>
           <a:xfrm>
-            <a:off x="506520" y="1800000"/>
-            <a:ext cx="9067320" cy="4381200"/>
+            <a:off x="502920" y="2165040"/>
+            <a:ext cx="9067320" cy="4380840"/>
           </a:xfrm>
           <a:prstGeom prst="rect">
             <a:avLst/>
@@ -4521,37 +4240,34 @@
               <a:rPr lang="en-GB" sz="3200">
                 <a:latin typeface="Arial"/>
               </a:rPr>
-              <a:t>SLORETA, inflated brain, all sorts</a:t>
-            </a:r>
-            <a:endParaRPr/>
-          </a:p>
-        </p:txBody>
-      </p:sp>
-      <p:pic>
-        <p:nvPicPr>
-          <p:cNvPr id="95" name="" descr=""/>
-          <p:cNvPicPr/>
-          <p:nvPr/>
-        </p:nvPicPr>
-        <p:blipFill>
-          <a:blip r:embed="rId1"/>
-          <a:stretch>
-            <a:fillRect/>
-          </a:stretch>
-        </p:blipFill>
-        <p:spPr>
-          <a:xfrm>
-            <a:off x="-9360" y="2284560"/>
-            <a:ext cx="10077120" cy="4520880"/>
-          </a:xfrm>
-          <a:prstGeom prst="rect">
-            <a:avLst/>
-          </a:prstGeom>
-          <a:ln>
-            <a:noFill/>
-          </a:ln>
-        </p:spPr>
-      </p:pic>
+              <a:t>Not enough</a:t>
+            </a:r>
+            <a:endParaRPr/>
+          </a:p>
+          <a:p>
+            <a:pPr>
+              <a:lnSpc>
+                <a:spcPct val="100000"/>
+              </a:lnSpc>
+            </a:pPr>
+            <a:endParaRPr/>
+          </a:p>
+          <a:p>
+            <a:pPr>
+              <a:lnSpc>
+                <a:spcPct val="100000"/>
+              </a:lnSpc>
+            </a:pPr>
+            <a:r>
+              <a:rPr lang="en-GB" sz="3200">
+                <a:latin typeface="Arial"/>
+              </a:rPr>
+              <a:t>Thank you Denis.</a:t>
+            </a:r>
+            <a:endParaRPr/>
+          </a:p>
+        </p:txBody>
+      </p:sp>
     </p:spTree>
   </p:cSld>
   <p:timing>
@@ -4561,151 +4277,6 @@
           <p:childTnLst>
             <p:seq>
               <p:cTn id="32" dur="indefinite" nodeType="mainSeq"/>
-              <p:prevCondLst>
-                <p:cond delay="0" evt="onPrev">
-                  <p:tgtEl>
-                    <p:sldTgt/>
-                  </p:tgtEl>
-                </p:cond>
-              </p:prevCondLst>
-              <p:nextCondLst>
-                <p:cond delay="0" evt="onNext">
-                  <p:tgtEl>
-                    <p:sldTgt/>
-                  </p:tgtEl>
-                </p:cond>
-              </p:nextCondLst>
-            </p:seq>
-          </p:childTnLst>
-        </p:cTn>
-      </p:par>
-    </p:tnLst>
-  </p:timing>
-</p:sld>
-</file>
-
-<file path=ppt/slides/slide17.xml><?xml version="1.0" encoding="utf-8"?>
-<p:sld xmlns:a="http://schemas.openxmlformats.org/drawingml/2006/main" xmlns:p="http://schemas.openxmlformats.org/presentationml/2006/main" xmlns:r="http://schemas.openxmlformats.org/officeDocument/2006/relationships">
-  <p:cSld>
-    <p:spTree>
-      <p:nvGrpSpPr>
-        <p:cNvPr id="1" name=""/>
-        <p:cNvGrpSpPr/>
-        <p:nvPr/>
-      </p:nvGrpSpPr>
-      <p:grpSpPr>
-        <a:xfrm>
-          <a:off x="0" y="0"/>
-          <a:ext cx="0" cy="0"/>
-          <a:chOff x="0" y="0"/>
-          <a:chExt cx="0" cy="0"/>
-        </a:xfrm>
-      </p:grpSpPr>
-      <p:sp>
-        <p:nvSpPr>
-          <p:cNvPr id="96" name="CustomShape 1"/>
-          <p:cNvSpPr/>
-          <p:nvPr/>
-        </p:nvSpPr>
-        <p:spPr>
-          <a:xfrm>
-            <a:off x="502920" y="301320"/>
-            <a:ext cx="9067680" cy="1258560"/>
-          </a:xfrm>
-          <a:prstGeom prst="rect">
-            <a:avLst/>
-          </a:prstGeom>
-          <a:noFill/>
-          <a:ln>
-            <a:noFill/>
-          </a:ln>
-        </p:spPr>
-        <p:txBody>
-          <a:bodyPr lIns="0" rIns="0" tIns="0" bIns="0" anchor="ctr"/>
-          <a:p>
-            <a:pPr algn="ctr">
-              <a:lnSpc>
-                <a:spcPct val="100000"/>
-              </a:lnSpc>
-            </a:pPr>
-            <a:r>
-              <a:rPr b="1" lang="en-GB" sz="4100">
-                <a:latin typeface="Arial"/>
-              </a:rPr>
-              <a:t>Did I thank Denis?</a:t>
-            </a:r>
-            <a:endParaRPr/>
-          </a:p>
-        </p:txBody>
-      </p:sp>
-      <p:sp>
-        <p:nvSpPr>
-          <p:cNvPr id="97" name="CustomShape 2"/>
-          <p:cNvSpPr/>
-          <p:nvPr/>
-        </p:nvSpPr>
-        <p:spPr>
-          <a:xfrm>
-            <a:off x="502920" y="2165040"/>
-            <a:ext cx="9067680" cy="4381200"/>
-          </a:xfrm>
-          <a:prstGeom prst="rect">
-            <a:avLst/>
-          </a:prstGeom>
-          <a:noFill/>
-          <a:ln>
-            <a:noFill/>
-          </a:ln>
-        </p:spPr>
-        <p:txBody>
-          <a:bodyPr lIns="0" rIns="0" tIns="28080" bIns="0"/>
-          <a:p>
-            <a:pPr>
-              <a:lnSpc>
-                <a:spcPct val="100000"/>
-              </a:lnSpc>
-            </a:pPr>
-            <a:r>
-              <a:rPr lang="en-GB" sz="3200">
-                <a:latin typeface="Arial"/>
-              </a:rPr>
-              <a:t>Not enough</a:t>
-            </a:r>
-            <a:endParaRPr/>
-          </a:p>
-          <a:p>
-            <a:pPr>
-              <a:lnSpc>
-                <a:spcPct val="100000"/>
-              </a:lnSpc>
-            </a:pPr>
-            <a:endParaRPr/>
-          </a:p>
-          <a:p>
-            <a:pPr>
-              <a:lnSpc>
-                <a:spcPct val="100000"/>
-              </a:lnSpc>
-            </a:pPr>
-            <a:r>
-              <a:rPr lang="en-GB" sz="3200">
-                <a:latin typeface="Arial"/>
-              </a:rPr>
-              <a:t>Thank you Denis.</a:t>
-            </a:r>
-            <a:endParaRPr/>
-          </a:p>
-        </p:txBody>
-      </p:sp>
-    </p:spTree>
-  </p:cSld>
-  <p:timing>
-    <p:tnLst>
-      <p:par>
-        <p:cTn id="33" dur="indefinite" restart="never" nodeType="tmRoot">
-          <p:childTnLst>
-            <p:seq>
-              <p:cTn id="34" dur="indefinite" nodeType="mainSeq"/>
               <p:prevCondLst>
                 <p:cond delay="0" evt="onPrev">
                   <p:tgtEl>
@@ -4755,7 +4326,7 @@
         <p:spPr>
           <a:xfrm>
             <a:off x="502920" y="301320"/>
-            <a:ext cx="9067680" cy="1258560"/>
+            <a:ext cx="9067320" cy="1258200"/>
           </a:xfrm>
           <a:prstGeom prst="rect">
             <a:avLst/>
@@ -4792,7 +4363,7 @@
         <p:spPr>
           <a:xfrm>
             <a:off x="502920" y="2165040"/>
-            <a:ext cx="9067680" cy="4381200"/>
+            <a:ext cx="9067320" cy="4380840"/>
           </a:xfrm>
           <a:prstGeom prst="rect">
             <a:avLst/>
@@ -4938,7 +4509,7 @@
         <p:spPr>
           <a:xfrm>
             <a:off x="502920" y="301320"/>
-            <a:ext cx="9067680" cy="1258560"/>
+            <a:ext cx="9067320" cy="1258200"/>
           </a:xfrm>
           <a:prstGeom prst="rect">
             <a:avLst/>
@@ -4975,7 +4546,7 @@
         <p:spPr>
           <a:xfrm>
             <a:off x="502920" y="2165040"/>
-            <a:ext cx="9067680" cy="4381200"/>
+            <a:ext cx="9067320" cy="4380840"/>
           </a:xfrm>
           <a:prstGeom prst="rect">
             <a:avLst/>
@@ -5078,7 +4649,7 @@
         <p:spPr>
           <a:xfrm>
             <a:off x="503280" y="2678400"/>
-            <a:ext cx="5398920" cy="344160"/>
+            <a:ext cx="5398560" cy="343800"/>
           </a:xfrm>
           <a:prstGeom prst="rect">
             <a:avLst/>
@@ -5123,7 +4694,7 @@
         <p:spPr>
           <a:xfrm>
             <a:off x="6311880" y="2927520"/>
-            <a:ext cx="3551040" cy="3550680"/>
+            <a:ext cx="3550680" cy="3550320"/>
           </a:xfrm>
           <a:prstGeom prst="rect">
             <a:avLst/>
@@ -5142,7 +4713,7 @@
         <p:spPr>
           <a:xfrm>
             <a:off x="503280" y="3398400"/>
-            <a:ext cx="5398920" cy="344160"/>
+            <a:ext cx="5398560" cy="343800"/>
           </a:xfrm>
           <a:prstGeom prst="rect">
             <a:avLst/>
@@ -5187,7 +4758,7 @@
         <p:spPr>
           <a:xfrm>
             <a:off x="3527280" y="5111640"/>
-            <a:ext cx="2517840" cy="1695240"/>
+            <a:ext cx="2517480" cy="1694880"/>
           </a:xfrm>
           <a:prstGeom prst="rect">
             <a:avLst/>
@@ -5255,7 +4826,7 @@
         <p:spPr>
           <a:xfrm>
             <a:off x="502920" y="301320"/>
-            <a:ext cx="9067680" cy="1258560"/>
+            <a:ext cx="9067320" cy="1258200"/>
           </a:xfrm>
           <a:prstGeom prst="rect">
             <a:avLst/>
@@ -5301,7 +4872,7 @@
         <p:spPr>
           <a:xfrm>
             <a:off x="503280" y="3419640"/>
-            <a:ext cx="5398920" cy="898200"/>
+            <a:ext cx="5398560" cy="897840"/>
           </a:xfrm>
           <a:prstGeom prst="rect">
             <a:avLst/>
@@ -5368,7 +4939,7 @@
         <p:spPr>
           <a:xfrm>
             <a:off x="503280" y="2165400"/>
-            <a:ext cx="9067680" cy="4381200"/>
+            <a:ext cx="9067320" cy="4380840"/>
           </a:xfrm>
           <a:prstGeom prst="rect">
             <a:avLst/>
@@ -5451,7 +5022,7 @@
         <p:spPr>
           <a:xfrm>
             <a:off x="432000" y="5544000"/>
-            <a:ext cx="9293400" cy="601920"/>
+            <a:ext cx="9293040" cy="601560"/>
           </a:xfrm>
           <a:prstGeom prst="rect">
             <a:avLst/>
@@ -5532,7 +5103,7 @@
         <p:spPr>
           <a:xfrm>
             <a:off x="502920" y="301320"/>
-            <a:ext cx="9067680" cy="1258560"/>
+            <a:ext cx="9067320" cy="1258200"/>
           </a:xfrm>
           <a:prstGeom prst="rect">
             <a:avLst/>
@@ -5578,7 +5149,7 @@
         <p:spPr>
           <a:xfrm>
             <a:off x="502920" y="2165040"/>
-            <a:ext cx="9067680" cy="5281200"/>
+            <a:ext cx="9067320" cy="5280840"/>
           </a:xfrm>
           <a:prstGeom prst="rect">
             <a:avLst/>
@@ -5735,7 +5306,7 @@
         <p:spPr>
           <a:xfrm>
             <a:off x="575280" y="4298040"/>
-            <a:ext cx="5398920" cy="344160"/>
+            <a:ext cx="5398560" cy="343800"/>
           </a:xfrm>
           <a:prstGeom prst="rect">
             <a:avLst/>
@@ -5823,7 +5394,7 @@
         <p:spPr>
           <a:xfrm>
             <a:off x="502920" y="301320"/>
-            <a:ext cx="9067680" cy="1258560"/>
+            <a:ext cx="9067320" cy="1258200"/>
           </a:xfrm>
           <a:prstGeom prst="rect">
             <a:avLst/>
@@ -5836,20 +5407,17 @@
         <p:txBody>
           <a:bodyPr lIns="0" rIns="0" tIns="0" bIns="0" anchor="ctr"/>
           <a:p>
+            <a:pPr algn="ctr">
+              <a:lnSpc>
+                <a:spcPct val="100000"/>
+              </a:lnSpc>
+            </a:pPr>
             <a:r>
               <a:rPr b="1" lang="en-GB" sz="4100">
                 <a:latin typeface="Arial"/>
               </a:rPr>
-              <a:t>Running python scripts</a:t>
-            </a:r>
-            <a:endParaRPr/>
-          </a:p>
-          <a:p>
-            <a:pPr algn="ctr">
-              <a:lnSpc>
-                <a:spcPct val="100000"/>
-              </a:lnSpc>
-            </a:pPr>
+              <a:t>Coregistration of MRI to headshape</a:t>
+            </a:r>
             <a:endParaRPr/>
           </a:p>
         </p:txBody>
@@ -5862,8 +5430,235 @@
         </p:nvSpPr>
         <p:spPr>
           <a:xfrm>
-            <a:off x="503280" y="3419640"/>
-            <a:ext cx="5398920" cy="898200"/>
+            <a:off x="502920" y="2165040"/>
+            <a:ext cx="9067320" cy="4380840"/>
+          </a:xfrm>
+          <a:prstGeom prst="rect">
+            <a:avLst/>
+          </a:prstGeom>
+          <a:noFill/>
+          <a:ln>
+            <a:noFill/>
+          </a:ln>
+        </p:spPr>
+        <p:txBody>
+          <a:bodyPr lIns="0" rIns="0" tIns="28080" bIns="0"/>
+          <a:p>
+            <a:r>
+              <a:rPr lang="en-GB" sz="3200">
+                <a:latin typeface="Arial"/>
+              </a:rPr>
+              <a:t>in a terminal:</a:t>
+            </a:r>
+            <a:endParaRPr/>
+          </a:p>
+          <a:p>
+            <a:endParaRPr/>
+          </a:p>
+          <a:p>
+            <a:pPr>
+              <a:lnSpc>
+                <a:spcPct val="100000"/>
+              </a:lnSpc>
+            </a:pPr>
+            <a:endParaRPr/>
+          </a:p>
+          <a:p>
+            <a:pPr>
+              <a:lnSpc>
+                <a:spcPct val="100000"/>
+              </a:lnSpc>
+            </a:pPr>
+            <a:r>
+              <a:rPr lang="en-GB" sz="1600">
+                <a:latin typeface="Arial"/>
+              </a:rPr>
+              <a:t>Load the digitization points from the *raw.fif file</a:t>
+            </a:r>
+            <a:endParaRPr/>
+          </a:p>
+          <a:p>
+            <a:pPr>
+              <a:lnSpc>
+                <a:spcPct val="100000"/>
+              </a:lnSpc>
+            </a:pPr>
+            <a:r>
+              <a:rPr lang="en-GB" sz="1600">
+                <a:latin typeface="Arial"/>
+              </a:rPr>
+              <a:t>Load the surface (I use pial, doesn't mater which one)</a:t>
+            </a:r>
+            <a:endParaRPr/>
+          </a:p>
+          <a:p>
+            <a:pPr>
+              <a:lnSpc>
+                <a:spcPct val="100000"/>
+              </a:lnSpc>
+            </a:pPr>
+            <a:endParaRPr/>
+          </a:p>
+          <a:p>
+            <a:pPr>
+              <a:lnSpc>
+                <a:spcPct val="100000"/>
+              </a:lnSpc>
+            </a:pPr>
+            <a:r>
+              <a:rPr lang="en-GB" sz="1600">
+                <a:latin typeface="Arial"/>
+              </a:rPr>
+              <a:t>In View tab you open viewer and MRI viewer.</a:t>
+            </a:r>
+            <a:endParaRPr/>
+          </a:p>
+          <a:p>
+            <a:pPr>
+              <a:lnSpc>
+                <a:spcPct val="100000"/>
+              </a:lnSpc>
+            </a:pPr>
+            <a:r>
+              <a:rPr lang="en-GB" sz="1600">
+                <a:latin typeface="Arial"/>
+              </a:rPr>
+              <a:t>For both you should look for options – </a:t>
+            </a:r>
+            <a:endParaRPr/>
+          </a:p>
+          <a:p>
+            <a:pPr>
+              <a:lnSpc>
+                <a:spcPct val="100000"/>
+              </a:lnSpc>
+            </a:pPr>
+            <a:r>
+              <a:rPr lang="en-GB" sz="1600">
+                <a:latin typeface="Arial"/>
+              </a:rPr>
+              <a:t>show digitizer data</a:t>
+            </a:r>
+            <a:endParaRPr/>
+          </a:p>
+          <a:p>
+            <a:pPr>
+              <a:lnSpc>
+                <a:spcPct val="100000"/>
+              </a:lnSpc>
+            </a:pPr>
+            <a:r>
+              <a:rPr lang="en-GB" sz="1600">
+                <a:latin typeface="Arial"/>
+              </a:rPr>
+              <a:t>Choose    Adjust – Coordinate Alignment</a:t>
+            </a:r>
+            <a:endParaRPr/>
+          </a:p>
+          <a:p>
+            <a:pPr>
+              <a:lnSpc>
+                <a:spcPct val="100000"/>
+              </a:lnSpc>
+            </a:pPr>
+            <a:endParaRPr/>
+          </a:p>
+          <a:p>
+            <a:pPr>
+              <a:lnSpc>
+                <a:spcPct val="100000"/>
+              </a:lnSpc>
+            </a:pPr>
+            <a:r>
+              <a:rPr lang="en-GB" sz="1600">
+                <a:latin typeface="Arial"/>
+              </a:rPr>
+              <a:t>You have to mark fiducials on the</a:t>
+            </a:r>
+            <a:endParaRPr/>
+          </a:p>
+          <a:p>
+            <a:pPr>
+              <a:lnSpc>
+                <a:spcPct val="100000"/>
+              </a:lnSpc>
+            </a:pPr>
+            <a:r>
+              <a:rPr lang="en-GB" sz="1600">
+                <a:latin typeface="Arial"/>
+              </a:rPr>
+              <a:t>scalp (white), then nudge or use</a:t>
+            </a:r>
+            <a:endParaRPr/>
+          </a:p>
+          <a:p>
+            <a:pPr>
+              <a:lnSpc>
+                <a:spcPct val="100000"/>
+              </a:lnSpc>
+            </a:pPr>
+            <a:r>
+              <a:rPr lang="en-GB" sz="1600">
+                <a:latin typeface="Arial"/>
+              </a:rPr>
+              <a:t>automatic alignment. Here the</a:t>
+            </a:r>
+            <a:endParaRPr/>
+          </a:p>
+          <a:p>
+            <a:pPr>
+              <a:lnSpc>
+                <a:spcPct val="100000"/>
+              </a:lnSpc>
+            </a:pPr>
+            <a:r>
+              <a:rPr lang="en-GB" sz="1600">
+                <a:latin typeface="Arial"/>
+              </a:rPr>
+              <a:t>nose is off by a few degrees. When done </a:t>
+            </a:r>
+            <a:endParaRPr/>
+          </a:p>
+          <a:p>
+            <a:pPr>
+              <a:lnSpc>
+                <a:spcPct val="100000"/>
+              </a:lnSpc>
+            </a:pPr>
+            <a:r>
+              <a:rPr lang="en-GB" sz="1600">
+                <a:latin typeface="Arial"/>
+              </a:rPr>
+              <a:t>save transformation matrix using the button </a:t>
+            </a:r>
+            <a:endParaRPr/>
+          </a:p>
+          <a:p>
+            <a:pPr>
+              <a:lnSpc>
+                <a:spcPct val="100000"/>
+              </a:lnSpc>
+            </a:pPr>
+            <a:r>
+              <a:rPr lang="en-GB" sz="1600">
+                <a:latin typeface="Arial"/>
+              </a:rPr>
+              <a:t>Save default (Maor_raw-trans.fif)</a:t>
+            </a:r>
+            <a:endParaRPr/>
+          </a:p>
+        </p:txBody>
+      </p:sp>
+      <p:sp>
+        <p:nvSpPr>
+          <p:cNvPr id="62" name="CustomShape 3"/>
+          <p:cNvSpPr/>
+          <p:nvPr/>
+        </p:nvSpPr>
+        <p:spPr>
+          <a:xfrm>
+            <a:off x="503640" y="2700000"/>
+            <a:ext cx="5398200" cy="502560"/>
           </a:xfrm>
           <a:prstGeom prst="rect">
             <a:avLst/>
@@ -5887,7 +5682,7 @@
               <a:rPr lang="en-GB" sz="1400">
                 <a:latin typeface="Arial"/>
               </a:rPr>
-              <a:t>sudo apt-get pyhton3-numpy</a:t>
+              <a:t>Export SUBJECT=Maor</a:t>
             </a:r>
             <a:endParaRPr/>
           </a:p>
@@ -5901,171 +5696,45 @@
               <a:rPr lang="en-GB" sz="1400">
                 <a:latin typeface="Arial"/>
               </a:rPr>
-              <a:t>sudo apt-get pyhton3-matplotlib</a:t>
-            </a:r>
-            <a:endParaRPr/>
-          </a:p>
-          <a:p>
-            <a:pPr>
-              <a:lnSpc>
-                <a:spcPct val="100000"/>
-              </a:lnSpc>
-            </a:pPr>
-            <a:r>
-              <a:rPr lang="en-GB" sz="1400">
-                <a:latin typeface="Arial"/>
-              </a:rPr>
-              <a:t>sudo apt-get pyhton3-scipy</a:t>
-            </a:r>
-            <a:endParaRPr/>
-          </a:p>
-          <a:p>
-            <a:pPr>
-              <a:lnSpc>
-                <a:spcPct val="100000"/>
-              </a:lnSpc>
-            </a:pPr>
-            <a:endParaRPr/>
-          </a:p>
-        </p:txBody>
-      </p:sp>
-      <p:sp>
-        <p:nvSpPr>
-          <p:cNvPr id="62" name="CustomShape 3"/>
-          <p:cNvSpPr/>
+              <a:t>mne_analyze</a:t>
+            </a:r>
+            <a:endParaRPr/>
+          </a:p>
+          <a:p>
+            <a:pPr>
+              <a:lnSpc>
+                <a:spcPct val="100000"/>
+              </a:lnSpc>
+            </a:pPr>
+            <a:endParaRPr/>
+          </a:p>
+        </p:txBody>
+      </p:sp>
+      <p:pic>
+        <p:nvPicPr>
+          <p:cNvPr id="63" name="" descr=""/>
+          <p:cNvPicPr/>
           <p:nvPr/>
-        </p:nvSpPr>
-        <p:spPr>
-          <a:xfrm>
-            <a:off x="503280" y="2165400"/>
-            <a:ext cx="9067680" cy="4381200"/>
-          </a:xfrm>
-          <a:prstGeom prst="rect">
-            <a:avLst/>
-          </a:prstGeom>
-          <a:noFill/>
+        </p:nvPicPr>
+        <p:blipFill>
+          <a:blip r:embed="rId1"/>
+          <a:stretch>
+            <a:fillRect/>
+          </a:stretch>
+        </p:blipFill>
+        <p:spPr>
+          <a:xfrm>
+            <a:off x="4896000" y="4325760"/>
+            <a:ext cx="4998240" cy="2511000"/>
+          </a:xfrm>
+          <a:prstGeom prst="rect">
+            <a:avLst/>
+          </a:prstGeom>
           <a:ln>
             <a:noFill/>
           </a:ln>
         </p:spPr>
-        <p:txBody>
-          <a:bodyPr lIns="0" rIns="0" tIns="28080" bIns="0"/>
-          <a:p>
-            <a:r>
-              <a:rPr lang="en-GB" sz="2600">
-                <a:latin typeface="Arial"/>
-              </a:rPr>
-              <a:t>I had issues running py scripts</a:t>
-            </a:r>
-            <a:endParaRPr/>
-          </a:p>
-          <a:p>
-            <a:pPr>
-              <a:lnSpc>
-                <a:spcPct val="100000"/>
-              </a:lnSpc>
-            </a:pPr>
-            <a:r>
-              <a:rPr lang="en-GB" sz="2600">
-                <a:latin typeface="Arial"/>
-              </a:rPr>
-              <a:t>my current work setup is using python3 on ubuntu.</a:t>
-            </a:r>
-            <a:endParaRPr/>
-          </a:p>
-          <a:p>
-            <a:pPr>
-              <a:lnSpc>
-                <a:spcPct val="100000"/>
-              </a:lnSpc>
-            </a:pPr>
-            <a:r>
-              <a:rPr lang="en-GB" sz="2600">
-                <a:latin typeface="Arial"/>
-              </a:rPr>
-              <a:t>I had to install on python3 the following: </a:t>
-            </a:r>
-            <a:endParaRPr/>
-          </a:p>
-          <a:p>
-            <a:pPr>
-              <a:lnSpc>
-                <a:spcPct val="100000"/>
-              </a:lnSpc>
-            </a:pPr>
-            <a:endParaRPr/>
-          </a:p>
-          <a:p>
-            <a:pPr>
-              <a:lnSpc>
-                <a:spcPct val="100000"/>
-              </a:lnSpc>
-            </a:pPr>
-            <a:endParaRPr/>
-          </a:p>
-          <a:p>
-            <a:pPr>
-              <a:lnSpc>
-                <a:spcPct val="100000"/>
-              </a:lnSpc>
-            </a:pPr>
-            <a:endParaRPr/>
-          </a:p>
-          <a:p>
-            <a:pPr>
-              <a:lnSpc>
-                <a:spcPct val="100000"/>
-              </a:lnSpc>
-            </a:pPr>
-            <a:r>
-              <a:rPr lang="en-GB" sz="2600">
-                <a:latin typeface="Arial"/>
-              </a:rPr>
-              <a:t>To run a script:</a:t>
-            </a:r>
-            <a:endParaRPr/>
-          </a:p>
-        </p:txBody>
-      </p:sp>
-      <p:sp>
-        <p:nvSpPr>
-          <p:cNvPr id="63" name="CustomShape 4"/>
-          <p:cNvSpPr/>
-          <p:nvPr/>
-        </p:nvSpPr>
-        <p:spPr>
-          <a:xfrm>
-            <a:off x="504000" y="5004720"/>
-            <a:ext cx="5398920" cy="898200"/>
-          </a:xfrm>
-          <a:prstGeom prst="rect">
-            <a:avLst/>
-          </a:prstGeom>
-          <a:solidFill>
-            <a:srgbClr val="ffffff"/>
-          </a:solidFill>
-          <a:ln>
-            <a:noFill/>
-          </a:ln>
-        </p:spPr>
-        <p:txBody>
-          <a:bodyPr lIns="90000" rIns="90000" tIns="45000" bIns="45000"/>
-          <a:p>
-            <a:pPr>
-              <a:lnSpc>
-                <a:spcPct val="100000"/>
-              </a:lnSpc>
-            </a:pPr>
-            <a:r>
-              <a:rPr lang="en-GB" sz="1400">
-                <a:latin typeface="Arial"/>
-              </a:rPr>
-              <a:t>python3 ~/MNE4D/pyScripts/average2048.py</a:t>
-            </a:r>
-            <a:endParaRPr/>
-          </a:p>
-        </p:txBody>
-      </p:sp>
+      </p:pic>
     </p:spTree>
   </p:cSld>
   <p:timing>
@@ -6124,7 +5793,7 @@
         <p:spPr>
           <a:xfrm>
             <a:off x="502920" y="301320"/>
-            <a:ext cx="9067680" cy="1258560"/>
+            <a:ext cx="9067320" cy="1258200"/>
           </a:xfrm>
           <a:prstGeom prst="rect">
             <a:avLst/>
@@ -6146,7 +5815,7 @@
               <a:rPr b="1" lang="en-GB" sz="4100">
                 <a:latin typeface="Arial"/>
               </a:rPr>
-              <a:t>Coregistration of MRI to headshape</a:t>
+              <a:t>MNE pipeline</a:t>
             </a:r>
             <a:endParaRPr/>
           </a:p>
@@ -6161,7 +5830,7 @@
         <p:spPr>
           <a:xfrm>
             <a:off x="502920" y="2165040"/>
-            <a:ext cx="9067680" cy="4381200"/>
+            <a:ext cx="9067320" cy="4380840"/>
           </a:xfrm>
           <a:prstGeom prst="rect">
             <a:avLst/>
@@ -6175,274 +5844,216 @@
           <a:bodyPr lIns="0" rIns="0" tIns="28080" bIns="0"/>
           <a:p>
             <a:r>
-              <a:rPr lang="en-GB" sz="3200">
-                <a:latin typeface="Arial"/>
-              </a:rPr>
-              <a:t>in a terminal:</a:t>
-            </a:r>
-            <a:endParaRPr/>
-          </a:p>
-          <a:p>
-            <a:endParaRPr/>
-          </a:p>
-          <a:p>
-            <a:pPr>
-              <a:lnSpc>
-                <a:spcPct val="100000"/>
-              </a:lnSpc>
-            </a:pPr>
-            <a:endParaRPr/>
-          </a:p>
-          <a:p>
-            <a:pPr>
-              <a:lnSpc>
-                <a:spcPct val="100000"/>
-              </a:lnSpc>
-            </a:pPr>
-            <a:r>
-              <a:rPr lang="en-GB">
-                <a:latin typeface="Arial"/>
-              </a:rPr>
-              <a:t>Load the digitization points from the *raw.fif file</a:t>
-            </a:r>
-            <a:endParaRPr/>
-          </a:p>
-          <a:p>
-            <a:pPr>
-              <a:lnSpc>
-                <a:spcPct val="100000"/>
-              </a:lnSpc>
-            </a:pPr>
-            <a:r>
-              <a:rPr lang="en-GB">
-                <a:latin typeface="Arial"/>
-              </a:rPr>
-              <a:t>Load the surface (I use pial, doesn't mater which one)</a:t>
-            </a:r>
-            <a:endParaRPr/>
-          </a:p>
-          <a:p>
-            <a:pPr>
-              <a:lnSpc>
-                <a:spcPct val="100000"/>
-              </a:lnSpc>
-            </a:pPr>
-            <a:endParaRPr/>
-          </a:p>
-          <a:p>
-            <a:pPr>
-              <a:lnSpc>
-                <a:spcPct val="100000"/>
-              </a:lnSpc>
-            </a:pPr>
-            <a:r>
-              <a:rPr lang="en-GB">
-                <a:latin typeface="Arial"/>
-              </a:rPr>
-              <a:t>In View tab you open viewer and MRI viewer.</a:t>
-            </a:r>
-            <a:endParaRPr/>
-          </a:p>
-          <a:p>
-            <a:pPr>
-              <a:lnSpc>
-                <a:spcPct val="100000"/>
-              </a:lnSpc>
-            </a:pPr>
-            <a:r>
-              <a:rPr lang="en-GB">
-                <a:latin typeface="Arial"/>
-              </a:rPr>
-              <a:t>For both you should look for options – </a:t>
-            </a:r>
-            <a:endParaRPr/>
-          </a:p>
-          <a:p>
-            <a:pPr>
-              <a:lnSpc>
-                <a:spcPct val="100000"/>
-              </a:lnSpc>
-            </a:pPr>
-            <a:r>
-              <a:rPr lang="en-GB">
-                <a:latin typeface="Arial"/>
-              </a:rPr>
-              <a:t>show digitizer data</a:t>
-            </a:r>
-            <a:endParaRPr/>
-          </a:p>
-          <a:p>
-            <a:pPr>
-              <a:lnSpc>
-                <a:spcPct val="100000"/>
-              </a:lnSpc>
-            </a:pPr>
-            <a:r>
-              <a:rPr lang="en-GB">
-                <a:latin typeface="Arial"/>
-              </a:rPr>
-              <a:t>Choose    Adjust – Coordinate Alignment</a:t>
-            </a:r>
-            <a:endParaRPr/>
-          </a:p>
-          <a:p>
-            <a:pPr>
-              <a:lnSpc>
-                <a:spcPct val="100000"/>
-              </a:lnSpc>
-            </a:pPr>
-            <a:endParaRPr/>
-          </a:p>
-          <a:p>
-            <a:pPr>
-              <a:lnSpc>
-                <a:spcPct val="100000"/>
-              </a:lnSpc>
-            </a:pPr>
-            <a:r>
-              <a:rPr lang="en-GB">
-                <a:latin typeface="Arial"/>
-              </a:rPr>
-              <a:t>You have to mark fiducials on the</a:t>
-            </a:r>
-            <a:endParaRPr/>
-          </a:p>
-          <a:p>
-            <a:pPr>
-              <a:lnSpc>
-                <a:spcPct val="100000"/>
-              </a:lnSpc>
-            </a:pPr>
-            <a:r>
-              <a:rPr lang="en-GB">
-                <a:latin typeface="Arial"/>
-              </a:rPr>
-              <a:t>scalp (white), then nudge or use</a:t>
-            </a:r>
-            <a:endParaRPr/>
-          </a:p>
-          <a:p>
-            <a:pPr>
-              <a:lnSpc>
-                <a:spcPct val="100000"/>
-              </a:lnSpc>
-            </a:pPr>
-            <a:r>
-              <a:rPr lang="en-GB">
-                <a:latin typeface="Arial"/>
-              </a:rPr>
-              <a:t>automatic alignment. Here the</a:t>
-            </a:r>
-            <a:endParaRPr/>
-          </a:p>
-          <a:p>
-            <a:pPr>
-              <a:lnSpc>
-                <a:spcPct val="100000"/>
-              </a:lnSpc>
-            </a:pPr>
-            <a:r>
-              <a:rPr lang="en-GB">
-                <a:latin typeface="Arial"/>
-              </a:rPr>
-              <a:t>nose is off by a few degrees. When done </a:t>
-            </a:r>
-            <a:endParaRPr/>
-          </a:p>
-          <a:p>
-            <a:pPr>
-              <a:lnSpc>
-                <a:spcPct val="100000"/>
-              </a:lnSpc>
-            </a:pPr>
-            <a:r>
-              <a:rPr lang="en-GB">
-                <a:latin typeface="Arial"/>
-              </a:rPr>
-              <a:t>save transformation matrix using the button </a:t>
-            </a:r>
-            <a:endParaRPr/>
-          </a:p>
-          <a:p>
-            <a:pPr>
-              <a:lnSpc>
-                <a:spcPct val="100000"/>
-              </a:lnSpc>
-            </a:pPr>
-            <a:r>
-              <a:rPr lang="en-GB">
-                <a:latin typeface="Arial"/>
-              </a:rPr>
-              <a:t>Save default (Maor_raw-trans.fif)</a:t>
-            </a:r>
-            <a:endParaRPr/>
-          </a:p>
-        </p:txBody>
-      </p:sp>
-      <p:sp>
-        <p:nvSpPr>
-          <p:cNvPr id="66" name="CustomShape 3"/>
-          <p:cNvSpPr/>
-          <p:nvPr/>
-        </p:nvSpPr>
-        <p:spPr>
-          <a:xfrm>
-            <a:off x="503640" y="2700000"/>
-            <a:ext cx="5398560" cy="502920"/>
-          </a:xfrm>
-          <a:prstGeom prst="rect">
-            <a:avLst/>
-          </a:prstGeom>
-          <a:solidFill>
-            <a:srgbClr val="ffffff"/>
-          </a:solidFill>
-          <a:ln>
-            <a:noFill/>
-          </a:ln>
-        </p:spPr>
-        <p:txBody>
-          <a:bodyPr lIns="90000" rIns="90000" tIns="45000" bIns="45000"/>
-          <a:p>
-            <a:pPr>
-              <a:lnSpc>
-                <a:spcPct val="100000"/>
-              </a:lnSpc>
-            </a:pPr>
-            <a:r>
-              <a:rPr lang="en-GB" sz="1400">
-                <a:latin typeface="Arial"/>
-              </a:rPr>
-              <a:t>Export SUBJECT=Maor</a:t>
-            </a:r>
-            <a:endParaRPr/>
-          </a:p>
-          <a:p>
-            <a:pPr>
-              <a:lnSpc>
-                <a:spcPct val="100000"/>
-              </a:lnSpc>
-            </a:pPr>
-            <a:r>
-              <a:rPr lang="en-GB" sz="1400">
-                <a:latin typeface="Arial"/>
-              </a:rPr>
-              <a:t>mne_analyze</a:t>
-            </a:r>
-            <a:endParaRPr/>
-          </a:p>
-          <a:p>
-            <a:pPr>
-              <a:lnSpc>
-                <a:spcPct val="100000"/>
-              </a:lnSpc>
-            </a:pPr>
+              <a:rPr lang="en-GB" sz="2000">
+                <a:latin typeface="Arial"/>
+              </a:rPr>
+              <a:t>Use MNE website for many examples</a:t>
+            </a:r>
+            <a:endParaRPr/>
+          </a:p>
+          <a:p>
+            <a:r>
+              <a:rPr lang="en-GB" sz="2000">
+                <a:latin typeface="Arial"/>
+              </a:rPr>
+              <a:t>Here is an example missing a line for filtering</a:t>
+            </a:r>
+            <a:endParaRPr/>
+          </a:p>
+          <a:p>
+            <a:r>
+              <a:rPr lang="en-GB" sz="2000">
+                <a:latin typeface="Arial"/>
+              </a:rPr>
+              <a:t>See more examples at MNE4D/pyScripts</a:t>
+            </a:r>
+            <a:endParaRPr/>
+          </a:p>
+          <a:p>
+            <a:endParaRPr/>
+          </a:p>
+          <a:p>
+            <a:r>
+              <a:rPr lang="en-GB" sz="1000">
+                <a:latin typeface="Arial"/>
+              </a:rPr>
+              <a:t>import os</a:t>
+            </a:r>
+            <a:endParaRPr/>
+          </a:p>
+          <a:p>
+            <a:r>
+              <a:rPr lang="en-GB" sz="1000">
+                <a:latin typeface="Arial"/>
+              </a:rPr>
+              <a:t>_, folder = os.path.split(os.getcwd())</a:t>
+            </a:r>
+            <a:endParaRPr/>
+          </a:p>
+          <a:p>
+            <a:endParaRPr/>
+          </a:p>
+          <a:p>
+            <a:r>
+              <a:rPr lang="en-GB" sz="1000">
+                <a:latin typeface="Arial"/>
+              </a:rPr>
+              <a:t>import mne</a:t>
+            </a:r>
+            <a:endParaRPr/>
+          </a:p>
+          <a:p>
+            <a:r>
+              <a:rPr lang="en-GB" sz="1000">
+                <a:latin typeface="Arial"/>
+              </a:rPr>
+              <a:t>raw=mne.io.Raw('MNE/'+folder+'_raw.fif');</a:t>
+            </a:r>
+            <a:endParaRPr/>
+          </a:p>
+          <a:p>
+            <a:r>
+              <a:rPr lang="en-GB" sz="1000">
+                <a:latin typeface="Arial"/>
+              </a:rPr>
+              <a:t>events = mne.find_events(raw, stim_channel='STI 014')</a:t>
+            </a:r>
+            <a:endParaRPr/>
+          </a:p>
+          <a:p>
+            <a:r>
+              <a:rPr lang="en-GB" sz="1000">
+                <a:latin typeface="Arial"/>
+              </a:rPr>
+              <a:t>event_id = 2048  # the event number in events</a:t>
+            </a:r>
+            <a:endParaRPr/>
+          </a:p>
+          <a:p>
+            <a:r>
+              <a:rPr lang="en-GB" sz="1000">
+                <a:latin typeface="Arial"/>
+              </a:rPr>
+              <a:t>tmin = -0.5  # start of each epoch (200ms before the trigger)</a:t>
+            </a:r>
+            <a:endParaRPr/>
+          </a:p>
+          <a:p>
+            <a:r>
+              <a:rPr lang="en-GB" sz="1000">
+                <a:latin typeface="Arial"/>
+              </a:rPr>
+              <a:t>tmax = 0.8  # end of each epoch (500ms after the trigget)</a:t>
+            </a:r>
+            <a:endParaRPr/>
+          </a:p>
+          <a:p>
+            <a:r>
+              <a:rPr lang="en-GB" sz="1000">
+                <a:latin typeface="Arial"/>
+              </a:rPr>
+              <a:t>picks = mne.pick_types(raw.info, meg=True, eeg=False, eog=False)</a:t>
+            </a:r>
+            <a:endParaRPr/>
+          </a:p>
+          <a:p>
+            <a:r>
+              <a:rPr lang="en-GB" sz="1000">
+                <a:latin typeface="Arial"/>
+              </a:rPr>
+              <a:t>baseline = (None, 0)</a:t>
+            </a:r>
+            <a:endParaRPr/>
+          </a:p>
+          <a:p>
+            <a:r>
+              <a:rPr lang="en-GB" sz="1000">
+                <a:latin typeface="Arial"/>
+              </a:rPr>
+              <a:t>#reject = dict(mag=4e-12)</a:t>
+            </a:r>
+            <a:endParaRPr/>
+          </a:p>
+          <a:p>
+            <a:r>
+              <a:rPr lang="en-GB" sz="1000">
+                <a:latin typeface="Arial"/>
+              </a:rPr>
+              <a:t>epochs = mne.Epochs(raw, events, event_id, tmin, tmax, proj=True,picks=picks, baseline=baseline, preload=True)</a:t>
+            </a:r>
+            <a:endParaRPr/>
+          </a:p>
+          <a:p>
+            <a:r>
+              <a:rPr lang="en-GB" sz="1000">
+                <a:latin typeface="Arial"/>
+              </a:rPr>
+              <a:t>epochs_data = epochs.get_data()</a:t>
+            </a:r>
+            <a:endParaRPr/>
+          </a:p>
+          <a:p>
+            <a:r>
+              <a:rPr lang="en-GB" sz="1000">
+                <a:latin typeface="Arial"/>
+              </a:rPr>
+              <a:t>evoked = epochs.average()</a:t>
+            </a:r>
+            <a:endParaRPr/>
+          </a:p>
+          <a:p>
+            <a:r>
+              <a:rPr lang="en-GB" sz="1000">
+                <a:latin typeface="Arial"/>
+              </a:rPr>
+              <a:t># plot</a:t>
+            </a:r>
+            <a:endParaRPr/>
+          </a:p>
+          <a:p>
+            <a:r>
+              <a:rPr lang="en-GB" sz="1000">
+                <a:latin typeface="Arial"/>
+              </a:rPr>
+              <a:t>from mne.viz import plot_evoked</a:t>
+            </a:r>
+            <a:endParaRPr/>
+          </a:p>
+          <a:p>
+            <a:r>
+              <a:rPr lang="en-GB" sz="1000">
+                <a:latin typeface="Arial"/>
+              </a:rPr>
+              <a:t>plot_evoked(evoked)</a:t>
+            </a:r>
+            <a:endParaRPr/>
+          </a:p>
+          <a:p>
+            <a:r>
+              <a:rPr lang="en-GB" sz="1000">
+                <a:latin typeface="Arial"/>
+              </a:rPr>
+              <a:t># save</a:t>
+            </a:r>
+            <a:endParaRPr/>
+          </a:p>
+          <a:p>
+            <a:r>
+              <a:rPr lang="en-GB" sz="1000">
+                <a:latin typeface="Arial"/>
+              </a:rPr>
+              <a:t>evoked.save('MNE/'+folder+'_wbw-ave.fif')</a:t>
+            </a:r>
+            <a:endParaRPr/>
+          </a:p>
+          <a:p>
             <a:endParaRPr/>
           </a:p>
         </p:txBody>
       </p:sp>
       <p:pic>
         <p:nvPicPr>
-          <p:cNvPr id="67" name="" descr=""/>
+          <p:cNvPr id="66" name="" descr=""/>
           <p:cNvPicPr/>
           <p:nvPr/>
         </p:nvPicPr>
@@ -6454,8 +6065,8 @@
         </p:blipFill>
         <p:spPr>
           <a:xfrm>
-            <a:off x="4896000" y="4325760"/>
-            <a:ext cx="4998600" cy="2511360"/>
+            <a:off x="6336000" y="1728000"/>
+            <a:ext cx="3555720" cy="2806560"/>
           </a:xfrm>
           <a:prstGeom prst="rect">
             <a:avLst/>
@@ -6516,14 +6127,14 @@
       </p:grpSpPr>
       <p:sp>
         <p:nvSpPr>
-          <p:cNvPr id="68" name="CustomShape 1"/>
+          <p:cNvPr id="67" name="CustomShape 1"/>
           <p:cNvSpPr/>
           <p:nvPr/>
         </p:nvSpPr>
         <p:spPr>
           <a:xfrm>
             <a:off x="502920" y="301320"/>
-            <a:ext cx="9067680" cy="1258560"/>
+            <a:ext cx="9067320" cy="1258200"/>
           </a:xfrm>
           <a:prstGeom prst="rect">
             <a:avLst/>
@@ -6553,14 +6164,14 @@
       </p:sp>
       <p:sp>
         <p:nvSpPr>
-          <p:cNvPr id="69" name="CustomShape 2"/>
+          <p:cNvPr id="68" name="CustomShape 2"/>
           <p:cNvSpPr/>
           <p:nvPr/>
         </p:nvSpPr>
         <p:spPr>
           <a:xfrm>
             <a:off x="502920" y="2165040"/>
-            <a:ext cx="9067680" cy="4381200"/>
+            <a:ext cx="9067320" cy="4380840"/>
           </a:xfrm>
           <a:prstGeom prst="rect">
             <a:avLst/>
@@ -6577,7 +6188,7 @@
               <a:rPr lang="en-GB" sz="2000">
                 <a:latin typeface="Arial"/>
               </a:rPr>
-              <a:t>Use MNE website for many examples</a:t>
+              <a:t>Note that the events are read from the trigger channel STI 014</a:t>
             </a:r>
             <a:endParaRPr/>
           </a:p>
@@ -6586,7 +6197,7 @@
               <a:rPr lang="en-GB" sz="2000">
                 <a:latin typeface="Arial"/>
               </a:rPr>
-              <a:t>Here is an example missing a line for filtering</a:t>
+              <a:t>You can make an event file and use mne.read_events to read it</a:t>
             </a:r>
             <a:endParaRPr/>
           </a:p>
@@ -6595,217 +6206,84 @@
               <a:rPr lang="en-GB" sz="2000">
                 <a:latin typeface="Arial"/>
               </a:rPr>
-              <a:t>See more examples at MNE4D/pyScripts</a:t>
-            </a:r>
-            <a:endParaRPr/>
-          </a:p>
-          <a:p>
-            <a:endParaRPr/>
-          </a:p>
-          <a:p>
-            <a:r>
-              <a:rPr lang="en-GB" sz="1000">
-                <a:latin typeface="Arial"/>
-              </a:rPr>
-              <a:t>import os</a:t>
-            </a:r>
-            <a:endParaRPr/>
-          </a:p>
-          <a:p>
-            <a:r>
-              <a:rPr lang="en-GB" sz="1000">
-                <a:latin typeface="Arial"/>
-              </a:rPr>
-              <a:t>_, folder = os.path.split(os.getcwd())</a:t>
-            </a:r>
-            <a:endParaRPr/>
-          </a:p>
-          <a:p>
-            <a:endParaRPr/>
-          </a:p>
-          <a:p>
-            <a:r>
-              <a:rPr lang="en-GB" sz="1000">
-                <a:latin typeface="Arial"/>
-              </a:rPr>
-              <a:t>import mne</a:t>
-            </a:r>
-            <a:endParaRPr/>
-          </a:p>
-          <a:p>
-            <a:r>
-              <a:rPr lang="en-GB" sz="1000">
-                <a:latin typeface="Arial"/>
-              </a:rPr>
-              <a:t>raw=mne.io.Raw('MNE/'+folder+'_raw.fif');</a:t>
-            </a:r>
-            <a:endParaRPr/>
-          </a:p>
-          <a:p>
-            <a:r>
-              <a:rPr lang="en-GB" sz="1000">
-                <a:latin typeface="Arial"/>
-              </a:rPr>
-              <a:t>events = mne.find_events(raw, stim_channel='STI 014')</a:t>
-            </a:r>
-            <a:endParaRPr/>
-          </a:p>
-          <a:p>
-            <a:r>
-              <a:rPr lang="en-GB" sz="1000">
-                <a:latin typeface="Arial"/>
-              </a:rPr>
-              <a:t>event_id = 2048  # the event number in events</a:t>
-            </a:r>
-            <a:endParaRPr/>
-          </a:p>
-          <a:p>
-            <a:r>
-              <a:rPr lang="en-GB" sz="1000">
-                <a:latin typeface="Arial"/>
-              </a:rPr>
-              <a:t>tmin = -0.5  # start of each epoch (200ms before the trigger)</a:t>
-            </a:r>
-            <a:endParaRPr/>
-          </a:p>
-          <a:p>
-            <a:r>
-              <a:rPr lang="en-GB" sz="1000">
-                <a:latin typeface="Arial"/>
-              </a:rPr>
-              <a:t>tmax = 0.8  # end of each epoch (500ms after the trigget)</a:t>
-            </a:r>
-            <a:endParaRPr/>
-          </a:p>
-          <a:p>
-            <a:r>
-              <a:rPr lang="en-GB" sz="1000">
-                <a:latin typeface="Arial"/>
-              </a:rPr>
-              <a:t>picks = mne.pick_types(raw.info, meg=True, eeg=False, eog=False)</a:t>
-            </a:r>
-            <a:endParaRPr/>
-          </a:p>
-          <a:p>
-            <a:r>
-              <a:rPr lang="en-GB" sz="1000">
-                <a:latin typeface="Arial"/>
-              </a:rPr>
-              <a:t>baseline = (None, 0)</a:t>
-            </a:r>
-            <a:endParaRPr/>
-          </a:p>
-          <a:p>
-            <a:r>
-              <a:rPr lang="en-GB" sz="1000">
-                <a:latin typeface="Arial"/>
-              </a:rPr>
-              <a:t>#reject = dict(mag=4e-12)</a:t>
-            </a:r>
-            <a:endParaRPr/>
-          </a:p>
-          <a:p>
-            <a:r>
-              <a:rPr lang="en-GB" sz="1000">
-                <a:latin typeface="Arial"/>
-              </a:rPr>
-              <a:t>epochs = mne.Epochs(raw, events, event_id, tmin, tmax, proj=True,picks=picks, baseline=baseline, preload=True)</a:t>
-            </a:r>
-            <a:endParaRPr/>
-          </a:p>
-          <a:p>
-            <a:r>
-              <a:rPr lang="en-GB" sz="1000">
-                <a:latin typeface="Arial"/>
-              </a:rPr>
-              <a:t>epochs_data = epochs.get_data()</a:t>
-            </a:r>
-            <a:endParaRPr/>
-          </a:p>
-          <a:p>
-            <a:r>
-              <a:rPr lang="en-GB" sz="1000">
-                <a:latin typeface="Arial"/>
-              </a:rPr>
-              <a:t>evoked = epochs.average()</a:t>
-            </a:r>
-            <a:endParaRPr/>
-          </a:p>
-          <a:p>
-            <a:r>
-              <a:rPr lang="en-GB" sz="1000">
-                <a:latin typeface="Arial"/>
-              </a:rPr>
-              <a:t># plot</a:t>
-            </a:r>
-            <a:endParaRPr/>
-          </a:p>
-          <a:p>
-            <a:r>
-              <a:rPr lang="en-GB" sz="1000">
-                <a:latin typeface="Arial"/>
-              </a:rPr>
-              <a:t>from mne.viz import plot_evoked</a:t>
-            </a:r>
-            <a:endParaRPr/>
-          </a:p>
-          <a:p>
-            <a:r>
-              <a:rPr lang="en-GB" sz="1000">
-                <a:latin typeface="Arial"/>
-              </a:rPr>
-              <a:t>plot_evoked(evoked)</a:t>
-            </a:r>
-            <a:endParaRPr/>
-          </a:p>
-          <a:p>
-            <a:r>
-              <a:rPr lang="en-GB" sz="1000">
-                <a:latin typeface="Arial"/>
-              </a:rPr>
-              <a:t># save</a:t>
-            </a:r>
-            <a:endParaRPr/>
-          </a:p>
-          <a:p>
-            <a:r>
-              <a:rPr lang="en-GB" sz="1000">
-                <a:latin typeface="Arial"/>
-              </a:rPr>
-              <a:t>evoked.save('MNE/'+folder+'_wbw-ave.fif')</a:t>
-            </a:r>
-            <a:endParaRPr/>
-          </a:p>
-          <a:p>
-            <a:endParaRPr/>
-          </a:p>
-        </p:txBody>
-      </p:sp>
-      <p:pic>
-        <p:nvPicPr>
-          <p:cNvPr id="70" name="" descr=""/>
-          <p:cNvPicPr/>
-          <p:nvPr/>
-        </p:nvPicPr>
-        <p:blipFill>
-          <a:blip r:embed="rId1"/>
-          <a:stretch>
-            <a:fillRect/>
-          </a:stretch>
-        </p:blipFill>
-        <p:spPr>
-          <a:xfrm>
-            <a:off x="6336000" y="1728000"/>
-            <a:ext cx="3556080" cy="2806920"/>
-          </a:xfrm>
-          <a:prstGeom prst="rect">
-            <a:avLst/>
-          </a:prstGeom>
-          <a:ln>
-            <a:noFill/>
-          </a:ln>
-        </p:spPr>
-      </p:pic>
+              <a:t>First column is the sample of each event, second column is from which trigger value the event goes up (zero) and the 3</a:t>
+            </a:r>
+            <a:r>
+              <a:rPr lang="en-GB" sz="2000" baseline="101000">
+                <a:latin typeface="Arial"/>
+              </a:rPr>
+              <a:t>rd</a:t>
+            </a:r>
+            <a:r>
+              <a:rPr lang="en-GB" sz="2000">
+                <a:latin typeface="Arial"/>
+              </a:rPr>
+              <a:t> column is to which trigger value it rises (say 100 for one condition and 102 for another)</a:t>
+            </a:r>
+            <a:endParaRPr/>
+          </a:p>
+          <a:p>
+            <a:r>
+              <a:rPr lang="en-GB" sz="2000">
+                <a:latin typeface="Arial"/>
+              </a:rPr>
+              <a:t>In matlab you can do something like:</a:t>
+            </a:r>
+            <a:endParaRPr/>
+          </a:p>
+          <a:p>
+            <a:r>
+              <a:rPr lang="en-GB" sz="2000">
+                <a:latin typeface="Arial"/>
+              </a:rPr>
+              <a:t>evt=[2512 0 100; 3721 0 102; 5010 0 100];</a:t>
+            </a:r>
+            <a:endParaRPr/>
+          </a:p>
+          <a:p>
+            <a:r>
+              <a:rPr lang="en-GB" sz="2000">
+                <a:latin typeface="Arial"/>
+              </a:rPr>
+              <a:t>mne_write_events('sub1-eve.fif',evt);</a:t>
+            </a:r>
+            <a:endParaRPr/>
+          </a:p>
+          <a:p>
+            <a:r>
+              <a:rPr lang="en-GB" sz="2000">
+                <a:latin typeface="Arial"/>
+              </a:rPr>
+              <a:t>The function is in fieldtrip toolbox.</a:t>
+            </a:r>
+            <a:endParaRPr/>
+          </a:p>
+          <a:p>
+            <a:endParaRPr/>
+          </a:p>
+          <a:p>
+            <a:r>
+              <a:rPr lang="en-GB" sz="2000">
+                <a:latin typeface="Arial"/>
+              </a:rPr>
+              <a:t>Alternatively you can save the three columns as a text file called sub1-eve.txt</a:t>
+            </a:r>
+            <a:endParaRPr/>
+          </a:p>
+          <a:p>
+            <a:endParaRPr/>
+          </a:p>
+          <a:p>
+            <a:r>
+              <a:rPr lang="en-GB" sz="2000">
+                <a:latin typeface="Arial"/>
+              </a:rPr>
+              <a:t>Note that sample number 1 in matlab is sample number 0 in python!</a:t>
+            </a:r>
+            <a:endParaRPr/>
+          </a:p>
+        </p:txBody>
+      </p:sp>
     </p:spTree>
   </p:cSld>
   <p:timing>
@@ -6857,14 +6335,14 @@
       </p:grpSpPr>
       <p:sp>
         <p:nvSpPr>
-          <p:cNvPr id="71" name="CustomShape 1"/>
+          <p:cNvPr id="69" name="CustomShape 1"/>
           <p:cNvSpPr/>
           <p:nvPr/>
         </p:nvSpPr>
         <p:spPr>
           <a:xfrm>
             <a:off x="502920" y="301320"/>
-            <a:ext cx="9067680" cy="1258560"/>
+            <a:ext cx="9067320" cy="1258200"/>
           </a:xfrm>
           <a:prstGeom prst="rect">
             <a:avLst/>
@@ -6894,14 +6372,14 @@
       </p:sp>
       <p:sp>
         <p:nvSpPr>
-          <p:cNvPr id="72" name="CustomShape 2"/>
+          <p:cNvPr id="70" name="CustomShape 2"/>
           <p:cNvSpPr/>
           <p:nvPr/>
         </p:nvSpPr>
         <p:spPr>
           <a:xfrm>
-            <a:off x="502920" y="2165040"/>
-            <a:ext cx="9067680" cy="4381200"/>
+            <a:off x="502920" y="2165400"/>
+            <a:ext cx="9067320" cy="4672800"/>
           </a:xfrm>
           <a:prstGeom prst="rect">
             <a:avLst/>
@@ -6915,100 +6393,282 @@
           <a:bodyPr lIns="0" rIns="0" tIns="28080" bIns="0"/>
           <a:p>
             <a:r>
-              <a:rPr lang="en-GB" sz="2000">
-                <a:latin typeface="Arial"/>
-              </a:rPr>
-              <a:t>Note that the events are read from the trigger channel STI 014</a:t>
-            </a:r>
-            <a:endParaRPr/>
-          </a:p>
-          <a:p>
-            <a:r>
-              <a:rPr lang="en-GB" sz="2000">
-                <a:latin typeface="Arial"/>
-              </a:rPr>
-              <a:t>You can make an event file and use mne.read_events to read it</a:t>
-            </a:r>
-            <a:endParaRPr/>
-          </a:p>
-          <a:p>
-            <a:r>
-              <a:rPr lang="en-GB" sz="2000">
-                <a:latin typeface="Arial"/>
-              </a:rPr>
-              <a:t>First column is the sample of each event, second column is from which trigger value the event goes up (zero) and the 3</a:t>
-            </a:r>
-            <a:r>
-              <a:rPr lang="en-GB" sz="2000" baseline="101000">
-                <a:latin typeface="Arial"/>
-              </a:rPr>
-              <a:t>rd</a:t>
-            </a:r>
-            <a:r>
-              <a:rPr lang="en-GB" sz="2000">
-                <a:latin typeface="Arial"/>
-              </a:rPr>
-              <a:t> column is to which trigger value it rises (say 100 for one condition and 102 for another)</a:t>
-            </a:r>
-            <a:endParaRPr/>
-          </a:p>
-          <a:p>
-            <a:r>
-              <a:rPr lang="en-GB" sz="2000">
-                <a:latin typeface="Arial"/>
-              </a:rPr>
-              <a:t>In matlab you can do something like:</a:t>
-            </a:r>
-            <a:endParaRPr/>
-          </a:p>
-          <a:p>
-            <a:r>
-              <a:rPr lang="en-GB" sz="2000">
-                <a:latin typeface="Arial"/>
-              </a:rPr>
-              <a:t>evt=[2512 0 100; 3721 0 102; 5010 0 100];</a:t>
-            </a:r>
-            <a:endParaRPr/>
-          </a:p>
-          <a:p>
-            <a:r>
-              <a:rPr lang="en-GB" sz="2000">
-                <a:latin typeface="Arial"/>
-              </a:rPr>
-              <a:t>mne_write_events('sub1-eve.fif',evt);</a:t>
-            </a:r>
-            <a:endParaRPr/>
-          </a:p>
-          <a:p>
-            <a:r>
-              <a:rPr lang="en-GB" sz="2000">
-                <a:latin typeface="Arial"/>
-              </a:rPr>
-              <a:t>The function is in fieldtrip toolbox.</a:t>
-            </a:r>
-            <a:endParaRPr/>
-          </a:p>
-          <a:p>
-            <a:endParaRPr/>
-          </a:p>
-          <a:p>
-            <a:r>
-              <a:rPr lang="en-GB" sz="2000">
-                <a:latin typeface="Arial"/>
-              </a:rPr>
-              <a:t>Alternatively you can save the three columns as a text file called sub1-eve.txt</a:t>
-            </a:r>
-            <a:endParaRPr/>
-          </a:p>
-          <a:p>
-            <a:endParaRPr/>
-          </a:p>
-          <a:p>
-            <a:r>
-              <a:rPr lang="en-GB" sz="2000">
-                <a:latin typeface="Arial"/>
-              </a:rPr>
-              <a:t>Note that sample number 1 in matlab is sample number 0 in python!</a:t>
+              <a:rPr lang="en-GB" sz="2200">
+                <a:latin typeface="Arial"/>
+              </a:rPr>
+              <a:t>calculate noise covariance, forward and inverse solution</a:t>
+            </a:r>
+            <a:endParaRPr/>
+          </a:p>
+          <a:p>
+            <a:pPr>
+              <a:lnSpc>
+                <a:spcPct val="100000"/>
+              </a:lnSpc>
+            </a:pPr>
+            <a:r>
+              <a:rPr lang="en-GB" sz="2200">
+                <a:latin typeface="Arial"/>
+              </a:rPr>
+              <a:t>python:</a:t>
+            </a:r>
+            <a:endParaRPr/>
+          </a:p>
+          <a:p>
+            <a:pPr>
+              <a:lnSpc>
+                <a:spcPct val="100000"/>
+              </a:lnSpc>
+            </a:pPr>
+            <a:endParaRPr/>
+          </a:p>
+          <a:p>
+            <a:pPr>
+              <a:lnSpc>
+                <a:spcPct val="100000"/>
+              </a:lnSpc>
+            </a:pPr>
+            <a:endParaRPr/>
+          </a:p>
+          <a:p>
+            <a:pPr>
+              <a:lnSpc>
+                <a:spcPct val="100000"/>
+              </a:lnSpc>
+            </a:pPr>
+            <a:endParaRPr/>
+          </a:p>
+          <a:p>
+            <a:pPr>
+              <a:lnSpc>
+                <a:spcPct val="100000"/>
+              </a:lnSpc>
+            </a:pPr>
+            <a:r>
+              <a:rPr lang="en-GB" sz="2200">
+                <a:latin typeface="Arial"/>
+              </a:rPr>
+              <a:t>Bash (terminal):</a:t>
+            </a:r>
+            <a:endParaRPr/>
+          </a:p>
+          <a:p>
+            <a:pPr>
+              <a:lnSpc>
+                <a:spcPct val="100000"/>
+              </a:lnSpc>
+            </a:pPr>
+            <a:endParaRPr/>
+          </a:p>
+          <a:p>
+            <a:pPr>
+              <a:lnSpc>
+                <a:spcPct val="100000"/>
+              </a:lnSpc>
+            </a:pPr>
+            <a:endParaRPr/>
+          </a:p>
+          <a:p>
+            <a:pPr>
+              <a:lnSpc>
+                <a:spcPct val="100000"/>
+              </a:lnSpc>
+            </a:pPr>
+            <a:endParaRPr/>
+          </a:p>
+          <a:p>
+            <a:pPr>
+              <a:lnSpc>
+                <a:spcPct val="100000"/>
+              </a:lnSpc>
+            </a:pPr>
+            <a:endParaRPr/>
+          </a:p>
+          <a:p>
+            <a:pPr>
+              <a:lnSpc>
+                <a:spcPct val="100000"/>
+              </a:lnSpc>
+            </a:pPr>
+            <a:endParaRPr/>
+          </a:p>
+          <a:p>
+            <a:pPr>
+              <a:lnSpc>
+                <a:spcPct val="100000"/>
+              </a:lnSpc>
+            </a:pPr>
+            <a:r>
+              <a:rPr lang="en-GB" sz="2200">
+                <a:latin typeface="Arial"/>
+              </a:rPr>
+              <a:t>Inverse solution is depends on noise cov only. I sometimes use empty room noise cov, as in this example</a:t>
+            </a:r>
+            <a:endParaRPr/>
+          </a:p>
+        </p:txBody>
+      </p:sp>
+      <p:sp>
+        <p:nvSpPr>
+          <p:cNvPr id="71" name="CustomShape 3"/>
+          <p:cNvSpPr/>
+          <p:nvPr/>
+        </p:nvSpPr>
+        <p:spPr>
+          <a:xfrm>
+            <a:off x="503280" y="4320000"/>
+            <a:ext cx="8711640" cy="1294920"/>
+          </a:xfrm>
+          <a:prstGeom prst="rect">
+            <a:avLst/>
+          </a:prstGeom>
+          <a:solidFill>
+            <a:srgbClr val="ffffff"/>
+          </a:solidFill>
+          <a:ln>
+            <a:noFill/>
+          </a:ln>
+        </p:spPr>
+        <p:txBody>
+          <a:bodyPr lIns="90000" rIns="90000" tIns="45000" bIns="45000"/>
+          <a:p>
+            <a:pPr>
+              <a:lnSpc>
+                <a:spcPct val="100000"/>
+              </a:lnSpc>
+            </a:pPr>
+            <a:r>
+              <a:rPr lang="en-GB" sz="1400">
+                <a:latin typeface="Arial"/>
+              </a:rPr>
+              <a:t>mne_setup_source_space --ico -6 --overwrite</a:t>
+            </a:r>
+            <a:endParaRPr/>
+          </a:p>
+          <a:p>
+            <a:pPr>
+              <a:lnSpc>
+                <a:spcPct val="100000"/>
+              </a:lnSpc>
+            </a:pPr>
+            <a:r>
+              <a:rPr lang="en-GB" sz="1400">
+                <a:latin typeface="Arial"/>
+              </a:rPr>
+              <a:t>mne_setup_forward_model --homog --surf --ico 4 --overwrite</a:t>
+            </a:r>
+            <a:endParaRPr/>
+          </a:p>
+          <a:p>
+            <a:pPr>
+              <a:lnSpc>
+                <a:spcPct val="100000"/>
+              </a:lnSpc>
+            </a:pPr>
+            <a:r>
+              <a:rPr lang="en-GB" sz="1400">
+                <a:latin typeface="Arial"/>
+              </a:rPr>
+              <a:t>mne_do_forward_solution --spacing oct-6 mindist --overwrite --meas maor_raw.fif --megonly --noisecov </a:t>
+            </a:r>
+            <a:endParaRPr/>
+          </a:p>
+          <a:p>
+            <a:pPr>
+              <a:lnSpc>
+                <a:spcPct val="100000"/>
+              </a:lnSpc>
+            </a:pPr>
+            <a:r>
+              <a:rPr lang="en-GB" sz="1400">
+                <a:latin typeface="Arial"/>
+              </a:rPr>
+              <a:t>mne_do_inverse_operator --fwd maor_raw-oct-6-fwd.fif --deep --loose 0.2 --meg</a:t>
+            </a:r>
+            <a:endParaRPr/>
+          </a:p>
+        </p:txBody>
+      </p:sp>
+      <p:sp>
+        <p:nvSpPr>
+          <p:cNvPr id="72" name="CustomShape 4"/>
+          <p:cNvSpPr/>
+          <p:nvPr/>
+        </p:nvSpPr>
+        <p:spPr>
+          <a:xfrm>
+            <a:off x="504360" y="2987640"/>
+            <a:ext cx="5398560" cy="575280"/>
+          </a:xfrm>
+          <a:prstGeom prst="rect">
+            <a:avLst/>
+          </a:prstGeom>
+          <a:solidFill>
+            <a:srgbClr val="ffffff"/>
+          </a:solidFill>
+          <a:ln>
+            <a:noFill/>
+          </a:ln>
+        </p:spPr>
+        <p:txBody>
+          <a:bodyPr lIns="90000" rIns="90000" tIns="45000" bIns="45000"/>
+          <a:p>
+            <a:pPr>
+              <a:lnSpc>
+                <a:spcPct val="100000"/>
+              </a:lnSpc>
+            </a:pPr>
+            <a:r>
+              <a:rPr lang="en-GB" sz="1400">
+                <a:latin typeface="Arial"/>
+              </a:rPr>
+              <a:t>cov = mne.compute_covariance(epochs, tmin=None, tmax=0)</a:t>
+            </a:r>
+            <a:endParaRPr/>
+          </a:p>
+          <a:p>
+            <a:pPr>
+              <a:lnSpc>
+                <a:spcPct val="100000"/>
+              </a:lnSpc>
+            </a:pPr>
+            <a:r>
+              <a:rPr lang="en-GB" sz="1400">
+                <a:latin typeface="Arial"/>
+              </a:rPr>
+              <a:t>cov.save('maorf_raw-cov.fif')</a:t>
+            </a:r>
+            <a:endParaRPr/>
+          </a:p>
+        </p:txBody>
+      </p:sp>
+      <p:sp>
+        <p:nvSpPr>
+          <p:cNvPr id="73" name="CustomShape 5"/>
+          <p:cNvSpPr/>
+          <p:nvPr/>
+        </p:nvSpPr>
+        <p:spPr>
+          <a:xfrm>
+            <a:off x="1152000" y="6696000"/>
+            <a:ext cx="7487640" cy="602280"/>
+          </a:xfrm>
+          <a:prstGeom prst="rect">
+            <a:avLst/>
+          </a:prstGeom>
+          <a:noFill/>
+          <a:ln>
+            <a:noFill/>
+          </a:ln>
+        </p:spPr>
+        <p:txBody>
+          <a:bodyPr lIns="90000" rIns="90000" tIns="45000" bIns="45000"/>
+          <a:p>
+            <a:r>
+              <a:rPr lang="en-GB" sz="1400">
+                <a:latin typeface="Arial"/>
+              </a:rPr>
+              <a:t>mne_do_inverse_operator --fwd maor_raw-oct-6-fwd.fif --deep --loose 0.2 --meg --noisecov ~/Data/emptyRoom/empty-cov.fif</a:t>
             </a:r>
             <a:endParaRPr/>
           </a:p>

--- a/docs/MNE_4D_data.pptx
+++ b/docs/MNE_4D_data.pptx
@@ -199,7 +199,7 @@
           <a:bodyPr lIns="0" rIns="0" tIns="0" bIns="0" anchor="b"/>
           <a:p>
             <a:pPr algn="r"/>
-            <a:fld id="{98A9DA76-05AD-4C84-88AE-27C23709940C}" type="slidenum">
+            <a:fld id="{4DE7951C-29E6-4C8D-A2C8-0E95E49043A0}" type="slidenum">
               <a:rPr lang="en-GB" sz="1400">
                 <a:latin typeface="Times New Roman"/>
               </a:rPr>
@@ -6502,7 +6502,7 @@
               <a:rPr lang="en-GB" sz="2200">
                 <a:latin typeface="Arial"/>
               </a:rPr>
-              <a:t>Inverse solution is depends on noise cov only. I sometimes use empty room noise cov, as in this example</a:t>
+              <a:t>Inverse solution depends on noise cov only. I sometimes use empty room noise cov, as in this example</a:t>
             </a:r>
             <a:endParaRPr/>
           </a:p>
